--- a/DsDotNet/src/UnitTest/UnitTest.Model/ImportOfficeExample/Sample/Sub/BodyShop.pptx
+++ b/DsDotNet/src/UnitTest/UnitTest.Model/ImportOfficeExample/Sample/Sub/BodyShop.pptx
@@ -217,7 +217,7 @@
           <a:p>
             <a:fld id="{DD503887-5801-43A0-AEF9-041E8DDC2558}" type="datetimeFigureOut">
               <a:rPr lang="ko-KR" altLang="en-US" smtClean="0"/>
-              <a:t>2024-05-29</a:t>
+              <a:t>2024-05-30</a:t>
             </a:fld>
             <a:endParaRPr lang="ko-KR" altLang="en-US"/>
           </a:p>
@@ -394,7 +394,7 @@
           <a:p>
             <a:fld id="{95336A0E-57B1-4D4C-BD9B-2F72B5943464}" type="datetimeFigureOut">
               <a:rPr lang="ko-KR" altLang="en-US" smtClean="0"/>
-              <a:t>2024-05-29</a:t>
+              <a:t>2024-05-30</a:t>
             </a:fld>
             <a:endParaRPr lang="ko-KR" altLang="en-US"/>
           </a:p>
@@ -3136,10 +3136,10 @@
       </p:sp>
       <p:grpSp>
         <p:nvGrpSpPr>
-          <p:cNvPr id="202" name="그룹 201">
-            <a:extLst>
-              <a:ext uri="{FF2B5EF4-FFF2-40B4-BE49-F238E27FC236}">
-                <a16:creationId xmlns:a16="http://schemas.microsoft.com/office/drawing/2014/main" id="{C22CBEBF-4482-B803-F25B-2875B334F0F4}"/>
+          <p:cNvPr id="3" name="그룹 2">
+            <a:extLst>
+              <a:ext uri="{FF2B5EF4-FFF2-40B4-BE49-F238E27FC236}">
+                <a16:creationId xmlns:a16="http://schemas.microsoft.com/office/drawing/2014/main" id="{F14988A0-BF66-68AA-8640-0AC53B856FBB}"/>
               </a:ext>
             </a:extLst>
           </p:cNvPr>
@@ -3212,8 +3212,8 @@
             <a:p>
               <a:pPr algn="ctr"/>
               <a:r>
-                <a:rPr lang="en-US" altLang="ko-KR" sz="700" dirty="0"/>
-                <a:t>START</a:t>
+                <a:rPr lang="en-US" altLang="ko-KR" sz="800" dirty="0"/>
+                <a:t>RUN</a:t>
               </a:r>
               <a:endParaRPr lang="ko-KR" altLang="en-US" sz="700" dirty="0"/>
             </a:p>
@@ -3277,8 +3277,8 @@
             <a:p>
               <a:pPr algn="ctr"/>
               <a:r>
-                <a:rPr lang="en-US" altLang="ko-KR" sz="700" dirty="0"/>
-                <a:t>START</a:t>
+                <a:rPr lang="en-US" altLang="ko-KR" sz="800" dirty="0"/>
+                <a:t>RUN</a:t>
               </a:r>
               <a:endParaRPr lang="ko-KR" altLang="en-US" sz="700" dirty="0"/>
             </a:p>
@@ -5892,8 +5892,17 @@
           <a:p>
             <a:pPr algn="ctr"/>
             <a:r>
-              <a:rPr lang="en-US" altLang="ko-KR" sz="1100" dirty="0"/>
-              <a:t>AUTOCLEAR </a:t>
+              <a:rPr lang="en-US" altLang="ko-KR" sz="1100">
+                <a:solidFill>
+                  <a:prstClr val="white"/>
+                </a:solidFill>
+                <a:latin typeface="맑은 고딕"/>
+              </a:rPr>
+              <a:t>UNLOAD</a:t>
+            </a:r>
+            <a:r>
+              <a:rPr lang="en-US" altLang="ko-KR" sz="1100"/>
+              <a:t> </a:t>
             </a:r>
             <a:r>
               <a:rPr lang="en-US" altLang="ko-KR" sz="1100" dirty="0">

--- a/DsDotNet/src/UnitTest/UnitTest.Model/ImportOfficeExample/Sample/Sub/BodyShop.pptx
+++ b/DsDotNet/src/UnitTest/UnitTest.Model/ImportOfficeExample/Sample/Sub/BodyShop.pptx
@@ -2726,51 +2726,6 @@
           </a:p>
         </p:txBody>
       </p:sp>
-      <p:cxnSp>
-        <p:nvCxnSpPr>
-          <p:cNvPr id="25" name="연결선: 꺾임 24">
-            <a:extLst>
-              <a:ext uri="{FF2B5EF4-FFF2-40B4-BE49-F238E27FC236}">
-                <a16:creationId xmlns:a16="http://schemas.microsoft.com/office/drawing/2014/main" id="{FEADF551-B142-7B8D-7F6E-28DD84435739}"/>
-              </a:ext>
-            </a:extLst>
-          </p:cNvPr>
-          <p:cNvCxnSpPr>
-            <a:cxnSpLocks/>
-            <a:stCxn id="23" idx="2"/>
-            <a:endCxn id="24" idx="6"/>
-          </p:cNvCxnSpPr>
-          <p:nvPr/>
-        </p:nvCxnSpPr>
-        <p:spPr>
-          <a:xfrm flipV="1">
-            <a:off x="5467618" y="3592979"/>
-            <a:ext cx="202341" cy="2099"/>
-          </a:xfrm>
-          <a:prstGeom prst="bentConnector3">
-            <a:avLst>
-              <a:gd name="adj1" fmla="val 50000"/>
-            </a:avLst>
-          </a:prstGeom>
-          <a:ln w="28575">
-            <a:tailEnd type="triangle"/>
-          </a:ln>
-        </p:spPr>
-        <p:style>
-          <a:lnRef idx="1">
-            <a:schemeClr val="accent4"/>
-          </a:lnRef>
-          <a:fillRef idx="0">
-            <a:schemeClr val="accent4"/>
-          </a:fillRef>
-          <a:effectRef idx="0">
-            <a:schemeClr val="accent4"/>
-          </a:effectRef>
-          <a:fontRef idx="minor">
-            <a:schemeClr val="tx1"/>
-          </a:fontRef>
-        </p:style>
-      </p:cxnSp>
       <p:sp>
         <p:nvSpPr>
           <p:cNvPr id="26" name="사각형: 모서리가 접힌 도형 25">
@@ -2785,7 +2740,7 @@
         </p:nvSpPr>
         <p:spPr>
           <a:xfrm>
-            <a:off x="9097110" y="5176268"/>
+            <a:off x="9097110" y="4103161"/>
             <a:ext cx="2544028" cy="659263"/>
           </a:xfrm>
           <a:prstGeom prst="foldedCorner">
@@ -2821,14 +2776,14 @@
             <a:pPr algn="ctr"/>
             <a:r>
               <a:rPr lang="en-US" altLang="ko-KR" dirty="0"/>
-              <a:t>Sub/Line </a:t>
+              <a:t>Sub/Floor</a:t>
             </a:r>
           </a:p>
           <a:p>
             <a:pPr algn="ctr"/>
             <a:r>
               <a:rPr lang="en-US" altLang="ko-KR" dirty="0"/>
-              <a:t>[FF]</a:t>
+              <a:t>[Floor]</a:t>
             </a:r>
             <a:endParaRPr lang="ko-KR" altLang="en-US" dirty="0"/>
           </a:p>
@@ -2848,7 +2803,7 @@
         </p:nvSpPr>
         <p:spPr>
           <a:xfrm>
-            <a:off x="8124540" y="3321891"/>
+            <a:off x="8562690" y="3334587"/>
             <a:ext cx="3280535" cy="651750"/>
           </a:xfrm>
           <a:prstGeom prst="rect">
@@ -2936,10 +2891,10 @@
       </p:sp>
       <p:sp>
         <p:nvSpPr>
-          <p:cNvPr id="40" name="직사각형 39">
-            <a:extLst>
-              <a:ext uri="{FF2B5EF4-FFF2-40B4-BE49-F238E27FC236}">
-                <a16:creationId xmlns:a16="http://schemas.microsoft.com/office/drawing/2014/main" id="{3CB0FFFA-B8EC-ED39-CF3B-53F576012075}"/>
+          <p:cNvPr id="87" name="직사각형 86">
+            <a:extLst>
+              <a:ext uri="{FF2B5EF4-FFF2-40B4-BE49-F238E27FC236}">
+                <a16:creationId xmlns:a16="http://schemas.microsoft.com/office/drawing/2014/main" id="{A666F1B0-D0CC-8935-09CB-C57A424901F1}"/>
               </a:ext>
             </a:extLst>
           </p:cNvPr>
@@ -2947,22 +2902,83 @@
           <p:nvPr/>
         </p:nvSpPr>
         <p:spPr>
-          <a:xfrm>
-            <a:off x="4353197" y="2212129"/>
-            <a:ext cx="2371594" cy="694786"/>
+          <a:xfrm flipH="1">
+            <a:off x="1964256" y="3390069"/>
+            <a:ext cx="1148860" cy="529248"/>
           </a:xfrm>
           <a:prstGeom prst="rect">
             <a:avLst/>
           </a:prstGeom>
-          <a:noFill/>
+          <a:solidFill>
+            <a:schemeClr val="accent4">
+              <a:alpha val="50000"/>
+            </a:schemeClr>
+          </a:solidFill>
+          <a:ln>
+            <a:noFill/>
+          </a:ln>
+        </p:spPr>
+        <p:style>
+          <a:lnRef idx="0">
+            <a:scrgbClr r="0" g="0" b="0"/>
+          </a:lnRef>
+          <a:fillRef idx="0">
+            <a:scrgbClr r="0" g="0" b="0"/>
+          </a:fillRef>
+          <a:effectRef idx="0">
+            <a:scrgbClr r="0" g="0" b="0"/>
+          </a:effectRef>
+          <a:fontRef idx="minor">
+            <a:schemeClr val="lt1"/>
+          </a:fontRef>
+        </p:style>
+        <p:txBody>
+          <a:bodyPr rtlCol="0" anchor="ctr"/>
+          <a:lstStyle/>
+          <a:p>
+            <a:pPr algn="ctr"/>
+            <a:r>
+              <a:rPr lang="en-US" altLang="ko-KR" sz="1200" dirty="0"/>
+              <a:t>RUN</a:t>
+            </a:r>
+            <a:endParaRPr lang="ko-KR" altLang="en-US" sz="1200" dirty="0"/>
+          </a:p>
+        </p:txBody>
+      </p:sp>
+      <p:cxnSp>
+        <p:nvCxnSpPr>
+          <p:cNvPr id="91" name="연결선: 꺾임 90">
+            <a:extLst>
+              <a:ext uri="{FF2B5EF4-FFF2-40B4-BE49-F238E27FC236}">
+                <a16:creationId xmlns:a16="http://schemas.microsoft.com/office/drawing/2014/main" id="{8A413A50-240C-A113-B5C4-3AFCA8E14841}"/>
+              </a:ext>
+            </a:extLst>
+          </p:cNvPr>
+          <p:cNvCxnSpPr>
+            <a:cxnSpLocks/>
+            <a:stCxn id="87" idx="1"/>
+            <a:endCxn id="40" idx="1"/>
+          </p:cNvCxnSpPr>
+          <p:nvPr/>
+        </p:nvCxnSpPr>
+        <p:spPr>
+          <a:xfrm flipV="1">
+            <a:off x="3113116" y="1994821"/>
+            <a:ext cx="1224230" cy="1659872"/>
+          </a:xfrm>
+          <a:prstGeom prst="bentConnector3">
+            <a:avLst>
+              <a:gd name="adj1" fmla="val 50000"/>
+            </a:avLst>
+          </a:prstGeom>
           <a:ln w="28575" cap="flat" cmpd="sng" algn="ctr">
             <a:solidFill>
-              <a:schemeClr val="accent4"/>
+              <a:schemeClr val="accent2"/>
             </a:solidFill>
             <a:prstDash val="solid"/>
             <a:round/>
             <a:headEnd type="none" w="med" len="med"/>
-            <a:tailEnd type="none" w="med" len="med"/>
+            <a:tailEnd type="triangle" w="med" len="med"/>
           </a:ln>
         </p:spPr>
         <p:style>
@@ -2976,93 +2992,44 @@
             <a:scrgbClr r="0" g="0" b="0"/>
           </a:effectRef>
           <a:fontRef idx="minor">
-            <a:schemeClr val="accent4"/>
+            <a:schemeClr val="tx1"/>
           </a:fontRef>
         </p:style>
-        <p:txBody>
-          <a:bodyPr rtlCol="0" anchor="b"/>
-          <a:lstStyle/>
-          <a:p>
-            <a:pPr marL="0" marR="0" lvl="0" indent="0" algn="r" defTabSz="914400" rtl="0" eaLnBrk="1" fontAlgn="auto" latinLnBrk="0" hangingPunct="1">
-              <a:lnSpc>
-                <a:spcPct val="100000"/>
-              </a:lnSpc>
-              <a:spcBef>
-                <a:spcPts val="0"/>
-              </a:spcBef>
-              <a:spcAft>
-                <a:spcPts val="0"/>
-              </a:spcAft>
-              <a:buClrTx/>
-              <a:buSzTx/>
-              <a:buFontTx/>
-              <a:buNone/>
-              <a:tabLst/>
-              <a:defRPr/>
-            </a:pPr>
-            <a:r>
-              <a:rPr kumimoji="0" lang="en-US" altLang="ko-KR" sz="1050" b="0" i="0" u="none" strike="noStrike" kern="1200" cap="none" spc="0" normalizeH="0" baseline="0" noProof="0" dirty="0">
-                <a:ln>
-                  <a:noFill/>
-                </a:ln>
-                <a:solidFill>
-                  <a:prstClr val="white"/>
-                </a:solidFill>
-                <a:effectLst/>
-                <a:uLnTx/>
-                <a:uFillTx/>
-                <a:latin typeface="맑은 고딕"/>
-                <a:ea typeface="+mn-ea"/>
-                <a:cs typeface="+mn-cs"/>
-              </a:rPr>
-              <a:t>SIDE RH</a:t>
-            </a:r>
-            <a:endParaRPr kumimoji="0" lang="ko-KR" altLang="en-US" sz="1050" b="0" i="0" u="none" strike="noStrike" kern="1200" cap="none" spc="0" normalizeH="0" baseline="0" noProof="0" dirty="0">
-              <a:ln>
-                <a:noFill/>
-              </a:ln>
-              <a:solidFill>
-                <a:prstClr val="white"/>
-              </a:solidFill>
-              <a:effectLst/>
-              <a:uLnTx/>
-              <a:uFillTx/>
-              <a:latin typeface="맑은 고딕"/>
-              <a:ea typeface="+mn-ea"/>
-              <a:cs typeface="+mn-cs"/>
-            </a:endParaRPr>
-          </a:p>
-        </p:txBody>
-      </p:sp>
-      <p:sp>
-        <p:nvSpPr>
-          <p:cNvPr id="44" name="직사각형 43">
-            <a:extLst>
-              <a:ext uri="{FF2B5EF4-FFF2-40B4-BE49-F238E27FC236}">
-                <a16:creationId xmlns:a16="http://schemas.microsoft.com/office/drawing/2014/main" id="{4C0BAEBA-0540-F18C-624B-6C1C5A534AFE}"/>
-              </a:ext>
-            </a:extLst>
-          </p:cNvPr>
-          <p:cNvSpPr/>
+      </p:cxnSp>
+      <p:cxnSp>
+        <p:nvCxnSpPr>
+          <p:cNvPr id="103" name="연결선: 꺾임 102">
+            <a:extLst>
+              <a:ext uri="{FF2B5EF4-FFF2-40B4-BE49-F238E27FC236}">
+                <a16:creationId xmlns:a16="http://schemas.microsoft.com/office/drawing/2014/main" id="{F0ED640E-4C68-900F-4F3B-7D40CFEE4C20}"/>
+              </a:ext>
+            </a:extLst>
+          </p:cNvPr>
+          <p:cNvCxnSpPr>
+            <a:cxnSpLocks/>
+            <a:stCxn id="87" idx="1"/>
+            <a:endCxn id="44" idx="1"/>
+          </p:cNvCxnSpPr>
           <p:nvPr/>
-        </p:nvSpPr>
+        </p:nvCxnSpPr>
         <p:spPr>
           <a:xfrm>
-            <a:off x="4353197" y="4490699"/>
-            <a:ext cx="2371594" cy="685569"/>
-          </a:xfrm>
-          <a:prstGeom prst="rect">
-            <a:avLst/>
+            <a:off x="3113116" y="3654693"/>
+            <a:ext cx="1220074" cy="1637041"/>
+          </a:xfrm>
+          <a:prstGeom prst="bentConnector3">
+            <a:avLst>
+              <a:gd name="adj1" fmla="val 50000"/>
+            </a:avLst>
           </a:prstGeom>
-          <a:noFill/>
           <a:ln w="28575" cap="flat" cmpd="sng" algn="ctr">
             <a:solidFill>
-              <a:schemeClr val="accent4"/>
+              <a:schemeClr val="accent2"/>
             </a:solidFill>
             <a:prstDash val="solid"/>
             <a:round/>
             <a:headEnd type="none" w="med" len="med"/>
-            <a:tailEnd type="none" w="med" len="med"/>
+            <a:tailEnd type="triangle" w="med" len="med"/>
           </a:ln>
         </p:spPr>
         <p:style>
@@ -3076,70 +3043,250 @@
             <a:scrgbClr r="0" g="0" b="0"/>
           </a:effectRef>
           <a:fontRef idx="minor">
-            <a:schemeClr val="accent4"/>
+            <a:schemeClr val="tx1"/>
+          </a:fontRef>
+        </p:style>
+      </p:cxnSp>
+      <p:sp>
+        <p:nvSpPr>
+          <p:cNvPr id="76" name="직사각형 75">
+            <a:extLst>
+              <a:ext uri="{FF2B5EF4-FFF2-40B4-BE49-F238E27FC236}">
+                <a16:creationId xmlns:a16="http://schemas.microsoft.com/office/drawing/2014/main" id="{1EAFF3B1-FA23-7C44-4A9C-F885C01354D0}"/>
+              </a:ext>
+            </a:extLst>
+          </p:cNvPr>
+          <p:cNvSpPr/>
+          <p:nvPr/>
+        </p:nvSpPr>
+        <p:spPr>
+          <a:xfrm flipH="1">
+            <a:off x="221638" y="3390068"/>
+            <a:ext cx="1114433" cy="529248"/>
+          </a:xfrm>
+          <a:prstGeom prst="rect">
+            <a:avLst/>
+          </a:prstGeom>
+          <a:solidFill>
+            <a:schemeClr val="accent4">
+              <a:alpha val="50000"/>
+            </a:schemeClr>
+          </a:solidFill>
+          <a:ln>
+            <a:noFill/>
+          </a:ln>
+        </p:spPr>
+        <p:style>
+          <a:lnRef idx="0">
+            <a:scrgbClr r="0" g="0" b="0"/>
+          </a:lnRef>
+          <a:fillRef idx="0">
+            <a:scrgbClr r="0" g="0" b="0"/>
+          </a:fillRef>
+          <a:effectRef idx="0">
+            <a:scrgbClr r="0" g="0" b="0"/>
+          </a:effectRef>
+          <a:fontRef idx="minor">
+            <a:schemeClr val="lt1"/>
           </a:fontRef>
         </p:style>
         <p:txBody>
-          <a:bodyPr rtlCol="0" anchor="b"/>
+          <a:bodyPr rtlCol="0" anchor="ctr"/>
           <a:lstStyle/>
           <a:p>
-            <a:pPr marL="0" marR="0" lvl="0" indent="0" algn="r" defTabSz="914400" rtl="0" eaLnBrk="1" fontAlgn="auto" latinLnBrk="0" hangingPunct="1">
-              <a:lnSpc>
-                <a:spcPct val="100000"/>
-              </a:lnSpc>
-              <a:spcBef>
-                <a:spcPts val="0"/>
-              </a:spcBef>
-              <a:spcAft>
-                <a:spcPts val="0"/>
-              </a:spcAft>
-              <a:buClrTx/>
-              <a:buSzTx/>
-              <a:buFontTx/>
-              <a:buNone/>
-              <a:tabLst/>
-              <a:defRPr/>
-            </a:pPr>
-            <a:r>
-              <a:rPr kumimoji="0" lang="en-US" altLang="ko-KR" sz="1050" b="0" i="0" u="none" strike="noStrike" kern="1200" cap="none" spc="0" normalizeH="0" baseline="0" noProof="0">
-                <a:ln>
-                  <a:noFill/>
-                </a:ln>
-                <a:solidFill>
-                  <a:prstClr val="white"/>
-                </a:solidFill>
-                <a:effectLst/>
-                <a:uLnTx/>
-                <a:uFillTx/>
-                <a:latin typeface="맑은 고딕"/>
-                <a:ea typeface="+mn-ea"/>
-                <a:cs typeface="+mn-cs"/>
-              </a:rPr>
-              <a:t>SIDE LH</a:t>
-            </a:r>
-            <a:endParaRPr kumimoji="0" lang="ko-KR" altLang="en-US" sz="1050" b="0" i="0" u="none" strike="noStrike" kern="1200" cap="none" spc="0" normalizeH="0" baseline="0" noProof="0">
-              <a:ln>
-                <a:noFill/>
-              </a:ln>
-              <a:solidFill>
-                <a:prstClr val="white"/>
-              </a:solidFill>
-              <a:effectLst/>
-              <a:uLnTx/>
-              <a:uFillTx/>
-              <a:latin typeface="맑은 고딕"/>
-              <a:ea typeface="+mn-ea"/>
-              <a:cs typeface="+mn-cs"/>
-            </a:endParaRPr>
+            <a:pPr algn="ctr"/>
+            <a:r>
+              <a:rPr lang="en-US" altLang="ko-KR" sz="1200" dirty="0"/>
+              <a:t>START</a:t>
+            </a:r>
+            <a:endParaRPr lang="ko-KR" altLang="en-US" sz="1200" dirty="0"/>
           </a:p>
         </p:txBody>
       </p:sp>
+      <p:cxnSp>
+        <p:nvCxnSpPr>
+          <p:cNvPr id="80" name="직선 화살표 연결선 79">
+            <a:extLst>
+              <a:ext uri="{FF2B5EF4-FFF2-40B4-BE49-F238E27FC236}">
+                <a16:creationId xmlns:a16="http://schemas.microsoft.com/office/drawing/2014/main" id="{B19FB684-E0C7-324E-A2A6-6160F229B474}"/>
+              </a:ext>
+            </a:extLst>
+          </p:cNvPr>
+          <p:cNvCxnSpPr>
+            <a:cxnSpLocks/>
+            <a:stCxn id="76" idx="1"/>
+            <a:endCxn id="87" idx="3"/>
+          </p:cNvCxnSpPr>
+          <p:nvPr/>
+        </p:nvCxnSpPr>
+        <p:spPr>
+          <a:xfrm>
+            <a:off x="1336071" y="3654692"/>
+            <a:ext cx="628185" cy="1"/>
+          </a:xfrm>
+          <a:prstGeom prst="straightConnector1">
+            <a:avLst/>
+          </a:prstGeom>
+          <a:ln w="28575" cap="flat" cmpd="sng" algn="ctr">
+            <a:solidFill>
+              <a:schemeClr val="accent2"/>
+            </a:solidFill>
+            <a:prstDash val="solid"/>
+            <a:round/>
+            <a:headEnd type="diamond" w="med" len="med"/>
+            <a:tailEnd type="triangle" w="med" len="med"/>
+          </a:ln>
+        </p:spPr>
+        <p:style>
+          <a:lnRef idx="0">
+            <a:scrgbClr r="0" g="0" b="0"/>
+          </a:lnRef>
+          <a:fillRef idx="0">
+            <a:scrgbClr r="0" g="0" b="0"/>
+          </a:fillRef>
+          <a:effectRef idx="0">
+            <a:scrgbClr r="0" g="0" b="0"/>
+          </a:effectRef>
+          <a:fontRef idx="minor">
+            <a:schemeClr val="tx1"/>
+          </a:fontRef>
+        </p:style>
+      </p:cxnSp>
+      <p:cxnSp>
+        <p:nvCxnSpPr>
+          <p:cNvPr id="19" name="연결선: 꺾임 18">
+            <a:extLst>
+              <a:ext uri="{FF2B5EF4-FFF2-40B4-BE49-F238E27FC236}">
+                <a16:creationId xmlns:a16="http://schemas.microsoft.com/office/drawing/2014/main" id="{DBCD8F05-D436-3E97-0DC6-ECB65D71576E}"/>
+              </a:ext>
+            </a:extLst>
+          </p:cNvPr>
+          <p:cNvCxnSpPr>
+            <a:cxnSpLocks/>
+            <a:stCxn id="52" idx="2"/>
+            <a:endCxn id="87" idx="2"/>
+          </p:cNvCxnSpPr>
+          <p:nvPr/>
+        </p:nvCxnSpPr>
+        <p:spPr>
+          <a:xfrm rot="5400000" flipH="1">
+            <a:off x="3384048" y="3073956"/>
+            <a:ext cx="168707" cy="1859431"/>
+          </a:xfrm>
+          <a:prstGeom prst="bentConnector3">
+            <a:avLst>
+              <a:gd name="adj1" fmla="val -135501"/>
+            </a:avLst>
+          </a:prstGeom>
+          <a:ln w="25400">
+            <a:prstDash val="dash"/>
+            <a:headEnd w="lg" len="lg"/>
+            <a:tailEnd type="triangle" w="lg" len="lg"/>
+          </a:ln>
+        </p:spPr>
+        <p:style>
+          <a:lnRef idx="1">
+            <a:schemeClr val="accent1"/>
+          </a:lnRef>
+          <a:fillRef idx="0">
+            <a:schemeClr val="accent1"/>
+          </a:fillRef>
+          <a:effectRef idx="0">
+            <a:schemeClr val="accent1"/>
+          </a:effectRef>
+          <a:fontRef idx="minor">
+            <a:schemeClr val="tx1"/>
+          </a:fontRef>
+        </p:style>
+      </p:cxnSp>
+      <p:cxnSp>
+        <p:nvCxnSpPr>
+          <p:cNvPr id="152" name="연결선: 꺾임 151">
+            <a:extLst>
+              <a:ext uri="{FF2B5EF4-FFF2-40B4-BE49-F238E27FC236}">
+                <a16:creationId xmlns:a16="http://schemas.microsoft.com/office/drawing/2014/main" id="{7F9F116D-5261-6C06-7853-5DDCF79FB25E}"/>
+              </a:ext>
+            </a:extLst>
+          </p:cNvPr>
+          <p:cNvCxnSpPr>
+            <a:cxnSpLocks/>
+            <a:stCxn id="87" idx="1"/>
+            <a:endCxn id="52" idx="1"/>
+          </p:cNvCxnSpPr>
+          <p:nvPr/>
+        </p:nvCxnSpPr>
+        <p:spPr>
+          <a:xfrm flipV="1">
+            <a:off x="3113116" y="3647766"/>
+            <a:ext cx="793275" cy="6927"/>
+          </a:xfrm>
+          <a:prstGeom prst="bentConnector3">
+            <a:avLst>
+              <a:gd name="adj1" fmla="val 50000"/>
+            </a:avLst>
+          </a:prstGeom>
+          <a:ln w="28575" cap="flat" cmpd="sng" algn="ctr">
+            <a:solidFill>
+              <a:schemeClr val="accent2"/>
+            </a:solidFill>
+            <a:prstDash val="solid"/>
+            <a:round/>
+            <a:headEnd type="none" w="med" len="med"/>
+            <a:tailEnd type="triangle" w="med" len="med"/>
+          </a:ln>
+        </p:spPr>
+        <p:style>
+          <a:lnRef idx="0">
+            <a:scrgbClr r="0" g="0" b="0"/>
+          </a:lnRef>
+          <a:fillRef idx="0">
+            <a:scrgbClr r="0" g="0" b="0"/>
+          </a:fillRef>
+          <a:effectRef idx="0">
+            <a:scrgbClr r="0" g="0" b="0"/>
+          </a:effectRef>
+          <a:fontRef idx="minor">
+            <a:schemeClr val="tx1"/>
+          </a:fontRef>
+        </p:style>
+      </p:cxnSp>
+      <p:pic>
+        <p:nvPicPr>
+          <p:cNvPr id="189" name="그림 188">
+            <a:extLst>
+              <a:ext uri="{FF2B5EF4-FFF2-40B4-BE49-F238E27FC236}">
+                <a16:creationId xmlns:a16="http://schemas.microsoft.com/office/drawing/2014/main" id="{45037B07-8D88-A41A-6101-4552F8F440C5}"/>
+              </a:ext>
+            </a:extLst>
+          </p:cNvPr>
+          <p:cNvPicPr>
+            <a:picLocks noChangeAspect="1"/>
+          </p:cNvPicPr>
+          <p:nvPr/>
+        </p:nvPicPr>
+        <p:blipFill rotWithShape="1">
+          <a:blip r:embed="rId2">
+            <a:alphaModFix amt="35000"/>
+          </a:blip>
+          <a:srcRect b="53107"/>
+          <a:stretch/>
+        </p:blipFill>
+        <p:spPr>
+          <a:xfrm>
+            <a:off x="8397662" y="183030"/>
+            <a:ext cx="3736245" cy="1368679"/>
+          </a:xfrm>
+          <a:prstGeom prst="rect">
+            <a:avLst/>
+          </a:prstGeom>
+        </p:spPr>
+      </p:pic>
       <p:grpSp>
         <p:nvGrpSpPr>
-          <p:cNvPr id="3" name="그룹 2">
-            <a:extLst>
-              <a:ext uri="{FF2B5EF4-FFF2-40B4-BE49-F238E27FC236}">
-                <a16:creationId xmlns:a16="http://schemas.microsoft.com/office/drawing/2014/main" id="{F14988A0-BF66-68AA-8640-0AC53B856FBB}"/>
+          <p:cNvPr id="164" name="그룹 163">
+            <a:extLst>
+              <a:ext uri="{FF2B5EF4-FFF2-40B4-BE49-F238E27FC236}">
+                <a16:creationId xmlns:a16="http://schemas.microsoft.com/office/drawing/2014/main" id="{FF5F7E5D-2AEE-294F-41A1-C0DB7B7AB748}"/>
               </a:ext>
             </a:extLst>
           </p:cNvPr>
@@ -3148,142 +3295,12 @@
         </p:nvGrpSpPr>
         <p:grpSpPr>
           <a:xfrm>
-            <a:off x="4348350" y="3207508"/>
-            <a:ext cx="2381289" cy="880516"/>
-            <a:chOff x="4348350" y="3207508"/>
-            <a:chExt cx="2381289" cy="880516"/>
+            <a:off x="3906391" y="3207508"/>
+            <a:ext cx="983452" cy="880516"/>
+            <a:chOff x="3906391" y="3207508"/>
+            <a:chExt cx="983452" cy="880516"/>
           </a:xfrm>
         </p:grpSpPr>
-        <p:sp>
-          <p:nvSpPr>
-            <p:cNvPr id="23" name="타원 22">
-              <a:extLst>
-                <a:ext uri="{FF2B5EF4-FFF2-40B4-BE49-F238E27FC236}">
-                  <a16:creationId xmlns:a16="http://schemas.microsoft.com/office/drawing/2014/main" id="{17A55F77-2533-534F-A4D6-56680B23BCD6}"/>
-                </a:ext>
-              </a:extLst>
-            </p:cNvPr>
-            <p:cNvSpPr/>
-            <p:nvPr/>
-          </p:nvSpPr>
-          <p:spPr>
-            <a:xfrm flipH="1">
-              <a:off x="4484166" y="3349271"/>
-              <a:ext cx="983452" cy="491614"/>
-            </a:xfrm>
-            <a:prstGeom prst="ellipse">
-              <a:avLst/>
-            </a:prstGeom>
-            <a:solidFill>
-              <a:schemeClr val="accent4">
-                <a:alpha val="50000"/>
-              </a:schemeClr>
-            </a:solidFill>
-            <a:ln w="28575">
-              <a:solidFill>
-                <a:schemeClr val="tx1"/>
-              </a:solidFill>
-            </a:ln>
-          </p:spPr>
-          <p:style>
-            <a:lnRef idx="0">
-              <a:scrgbClr r="0" g="0" b="0"/>
-            </a:lnRef>
-            <a:fillRef idx="0">
-              <a:scrgbClr r="0" g="0" b="0"/>
-            </a:fillRef>
-            <a:effectRef idx="0">
-              <a:scrgbClr r="0" g="0" b="0"/>
-            </a:effectRef>
-            <a:fontRef idx="minor">
-              <a:schemeClr val="lt1"/>
-            </a:fontRef>
-          </p:style>
-          <p:txBody>
-            <a:bodyPr rtlCol="0" anchor="ctr"/>
-            <a:lstStyle/>
-            <a:p>
-              <a:pPr algn="ctr"/>
-              <a:r>
-                <a:rPr lang="en-US" altLang="ko-KR" sz="700" dirty="0"/>
-                <a:t>FF.</a:t>
-              </a:r>
-            </a:p>
-            <a:p>
-              <a:pPr algn="ctr"/>
-              <a:r>
-                <a:rPr lang="en-US" altLang="ko-KR" sz="800" dirty="0"/>
-                <a:t>RUN</a:t>
-              </a:r>
-              <a:endParaRPr lang="ko-KR" altLang="en-US" sz="700" dirty="0"/>
-            </a:p>
-          </p:txBody>
-        </p:sp>
-        <p:sp>
-          <p:nvSpPr>
-            <p:cNvPr id="24" name="타원 23">
-              <a:extLst>
-                <a:ext uri="{FF2B5EF4-FFF2-40B4-BE49-F238E27FC236}">
-                  <a16:creationId xmlns:a16="http://schemas.microsoft.com/office/drawing/2014/main" id="{41FEE6D6-7D37-16A1-BB9D-1DC247CCD303}"/>
-                </a:ext>
-              </a:extLst>
-            </p:cNvPr>
-            <p:cNvSpPr/>
-            <p:nvPr/>
-          </p:nvSpPr>
-          <p:spPr>
-            <a:xfrm flipH="1">
-              <a:off x="5669959" y="3347172"/>
-              <a:ext cx="857339" cy="491614"/>
-            </a:xfrm>
-            <a:prstGeom prst="ellipse">
-              <a:avLst/>
-            </a:prstGeom>
-            <a:solidFill>
-              <a:schemeClr val="accent4">
-                <a:alpha val="50000"/>
-              </a:schemeClr>
-            </a:solidFill>
-            <a:ln w="28575">
-              <a:solidFill>
-                <a:schemeClr val="tx1"/>
-              </a:solidFill>
-            </a:ln>
-          </p:spPr>
-          <p:style>
-            <a:lnRef idx="0">
-              <a:scrgbClr r="0" g="0" b="0"/>
-            </a:lnRef>
-            <a:fillRef idx="0">
-              <a:scrgbClr r="0" g="0" b="0"/>
-            </a:fillRef>
-            <a:effectRef idx="0">
-              <a:scrgbClr r="0" g="0" b="0"/>
-            </a:effectRef>
-            <a:fontRef idx="minor">
-              <a:schemeClr val="lt1"/>
-            </a:fontRef>
-          </p:style>
-          <p:txBody>
-            <a:bodyPr rtlCol="0" anchor="ctr"/>
-            <a:lstStyle/>
-            <a:p>
-              <a:pPr algn="ctr"/>
-              <a:r>
-                <a:rPr lang="en-US" altLang="ko-KR" sz="700" dirty="0"/>
-                <a:t>FC.</a:t>
-              </a:r>
-            </a:p>
-            <a:p>
-              <a:pPr algn="ctr"/>
-              <a:r>
-                <a:rPr lang="en-US" altLang="ko-KR" sz="800" dirty="0"/>
-                <a:t>RUN</a:t>
-              </a:r>
-              <a:endParaRPr lang="ko-KR" altLang="en-US" sz="700" dirty="0"/>
-            </a:p>
-          </p:txBody>
-        </p:sp>
         <p:sp>
           <p:nvSpPr>
             <p:cNvPr id="52" name="직사각형 51">
@@ -3298,8 +3315,8 @@
           </p:nvSpPr>
           <p:spPr>
             <a:xfrm>
-              <a:off x="4348350" y="3207508"/>
-              <a:ext cx="2381289" cy="880516"/>
+              <a:off x="3906391" y="3207508"/>
+              <a:ext cx="983452" cy="880516"/>
             </a:xfrm>
             <a:prstGeom prst="rect">
               <a:avLst/>
@@ -3341,165 +3358,87 @@
                   </a:solidFill>
                   <a:latin typeface="맑은 고딕"/>
                 </a:rPr>
-                <a:t>FLOOR</a:t>
+                <a:t>FLR</a:t>
               </a:r>
             </a:p>
           </p:txBody>
         </p:sp>
+        <p:sp>
+          <p:nvSpPr>
+            <p:cNvPr id="4" name="타원 3">
+              <a:extLst>
+                <a:ext uri="{FF2B5EF4-FFF2-40B4-BE49-F238E27FC236}">
+                  <a16:creationId xmlns:a16="http://schemas.microsoft.com/office/drawing/2014/main" id="{17A55F77-2533-534F-A4D6-56680B23BCD6}"/>
+                </a:ext>
+              </a:extLst>
+            </p:cNvPr>
+            <p:cNvSpPr/>
+            <p:nvPr/>
+          </p:nvSpPr>
+          <p:spPr>
+            <a:xfrm flipH="1">
+              <a:off x="4012015" y="3401959"/>
+              <a:ext cx="772203" cy="491614"/>
+            </a:xfrm>
+            <a:prstGeom prst="ellipse">
+              <a:avLst/>
+            </a:prstGeom>
+            <a:solidFill>
+              <a:schemeClr val="accent4">
+                <a:alpha val="50000"/>
+              </a:schemeClr>
+            </a:solidFill>
+            <a:ln w="28575">
+              <a:solidFill>
+                <a:schemeClr val="tx1"/>
+              </a:solidFill>
+            </a:ln>
+          </p:spPr>
+          <p:style>
+            <a:lnRef idx="0">
+              <a:scrgbClr r="0" g="0" b="0"/>
+            </a:lnRef>
+            <a:fillRef idx="0">
+              <a:scrgbClr r="0" g="0" b="0"/>
+            </a:fillRef>
+            <a:effectRef idx="0">
+              <a:scrgbClr r="0" g="0" b="0"/>
+            </a:effectRef>
+            <a:fontRef idx="minor">
+              <a:schemeClr val="lt1"/>
+            </a:fontRef>
+          </p:style>
+          <p:txBody>
+            <a:bodyPr rtlCol="0" anchor="ctr"/>
+            <a:lstStyle/>
+            <a:p>
+              <a:pPr algn="ctr"/>
+              <a:r>
+                <a:rPr lang="en-US" altLang="ko-KR" sz="800" dirty="0"/>
+                <a:t>Floor</a:t>
+              </a:r>
+              <a:r>
+                <a:rPr lang="en-US" altLang="ko-KR" sz="700" dirty="0"/>
+                <a:t>.</a:t>
+              </a:r>
+            </a:p>
+            <a:p>
+              <a:pPr algn="ctr"/>
+              <a:r>
+                <a:rPr lang="en-US" altLang="ko-KR" sz="800" dirty="0"/>
+                <a:t>RUN</a:t>
+              </a:r>
+              <a:endParaRPr lang="ko-KR" altLang="en-US" sz="700" dirty="0"/>
+            </a:p>
+          </p:txBody>
+        </p:sp>
       </p:grpSp>
-      <p:cxnSp>
-        <p:nvCxnSpPr>
-          <p:cNvPr id="61" name="연결선: 꺾임 60">
-            <a:extLst>
-              <a:ext uri="{FF2B5EF4-FFF2-40B4-BE49-F238E27FC236}">
-                <a16:creationId xmlns:a16="http://schemas.microsoft.com/office/drawing/2014/main" id="{F1B1F421-C05E-B064-C043-3034A233105E}"/>
-              </a:ext>
-            </a:extLst>
-          </p:cNvPr>
-          <p:cNvCxnSpPr>
-            <a:cxnSpLocks/>
-            <a:stCxn id="40" idx="3"/>
-            <a:endCxn id="39" idx="1"/>
-          </p:cNvCxnSpPr>
-          <p:nvPr/>
-        </p:nvCxnSpPr>
-        <p:spPr>
-          <a:xfrm>
-            <a:off x="6724791" y="2559522"/>
-            <a:ext cx="1399749" cy="1088244"/>
-          </a:xfrm>
-          <a:prstGeom prst="bentConnector3">
-            <a:avLst/>
-          </a:prstGeom>
-          <a:ln w="28575" cap="flat" cmpd="sng" algn="ctr">
-            <a:solidFill>
-              <a:schemeClr val="accent2"/>
-            </a:solidFill>
-            <a:prstDash val="solid"/>
-            <a:round/>
-            <a:headEnd type="diamond" w="med" len="med"/>
-            <a:tailEnd type="triangle" w="med" len="med"/>
-          </a:ln>
-        </p:spPr>
-        <p:style>
-          <a:lnRef idx="0">
-            <a:scrgbClr r="0" g="0" b="0"/>
-          </a:lnRef>
-          <a:fillRef idx="0">
-            <a:scrgbClr r="0" g="0" b="0"/>
-          </a:fillRef>
-          <a:effectRef idx="0">
-            <a:scrgbClr r="0" g="0" b="0"/>
-          </a:effectRef>
-          <a:fontRef idx="minor">
-            <a:schemeClr val="tx1"/>
-          </a:fontRef>
-        </p:style>
-      </p:cxnSp>
-      <p:cxnSp>
-        <p:nvCxnSpPr>
-          <p:cNvPr id="62" name="연결선: 꺾임 61">
-            <a:extLst>
-              <a:ext uri="{FF2B5EF4-FFF2-40B4-BE49-F238E27FC236}">
-                <a16:creationId xmlns:a16="http://schemas.microsoft.com/office/drawing/2014/main" id="{FEEE07A0-B4F4-2F2C-21CC-BB2721A325D0}"/>
-              </a:ext>
-            </a:extLst>
-          </p:cNvPr>
-          <p:cNvCxnSpPr>
-            <a:cxnSpLocks/>
-            <a:stCxn id="44" idx="3"/>
-            <a:endCxn id="39" idx="1"/>
-          </p:cNvCxnSpPr>
-          <p:nvPr/>
-        </p:nvCxnSpPr>
-        <p:spPr>
-          <a:xfrm flipV="1">
-            <a:off x="6724791" y="3647766"/>
-            <a:ext cx="1399749" cy="1185718"/>
-          </a:xfrm>
-          <a:prstGeom prst="bentConnector3">
-            <a:avLst/>
-          </a:prstGeom>
-          <a:ln w="28575" cap="flat" cmpd="sng" algn="ctr">
-            <a:solidFill>
-              <a:schemeClr val="accent2"/>
-            </a:solidFill>
-            <a:prstDash val="solid"/>
-            <a:round/>
-            <a:headEnd type="diamond" w="med" len="med"/>
-            <a:tailEnd type="triangle" w="med" len="med"/>
-          </a:ln>
-        </p:spPr>
-        <p:style>
-          <a:lnRef idx="0">
-            <a:scrgbClr r="0" g="0" b="0"/>
-          </a:lnRef>
-          <a:fillRef idx="0">
-            <a:scrgbClr r="0" g="0" b="0"/>
-          </a:fillRef>
-          <a:effectRef idx="0">
-            <a:scrgbClr r="0" g="0" b="0"/>
-          </a:effectRef>
-          <a:fontRef idx="minor">
-            <a:schemeClr val="tx1"/>
-          </a:fontRef>
-        </p:style>
-      </p:cxnSp>
-      <p:cxnSp>
-        <p:nvCxnSpPr>
-          <p:cNvPr id="63" name="직선 화살표 연결선 62">
-            <a:extLst>
-              <a:ext uri="{FF2B5EF4-FFF2-40B4-BE49-F238E27FC236}">
-                <a16:creationId xmlns:a16="http://schemas.microsoft.com/office/drawing/2014/main" id="{F9FCB676-10B5-D9EA-0497-13100545813F}"/>
-              </a:ext>
-            </a:extLst>
-          </p:cNvPr>
-          <p:cNvCxnSpPr>
-            <a:cxnSpLocks/>
-            <a:stCxn id="52" idx="3"/>
-            <a:endCxn id="39" idx="1"/>
-          </p:cNvCxnSpPr>
-          <p:nvPr/>
-        </p:nvCxnSpPr>
-        <p:spPr>
-          <a:xfrm>
-            <a:off x="6729639" y="3647766"/>
-            <a:ext cx="1394901" cy="0"/>
-          </a:xfrm>
-          <a:prstGeom prst="straightConnector1">
-            <a:avLst/>
-          </a:prstGeom>
-          <a:ln w="28575" cap="flat" cmpd="sng" algn="ctr">
-            <a:solidFill>
-              <a:schemeClr val="accent2"/>
-            </a:solidFill>
-            <a:prstDash val="solid"/>
-            <a:round/>
-            <a:headEnd type="diamond" w="med" len="med"/>
-            <a:tailEnd type="triangle" w="med" len="med"/>
-          </a:ln>
-        </p:spPr>
-        <p:style>
-          <a:lnRef idx="0">
-            <a:scrgbClr r="0" g="0" b="0"/>
-          </a:lnRef>
-          <a:fillRef idx="0">
-            <a:scrgbClr r="0" g="0" b="0"/>
-          </a:fillRef>
-          <a:effectRef idx="0">
-            <a:scrgbClr r="0" g="0" b="0"/>
-          </a:effectRef>
-          <a:fontRef idx="minor">
-            <a:schemeClr val="tx1"/>
-          </a:fontRef>
-        </p:style>
-      </p:cxnSp>
       <p:sp>
         <p:nvSpPr>
-          <p:cNvPr id="87" name="직사각형 86">
-            <a:extLst>
-              <a:ext uri="{FF2B5EF4-FFF2-40B4-BE49-F238E27FC236}">
-                <a16:creationId xmlns:a16="http://schemas.microsoft.com/office/drawing/2014/main" id="{A666F1B0-D0CC-8935-09CB-C57A424901F1}"/>
+          <p:cNvPr id="14" name="타원 13">
+            <a:extLst>
+              <a:ext uri="{FF2B5EF4-FFF2-40B4-BE49-F238E27FC236}">
+                <a16:creationId xmlns:a16="http://schemas.microsoft.com/office/drawing/2014/main" id="{151CBBFA-D472-3A4E-48AF-0BCC3F3457D9}"/>
               </a:ext>
             </a:extLst>
           </p:cNvPr>
@@ -3507,31 +3446,25 @@
           <p:nvPr/>
         </p:nvSpPr>
         <p:spPr>
-          <a:xfrm flipH="1">
-            <a:off x="1964256" y="3390069"/>
-            <a:ext cx="1148860" cy="529248"/>
-          </a:xfrm>
-          <a:prstGeom prst="rect">
+          <a:xfrm>
+            <a:off x="6814130" y="3445648"/>
+            <a:ext cx="1122957" cy="429635"/>
+          </a:xfrm>
+          <a:prstGeom prst="ellipse">
             <a:avLst/>
           </a:prstGeom>
-          <a:solidFill>
-            <a:schemeClr val="accent4">
-              <a:alpha val="50000"/>
+        </p:spPr>
+        <p:style>
+          <a:lnRef idx="2">
+            <a:schemeClr val="accent1">
+              <a:shade val="15000"/>
             </a:schemeClr>
-          </a:solidFill>
-          <a:ln>
-            <a:noFill/>
-          </a:ln>
-        </p:spPr>
-        <p:style>
-          <a:lnRef idx="0">
-            <a:scrgbClr r="0" g="0" b="0"/>
           </a:lnRef>
-          <a:fillRef idx="0">
-            <a:scrgbClr r="0" g="0" b="0"/>
+          <a:fillRef idx="1">
+            <a:schemeClr val="accent1"/>
           </a:fillRef>
           <a:effectRef idx="0">
-            <a:scrgbClr r="0" g="0" b="0"/>
+            <a:schemeClr val="accent1"/>
           </a:effectRef>
           <a:fontRef idx="minor">
             <a:schemeClr val="lt1"/>
@@ -3543,109 +3476,66 @@
           <a:p>
             <a:pPr algn="ctr"/>
             <a:r>
-              <a:rPr lang="en-US" altLang="ko-KR" sz="1200" dirty="0"/>
-              <a:t>RUN</a:t>
-            </a:r>
-            <a:endParaRPr lang="ko-KR" altLang="en-US" sz="1200" dirty="0"/>
+              <a:rPr lang="en-US" altLang="ko-KR" sz="1100" b="1" dirty="0">
+                <a:solidFill>
+                  <a:prstClr val="white"/>
+                </a:solidFill>
+                <a:latin typeface="맑은 고딕"/>
+              </a:rPr>
+              <a:t>FLR</a:t>
+            </a:r>
+          </a:p>
+          <a:p>
+            <a:pPr algn="ctr"/>
+            <a:r>
+              <a:rPr lang="en-US" altLang="ko-KR" sz="1100" b="1" dirty="0"/>
+              <a:t>.END</a:t>
+            </a:r>
+            <a:endParaRPr lang="ko-KR" altLang="en-US" sz="1100" b="1" dirty="0"/>
           </a:p>
         </p:txBody>
       </p:sp>
       <p:cxnSp>
         <p:nvCxnSpPr>
-          <p:cNvPr id="91" name="연결선: 꺾임 90">
-            <a:extLst>
-              <a:ext uri="{FF2B5EF4-FFF2-40B4-BE49-F238E27FC236}">
-                <a16:creationId xmlns:a16="http://schemas.microsoft.com/office/drawing/2014/main" id="{8A413A50-240C-A113-B5C4-3AFCA8E14841}"/>
+          <p:cNvPr id="15" name="연결선: 꺾임 14">
+            <a:extLst>
+              <a:ext uri="{FF2B5EF4-FFF2-40B4-BE49-F238E27FC236}">
+                <a16:creationId xmlns:a16="http://schemas.microsoft.com/office/drawing/2014/main" id="{100457EB-3DBD-8B85-CB66-71E01432BFB0}"/>
               </a:ext>
             </a:extLst>
           </p:cNvPr>
           <p:cNvCxnSpPr>
             <a:cxnSpLocks/>
-            <a:stCxn id="87" idx="1"/>
-            <a:endCxn id="40" idx="1"/>
+            <a:stCxn id="14" idx="6"/>
+            <a:endCxn id="39" idx="1"/>
           </p:cNvCxnSpPr>
           <p:nvPr/>
         </p:nvCxnSpPr>
         <p:spPr>
           <a:xfrm flipV="1">
-            <a:off x="3113116" y="2559522"/>
-            <a:ext cx="1240081" cy="1095171"/>
+            <a:off x="7937087" y="3660462"/>
+            <a:ext cx="625603" cy="4"/>
           </a:xfrm>
           <a:prstGeom prst="bentConnector3">
             <a:avLst>
               <a:gd name="adj1" fmla="val 50000"/>
             </a:avLst>
           </a:prstGeom>
-          <a:ln w="28575" cap="flat" cmpd="sng" algn="ctr">
-            <a:solidFill>
-              <a:schemeClr val="accent2"/>
-            </a:solidFill>
+          <a:ln w="25400">
             <a:prstDash val="solid"/>
-            <a:round/>
-            <a:headEnd type="none" w="med" len="med"/>
-            <a:tailEnd type="triangle" w="med" len="med"/>
+            <a:headEnd w="lg" len="lg"/>
+            <a:tailEnd type="triangle" w="lg" len="lg"/>
           </a:ln>
         </p:spPr>
         <p:style>
-          <a:lnRef idx="0">
-            <a:scrgbClr r="0" g="0" b="0"/>
+          <a:lnRef idx="1">
+            <a:schemeClr val="accent1"/>
           </a:lnRef>
           <a:fillRef idx="0">
-            <a:scrgbClr r="0" g="0" b="0"/>
+            <a:schemeClr val="accent1"/>
           </a:fillRef>
           <a:effectRef idx="0">
-            <a:scrgbClr r="0" g="0" b="0"/>
-          </a:effectRef>
-          <a:fontRef idx="minor">
-            <a:schemeClr val="tx1"/>
-          </a:fontRef>
-        </p:style>
-      </p:cxnSp>
-      <p:cxnSp>
-        <p:nvCxnSpPr>
-          <p:cNvPr id="103" name="연결선: 꺾임 102">
-            <a:extLst>
-              <a:ext uri="{FF2B5EF4-FFF2-40B4-BE49-F238E27FC236}">
-                <a16:creationId xmlns:a16="http://schemas.microsoft.com/office/drawing/2014/main" id="{F0ED640E-4C68-900F-4F3B-7D40CFEE4C20}"/>
-              </a:ext>
-            </a:extLst>
-          </p:cNvPr>
-          <p:cNvCxnSpPr>
-            <a:cxnSpLocks/>
-            <a:stCxn id="87" idx="1"/>
-            <a:endCxn id="44" idx="1"/>
-          </p:cNvCxnSpPr>
-          <p:nvPr/>
-        </p:nvCxnSpPr>
-        <p:spPr>
-          <a:xfrm>
-            <a:off x="3113116" y="3654693"/>
-            <a:ext cx="1240081" cy="1178791"/>
-          </a:xfrm>
-          <a:prstGeom prst="bentConnector3">
-            <a:avLst>
-              <a:gd name="adj1" fmla="val 50000"/>
-            </a:avLst>
-          </a:prstGeom>
-          <a:ln w="28575" cap="flat" cmpd="sng" algn="ctr">
-            <a:solidFill>
-              <a:schemeClr val="accent2"/>
-            </a:solidFill>
-            <a:prstDash val="solid"/>
-            <a:round/>
-            <a:headEnd type="none" w="med" len="med"/>
-            <a:tailEnd type="triangle" w="med" len="med"/>
-          </a:ln>
-        </p:spPr>
-        <p:style>
-          <a:lnRef idx="0">
-            <a:scrgbClr r="0" g="0" b="0"/>
-          </a:lnRef>
-          <a:fillRef idx="0">
-            <a:scrgbClr r="0" g="0" b="0"/>
-          </a:fillRef>
-          <a:effectRef idx="0">
-            <a:scrgbClr r="0" g="0" b="0"/>
+            <a:schemeClr val="accent1"/>
           </a:effectRef>
           <a:fontRef idx="minor">
             <a:schemeClr val="tx1"/>
@@ -3654,10 +3544,10 @@
       </p:cxnSp>
       <p:sp>
         <p:nvSpPr>
-          <p:cNvPr id="76" name="직사각형 75">
-            <a:extLst>
-              <a:ext uri="{FF2B5EF4-FFF2-40B4-BE49-F238E27FC236}">
-                <a16:creationId xmlns:a16="http://schemas.microsoft.com/office/drawing/2014/main" id="{1EAFF3B1-FA23-7C44-4A9C-F885C01354D0}"/>
+          <p:cNvPr id="46" name="직사각형 45">
+            <a:extLst>
+              <a:ext uri="{FF2B5EF4-FFF2-40B4-BE49-F238E27FC236}">
+                <a16:creationId xmlns:a16="http://schemas.microsoft.com/office/drawing/2014/main" id="{59879F05-FD41-DFB3-9CDA-E13968E1B83D}"/>
               </a:ext>
             </a:extLst>
           </p:cNvPr>
@@ -3665,20 +3555,22 @@
           <p:nvPr/>
         </p:nvSpPr>
         <p:spPr>
-          <a:xfrm flipH="1">
-            <a:off x="221638" y="3390068"/>
-            <a:ext cx="1114433" cy="529248"/>
+          <a:xfrm>
+            <a:off x="5381819" y="3481267"/>
+            <a:ext cx="983452" cy="332997"/>
           </a:xfrm>
           <a:prstGeom prst="rect">
             <a:avLst/>
           </a:prstGeom>
-          <a:solidFill>
-            <a:schemeClr val="accent4">
-              <a:alpha val="50000"/>
-            </a:schemeClr>
-          </a:solidFill>
-          <a:ln>
-            <a:noFill/>
+          <a:noFill/>
+          <a:ln w="28575" cap="flat" cmpd="sng" algn="ctr">
+            <a:solidFill>
+              <a:schemeClr val="accent4"/>
+            </a:solidFill>
+            <a:prstDash val="solid"/>
+            <a:round/>
+            <a:headEnd type="none" w="med" len="med"/>
+            <a:tailEnd type="none" w="med" len="med"/>
           </a:ln>
         </p:spPr>
         <p:style>
@@ -3692,100 +3584,55 @@
             <a:scrgbClr r="0" g="0" b="0"/>
           </a:effectRef>
           <a:fontRef idx="minor">
-            <a:schemeClr val="lt1"/>
+            <a:schemeClr val="accent4"/>
           </a:fontRef>
         </p:style>
         <p:txBody>
-          <a:bodyPr rtlCol="0" anchor="ctr"/>
+          <a:bodyPr rtlCol="0" anchor="b"/>
           <a:lstStyle/>
           <a:p>
-            <a:pPr algn="ctr"/>
-            <a:r>
-              <a:rPr lang="en-US" altLang="ko-KR" sz="1200" dirty="0"/>
-              <a:t>START</a:t>
-            </a:r>
-            <a:endParaRPr lang="ko-KR" altLang="en-US" sz="1200" dirty="0"/>
+            <a:pPr algn="r" latinLnBrk="0"/>
+            <a:r>
+              <a:rPr lang="en-US" altLang="ko-KR" sz="1100" dirty="0">
+                <a:solidFill>
+                  <a:prstClr val="white"/>
+                </a:solidFill>
+                <a:latin typeface="맑은 고딕"/>
+              </a:rPr>
+              <a:t>FLR _LOAD</a:t>
+            </a:r>
           </a:p>
         </p:txBody>
       </p:sp>
       <p:cxnSp>
         <p:nvCxnSpPr>
-          <p:cNvPr id="80" name="직선 화살표 연결선 79">
-            <a:extLst>
-              <a:ext uri="{FF2B5EF4-FFF2-40B4-BE49-F238E27FC236}">
-                <a16:creationId xmlns:a16="http://schemas.microsoft.com/office/drawing/2014/main" id="{B19FB684-E0C7-324E-A2A6-6160F229B474}"/>
+          <p:cNvPr id="58" name="연결선: 꺾임 57">
+            <a:extLst>
+              <a:ext uri="{FF2B5EF4-FFF2-40B4-BE49-F238E27FC236}">
+                <a16:creationId xmlns:a16="http://schemas.microsoft.com/office/drawing/2014/main" id="{1B16DE80-FA77-22BF-961A-96211E75D0D4}"/>
               </a:ext>
             </a:extLst>
           </p:cNvPr>
           <p:cNvCxnSpPr>
             <a:cxnSpLocks/>
-            <a:stCxn id="76" idx="1"/>
-            <a:endCxn id="87" idx="3"/>
+            <a:stCxn id="52" idx="3"/>
+            <a:endCxn id="46" idx="1"/>
           </p:cNvCxnSpPr>
           <p:nvPr/>
         </p:nvCxnSpPr>
         <p:spPr>
           <a:xfrm>
-            <a:off x="1336071" y="3654692"/>
-            <a:ext cx="628185" cy="1"/>
-          </a:xfrm>
-          <a:prstGeom prst="straightConnector1">
-            <a:avLst/>
-          </a:prstGeom>
-          <a:ln w="28575" cap="flat" cmpd="sng" algn="ctr">
-            <a:solidFill>
-              <a:schemeClr val="accent2"/>
-            </a:solidFill>
-            <a:prstDash val="solid"/>
-            <a:round/>
-            <a:headEnd type="diamond" w="med" len="med"/>
-            <a:tailEnd type="triangle" w="med" len="med"/>
-          </a:ln>
-        </p:spPr>
-        <p:style>
-          <a:lnRef idx="0">
-            <a:scrgbClr r="0" g="0" b="0"/>
-          </a:lnRef>
-          <a:fillRef idx="0">
-            <a:scrgbClr r="0" g="0" b="0"/>
-          </a:fillRef>
-          <a:effectRef idx="0">
-            <a:scrgbClr r="0" g="0" b="0"/>
-          </a:effectRef>
-          <a:fontRef idx="minor">
-            <a:schemeClr val="tx1"/>
-          </a:fontRef>
-        </p:style>
-      </p:cxnSp>
-      <p:cxnSp>
-        <p:nvCxnSpPr>
-          <p:cNvPr id="19" name="연결선: 꺾임 18">
-            <a:extLst>
-              <a:ext uri="{FF2B5EF4-FFF2-40B4-BE49-F238E27FC236}">
-                <a16:creationId xmlns:a16="http://schemas.microsoft.com/office/drawing/2014/main" id="{DBCD8F05-D436-3E97-0DC6-ECB65D71576E}"/>
-              </a:ext>
-            </a:extLst>
-          </p:cNvPr>
-          <p:cNvCxnSpPr>
-            <a:cxnSpLocks/>
-            <a:stCxn id="52" idx="2"/>
-            <a:endCxn id="87" idx="2"/>
-          </p:cNvCxnSpPr>
-          <p:nvPr/>
-        </p:nvCxnSpPr>
-        <p:spPr>
-          <a:xfrm rot="5400000" flipH="1">
-            <a:off x="3954487" y="2503517"/>
-            <a:ext cx="168707" cy="3000309"/>
+            <a:off x="4889843" y="3647766"/>
+            <a:ext cx="491976" cy="12700"/>
           </a:xfrm>
           <a:prstGeom prst="bentConnector3">
             <a:avLst>
-              <a:gd name="adj1" fmla="val -135501"/>
+              <a:gd name="adj1" fmla="val 50000"/>
             </a:avLst>
           </a:prstGeom>
           <a:ln w="25400">
-            <a:prstDash val="dash"/>
-            <a:headEnd w="lg" len="lg"/>
+            <a:prstDash val="solid"/>
+            <a:headEnd type="diamond" w="lg" len="lg"/>
             <a:tailEnd type="triangle" w="lg" len="lg"/>
           </a:ln>
         </p:spPr>
@@ -3806,92 +3653,57 @@
       </p:cxnSp>
       <p:cxnSp>
         <p:nvCxnSpPr>
-          <p:cNvPr id="152" name="연결선: 꺾임 151">
-            <a:extLst>
-              <a:ext uri="{FF2B5EF4-FFF2-40B4-BE49-F238E27FC236}">
-                <a16:creationId xmlns:a16="http://schemas.microsoft.com/office/drawing/2014/main" id="{7F9F116D-5261-6C06-7853-5DDCF79FB25E}"/>
+          <p:cNvPr id="64" name="연결선: 꺾임 63">
+            <a:extLst>
+              <a:ext uri="{FF2B5EF4-FFF2-40B4-BE49-F238E27FC236}">
+                <a16:creationId xmlns:a16="http://schemas.microsoft.com/office/drawing/2014/main" id="{0539AECF-4F20-2808-BCA2-DEA0F83099A4}"/>
               </a:ext>
             </a:extLst>
           </p:cNvPr>
           <p:cNvCxnSpPr>
             <a:cxnSpLocks/>
-            <a:stCxn id="87" idx="1"/>
-            <a:endCxn id="52" idx="1"/>
+            <a:stCxn id="52" idx="0"/>
+            <a:endCxn id="46" idx="0"/>
           </p:cNvCxnSpPr>
           <p:nvPr/>
         </p:nvCxnSpPr>
         <p:spPr>
-          <a:xfrm flipV="1">
-            <a:off x="3113116" y="3647766"/>
-            <a:ext cx="1235234" cy="6927"/>
+          <a:xfrm rot="16200000" flipH="1">
+            <a:off x="4998951" y="2606673"/>
+            <a:ext cx="273759" cy="1475428"/>
           </a:xfrm>
           <a:prstGeom prst="bentConnector3">
             <a:avLst>
-              <a:gd name="adj1" fmla="val 50000"/>
+              <a:gd name="adj1" fmla="val -83504"/>
             </a:avLst>
           </a:prstGeom>
-          <a:ln w="28575" cap="flat" cmpd="sng" algn="ctr">
-            <a:solidFill>
-              <a:schemeClr val="accent2"/>
-            </a:solidFill>
-            <a:prstDash val="solid"/>
-            <a:round/>
-            <a:headEnd type="none" w="med" len="med"/>
-            <a:tailEnd type="triangle" w="med" len="med"/>
+          <a:ln w="25400">
+            <a:prstDash val="dash"/>
+            <a:headEnd w="lg" len="lg"/>
+            <a:tailEnd type="triangle" w="lg" len="lg"/>
           </a:ln>
         </p:spPr>
         <p:style>
-          <a:lnRef idx="0">
-            <a:scrgbClr r="0" g="0" b="0"/>
+          <a:lnRef idx="1">
+            <a:schemeClr val="accent1"/>
           </a:lnRef>
           <a:fillRef idx="0">
-            <a:scrgbClr r="0" g="0" b="0"/>
+            <a:schemeClr val="accent1"/>
           </a:fillRef>
           <a:effectRef idx="0">
-            <a:scrgbClr r="0" g="0" b="0"/>
+            <a:schemeClr val="accent1"/>
           </a:effectRef>
           <a:fontRef idx="minor">
             <a:schemeClr val="tx1"/>
           </a:fontRef>
         </p:style>
       </p:cxnSp>
-      <p:pic>
-        <p:nvPicPr>
-          <p:cNvPr id="189" name="그림 188">
-            <a:extLst>
-              <a:ext uri="{FF2B5EF4-FFF2-40B4-BE49-F238E27FC236}">
-                <a16:creationId xmlns:a16="http://schemas.microsoft.com/office/drawing/2014/main" id="{45037B07-8D88-A41A-6101-4552F8F440C5}"/>
-              </a:ext>
-            </a:extLst>
-          </p:cNvPr>
-          <p:cNvPicPr>
-            <a:picLocks noChangeAspect="1"/>
-          </p:cNvPicPr>
-          <p:nvPr/>
-        </p:nvPicPr>
-        <p:blipFill rotWithShape="1">
-          <a:blip r:embed="rId2">
-            <a:alphaModFix amt="35000"/>
-          </a:blip>
-          <a:srcRect b="53107"/>
-          <a:stretch/>
-        </p:blipFill>
-        <p:spPr>
-          <a:xfrm>
-            <a:off x="8397662" y="183030"/>
-            <a:ext cx="3736245" cy="1368679"/>
-          </a:xfrm>
-          <a:prstGeom prst="rect">
-            <a:avLst/>
-          </a:prstGeom>
-        </p:spPr>
-      </p:pic>
       <p:sp>
         <p:nvSpPr>
-          <p:cNvPr id="200" name="사각형: 모서리가 접힌 도형 199">
-            <a:extLst>
-              <a:ext uri="{FF2B5EF4-FFF2-40B4-BE49-F238E27FC236}">
-                <a16:creationId xmlns:a16="http://schemas.microsoft.com/office/drawing/2014/main" id="{979F6B9D-AE9C-740D-437F-CE2A7B8DC973}"/>
+          <p:cNvPr id="83" name="사각형: 모서리가 접힌 도형 82">
+            <a:extLst>
+              <a:ext uri="{FF2B5EF4-FFF2-40B4-BE49-F238E27FC236}">
+                <a16:creationId xmlns:a16="http://schemas.microsoft.com/office/drawing/2014/main" id="{ABFAAA54-DEDC-6B51-2F15-71AE2813102A}"/>
               </a:ext>
             </a:extLst>
           </p:cNvPr>
@@ -3900,7 +3712,7 @@
         </p:nvSpPr>
         <p:spPr>
           <a:xfrm>
-            <a:off x="9097110" y="6015707"/>
+            <a:off x="9097110" y="5264583"/>
             <a:ext cx="2544028" cy="659263"/>
           </a:xfrm>
           <a:prstGeom prst="foldedCorner">
@@ -3936,19 +3748,998 @@
             <a:pPr algn="ctr"/>
             <a:r>
               <a:rPr lang="en-US" altLang="ko-KR" dirty="0"/>
-              <a:t>Sub/Line </a:t>
+              <a:t>Sub/Side  </a:t>
             </a:r>
           </a:p>
           <a:p>
             <a:pPr algn="ctr"/>
             <a:r>
               <a:rPr lang="en-US" altLang="ko-KR" dirty="0"/>
-              <a:t>[FC]</a:t>
+              <a:t>[SIDE_LH]</a:t>
             </a:r>
             <a:endParaRPr lang="ko-KR" altLang="en-US" dirty="0"/>
           </a:p>
         </p:txBody>
       </p:sp>
+      <p:sp>
+        <p:nvSpPr>
+          <p:cNvPr id="84" name="사각형: 모서리가 접힌 도형 83">
+            <a:extLst>
+              <a:ext uri="{FF2B5EF4-FFF2-40B4-BE49-F238E27FC236}">
+                <a16:creationId xmlns:a16="http://schemas.microsoft.com/office/drawing/2014/main" id="{4190A974-64D9-9C0C-F2D9-B5A547F0C75E}"/>
+              </a:ext>
+            </a:extLst>
+          </p:cNvPr>
+          <p:cNvSpPr/>
+          <p:nvPr/>
+        </p:nvSpPr>
+        <p:spPr>
+          <a:xfrm>
+            <a:off x="9097110" y="6104022"/>
+            <a:ext cx="2544028" cy="659263"/>
+          </a:xfrm>
+          <a:prstGeom prst="foldedCorner">
+            <a:avLst/>
+          </a:prstGeom>
+          <a:solidFill>
+            <a:schemeClr val="accent3">
+              <a:alpha val="50000"/>
+            </a:schemeClr>
+          </a:solidFill>
+          <a:ln>
+            <a:noFill/>
+          </a:ln>
+        </p:spPr>
+        <p:style>
+          <a:lnRef idx="0">
+            <a:scrgbClr r="0" g="0" b="0"/>
+          </a:lnRef>
+          <a:fillRef idx="0">
+            <a:scrgbClr r="0" g="0" b="0"/>
+          </a:fillRef>
+          <a:effectRef idx="0">
+            <a:scrgbClr r="0" g="0" b="0"/>
+          </a:effectRef>
+          <a:fontRef idx="minor">
+            <a:schemeClr val="lt1"/>
+          </a:fontRef>
+        </p:style>
+        <p:txBody>
+          <a:bodyPr rtlCol="0" anchor="ctr"/>
+          <a:lstStyle/>
+          <a:p>
+            <a:pPr algn="ctr"/>
+            <a:r>
+              <a:rPr lang="en-US" altLang="ko-KR" dirty="0"/>
+              <a:t>Sub/Side </a:t>
+            </a:r>
+          </a:p>
+          <a:p>
+            <a:pPr algn="ctr"/>
+            <a:r>
+              <a:rPr lang="en-US" altLang="ko-KR" dirty="0"/>
+              <a:t>[SIDE_RH]</a:t>
+            </a:r>
+            <a:endParaRPr lang="ko-KR" altLang="en-US" dirty="0"/>
+          </a:p>
+        </p:txBody>
+      </p:sp>
+      <p:grpSp>
+        <p:nvGrpSpPr>
+          <p:cNvPr id="163" name="그룹 162">
+            <a:extLst>
+              <a:ext uri="{FF2B5EF4-FFF2-40B4-BE49-F238E27FC236}">
+                <a16:creationId xmlns:a16="http://schemas.microsoft.com/office/drawing/2014/main" id="{499A3843-0791-6C8F-80E4-A84691015727}"/>
+              </a:ext>
+            </a:extLst>
+          </p:cNvPr>
+          <p:cNvGrpSpPr/>
+          <p:nvPr/>
+        </p:nvGrpSpPr>
+        <p:grpSpPr>
+          <a:xfrm>
+            <a:off x="4333190" y="4948949"/>
+            <a:ext cx="2371594" cy="685569"/>
+            <a:chOff x="4333190" y="4948949"/>
+            <a:chExt cx="2371594" cy="685569"/>
+          </a:xfrm>
+        </p:grpSpPr>
+        <p:sp>
+          <p:nvSpPr>
+            <p:cNvPr id="44" name="직사각형 43">
+              <a:extLst>
+                <a:ext uri="{FF2B5EF4-FFF2-40B4-BE49-F238E27FC236}">
+                  <a16:creationId xmlns:a16="http://schemas.microsoft.com/office/drawing/2014/main" id="{4C0BAEBA-0540-F18C-624B-6C1C5A534AFE}"/>
+                </a:ext>
+              </a:extLst>
+            </p:cNvPr>
+            <p:cNvSpPr/>
+            <p:nvPr/>
+          </p:nvSpPr>
+          <p:spPr>
+            <a:xfrm>
+              <a:off x="4333190" y="4948949"/>
+              <a:ext cx="2371594" cy="685569"/>
+            </a:xfrm>
+            <a:prstGeom prst="rect">
+              <a:avLst/>
+            </a:prstGeom>
+            <a:noFill/>
+            <a:ln w="28575" cap="flat" cmpd="sng" algn="ctr">
+              <a:solidFill>
+                <a:schemeClr val="accent4"/>
+              </a:solidFill>
+              <a:prstDash val="solid"/>
+              <a:round/>
+              <a:headEnd type="none" w="med" len="med"/>
+              <a:tailEnd type="none" w="med" len="med"/>
+            </a:ln>
+          </p:spPr>
+          <p:style>
+            <a:lnRef idx="0">
+              <a:scrgbClr r="0" g="0" b="0"/>
+            </a:lnRef>
+            <a:fillRef idx="0">
+              <a:scrgbClr r="0" g="0" b="0"/>
+            </a:fillRef>
+            <a:effectRef idx="0">
+              <a:scrgbClr r="0" g="0" b="0"/>
+            </a:effectRef>
+            <a:fontRef idx="minor">
+              <a:schemeClr val="accent4"/>
+            </a:fontRef>
+          </p:style>
+          <p:txBody>
+            <a:bodyPr rtlCol="0" anchor="b"/>
+            <a:lstStyle/>
+            <a:p>
+              <a:pPr marL="0" marR="0" lvl="0" indent="0" algn="r" defTabSz="914400" rtl="0" eaLnBrk="1" fontAlgn="auto" latinLnBrk="0" hangingPunct="1">
+                <a:lnSpc>
+                  <a:spcPct val="100000"/>
+                </a:lnSpc>
+                <a:spcBef>
+                  <a:spcPts val="0"/>
+                </a:spcBef>
+                <a:spcAft>
+                  <a:spcPts val="0"/>
+                </a:spcAft>
+                <a:buClrTx/>
+                <a:buSzTx/>
+                <a:buFontTx/>
+                <a:buNone/>
+                <a:tabLst/>
+                <a:defRPr/>
+              </a:pPr>
+              <a:r>
+                <a:rPr kumimoji="0" lang="en-US" altLang="ko-KR" sz="1050" b="0" i="0" u="none" strike="noStrike" kern="1200" cap="none" spc="0" normalizeH="0" baseline="0" noProof="0">
+                  <a:ln>
+                    <a:noFill/>
+                  </a:ln>
+                  <a:solidFill>
+                    <a:prstClr val="white"/>
+                  </a:solidFill>
+                  <a:effectLst/>
+                  <a:uLnTx/>
+                  <a:uFillTx/>
+                  <a:latin typeface="맑은 고딕"/>
+                  <a:ea typeface="+mn-ea"/>
+                  <a:cs typeface="+mn-cs"/>
+                </a:rPr>
+                <a:t>SIDE LH</a:t>
+              </a:r>
+              <a:endParaRPr kumimoji="0" lang="ko-KR" altLang="en-US" sz="1050" b="0" i="0" u="none" strike="noStrike" kern="1200" cap="none" spc="0" normalizeH="0" baseline="0" noProof="0">
+                <a:ln>
+                  <a:noFill/>
+                </a:ln>
+                <a:solidFill>
+                  <a:prstClr val="white"/>
+                </a:solidFill>
+                <a:effectLst/>
+                <a:uLnTx/>
+                <a:uFillTx/>
+                <a:latin typeface="맑은 고딕"/>
+                <a:ea typeface="+mn-ea"/>
+                <a:cs typeface="+mn-cs"/>
+              </a:endParaRPr>
+            </a:p>
+          </p:txBody>
+        </p:sp>
+        <p:sp>
+          <p:nvSpPr>
+            <p:cNvPr id="96" name="타원 95">
+              <a:extLst>
+                <a:ext uri="{FF2B5EF4-FFF2-40B4-BE49-F238E27FC236}">
+                  <a16:creationId xmlns:a16="http://schemas.microsoft.com/office/drawing/2014/main" id="{C2F0D794-2727-566F-994F-D7770A24F20B}"/>
+                </a:ext>
+              </a:extLst>
+            </p:cNvPr>
+            <p:cNvSpPr/>
+            <p:nvPr/>
+          </p:nvSpPr>
+          <p:spPr>
+            <a:xfrm flipH="1">
+              <a:off x="4738650" y="5068081"/>
+              <a:ext cx="1083047" cy="491614"/>
+            </a:xfrm>
+            <a:prstGeom prst="ellipse">
+              <a:avLst/>
+            </a:prstGeom>
+            <a:solidFill>
+              <a:schemeClr val="accent4">
+                <a:alpha val="50000"/>
+              </a:schemeClr>
+            </a:solidFill>
+            <a:ln w="28575">
+              <a:solidFill>
+                <a:schemeClr val="tx1"/>
+              </a:solidFill>
+            </a:ln>
+          </p:spPr>
+          <p:style>
+            <a:lnRef idx="0">
+              <a:scrgbClr r="0" g="0" b="0"/>
+            </a:lnRef>
+            <a:fillRef idx="0">
+              <a:scrgbClr r="0" g="0" b="0"/>
+            </a:fillRef>
+            <a:effectRef idx="0">
+              <a:scrgbClr r="0" g="0" b="0"/>
+            </a:effectRef>
+            <a:fontRef idx="minor">
+              <a:schemeClr val="lt1"/>
+            </a:fontRef>
+          </p:style>
+          <p:txBody>
+            <a:bodyPr rtlCol="0" anchor="ctr"/>
+            <a:lstStyle/>
+            <a:p>
+              <a:pPr algn="ctr"/>
+              <a:r>
+                <a:rPr lang="en-US" altLang="ko-KR" sz="800" dirty="0"/>
+                <a:t>SIDE_LH</a:t>
+              </a:r>
+              <a:r>
+                <a:rPr lang="en-US" altLang="ko-KR" sz="700" dirty="0"/>
+                <a:t>.</a:t>
+              </a:r>
+            </a:p>
+            <a:p>
+              <a:pPr algn="ctr"/>
+              <a:r>
+                <a:rPr lang="en-US" altLang="ko-KR" sz="800" dirty="0"/>
+                <a:t>RUN</a:t>
+              </a:r>
+              <a:endParaRPr lang="ko-KR" altLang="en-US" sz="700" dirty="0"/>
+            </a:p>
+          </p:txBody>
+        </p:sp>
+      </p:grpSp>
+      <p:grpSp>
+        <p:nvGrpSpPr>
+          <p:cNvPr id="162" name="그룹 161">
+            <a:extLst>
+              <a:ext uri="{FF2B5EF4-FFF2-40B4-BE49-F238E27FC236}">
+                <a16:creationId xmlns:a16="http://schemas.microsoft.com/office/drawing/2014/main" id="{F8CA0C7E-7563-CEE9-E129-DA586B7A4390}"/>
+              </a:ext>
+            </a:extLst>
+          </p:cNvPr>
+          <p:cNvGrpSpPr/>
+          <p:nvPr/>
+        </p:nvGrpSpPr>
+        <p:grpSpPr>
+          <a:xfrm>
+            <a:off x="4337346" y="1647428"/>
+            <a:ext cx="2371594" cy="694786"/>
+            <a:chOff x="4337346" y="1647428"/>
+            <a:chExt cx="2371594" cy="694786"/>
+          </a:xfrm>
+        </p:grpSpPr>
+        <p:sp>
+          <p:nvSpPr>
+            <p:cNvPr id="40" name="직사각형 39">
+              <a:extLst>
+                <a:ext uri="{FF2B5EF4-FFF2-40B4-BE49-F238E27FC236}">
+                  <a16:creationId xmlns:a16="http://schemas.microsoft.com/office/drawing/2014/main" id="{3CB0FFFA-B8EC-ED39-CF3B-53F576012075}"/>
+                </a:ext>
+              </a:extLst>
+            </p:cNvPr>
+            <p:cNvSpPr/>
+            <p:nvPr/>
+          </p:nvSpPr>
+          <p:spPr>
+            <a:xfrm>
+              <a:off x="4337346" y="1647428"/>
+              <a:ext cx="2371594" cy="694786"/>
+            </a:xfrm>
+            <a:prstGeom prst="rect">
+              <a:avLst/>
+            </a:prstGeom>
+            <a:noFill/>
+            <a:ln w="28575" cap="flat" cmpd="sng" algn="ctr">
+              <a:solidFill>
+                <a:schemeClr val="accent4"/>
+              </a:solidFill>
+              <a:prstDash val="solid"/>
+              <a:round/>
+              <a:headEnd type="none" w="med" len="med"/>
+              <a:tailEnd type="none" w="med" len="med"/>
+            </a:ln>
+          </p:spPr>
+          <p:style>
+            <a:lnRef idx="0">
+              <a:scrgbClr r="0" g="0" b="0"/>
+            </a:lnRef>
+            <a:fillRef idx="0">
+              <a:scrgbClr r="0" g="0" b="0"/>
+            </a:fillRef>
+            <a:effectRef idx="0">
+              <a:scrgbClr r="0" g="0" b="0"/>
+            </a:effectRef>
+            <a:fontRef idx="minor">
+              <a:schemeClr val="accent4"/>
+            </a:fontRef>
+          </p:style>
+          <p:txBody>
+            <a:bodyPr rtlCol="0" anchor="b"/>
+            <a:lstStyle/>
+            <a:p>
+              <a:pPr marL="0" marR="0" lvl="0" indent="0" algn="r" defTabSz="914400" rtl="0" eaLnBrk="1" fontAlgn="auto" latinLnBrk="0" hangingPunct="1">
+                <a:lnSpc>
+                  <a:spcPct val="100000"/>
+                </a:lnSpc>
+                <a:spcBef>
+                  <a:spcPts val="0"/>
+                </a:spcBef>
+                <a:spcAft>
+                  <a:spcPts val="0"/>
+                </a:spcAft>
+                <a:buClrTx/>
+                <a:buSzTx/>
+                <a:buFontTx/>
+                <a:buNone/>
+                <a:tabLst/>
+                <a:defRPr/>
+              </a:pPr>
+              <a:r>
+                <a:rPr kumimoji="0" lang="en-US" altLang="ko-KR" sz="1050" b="0" i="0" u="none" strike="noStrike" kern="1200" cap="none" spc="0" normalizeH="0" baseline="0" noProof="0" dirty="0">
+                  <a:ln>
+                    <a:noFill/>
+                  </a:ln>
+                  <a:solidFill>
+                    <a:prstClr val="white"/>
+                  </a:solidFill>
+                  <a:effectLst/>
+                  <a:uLnTx/>
+                  <a:uFillTx/>
+                  <a:latin typeface="맑은 고딕"/>
+                  <a:ea typeface="+mn-ea"/>
+                  <a:cs typeface="+mn-cs"/>
+                </a:rPr>
+                <a:t>SIDE RH</a:t>
+              </a:r>
+              <a:endParaRPr kumimoji="0" lang="ko-KR" altLang="en-US" sz="1050" b="0" i="0" u="none" strike="noStrike" kern="1200" cap="none" spc="0" normalizeH="0" baseline="0" noProof="0" dirty="0">
+                <a:ln>
+                  <a:noFill/>
+                </a:ln>
+                <a:solidFill>
+                  <a:prstClr val="white"/>
+                </a:solidFill>
+                <a:effectLst/>
+                <a:uLnTx/>
+                <a:uFillTx/>
+                <a:latin typeface="맑은 고딕"/>
+                <a:ea typeface="+mn-ea"/>
+                <a:cs typeface="+mn-cs"/>
+              </a:endParaRPr>
+            </a:p>
+          </p:txBody>
+        </p:sp>
+        <p:sp>
+          <p:nvSpPr>
+            <p:cNvPr id="97" name="타원 96">
+              <a:extLst>
+                <a:ext uri="{FF2B5EF4-FFF2-40B4-BE49-F238E27FC236}">
+                  <a16:creationId xmlns:a16="http://schemas.microsoft.com/office/drawing/2014/main" id="{BAB75207-1053-81CE-654C-259AE66D61DD}"/>
+                </a:ext>
+              </a:extLst>
+            </p:cNvPr>
+            <p:cNvSpPr/>
+            <p:nvPr/>
+          </p:nvSpPr>
+          <p:spPr>
+            <a:xfrm flipH="1">
+              <a:off x="4738650" y="1742682"/>
+              <a:ext cx="1083047" cy="491614"/>
+            </a:xfrm>
+            <a:prstGeom prst="ellipse">
+              <a:avLst/>
+            </a:prstGeom>
+            <a:solidFill>
+              <a:schemeClr val="accent4">
+                <a:alpha val="50000"/>
+              </a:schemeClr>
+            </a:solidFill>
+            <a:ln w="28575">
+              <a:solidFill>
+                <a:schemeClr val="tx1"/>
+              </a:solidFill>
+            </a:ln>
+          </p:spPr>
+          <p:style>
+            <a:lnRef idx="0">
+              <a:scrgbClr r="0" g="0" b="0"/>
+            </a:lnRef>
+            <a:fillRef idx="0">
+              <a:scrgbClr r="0" g="0" b="0"/>
+            </a:fillRef>
+            <a:effectRef idx="0">
+              <a:scrgbClr r="0" g="0" b="0"/>
+            </a:effectRef>
+            <a:fontRef idx="minor">
+              <a:schemeClr val="lt1"/>
+            </a:fontRef>
+          </p:style>
+          <p:txBody>
+            <a:bodyPr rtlCol="0" anchor="ctr"/>
+            <a:lstStyle/>
+            <a:p>
+              <a:pPr algn="ctr"/>
+              <a:r>
+                <a:rPr lang="en-US" altLang="ko-KR" sz="800" dirty="0"/>
+                <a:t>SIDE_RH</a:t>
+              </a:r>
+              <a:r>
+                <a:rPr lang="en-US" altLang="ko-KR" sz="700" dirty="0"/>
+                <a:t>.</a:t>
+              </a:r>
+            </a:p>
+            <a:p>
+              <a:pPr algn="ctr"/>
+              <a:r>
+                <a:rPr lang="en-US" altLang="ko-KR" sz="800" dirty="0"/>
+                <a:t>RUN</a:t>
+              </a:r>
+              <a:endParaRPr lang="ko-KR" altLang="en-US" sz="700" dirty="0"/>
+            </a:p>
+          </p:txBody>
+        </p:sp>
+      </p:grpSp>
+      <p:sp>
+        <p:nvSpPr>
+          <p:cNvPr id="105" name="타원 104">
+            <a:extLst>
+              <a:ext uri="{FF2B5EF4-FFF2-40B4-BE49-F238E27FC236}">
+                <a16:creationId xmlns:a16="http://schemas.microsoft.com/office/drawing/2014/main" id="{028ED2CC-4DEE-E587-DC08-76EA20A94B2C}"/>
+              </a:ext>
+            </a:extLst>
+          </p:cNvPr>
+          <p:cNvSpPr/>
+          <p:nvPr/>
+        </p:nvSpPr>
+        <p:spPr>
+          <a:xfrm>
+            <a:off x="6814130" y="2700137"/>
+            <a:ext cx="1122957" cy="429635"/>
+          </a:xfrm>
+          <a:prstGeom prst="ellipse">
+            <a:avLst/>
+          </a:prstGeom>
+        </p:spPr>
+        <p:style>
+          <a:lnRef idx="2">
+            <a:schemeClr val="accent1">
+              <a:shade val="15000"/>
+            </a:schemeClr>
+          </a:lnRef>
+          <a:fillRef idx="1">
+            <a:schemeClr val="accent1"/>
+          </a:fillRef>
+          <a:effectRef idx="0">
+            <a:schemeClr val="accent1"/>
+          </a:effectRef>
+          <a:fontRef idx="minor">
+            <a:schemeClr val="lt1"/>
+          </a:fontRef>
+        </p:style>
+        <p:txBody>
+          <a:bodyPr rtlCol="0" anchor="ctr"/>
+          <a:lstStyle/>
+          <a:p>
+            <a:pPr algn="ctr"/>
+            <a:r>
+              <a:rPr lang="en-US" altLang="ko-KR" sz="1100" b="1" dirty="0"/>
+              <a:t>SIDE</a:t>
+            </a:r>
+            <a:r>
+              <a:rPr lang="en-US" altLang="ko-KR" sz="1100" b="1"/>
+              <a:t>_RH</a:t>
+            </a:r>
+            <a:endParaRPr lang="en-US" altLang="ko-KR" sz="1100" b="1" dirty="0">
+              <a:solidFill>
+                <a:prstClr val="white"/>
+              </a:solidFill>
+              <a:latin typeface="맑은 고딕"/>
+            </a:endParaRPr>
+          </a:p>
+          <a:p>
+            <a:pPr algn="ctr"/>
+            <a:r>
+              <a:rPr lang="en-US" altLang="ko-KR" sz="1100" b="1" dirty="0"/>
+              <a:t>.END</a:t>
+            </a:r>
+            <a:endParaRPr lang="ko-KR" altLang="en-US" sz="1100" b="1" dirty="0"/>
+          </a:p>
+        </p:txBody>
+      </p:sp>
+      <p:sp>
+        <p:nvSpPr>
+          <p:cNvPr id="106" name="타원 105">
+            <a:extLst>
+              <a:ext uri="{FF2B5EF4-FFF2-40B4-BE49-F238E27FC236}">
+                <a16:creationId xmlns:a16="http://schemas.microsoft.com/office/drawing/2014/main" id="{1BDE9845-DC63-91A6-E4AF-62010FB4B401}"/>
+              </a:ext>
+            </a:extLst>
+          </p:cNvPr>
+          <p:cNvSpPr/>
+          <p:nvPr/>
+        </p:nvSpPr>
+        <p:spPr>
+          <a:xfrm>
+            <a:off x="6814130" y="4141467"/>
+            <a:ext cx="1122957" cy="429635"/>
+          </a:xfrm>
+          <a:prstGeom prst="ellipse">
+            <a:avLst/>
+          </a:prstGeom>
+        </p:spPr>
+        <p:style>
+          <a:lnRef idx="2">
+            <a:schemeClr val="accent1">
+              <a:shade val="15000"/>
+            </a:schemeClr>
+          </a:lnRef>
+          <a:fillRef idx="1">
+            <a:schemeClr val="accent1"/>
+          </a:fillRef>
+          <a:effectRef idx="0">
+            <a:schemeClr val="accent1"/>
+          </a:effectRef>
+          <a:fontRef idx="minor">
+            <a:schemeClr val="lt1"/>
+          </a:fontRef>
+        </p:style>
+        <p:txBody>
+          <a:bodyPr rtlCol="0" anchor="ctr"/>
+          <a:lstStyle/>
+          <a:p>
+            <a:pPr algn="ctr"/>
+            <a:r>
+              <a:rPr lang="en-US" altLang="ko-KR" sz="1100" b="1" dirty="0"/>
+              <a:t>SIDE_LH</a:t>
+            </a:r>
+            <a:endParaRPr lang="en-US" altLang="ko-KR" sz="1100" b="1" dirty="0">
+              <a:solidFill>
+                <a:prstClr val="white"/>
+              </a:solidFill>
+              <a:latin typeface="맑은 고딕"/>
+            </a:endParaRPr>
+          </a:p>
+          <a:p>
+            <a:pPr algn="ctr"/>
+            <a:r>
+              <a:rPr lang="en-US" altLang="ko-KR" sz="1100" b="1" dirty="0"/>
+              <a:t>.END</a:t>
+            </a:r>
+            <a:endParaRPr lang="ko-KR" altLang="en-US" sz="1100" b="1" dirty="0"/>
+          </a:p>
+        </p:txBody>
+      </p:sp>
+      <p:cxnSp>
+        <p:nvCxnSpPr>
+          <p:cNvPr id="108" name="연결선: 꺾임 107">
+            <a:extLst>
+              <a:ext uri="{FF2B5EF4-FFF2-40B4-BE49-F238E27FC236}">
+                <a16:creationId xmlns:a16="http://schemas.microsoft.com/office/drawing/2014/main" id="{64B819DE-1BF9-C556-01CD-EC6C0DAC7581}"/>
+              </a:ext>
+            </a:extLst>
+          </p:cNvPr>
+          <p:cNvCxnSpPr>
+            <a:cxnSpLocks/>
+            <a:stCxn id="106" idx="6"/>
+            <a:endCxn id="39" idx="1"/>
+          </p:cNvCxnSpPr>
+          <p:nvPr/>
+        </p:nvCxnSpPr>
+        <p:spPr>
+          <a:xfrm flipV="1">
+            <a:off x="7937087" y="3660462"/>
+            <a:ext cx="625603" cy="695823"/>
+          </a:xfrm>
+          <a:prstGeom prst="bentConnector3">
+            <a:avLst>
+              <a:gd name="adj1" fmla="val 50000"/>
+            </a:avLst>
+          </a:prstGeom>
+          <a:ln w="25400">
+            <a:prstDash val="solid"/>
+            <a:headEnd w="lg" len="lg"/>
+            <a:tailEnd type="triangle" w="lg" len="lg"/>
+          </a:ln>
+        </p:spPr>
+        <p:style>
+          <a:lnRef idx="1">
+            <a:schemeClr val="accent1"/>
+          </a:lnRef>
+          <a:fillRef idx="0">
+            <a:schemeClr val="accent1"/>
+          </a:fillRef>
+          <a:effectRef idx="0">
+            <a:schemeClr val="accent1"/>
+          </a:effectRef>
+          <a:fontRef idx="minor">
+            <a:schemeClr val="tx1"/>
+          </a:fontRef>
+        </p:style>
+      </p:cxnSp>
+      <p:cxnSp>
+        <p:nvCxnSpPr>
+          <p:cNvPr id="109" name="연결선: 꺾임 108">
+            <a:extLst>
+              <a:ext uri="{FF2B5EF4-FFF2-40B4-BE49-F238E27FC236}">
+                <a16:creationId xmlns:a16="http://schemas.microsoft.com/office/drawing/2014/main" id="{6FD86411-B03A-F95D-54FA-BF8145009E27}"/>
+              </a:ext>
+            </a:extLst>
+          </p:cNvPr>
+          <p:cNvCxnSpPr>
+            <a:cxnSpLocks/>
+            <a:stCxn id="105" idx="6"/>
+            <a:endCxn id="39" idx="1"/>
+          </p:cNvCxnSpPr>
+          <p:nvPr/>
+        </p:nvCxnSpPr>
+        <p:spPr>
+          <a:xfrm>
+            <a:off x="7937087" y="2914955"/>
+            <a:ext cx="625603" cy="745507"/>
+          </a:xfrm>
+          <a:prstGeom prst="bentConnector3">
+            <a:avLst>
+              <a:gd name="adj1" fmla="val 50000"/>
+            </a:avLst>
+          </a:prstGeom>
+          <a:ln w="25400">
+            <a:prstDash val="solid"/>
+            <a:headEnd w="lg" len="lg"/>
+            <a:tailEnd type="triangle" w="lg" len="lg"/>
+          </a:ln>
+        </p:spPr>
+        <p:style>
+          <a:lnRef idx="1">
+            <a:schemeClr val="accent1"/>
+          </a:lnRef>
+          <a:fillRef idx="0">
+            <a:schemeClr val="accent1"/>
+          </a:fillRef>
+          <a:effectRef idx="0">
+            <a:schemeClr val="accent1"/>
+          </a:effectRef>
+          <a:fontRef idx="minor">
+            <a:schemeClr val="tx1"/>
+          </a:fontRef>
+        </p:style>
+      </p:cxnSp>
+      <p:sp>
+        <p:nvSpPr>
+          <p:cNvPr id="115" name="직사각형 114">
+            <a:extLst>
+              <a:ext uri="{FF2B5EF4-FFF2-40B4-BE49-F238E27FC236}">
+                <a16:creationId xmlns:a16="http://schemas.microsoft.com/office/drawing/2014/main" id="{759D82BE-5E1A-0C93-19AE-17C23FEA8D49}"/>
+              </a:ext>
+            </a:extLst>
+          </p:cNvPr>
+          <p:cNvSpPr/>
+          <p:nvPr/>
+        </p:nvSpPr>
+        <p:spPr>
+          <a:xfrm>
+            <a:off x="4333190" y="6022217"/>
+            <a:ext cx="983452" cy="332997"/>
+          </a:xfrm>
+          <a:prstGeom prst="rect">
+            <a:avLst/>
+          </a:prstGeom>
+          <a:noFill/>
+          <a:ln w="28575" cap="flat" cmpd="sng" algn="ctr">
+            <a:solidFill>
+              <a:schemeClr val="accent4"/>
+            </a:solidFill>
+            <a:prstDash val="solid"/>
+            <a:round/>
+            <a:headEnd type="none" w="med" len="med"/>
+            <a:tailEnd type="none" w="med" len="med"/>
+          </a:ln>
+        </p:spPr>
+        <p:style>
+          <a:lnRef idx="0">
+            <a:scrgbClr r="0" g="0" b="0"/>
+          </a:lnRef>
+          <a:fillRef idx="0">
+            <a:scrgbClr r="0" g="0" b="0"/>
+          </a:fillRef>
+          <a:effectRef idx="0">
+            <a:scrgbClr r="0" g="0" b="0"/>
+          </a:effectRef>
+          <a:fontRef idx="minor">
+            <a:schemeClr val="accent4"/>
+          </a:fontRef>
+        </p:style>
+        <p:txBody>
+          <a:bodyPr rtlCol="0" anchor="b"/>
+          <a:lstStyle/>
+          <a:p>
+            <a:pPr algn="r" latinLnBrk="0"/>
+            <a:r>
+              <a:rPr lang="en-US" altLang="ko-KR" sz="1100" dirty="0">
+                <a:solidFill>
+                  <a:prstClr val="white"/>
+                </a:solidFill>
+                <a:latin typeface="맑은 고딕"/>
+              </a:rPr>
+              <a:t>LH_LOAD</a:t>
+            </a:r>
+          </a:p>
+        </p:txBody>
+      </p:sp>
+      <p:sp>
+        <p:nvSpPr>
+          <p:cNvPr id="116" name="직사각형 115">
+            <a:extLst>
+              <a:ext uri="{FF2B5EF4-FFF2-40B4-BE49-F238E27FC236}">
+                <a16:creationId xmlns:a16="http://schemas.microsoft.com/office/drawing/2014/main" id="{F7EAD77A-2C92-BC38-A635-1BDF130866CC}"/>
+              </a:ext>
+            </a:extLst>
+          </p:cNvPr>
+          <p:cNvSpPr/>
+          <p:nvPr/>
+        </p:nvSpPr>
+        <p:spPr>
+          <a:xfrm>
+            <a:off x="4333190" y="921179"/>
+            <a:ext cx="983452" cy="332997"/>
+          </a:xfrm>
+          <a:prstGeom prst="rect">
+            <a:avLst/>
+          </a:prstGeom>
+          <a:noFill/>
+          <a:ln w="28575" cap="flat" cmpd="sng" algn="ctr">
+            <a:solidFill>
+              <a:schemeClr val="accent4"/>
+            </a:solidFill>
+            <a:prstDash val="solid"/>
+            <a:round/>
+            <a:headEnd type="none" w="med" len="med"/>
+            <a:tailEnd type="none" w="med" len="med"/>
+          </a:ln>
+        </p:spPr>
+        <p:style>
+          <a:lnRef idx="0">
+            <a:scrgbClr r="0" g="0" b="0"/>
+          </a:lnRef>
+          <a:fillRef idx="0">
+            <a:scrgbClr r="0" g="0" b="0"/>
+          </a:fillRef>
+          <a:effectRef idx="0">
+            <a:scrgbClr r="0" g="0" b="0"/>
+          </a:effectRef>
+          <a:fontRef idx="minor">
+            <a:schemeClr val="accent4"/>
+          </a:fontRef>
+        </p:style>
+        <p:txBody>
+          <a:bodyPr rtlCol="0" anchor="b"/>
+          <a:lstStyle/>
+          <a:p>
+            <a:pPr algn="r" latinLnBrk="0"/>
+            <a:r>
+              <a:rPr lang="en-US" altLang="ko-KR" sz="1100" dirty="0">
+                <a:solidFill>
+                  <a:prstClr val="white"/>
+                </a:solidFill>
+                <a:latin typeface="맑은 고딕"/>
+              </a:rPr>
+              <a:t>RH_LOAD</a:t>
+            </a:r>
+          </a:p>
+        </p:txBody>
+      </p:sp>
+      <p:cxnSp>
+        <p:nvCxnSpPr>
+          <p:cNvPr id="117" name="연결선: 꺾임 116">
+            <a:extLst>
+              <a:ext uri="{FF2B5EF4-FFF2-40B4-BE49-F238E27FC236}">
+                <a16:creationId xmlns:a16="http://schemas.microsoft.com/office/drawing/2014/main" id="{A567FEDA-1192-6C36-DDFA-C2AA75C5BECE}"/>
+              </a:ext>
+            </a:extLst>
+          </p:cNvPr>
+          <p:cNvCxnSpPr>
+            <a:cxnSpLocks/>
+            <a:stCxn id="40" idx="0"/>
+            <a:endCxn id="116" idx="2"/>
+          </p:cNvCxnSpPr>
+          <p:nvPr/>
+        </p:nvCxnSpPr>
+        <p:spPr>
+          <a:xfrm rot="16200000" flipV="1">
+            <a:off x="4977404" y="1101688"/>
+            <a:ext cx="393252" cy="698227"/>
+          </a:xfrm>
+          <a:prstGeom prst="bentConnector3">
+            <a:avLst>
+              <a:gd name="adj1" fmla="val 50000"/>
+            </a:avLst>
+          </a:prstGeom>
+          <a:ln w="25400">
+            <a:prstDash val="solid"/>
+            <a:headEnd type="diamond" w="lg" len="lg"/>
+            <a:tailEnd type="triangle" w="lg" len="lg"/>
+          </a:ln>
+        </p:spPr>
+        <p:style>
+          <a:lnRef idx="1">
+            <a:schemeClr val="accent1"/>
+          </a:lnRef>
+          <a:fillRef idx="0">
+            <a:schemeClr val="accent1"/>
+          </a:fillRef>
+          <a:effectRef idx="0">
+            <a:schemeClr val="accent1"/>
+          </a:effectRef>
+          <a:fontRef idx="minor">
+            <a:schemeClr val="tx1"/>
+          </a:fontRef>
+        </p:style>
+      </p:cxnSp>
+      <p:cxnSp>
+        <p:nvCxnSpPr>
+          <p:cNvPr id="120" name="연결선: 꺾임 119">
+            <a:extLst>
+              <a:ext uri="{FF2B5EF4-FFF2-40B4-BE49-F238E27FC236}">
+                <a16:creationId xmlns:a16="http://schemas.microsoft.com/office/drawing/2014/main" id="{3198009E-287F-0E49-1D37-4EC3FDAE237C}"/>
+              </a:ext>
+            </a:extLst>
+          </p:cNvPr>
+          <p:cNvCxnSpPr>
+            <a:cxnSpLocks/>
+            <a:stCxn id="44" idx="1"/>
+            <a:endCxn id="115" idx="1"/>
+          </p:cNvCxnSpPr>
+          <p:nvPr/>
+        </p:nvCxnSpPr>
+        <p:spPr>
+          <a:xfrm rot="10800000" flipV="1">
+            <a:off x="4333190" y="5291734"/>
+            <a:ext cx="12700" cy="896982"/>
+          </a:xfrm>
+          <a:prstGeom prst="bentConnector3">
+            <a:avLst>
+              <a:gd name="adj1" fmla="val 1800000"/>
+            </a:avLst>
+          </a:prstGeom>
+          <a:ln w="25400">
+            <a:prstDash val="dash"/>
+            <a:headEnd w="lg" len="lg"/>
+            <a:tailEnd type="triangle" w="lg" len="lg"/>
+          </a:ln>
+        </p:spPr>
+        <p:style>
+          <a:lnRef idx="1">
+            <a:schemeClr val="accent1"/>
+          </a:lnRef>
+          <a:fillRef idx="0">
+            <a:schemeClr val="accent1"/>
+          </a:fillRef>
+          <a:effectRef idx="0">
+            <a:schemeClr val="accent1"/>
+          </a:effectRef>
+          <a:fontRef idx="minor">
+            <a:schemeClr val="tx1"/>
+          </a:fontRef>
+        </p:style>
+      </p:cxnSp>
+      <p:cxnSp>
+        <p:nvCxnSpPr>
+          <p:cNvPr id="124" name="연결선: 꺾임 123">
+            <a:extLst>
+              <a:ext uri="{FF2B5EF4-FFF2-40B4-BE49-F238E27FC236}">
+                <a16:creationId xmlns:a16="http://schemas.microsoft.com/office/drawing/2014/main" id="{14B3133A-7DBA-9F9B-5C6D-008B2BBBBA89}"/>
+              </a:ext>
+            </a:extLst>
+          </p:cNvPr>
+          <p:cNvCxnSpPr>
+            <a:cxnSpLocks/>
+            <a:stCxn id="44" idx="2"/>
+            <a:endCxn id="115" idx="0"/>
+          </p:cNvCxnSpPr>
+          <p:nvPr/>
+        </p:nvCxnSpPr>
+        <p:spPr>
+          <a:xfrm rot="5400000">
+            <a:off x="4978103" y="5481332"/>
+            <a:ext cx="387699" cy="694071"/>
+          </a:xfrm>
+          <a:prstGeom prst="bentConnector3">
+            <a:avLst>
+              <a:gd name="adj1" fmla="val 50000"/>
+            </a:avLst>
+          </a:prstGeom>
+          <a:ln w="25400">
+            <a:prstDash val="solid"/>
+            <a:headEnd type="diamond" w="lg" len="lg"/>
+            <a:tailEnd type="triangle" w="lg" len="lg"/>
+          </a:ln>
+        </p:spPr>
+        <p:style>
+          <a:lnRef idx="1">
+            <a:schemeClr val="accent1"/>
+          </a:lnRef>
+          <a:fillRef idx="0">
+            <a:schemeClr val="accent1"/>
+          </a:fillRef>
+          <a:effectRef idx="0">
+            <a:schemeClr val="accent1"/>
+          </a:effectRef>
+          <a:fontRef idx="minor">
+            <a:schemeClr val="tx1"/>
+          </a:fontRef>
+        </p:style>
+      </p:cxnSp>
+      <p:cxnSp>
+        <p:nvCxnSpPr>
+          <p:cNvPr id="132" name="연결선: 꺾임 131">
+            <a:extLst>
+              <a:ext uri="{FF2B5EF4-FFF2-40B4-BE49-F238E27FC236}">
+                <a16:creationId xmlns:a16="http://schemas.microsoft.com/office/drawing/2014/main" id="{D739151F-8C13-6133-FDEB-AE545964F2E3}"/>
+              </a:ext>
+            </a:extLst>
+          </p:cNvPr>
+          <p:cNvCxnSpPr>
+            <a:cxnSpLocks/>
+            <a:stCxn id="40" idx="1"/>
+            <a:endCxn id="116" idx="1"/>
+          </p:cNvCxnSpPr>
+          <p:nvPr/>
+        </p:nvCxnSpPr>
+        <p:spPr>
+          <a:xfrm rot="10800000">
+            <a:off x="4333190" y="1087679"/>
+            <a:ext cx="4156" cy="907143"/>
+          </a:xfrm>
+          <a:prstGeom prst="bentConnector3">
+            <a:avLst>
+              <a:gd name="adj1" fmla="val 5600481"/>
+            </a:avLst>
+          </a:prstGeom>
+          <a:ln w="25400">
+            <a:prstDash val="dash"/>
+            <a:headEnd w="lg" len="lg"/>
+            <a:tailEnd type="triangle" w="lg" len="lg"/>
+          </a:ln>
+        </p:spPr>
+        <p:style>
+          <a:lnRef idx="1">
+            <a:schemeClr val="accent1"/>
+          </a:lnRef>
+          <a:fillRef idx="0">
+            <a:schemeClr val="accent1"/>
+          </a:fillRef>
+          <a:effectRef idx="0">
+            <a:schemeClr val="accent1"/>
+          </a:effectRef>
+          <a:fontRef idx="minor">
+            <a:schemeClr val="tx1"/>
+          </a:fontRef>
+        </p:style>
+      </p:cxnSp>
     </p:spTree>
     <p:extLst>
       <p:ext uri="{BB962C8B-B14F-4D97-AF65-F5344CB8AC3E}">

--- a/DsDotNet/src/UnitTest/UnitTest.Model/ImportOfficeExample/Sample/Sub/BodyShop.pptx
+++ b/DsDotNet/src/UnitTest/UnitTest.Model/ImportOfficeExample/Sample/Sub/BodyShop.pptx
@@ -2740,7 +2740,7 @@
         </p:nvSpPr>
         <p:spPr>
           <a:xfrm>
-            <a:off x="9097110" y="4103161"/>
+            <a:off x="6018662" y="6104022"/>
             <a:ext cx="2544028" cy="659263"/>
           </a:xfrm>
           <a:prstGeom prst="foldedCorner">
@@ -2786,106 +2786,6 @@
               <a:t>[Floor]</a:t>
             </a:r>
             <a:endParaRPr lang="ko-KR" altLang="en-US" dirty="0"/>
-          </a:p>
-        </p:txBody>
-      </p:sp>
-      <p:sp>
-        <p:nvSpPr>
-          <p:cNvPr id="39" name="직사각형 38">
-            <a:extLst>
-              <a:ext uri="{FF2B5EF4-FFF2-40B4-BE49-F238E27FC236}">
-                <a16:creationId xmlns:a16="http://schemas.microsoft.com/office/drawing/2014/main" id="{36273E85-97E7-A6F9-BC21-822CD5B9A828}"/>
-              </a:ext>
-            </a:extLst>
-          </p:cNvPr>
-          <p:cNvSpPr/>
-          <p:nvPr/>
-        </p:nvSpPr>
-        <p:spPr>
-          <a:xfrm>
-            <a:off x="8562690" y="3334587"/>
-            <a:ext cx="3280535" cy="651750"/>
-          </a:xfrm>
-          <a:prstGeom prst="rect">
-            <a:avLst/>
-          </a:prstGeom>
-          <a:noFill/>
-          <a:ln w="28575" cap="flat" cmpd="sng" algn="ctr">
-            <a:solidFill>
-              <a:schemeClr val="accent4"/>
-            </a:solidFill>
-            <a:prstDash val="solid"/>
-            <a:round/>
-            <a:headEnd type="none" w="med" len="med"/>
-            <a:tailEnd type="none" w="med" len="med"/>
-          </a:ln>
-        </p:spPr>
-        <p:style>
-          <a:lnRef idx="0">
-            <a:scrgbClr r="0" g="0" b="0"/>
-          </a:lnRef>
-          <a:fillRef idx="0">
-            <a:scrgbClr r="0" g="0" b="0"/>
-          </a:fillRef>
-          <a:effectRef idx="0">
-            <a:scrgbClr r="0" g="0" b="0"/>
-          </a:effectRef>
-          <a:fontRef idx="minor">
-            <a:schemeClr val="accent4"/>
-          </a:fontRef>
-        </p:style>
-        <p:txBody>
-          <a:bodyPr rtlCol="0" anchor="b"/>
-          <a:lstStyle/>
-          <a:p>
-            <a:pPr marL="0" marR="0" lvl="0" indent="0" algn="r" defTabSz="914400" rtl="0" eaLnBrk="1" fontAlgn="auto" latinLnBrk="0" hangingPunct="1">
-              <a:lnSpc>
-                <a:spcPct val="100000"/>
-              </a:lnSpc>
-              <a:spcBef>
-                <a:spcPts val="0"/>
-              </a:spcBef>
-              <a:spcAft>
-                <a:spcPts val="0"/>
-              </a:spcAft>
-              <a:buClrTx/>
-              <a:buSzTx/>
-              <a:buFontTx/>
-              <a:buNone/>
-              <a:tabLst/>
-              <a:defRPr/>
-            </a:pPr>
-            <a:r>
-              <a:rPr kumimoji="0" lang="en-US" altLang="ko-KR" sz="1050" b="0" i="0" u="none" strike="noStrike" kern="1200" cap="none" spc="0" normalizeH="0" baseline="0" noProof="0" dirty="0">
-                <a:ln>
-                  <a:noFill/>
-                </a:ln>
-                <a:solidFill>
-                  <a:prstClr val="white"/>
-                </a:solidFill>
-                <a:effectLst/>
-                <a:uLnTx/>
-                <a:uFillTx/>
-                <a:latin typeface="맑은 고딕"/>
-                <a:ea typeface="+mn-ea"/>
-                <a:cs typeface="+mn-cs"/>
-              </a:rPr>
-              <a:t>BB</a:t>
-            </a:r>
-            <a:endParaRPr kumimoji="0" lang="ko-KR" altLang="en-US" sz="1050" b="0" i="0" u="none" strike="noStrike" kern="1200" cap="none" spc="0" normalizeH="0" baseline="0" noProof="0" dirty="0">
-              <a:ln>
-                <a:noFill/>
-              </a:ln>
-              <a:solidFill>
-                <a:prstClr val="white"/>
-              </a:solidFill>
-              <a:effectLst/>
-              <a:uLnTx/>
-              <a:uFillTx/>
-              <a:latin typeface="맑은 고딕"/>
-              <a:ea typeface="+mn-ea"/>
-              <a:cs typeface="+mn-cs"/>
-            </a:endParaRPr>
           </a:p>
         </p:txBody>
       </p:sp>
@@ -3283,10 +3183,10 @@
       </p:pic>
       <p:grpSp>
         <p:nvGrpSpPr>
-          <p:cNvPr id="164" name="그룹 163">
-            <a:extLst>
-              <a:ext uri="{FF2B5EF4-FFF2-40B4-BE49-F238E27FC236}">
-                <a16:creationId xmlns:a16="http://schemas.microsoft.com/office/drawing/2014/main" id="{FF5F7E5D-2AEE-294F-41A1-C0DB7B7AB748}"/>
+          <p:cNvPr id="50" name="그룹 49">
+            <a:extLst>
+              <a:ext uri="{FF2B5EF4-FFF2-40B4-BE49-F238E27FC236}">
+                <a16:creationId xmlns:a16="http://schemas.microsoft.com/office/drawing/2014/main" id="{862603F7-8DE3-04CF-4E8F-A026EF4D3512}"/>
               </a:ext>
             </a:extLst>
           </p:cNvPr>
@@ -3476,14 +3376,15 @@
           <a:p>
             <a:pPr algn="ctr"/>
             <a:r>
-              <a:rPr lang="en-US" altLang="ko-KR" sz="1100" b="1" dirty="0">
-                <a:solidFill>
-                  <a:prstClr val="white"/>
-                </a:solidFill>
-                <a:latin typeface="맑은 고딕"/>
-              </a:rPr>
-              <a:t>FLR</a:t>
-            </a:r>
+              <a:rPr lang="en-US" altLang="ko-KR" sz="1100" dirty="0"/>
+              <a:t>Floor</a:t>
+            </a:r>
+            <a:endParaRPr lang="en-US" altLang="ko-KR" sz="1100" b="1" dirty="0">
+              <a:solidFill>
+                <a:prstClr val="white"/>
+              </a:solidFill>
+              <a:latin typeface="맑은 고딕"/>
+            </a:endParaRPr>
           </a:p>
           <a:p>
             <a:pPr algn="ctr"/>
@@ -3512,9 +3413,9 @@
           <p:nvPr/>
         </p:nvCxnSpPr>
         <p:spPr>
-          <a:xfrm flipV="1">
-            <a:off x="7937087" y="3660462"/>
-            <a:ext cx="625603" cy="4"/>
+          <a:xfrm>
+            <a:off x="7937087" y="3660466"/>
+            <a:ext cx="691984" cy="496635"/>
           </a:xfrm>
           <a:prstGeom prst="bentConnector3">
             <a:avLst>
@@ -3826,10 +3727,10 @@
       </p:sp>
       <p:grpSp>
         <p:nvGrpSpPr>
-          <p:cNvPr id="163" name="그룹 162">
-            <a:extLst>
-              <a:ext uri="{FF2B5EF4-FFF2-40B4-BE49-F238E27FC236}">
-                <a16:creationId xmlns:a16="http://schemas.microsoft.com/office/drawing/2014/main" id="{499A3843-0791-6C8F-80E4-A84691015727}"/>
+          <p:cNvPr id="49" name="그룹 48">
+            <a:extLst>
+              <a:ext uri="{FF2B5EF4-FFF2-40B4-BE49-F238E27FC236}">
+                <a16:creationId xmlns:a16="http://schemas.microsoft.com/office/drawing/2014/main" id="{65671349-0E99-922E-3DED-1099B0C3D220}"/>
               </a:ext>
             </a:extLst>
           </p:cNvPr>
@@ -4016,10 +3917,10 @@
       </p:grpSp>
       <p:grpSp>
         <p:nvGrpSpPr>
-          <p:cNvPr id="162" name="그룹 161">
-            <a:extLst>
-              <a:ext uri="{FF2B5EF4-FFF2-40B4-BE49-F238E27FC236}">
-                <a16:creationId xmlns:a16="http://schemas.microsoft.com/office/drawing/2014/main" id="{F8CA0C7E-7563-CEE9-E129-DA586B7A4390}"/>
+          <p:cNvPr id="48" name="그룹 47">
+            <a:extLst>
+              <a:ext uri="{FF2B5EF4-FFF2-40B4-BE49-F238E27FC236}">
+                <a16:creationId xmlns:a16="http://schemas.microsoft.com/office/drawing/2014/main" id="{2090C192-B684-59AD-6284-A114A9AABD3C}"/>
               </a:ext>
             </a:extLst>
           </p:cNvPr>
@@ -4352,8 +4253,8 @@
         </p:nvCxnSpPr>
         <p:spPr>
           <a:xfrm flipV="1">
-            <a:off x="7937087" y="3660462"/>
-            <a:ext cx="625603" cy="695823"/>
+            <a:off x="7937087" y="4157101"/>
+            <a:ext cx="691984" cy="199184"/>
           </a:xfrm>
           <a:prstGeom prst="bentConnector3">
             <a:avLst>
@@ -4400,7 +4301,7 @@
         <p:spPr>
           <a:xfrm>
             <a:off x="7937087" y="2914955"/>
-            <a:ext cx="625603" cy="745507"/>
+            <a:ext cx="691984" cy="1242146"/>
           </a:xfrm>
           <a:prstGeom prst="bentConnector3">
             <a:avLst>
@@ -4740,6 +4641,334 @@
           </a:fontRef>
         </p:style>
       </p:cxnSp>
+      <p:grpSp>
+        <p:nvGrpSpPr>
+          <p:cNvPr id="47" name="그룹 46">
+            <a:extLst>
+              <a:ext uri="{FF2B5EF4-FFF2-40B4-BE49-F238E27FC236}">
+                <a16:creationId xmlns:a16="http://schemas.microsoft.com/office/drawing/2014/main" id="{02881B05-1DDF-B8E3-79AE-5057EC0CE919}"/>
+              </a:ext>
+            </a:extLst>
+          </p:cNvPr>
+          <p:cNvGrpSpPr/>
+          <p:nvPr/>
+        </p:nvGrpSpPr>
+        <p:grpSpPr>
+          <a:xfrm>
+            <a:off x="8629071" y="3194726"/>
+            <a:ext cx="3280535" cy="1924750"/>
+            <a:chOff x="8629071" y="3194726"/>
+            <a:chExt cx="3280535" cy="1924750"/>
+          </a:xfrm>
+        </p:grpSpPr>
+        <p:sp>
+          <p:nvSpPr>
+            <p:cNvPr id="39" name="직사각형 38">
+              <a:extLst>
+                <a:ext uri="{FF2B5EF4-FFF2-40B4-BE49-F238E27FC236}">
+                  <a16:creationId xmlns:a16="http://schemas.microsoft.com/office/drawing/2014/main" id="{36273E85-97E7-A6F9-BC21-822CD5B9A828}"/>
+                </a:ext>
+              </a:extLst>
+            </p:cNvPr>
+            <p:cNvSpPr/>
+            <p:nvPr/>
+          </p:nvSpPr>
+          <p:spPr>
+            <a:xfrm>
+              <a:off x="8629071" y="3194726"/>
+              <a:ext cx="3280535" cy="1924750"/>
+            </a:xfrm>
+            <a:prstGeom prst="rect">
+              <a:avLst/>
+            </a:prstGeom>
+            <a:noFill/>
+            <a:ln w="28575" cap="flat" cmpd="sng" algn="ctr">
+              <a:solidFill>
+                <a:schemeClr val="accent4"/>
+              </a:solidFill>
+              <a:prstDash val="solid"/>
+              <a:round/>
+              <a:headEnd type="none" w="med" len="med"/>
+              <a:tailEnd type="none" w="med" len="med"/>
+            </a:ln>
+          </p:spPr>
+          <p:style>
+            <a:lnRef idx="0">
+              <a:scrgbClr r="0" g="0" b="0"/>
+            </a:lnRef>
+            <a:fillRef idx="0">
+              <a:scrgbClr r="0" g="0" b="0"/>
+            </a:fillRef>
+            <a:effectRef idx="0">
+              <a:scrgbClr r="0" g="0" b="0"/>
+            </a:effectRef>
+            <a:fontRef idx="minor">
+              <a:schemeClr val="accent4"/>
+            </a:fontRef>
+          </p:style>
+          <p:txBody>
+            <a:bodyPr rtlCol="0" anchor="b"/>
+            <a:lstStyle/>
+            <a:p>
+              <a:pPr marL="0" marR="0" lvl="0" indent="0" algn="r" defTabSz="914400" rtl="0" eaLnBrk="1" fontAlgn="auto" latinLnBrk="0" hangingPunct="1">
+                <a:lnSpc>
+                  <a:spcPct val="100000"/>
+                </a:lnSpc>
+                <a:spcBef>
+                  <a:spcPts val="0"/>
+                </a:spcBef>
+                <a:spcAft>
+                  <a:spcPts val="0"/>
+                </a:spcAft>
+                <a:buClrTx/>
+                <a:buSzTx/>
+                <a:buFontTx/>
+                <a:buNone/>
+                <a:tabLst/>
+                <a:defRPr/>
+              </a:pPr>
+              <a:r>
+                <a:rPr kumimoji="0" lang="en-US" altLang="ko-KR" sz="1050" b="0" i="0" u="none" strike="noStrike" kern="1200" cap="none" spc="0" normalizeH="0" baseline="0" noProof="0" dirty="0">
+                  <a:ln>
+                    <a:noFill/>
+                  </a:ln>
+                  <a:solidFill>
+                    <a:prstClr val="white"/>
+                  </a:solidFill>
+                  <a:effectLst/>
+                  <a:uLnTx/>
+                  <a:uFillTx/>
+                  <a:latin typeface="맑은 고딕"/>
+                  <a:ea typeface="+mn-ea"/>
+                  <a:cs typeface="+mn-cs"/>
+                </a:rPr>
+                <a:t>BB</a:t>
+              </a:r>
+              <a:endParaRPr kumimoji="0" lang="ko-KR" altLang="en-US" sz="1050" b="0" i="0" u="none" strike="noStrike" kern="1200" cap="none" spc="0" normalizeH="0" baseline="0" noProof="0" dirty="0">
+                <a:ln>
+                  <a:noFill/>
+                </a:ln>
+                <a:solidFill>
+                  <a:prstClr val="white"/>
+                </a:solidFill>
+                <a:effectLst/>
+                <a:uLnTx/>
+                <a:uFillTx/>
+                <a:latin typeface="맑은 고딕"/>
+                <a:ea typeface="+mn-ea"/>
+                <a:cs typeface="+mn-cs"/>
+              </a:endParaRPr>
+            </a:p>
+          </p:txBody>
+        </p:sp>
+        <p:sp>
+          <p:nvSpPr>
+            <p:cNvPr id="25" name="타원 24">
+              <a:extLst>
+                <a:ext uri="{FF2B5EF4-FFF2-40B4-BE49-F238E27FC236}">
+                  <a16:creationId xmlns:a16="http://schemas.microsoft.com/office/drawing/2014/main" id="{3248A2DF-E10C-D75E-211A-46FFBA7AF6D3}"/>
+                </a:ext>
+              </a:extLst>
+            </p:cNvPr>
+            <p:cNvSpPr/>
+            <p:nvPr/>
+          </p:nvSpPr>
+          <p:spPr>
+            <a:xfrm flipH="1">
+              <a:off x="9080099" y="3568457"/>
+              <a:ext cx="772203" cy="491614"/>
+            </a:xfrm>
+            <a:prstGeom prst="ellipse">
+              <a:avLst/>
+            </a:prstGeom>
+            <a:solidFill>
+              <a:schemeClr val="accent4">
+                <a:alpha val="50000"/>
+              </a:schemeClr>
+            </a:solidFill>
+            <a:ln w="28575">
+              <a:solidFill>
+                <a:schemeClr val="tx1"/>
+              </a:solidFill>
+            </a:ln>
+          </p:spPr>
+          <p:style>
+            <a:lnRef idx="0">
+              <a:scrgbClr r="0" g="0" b="0"/>
+            </a:lnRef>
+            <a:fillRef idx="0">
+              <a:scrgbClr r="0" g="0" b="0"/>
+            </a:fillRef>
+            <a:effectRef idx="0">
+              <a:scrgbClr r="0" g="0" b="0"/>
+            </a:effectRef>
+            <a:fontRef idx="minor">
+              <a:schemeClr val="lt1"/>
+            </a:fontRef>
+          </p:style>
+          <p:txBody>
+            <a:bodyPr rtlCol="0" anchor="ctr"/>
+            <a:lstStyle/>
+            <a:p>
+              <a:pPr algn="ctr"/>
+              <a:r>
+                <a:rPr lang="en-US" altLang="ko-KR" sz="800" dirty="0"/>
+                <a:t>Floor</a:t>
+              </a:r>
+              <a:r>
+                <a:rPr lang="en-US" altLang="ko-KR" sz="700" dirty="0"/>
+                <a:t>.</a:t>
+              </a:r>
+            </a:p>
+            <a:p>
+              <a:pPr algn="ctr"/>
+              <a:r>
+                <a:rPr lang="en-US" altLang="ko-KR" sz="800" dirty="0"/>
+                <a:t>CLEAR</a:t>
+              </a:r>
+              <a:endParaRPr lang="ko-KR" altLang="en-US" sz="700" dirty="0"/>
+            </a:p>
+          </p:txBody>
+        </p:sp>
+        <p:sp>
+          <p:nvSpPr>
+            <p:cNvPr id="27" name="타원 26">
+              <a:extLst>
+                <a:ext uri="{FF2B5EF4-FFF2-40B4-BE49-F238E27FC236}">
+                  <a16:creationId xmlns:a16="http://schemas.microsoft.com/office/drawing/2014/main" id="{EC719166-BAA7-1F61-F87E-543A9EC3873C}"/>
+                </a:ext>
+              </a:extLst>
+            </p:cNvPr>
+            <p:cNvSpPr/>
+            <p:nvPr/>
+          </p:nvSpPr>
+          <p:spPr>
+            <a:xfrm flipH="1">
+              <a:off x="9627832" y="4343966"/>
+              <a:ext cx="1221142" cy="491614"/>
+            </a:xfrm>
+            <a:prstGeom prst="ellipse">
+              <a:avLst/>
+            </a:prstGeom>
+            <a:solidFill>
+              <a:schemeClr val="accent4">
+                <a:alpha val="50000"/>
+              </a:schemeClr>
+            </a:solidFill>
+            <a:ln w="28575">
+              <a:solidFill>
+                <a:schemeClr val="tx1"/>
+              </a:solidFill>
+            </a:ln>
+          </p:spPr>
+          <p:style>
+            <a:lnRef idx="0">
+              <a:scrgbClr r="0" g="0" b="0"/>
+            </a:lnRef>
+            <a:fillRef idx="0">
+              <a:scrgbClr r="0" g="0" b="0"/>
+            </a:fillRef>
+            <a:effectRef idx="0">
+              <a:scrgbClr r="0" g="0" b="0"/>
+            </a:effectRef>
+            <a:fontRef idx="minor">
+              <a:schemeClr val="lt1"/>
+            </a:fontRef>
+          </p:style>
+          <p:txBody>
+            <a:bodyPr rtlCol="0" anchor="ctr"/>
+            <a:lstStyle/>
+            <a:p>
+              <a:pPr algn="ctr"/>
+              <a:r>
+                <a:rPr lang="en-US" altLang="ko-KR" sz="800" dirty="0"/>
+                <a:t>SIDE_LH</a:t>
+              </a:r>
+              <a:r>
+                <a:rPr lang="en-US" altLang="ko-KR" sz="700" dirty="0"/>
+                <a:t>.</a:t>
+              </a:r>
+            </a:p>
+            <a:p>
+              <a:pPr algn="ctr"/>
+              <a:r>
+                <a:rPr lang="en-US" altLang="ko-KR" sz="800" dirty="0"/>
+                <a:t>CLEAR</a:t>
+              </a:r>
+              <a:endParaRPr lang="ko-KR" altLang="en-US" sz="700" dirty="0"/>
+            </a:p>
+          </p:txBody>
+        </p:sp>
+        <p:sp>
+          <p:nvSpPr>
+            <p:cNvPr id="29" name="타원 28">
+              <a:extLst>
+                <a:ext uri="{FF2B5EF4-FFF2-40B4-BE49-F238E27FC236}">
+                  <a16:creationId xmlns:a16="http://schemas.microsoft.com/office/drawing/2014/main" id="{28636D9D-5054-F449-EDBB-CF931F5F9A44}"/>
+                </a:ext>
+              </a:extLst>
+            </p:cNvPr>
+            <p:cNvSpPr/>
+            <p:nvPr/>
+          </p:nvSpPr>
+          <p:spPr>
+            <a:xfrm flipH="1">
+              <a:off x="10315686" y="3512057"/>
+              <a:ext cx="1221142" cy="491614"/>
+            </a:xfrm>
+            <a:prstGeom prst="ellipse">
+              <a:avLst/>
+            </a:prstGeom>
+            <a:solidFill>
+              <a:schemeClr val="accent4">
+                <a:alpha val="50000"/>
+              </a:schemeClr>
+            </a:solidFill>
+            <a:ln w="28575">
+              <a:solidFill>
+                <a:schemeClr val="tx1"/>
+              </a:solidFill>
+            </a:ln>
+          </p:spPr>
+          <p:style>
+            <a:lnRef idx="0">
+              <a:scrgbClr r="0" g="0" b="0"/>
+            </a:lnRef>
+            <a:fillRef idx="0">
+              <a:scrgbClr r="0" g="0" b="0"/>
+            </a:fillRef>
+            <a:effectRef idx="0">
+              <a:scrgbClr r="0" g="0" b="0"/>
+            </a:effectRef>
+            <a:fontRef idx="minor">
+              <a:schemeClr val="lt1"/>
+            </a:fontRef>
+          </p:style>
+          <p:txBody>
+            <a:bodyPr rtlCol="0" anchor="ctr"/>
+            <a:lstStyle/>
+            <a:p>
+              <a:pPr algn="ctr"/>
+              <a:r>
+                <a:rPr lang="en-US" altLang="ko-KR" sz="800" dirty="0"/>
+                <a:t>SIDE_RH</a:t>
+              </a:r>
+              <a:r>
+                <a:rPr lang="en-US" altLang="ko-KR" sz="700" dirty="0"/>
+                <a:t>.</a:t>
+              </a:r>
+            </a:p>
+            <a:p>
+              <a:pPr algn="ctr"/>
+              <a:r>
+                <a:rPr lang="en-US" altLang="ko-KR" sz="800" dirty="0"/>
+                <a:t>CLEAR</a:t>
+              </a:r>
+              <a:endParaRPr lang="ko-KR" altLang="en-US" sz="700" dirty="0"/>
+            </a:p>
+          </p:txBody>
+        </p:sp>
+      </p:grpSp>
     </p:spTree>
     <p:extLst>
       <p:ext uri="{BB962C8B-B14F-4D97-AF65-F5344CB8AC3E}">

--- a/DsDotNet/src/UnitTest/UnitTest.Model/ImportOfficeExample/Sample/Sub/BodyShop.pptx
+++ b/DsDotNet/src/UnitTest/UnitTest.Model/ImportOfficeExample/Sample/Sub/BodyShop.pptx
@@ -217,7 +217,7 @@
           <a:p>
             <a:fld id="{DD503887-5801-43A0-AEF9-041E8DDC2558}" type="datetimeFigureOut">
               <a:rPr lang="ko-KR" altLang="en-US" smtClean="0"/>
-              <a:t>2024-05-30</a:t>
+              <a:t>2024-07-08</a:t>
             </a:fld>
             <a:endParaRPr lang="ko-KR" altLang="en-US"/>
           </a:p>
@@ -394,7 +394,7 @@
           <a:p>
             <a:fld id="{95336A0E-57B1-4D4C-BD9B-2F72B5943464}" type="datetimeFigureOut">
               <a:rPr lang="ko-KR" altLang="en-US" smtClean="0"/>
-              <a:t>2024-05-30</a:t>
+              <a:t>2024-07-08</a:t>
             </a:fld>
             <a:endParaRPr lang="ko-KR" altLang="en-US"/>
           </a:p>
@@ -3183,10 +3183,10 @@
       </p:pic>
       <p:grpSp>
         <p:nvGrpSpPr>
-          <p:cNvPr id="50" name="그룹 49">
-            <a:extLst>
-              <a:ext uri="{FF2B5EF4-FFF2-40B4-BE49-F238E27FC236}">
-                <a16:creationId xmlns:a16="http://schemas.microsoft.com/office/drawing/2014/main" id="{862603F7-8DE3-04CF-4E8F-A026EF4D3512}"/>
+          <p:cNvPr id="7" name="그룹 6">
+            <a:extLst>
+              <a:ext uri="{FF2B5EF4-FFF2-40B4-BE49-F238E27FC236}">
+                <a16:creationId xmlns:a16="http://schemas.microsoft.com/office/drawing/2014/main" id="{22568B11-B515-E709-E5F6-5897A803C47B}"/>
               </a:ext>
             </a:extLst>
           </p:cNvPr>
@@ -3727,10 +3727,10 @@
       </p:sp>
       <p:grpSp>
         <p:nvGrpSpPr>
-          <p:cNvPr id="49" name="그룹 48">
-            <a:extLst>
-              <a:ext uri="{FF2B5EF4-FFF2-40B4-BE49-F238E27FC236}">
-                <a16:creationId xmlns:a16="http://schemas.microsoft.com/office/drawing/2014/main" id="{65671349-0E99-922E-3DED-1099B0C3D220}"/>
+          <p:cNvPr id="6" name="그룹 5">
+            <a:extLst>
+              <a:ext uri="{FF2B5EF4-FFF2-40B4-BE49-F238E27FC236}">
+                <a16:creationId xmlns:a16="http://schemas.microsoft.com/office/drawing/2014/main" id="{1E8111DE-C4DB-180C-D931-9880BB790DBA}"/>
               </a:ext>
             </a:extLst>
           </p:cNvPr>
@@ -3917,10 +3917,10 @@
       </p:grpSp>
       <p:grpSp>
         <p:nvGrpSpPr>
-          <p:cNvPr id="48" name="그룹 47">
-            <a:extLst>
-              <a:ext uri="{FF2B5EF4-FFF2-40B4-BE49-F238E27FC236}">
-                <a16:creationId xmlns:a16="http://schemas.microsoft.com/office/drawing/2014/main" id="{2090C192-B684-59AD-6284-A114A9AABD3C}"/>
+          <p:cNvPr id="5" name="그룹 4">
+            <a:extLst>
+              <a:ext uri="{FF2B5EF4-FFF2-40B4-BE49-F238E27FC236}">
+                <a16:creationId xmlns:a16="http://schemas.microsoft.com/office/drawing/2014/main" id="{E821D2FE-90AF-1381-674C-13BCCEBFB2F8}"/>
               </a:ext>
             </a:extLst>
           </p:cNvPr>
@@ -4643,10 +4643,10 @@
       </p:cxnSp>
       <p:grpSp>
         <p:nvGrpSpPr>
-          <p:cNvPr id="47" name="그룹 46">
-            <a:extLst>
-              <a:ext uri="{FF2B5EF4-FFF2-40B4-BE49-F238E27FC236}">
-                <a16:creationId xmlns:a16="http://schemas.microsoft.com/office/drawing/2014/main" id="{02881B05-1DDF-B8E3-79AE-5057EC0CE919}"/>
+          <p:cNvPr id="3" name="그룹 2">
+            <a:extLst>
+              <a:ext uri="{FF2B5EF4-FFF2-40B4-BE49-F238E27FC236}">
+                <a16:creationId xmlns:a16="http://schemas.microsoft.com/office/drawing/2014/main" id="{1590A2C3-1E45-5408-F359-C24920EC41C3}"/>
               </a:ext>
             </a:extLst>
           </p:cNvPr>
@@ -5863,57 +5863,6 @@
           </a:fontRef>
         </p:style>
       </p:cxnSp>
-      <p:cxnSp>
-        <p:nvCxnSpPr>
-          <p:cNvPr id="29" name="연결선: 꺾임 28">
-            <a:extLst>
-              <a:ext uri="{FF2B5EF4-FFF2-40B4-BE49-F238E27FC236}">
-                <a16:creationId xmlns:a16="http://schemas.microsoft.com/office/drawing/2014/main" id="{0511AC68-A15F-20E0-0CF5-86865BAB8644}"/>
-              </a:ext>
-            </a:extLst>
-          </p:cNvPr>
-          <p:cNvCxnSpPr>
-            <a:cxnSpLocks/>
-            <a:stCxn id="51" idx="0"/>
-            <a:endCxn id="46" idx="2"/>
-          </p:cNvCxnSpPr>
-          <p:nvPr/>
-        </p:nvCxnSpPr>
-        <p:spPr>
-          <a:xfrm rot="5400000" flipH="1" flipV="1">
-            <a:off x="3896146" y="2947262"/>
-            <a:ext cx="3414230" cy="2829932"/>
-          </a:xfrm>
-          <a:prstGeom prst="bentConnector3">
-            <a:avLst>
-              <a:gd name="adj1" fmla="val 50000"/>
-            </a:avLst>
-          </a:prstGeom>
-          <a:ln w="28575" cap="flat" cmpd="sng" algn="ctr">
-            <a:solidFill>
-              <a:schemeClr val="accent2"/>
-            </a:solidFill>
-            <a:prstDash val="solid"/>
-            <a:round/>
-            <a:headEnd type="diamond" w="med" len="med"/>
-            <a:tailEnd type="triangle" w="med" len="med"/>
-          </a:ln>
-        </p:spPr>
-        <p:style>
-          <a:lnRef idx="0">
-            <a:scrgbClr r="0" g="0" b="0"/>
-          </a:lnRef>
-          <a:fillRef idx="0">
-            <a:scrgbClr r="0" g="0" b="0"/>
-          </a:fillRef>
-          <a:effectRef idx="0">
-            <a:scrgbClr r="0" g="0" b="0"/>
-          </a:effectRef>
-          <a:fontRef idx="minor">
-            <a:schemeClr val="tx1"/>
-          </a:fontRef>
-        </p:style>
-      </p:cxnSp>
       <p:sp>
         <p:nvSpPr>
           <p:cNvPr id="60" name="직사각형 59">
@@ -7244,6 +7193,183 @@
           </a:fontRef>
         </p:style>
       </p:cxnSp>
+      <p:cxnSp>
+        <p:nvCxnSpPr>
+          <p:cNvPr id="3" name="연결선: 꺾임 2">
+            <a:extLst>
+              <a:ext uri="{FF2B5EF4-FFF2-40B4-BE49-F238E27FC236}">
+                <a16:creationId xmlns:a16="http://schemas.microsoft.com/office/drawing/2014/main" id="{1E473859-FF8A-33F9-9810-BCAD5B56B83A}"/>
+              </a:ext>
+            </a:extLst>
+          </p:cNvPr>
+          <p:cNvCxnSpPr>
+            <a:cxnSpLocks/>
+            <a:stCxn id="51" idx="0"/>
+            <a:endCxn id="46" idx="2"/>
+          </p:cNvCxnSpPr>
+          <p:nvPr/>
+        </p:nvCxnSpPr>
+        <p:spPr>
+          <a:xfrm rot="5400000" flipH="1" flipV="1">
+            <a:off x="3896146" y="2947262"/>
+            <a:ext cx="3414230" cy="2829932"/>
+          </a:xfrm>
+          <a:prstGeom prst="bentConnector3">
+            <a:avLst>
+              <a:gd name="adj1" fmla="val 50000"/>
+            </a:avLst>
+          </a:prstGeom>
+          <a:ln w="25400">
+            <a:prstDash val="solid"/>
+            <a:headEnd w="lg" len="lg"/>
+            <a:tailEnd type="triangle" w="lg" len="lg"/>
+          </a:ln>
+        </p:spPr>
+        <p:style>
+          <a:lnRef idx="1">
+            <a:schemeClr val="accent1"/>
+          </a:lnRef>
+          <a:fillRef idx="0">
+            <a:schemeClr val="accent1"/>
+          </a:fillRef>
+          <a:effectRef idx="0">
+            <a:schemeClr val="accent1"/>
+          </a:effectRef>
+          <a:fontRef idx="minor">
+            <a:schemeClr val="tx1"/>
+          </a:fontRef>
+        </p:style>
+      </p:cxnSp>
+      <p:sp>
+        <p:nvSpPr>
+          <p:cNvPr id="6" name="사각형: 모서리가 접힌 도형 5">
+            <a:extLst>
+              <a:ext uri="{FF2B5EF4-FFF2-40B4-BE49-F238E27FC236}">
+                <a16:creationId xmlns:a16="http://schemas.microsoft.com/office/drawing/2014/main" id="{289BD39F-1B25-DC9B-9F1F-0F618977C435}"/>
+              </a:ext>
+            </a:extLst>
+          </p:cNvPr>
+          <p:cNvSpPr/>
+          <p:nvPr/>
+        </p:nvSpPr>
+        <p:spPr>
+          <a:xfrm>
+            <a:off x="8425898" y="354903"/>
+            <a:ext cx="1685035" cy="591039"/>
+          </a:xfrm>
+          <a:prstGeom prst="foldedCorner">
+            <a:avLst>
+              <a:gd name="adj" fmla="val 27487"/>
+            </a:avLst>
+          </a:prstGeom>
+          <a:solidFill>
+            <a:schemeClr val="accent3">
+              <a:alpha val="50000"/>
+            </a:schemeClr>
+          </a:solidFill>
+          <a:ln>
+            <a:noFill/>
+          </a:ln>
+        </p:spPr>
+        <p:style>
+          <a:lnRef idx="0">
+            <a:scrgbClr r="0" g="0" b="0"/>
+          </a:lnRef>
+          <a:fillRef idx="0">
+            <a:scrgbClr r="0" g="0" b="0"/>
+          </a:fillRef>
+          <a:effectRef idx="0">
+            <a:scrgbClr r="0" g="0" b="0"/>
+          </a:effectRef>
+          <a:fontRef idx="minor">
+            <a:schemeClr val="lt1"/>
+          </a:fontRef>
+        </p:style>
+        <p:txBody>
+          <a:bodyPr rtlCol="0" anchor="ctr"/>
+          <a:lstStyle/>
+          <a:p>
+            <a:pPr algn="ctr"/>
+            <a:r>
+              <a:rPr lang="en-US" altLang="ko-KR" sz="900" dirty="0"/>
+              <a:t>./Sub/Sub/LH</a:t>
+            </a:r>
+          </a:p>
+          <a:p>
+            <a:pPr algn="ctr"/>
+            <a:r>
+              <a:rPr lang="en-US" altLang="ko-KR" sz="900" dirty="0"/>
+              <a:t>[LH]</a:t>
+            </a:r>
+            <a:endParaRPr lang="ko-KR" altLang="en-US" sz="900" dirty="0"/>
+          </a:p>
+        </p:txBody>
+      </p:sp>
+      <p:sp>
+        <p:nvSpPr>
+          <p:cNvPr id="10" name="사각형: 모서리가 접힌 도형 9">
+            <a:extLst>
+              <a:ext uri="{FF2B5EF4-FFF2-40B4-BE49-F238E27FC236}">
+                <a16:creationId xmlns:a16="http://schemas.microsoft.com/office/drawing/2014/main" id="{3016DACB-9738-0B1A-D47B-FBB44C254922}"/>
+              </a:ext>
+            </a:extLst>
+          </p:cNvPr>
+          <p:cNvSpPr/>
+          <p:nvPr/>
+        </p:nvSpPr>
+        <p:spPr>
+          <a:xfrm>
+            <a:off x="10216968" y="354903"/>
+            <a:ext cx="1685035" cy="591039"/>
+          </a:xfrm>
+          <a:prstGeom prst="foldedCorner">
+            <a:avLst>
+              <a:gd name="adj" fmla="val 27487"/>
+            </a:avLst>
+          </a:prstGeom>
+          <a:solidFill>
+            <a:schemeClr val="accent3">
+              <a:alpha val="50000"/>
+            </a:schemeClr>
+          </a:solidFill>
+          <a:ln>
+            <a:noFill/>
+          </a:ln>
+        </p:spPr>
+        <p:style>
+          <a:lnRef idx="0">
+            <a:scrgbClr r="0" g="0" b="0"/>
+          </a:lnRef>
+          <a:fillRef idx="0">
+            <a:scrgbClr r="0" g="0" b="0"/>
+          </a:fillRef>
+          <a:effectRef idx="0">
+            <a:scrgbClr r="0" g="0" b="0"/>
+          </a:effectRef>
+          <a:fontRef idx="minor">
+            <a:schemeClr val="lt1"/>
+          </a:fontRef>
+        </p:style>
+        <p:txBody>
+          <a:bodyPr rtlCol="0" anchor="ctr"/>
+          <a:lstStyle/>
+          <a:p>
+            <a:pPr algn="ctr"/>
+            <a:r>
+              <a:rPr lang="en-US" altLang="ko-KR" sz="900" dirty="0"/>
+              <a:t>./Sub/Sub/RH</a:t>
+            </a:r>
+          </a:p>
+          <a:p>
+            <a:pPr algn="ctr"/>
+            <a:r>
+              <a:rPr lang="en-US" altLang="ko-KR" sz="900" dirty="0"/>
+              <a:t>[RH]</a:t>
+            </a:r>
+            <a:endParaRPr lang="ko-KR" altLang="en-US" sz="900" dirty="0"/>
+          </a:p>
+        </p:txBody>
+      </p:sp>
     </p:spTree>
     <p:extLst>
       <p:ext uri="{BB962C8B-B14F-4D97-AF65-F5344CB8AC3E}">

--- a/DsDotNet/src/UnitTest/UnitTest.Model/ImportOfficeExample/Sample/Sub/BodyShop.pptx
+++ b/DsDotNet/src/UnitTest/UnitTest.Model/ImportOfficeExample/Sample/Sub/BodyShop.pptx
@@ -5,15 +5,18 @@
     <p:sldMasterId id="2147483675" r:id="rId1"/>
   </p:sldMasterIdLst>
   <p:notesMasterIdLst>
-    <p:notesMasterId r:id="rId5"/>
+    <p:notesMasterId r:id="rId8"/>
   </p:notesMasterIdLst>
   <p:handoutMasterIdLst>
-    <p:handoutMasterId r:id="rId6"/>
+    <p:handoutMasterId r:id="rId9"/>
   </p:handoutMasterIdLst>
   <p:sldIdLst>
     <p:sldId id="627" r:id="rId2"/>
-    <p:sldId id="628" r:id="rId3"/>
-    <p:sldId id="629" r:id="rId4"/>
+    <p:sldId id="630" r:id="rId3"/>
+    <p:sldId id="631" r:id="rId4"/>
+    <p:sldId id="632" r:id="rId5"/>
+    <p:sldId id="628" r:id="rId6"/>
+    <p:sldId id="629" r:id="rId7"/>
   </p:sldIdLst>
   <p:sldSz cx="12192000" cy="6858000"/>
   <p:notesSz cx="6797675" cy="9926638"/>
@@ -217,7 +220,7 @@
           <a:p>
             <a:fld id="{DD503887-5801-43A0-AEF9-041E8DDC2558}" type="datetimeFigureOut">
               <a:rPr lang="ko-KR" altLang="en-US" smtClean="0"/>
-              <a:t>2024-07-08</a:t>
+              <a:t>2024-07-12</a:t>
             </a:fld>
             <a:endParaRPr lang="ko-KR" altLang="en-US"/>
           </a:p>
@@ -394,7 +397,7 @@
           <a:p>
             <a:fld id="{95336A0E-57B1-4D4C-BD9B-2F72B5943464}" type="datetimeFigureOut">
               <a:rPr lang="ko-KR" altLang="en-US" smtClean="0"/>
-              <a:t>2024-07-08</a:t>
+              <a:t>2024-07-12</a:t>
             </a:fld>
             <a:endParaRPr lang="ko-KR" altLang="en-US"/>
           </a:p>
@@ -1399,6 +1402,131 @@
 </p:sldLayout>
 </file>
 
+<file path=ppt/slideLayouts/slideLayout3.xml><?xml version="1.0" encoding="utf-8"?>
+<p:sldLayout xmlns:a="http://schemas.openxmlformats.org/drawingml/2006/main" xmlns:r="http://schemas.openxmlformats.org/officeDocument/2006/relationships" xmlns:p="http://schemas.openxmlformats.org/presentationml/2006/main" type="blank" preserve="1">
+  <p:cSld name="빈 화면">
+    <p:spTree>
+      <p:nvGrpSpPr>
+        <p:cNvPr id="1" name=""/>
+        <p:cNvGrpSpPr/>
+        <p:nvPr/>
+      </p:nvGrpSpPr>
+      <p:grpSpPr>
+        <a:xfrm>
+          <a:off x="0" y="0"/>
+          <a:ext cx="0" cy="0"/>
+          <a:chOff x="0" y="0"/>
+          <a:chExt cx="0" cy="0"/>
+        </a:xfrm>
+      </p:grpSpPr>
+      <p:sp>
+        <p:nvSpPr>
+          <p:cNvPr id="2" name="날짜 개체 틀 1">
+            <a:extLst>
+              <a:ext uri="{FF2B5EF4-FFF2-40B4-BE49-F238E27FC236}">
+                <a16:creationId xmlns:a16="http://schemas.microsoft.com/office/drawing/2014/main" id="{A71FAA44-CC41-A1E1-A08D-03D38A38019A}"/>
+              </a:ext>
+            </a:extLst>
+          </p:cNvPr>
+          <p:cNvSpPr>
+            <a:spLocks noGrp="1"/>
+          </p:cNvSpPr>
+          <p:nvPr>
+            <p:ph type="dt" sz="half" idx="10"/>
+          </p:nvPr>
+        </p:nvSpPr>
+        <p:spPr/>
+        <p:txBody>
+          <a:bodyPr/>
+          <a:lstStyle/>
+          <a:p>
+            <a:pPr rtl="0"/>
+            <a:r>
+              <a:rPr lang="en-US" altLang="ko-KR"/>
+              <a:t>2022</a:t>
+            </a:r>
+            <a:r>
+              <a:rPr lang="ko-KR" altLang="en-US"/>
+              <a:t>년</a:t>
+            </a:r>
+            <a:endParaRPr lang="ko-KR" dirty="0"/>
+          </a:p>
+        </p:txBody>
+      </p:sp>
+      <p:sp>
+        <p:nvSpPr>
+          <p:cNvPr id="3" name="바닥글 개체 틀 2">
+            <a:extLst>
+              <a:ext uri="{FF2B5EF4-FFF2-40B4-BE49-F238E27FC236}">
+                <a16:creationId xmlns:a16="http://schemas.microsoft.com/office/drawing/2014/main" id="{13DF669E-1E7C-B09C-C899-1DA48CB434E3}"/>
+              </a:ext>
+            </a:extLst>
+          </p:cNvPr>
+          <p:cNvSpPr>
+            <a:spLocks noGrp="1"/>
+          </p:cNvSpPr>
+          <p:nvPr>
+            <p:ph type="ftr" sz="quarter" idx="11"/>
+          </p:nvPr>
+        </p:nvSpPr>
+        <p:spPr/>
+        <p:txBody>
+          <a:bodyPr/>
+          <a:lstStyle/>
+          <a:p>
+            <a:pPr rtl="0"/>
+            <a:r>
+              <a:rPr lang="en-US" altLang="ko-KR"/>
+              <a:t>Dualsoft</a:t>
+            </a:r>
+            <a:endParaRPr lang="ko-KR" dirty="0"/>
+          </a:p>
+        </p:txBody>
+      </p:sp>
+      <p:sp>
+        <p:nvSpPr>
+          <p:cNvPr id="4" name="슬라이드 번호 개체 틀 3">
+            <a:extLst>
+              <a:ext uri="{FF2B5EF4-FFF2-40B4-BE49-F238E27FC236}">
+                <a16:creationId xmlns:a16="http://schemas.microsoft.com/office/drawing/2014/main" id="{B5C6F4DB-7F7F-21EB-D927-00504AE2F322}"/>
+              </a:ext>
+            </a:extLst>
+          </p:cNvPr>
+          <p:cNvSpPr>
+            <a:spLocks noGrp="1"/>
+          </p:cNvSpPr>
+          <p:nvPr>
+            <p:ph type="sldNum" sz="quarter" idx="12"/>
+          </p:nvPr>
+        </p:nvSpPr>
+        <p:spPr/>
+        <p:txBody>
+          <a:bodyPr/>
+          <a:lstStyle/>
+          <a:p>
+            <a:pPr rtl="0"/>
+            <a:fld id="{DBA1B0FB-D917-4C8C-928F-313BD683BF39}" type="slidenum">
+              <a:rPr lang="ko-KR" smtClean="0"/>
+              <a:pPr/>
+              <a:t>‹#›</a:t>
+            </a:fld>
+            <a:endParaRPr lang="ko-KR"/>
+          </a:p>
+        </p:txBody>
+      </p:sp>
+    </p:spTree>
+    <p:extLst>
+      <p:ext uri="{BB962C8B-B14F-4D97-AF65-F5344CB8AC3E}">
+        <p14:creationId xmlns:p14="http://schemas.microsoft.com/office/powerpoint/2010/main" val="3165179163"/>
+      </p:ext>
+    </p:extLst>
+  </p:cSld>
+  <p:clrMapOvr>
+    <a:masterClrMapping/>
+  </p:clrMapOvr>
+</p:sldLayout>
+</file>
+
 <file path=ppt/slideMasters/slideMaster1.xml><?xml version="1.0" encoding="utf-8"?>
 <p:sldMaster xmlns:a="http://schemas.openxmlformats.org/drawingml/2006/main" xmlns:r="http://schemas.openxmlformats.org/officeDocument/2006/relationships" xmlns:p="http://schemas.openxmlformats.org/presentationml/2006/main">
   <p:cSld>
@@ -1701,6 +1829,7 @@
   <p:sldLayoutIdLst>
     <p:sldLayoutId id="2147483676" r:id="rId1"/>
     <p:sldLayoutId id="2147483677" r:id="rId2"/>
+    <p:sldLayoutId id="2147483678" r:id="rId3"/>
   </p:sldLayoutIdLst>
   <p:hf sldNum="0" hdr="0" ftr="0" dt="0"/>
   <p:txStyles>
@@ -2447,6 +2576,3958 @@
 <file path=ppt/slides/slide2.xml><?xml version="1.0" encoding="utf-8"?>
 <p:sld xmlns:a="http://schemas.openxmlformats.org/drawingml/2006/main" xmlns:r="http://schemas.openxmlformats.org/officeDocument/2006/relationships" xmlns:p="http://schemas.openxmlformats.org/presentationml/2006/main">
   <p:cSld>
+    <p:bg>
+      <p:bgPr>
+        <a:solidFill>
+          <a:srgbClr val="D3D3D3"/>
+        </a:solidFill>
+        <a:effectLst/>
+      </p:bgPr>
+    </p:bg>
+    <p:spTree>
+      <p:nvGrpSpPr>
+        <p:cNvPr id="1" name=""/>
+        <p:cNvGrpSpPr/>
+        <p:nvPr/>
+      </p:nvGrpSpPr>
+      <p:grpSpPr>
+        <a:xfrm>
+          <a:off x="0" y="0"/>
+          <a:ext cx="0" cy="0"/>
+          <a:chOff x="0" y="0"/>
+          <a:chExt cx="0" cy="0"/>
+        </a:xfrm>
+      </p:grpSpPr>
+      <p:sp>
+        <p:nvSpPr>
+          <p:cNvPr id="2" name="TextBox 1">
+            <a:extLst>
+              <a:ext uri="{FF2B5EF4-FFF2-40B4-BE49-F238E27FC236}">
+                <a16:creationId xmlns:a16="http://schemas.microsoft.com/office/drawing/2014/main" id="{6D2CBE82-9F63-BC40-86AE-35CE5321FB14}"/>
+              </a:ext>
+            </a:extLst>
+          </p:cNvPr>
+          <p:cNvSpPr txBox="1"/>
+          <p:nvPr/>
+        </p:nvSpPr>
+        <p:spPr>
+          <a:xfrm>
+            <a:off x="254000" y="127000"/>
+            <a:ext cx="11430000" cy="381000"/>
+          </a:xfrm>
+          <a:prstGeom prst="rect">
+            <a:avLst/>
+          </a:prstGeom>
+          <a:noFill/>
+        </p:spPr>
+        <p:txBody>
+          <a:bodyPr vert="horz" rtlCol="0">
+            <a:spAutoFit/>
+          </a:bodyPr>
+          <a:lstStyle/>
+          <a:p>
+            <a:r>
+              <a:rPr lang="en-US" altLang="ko-KR"/>
+              <a:t>IO TABLE</a:t>
+            </a:r>
+            <a:endParaRPr lang="ko-KR" altLang="en-US"/>
+          </a:p>
+        </p:txBody>
+      </p:sp>
+      <p:graphicFrame>
+        <p:nvGraphicFramePr>
+          <p:cNvPr id="3" name="표 2">
+            <a:extLst>
+              <a:ext uri="{FF2B5EF4-FFF2-40B4-BE49-F238E27FC236}">
+                <a16:creationId xmlns:a16="http://schemas.microsoft.com/office/drawing/2014/main" id="{BF195209-2A24-D8BC-B4F1-6FD08CF1D654}"/>
+              </a:ext>
+            </a:extLst>
+          </p:cNvPr>
+          <p:cNvGraphicFramePr>
+            <a:graphicFrameLocks noGrp="1"/>
+          </p:cNvGraphicFramePr>
+          <p:nvPr>
+            <p:extLst>
+              <p:ext uri="{D42A27DB-BD31-4B8C-83A1-F6EECF244321}">
+                <p14:modId xmlns:p14="http://schemas.microsoft.com/office/powerpoint/2010/main" val="153307931"/>
+              </p:ext>
+            </p:extLst>
+          </p:nvPr>
+        </p:nvGraphicFramePr>
+        <p:xfrm>
+          <a:off x="127000" y="634999"/>
+          <a:ext cx="11938001" cy="5461000"/>
+        </p:xfrm>
+        <a:graphic>
+          <a:graphicData uri="http://schemas.openxmlformats.org/drawingml/2006/table">
+            <a:tbl>
+              <a:tblPr firstRow="1" bandRow="1">
+                <a:tableStyleId>{5C22544A-7EE6-4342-B048-85BDC9FD1C3A}</a:tableStyleId>
+              </a:tblPr>
+              <a:tblGrid>
+                <a:gridCol w="929027">
+                  <a:extLst>
+                    <a:ext uri="{9D8B030D-6E8A-4147-A177-3AD203B41FA5}">
+                      <a16:colId xmlns:a16="http://schemas.microsoft.com/office/drawing/2014/main" val="1997486250"/>
+                    </a:ext>
+                  </a:extLst>
+                </a:gridCol>
+                <a:gridCol w="1486444">
+                  <a:extLst>
+                    <a:ext uri="{9D8B030D-6E8A-4147-A177-3AD203B41FA5}">
+                      <a16:colId xmlns:a16="http://schemas.microsoft.com/office/drawing/2014/main" val="732689283"/>
+                    </a:ext>
+                  </a:extLst>
+                </a:gridCol>
+                <a:gridCol w="2183214">
+                  <a:extLst>
+                    <a:ext uri="{9D8B030D-6E8A-4147-A177-3AD203B41FA5}">
+                      <a16:colId xmlns:a16="http://schemas.microsoft.com/office/drawing/2014/main" val="1335244812"/>
+                    </a:ext>
+                  </a:extLst>
+                </a:gridCol>
+                <a:gridCol w="1486444">
+                  <a:extLst>
+                    <a:ext uri="{9D8B030D-6E8A-4147-A177-3AD203B41FA5}">
+                      <a16:colId xmlns:a16="http://schemas.microsoft.com/office/drawing/2014/main" val="2699626865"/>
+                    </a:ext>
+                  </a:extLst>
+                </a:gridCol>
+                <a:gridCol w="2183214">
+                  <a:extLst>
+                    <a:ext uri="{9D8B030D-6E8A-4147-A177-3AD203B41FA5}">
+                      <a16:colId xmlns:a16="http://schemas.microsoft.com/office/drawing/2014/main" val="2622626760"/>
+                    </a:ext>
+                  </a:extLst>
+                </a:gridCol>
+                <a:gridCol w="2183214">
+                  <a:extLst>
+                    <a:ext uri="{9D8B030D-6E8A-4147-A177-3AD203B41FA5}">
+                      <a16:colId xmlns:a16="http://schemas.microsoft.com/office/drawing/2014/main" val="533706582"/>
+                    </a:ext>
+                  </a:extLst>
+                </a:gridCol>
+                <a:gridCol w="743222">
+                  <a:extLst>
+                    <a:ext uri="{9D8B030D-6E8A-4147-A177-3AD203B41FA5}">
+                      <a16:colId xmlns:a16="http://schemas.microsoft.com/office/drawing/2014/main" val="3979549504"/>
+                    </a:ext>
+                  </a:extLst>
+                </a:gridCol>
+                <a:gridCol w="743222">
+                  <a:extLst>
+                    <a:ext uri="{9D8B030D-6E8A-4147-A177-3AD203B41FA5}">
+                      <a16:colId xmlns:a16="http://schemas.microsoft.com/office/drawing/2014/main" val="1601055268"/>
+                    </a:ext>
+                  </a:extLst>
+                </a:gridCol>
+              </a:tblGrid>
+              <a:tr h="546100">
+                <a:tc>
+                  <a:txBody>
+                    <a:bodyPr/>
+                    <a:lstStyle/>
+                    <a:p>
+                      <a:pPr algn="ctr" latinLnBrk="1"/>
+                      <a:r>
+                        <a:rPr lang="en-US" altLang="ko-KR" sz="1000"/>
+                        <a:t>Case</a:t>
+                      </a:r>
+                      <a:endParaRPr lang="ko-KR" altLang="en-US" sz="1000"/>
+                    </a:p>
+                  </a:txBody>
+                  <a:tcPr anchor="ctr"/>
+                </a:tc>
+                <a:tc>
+                  <a:txBody>
+                    <a:bodyPr/>
+                    <a:lstStyle/>
+                    <a:p>
+                      <a:pPr algn="ctr" latinLnBrk="1"/>
+                      <a:r>
+                        <a:rPr lang="en-US" altLang="ko-KR" sz="1000"/>
+                        <a:t>Flow</a:t>
+                      </a:r>
+                      <a:endParaRPr lang="ko-KR" altLang="en-US" sz="1000"/>
+                    </a:p>
+                  </a:txBody>
+                  <a:tcPr anchor="ctr"/>
+                </a:tc>
+                <a:tc>
+                  <a:txBody>
+                    <a:bodyPr/>
+                    <a:lstStyle/>
+                    <a:p>
+                      <a:pPr algn="ctr" latinLnBrk="1"/>
+                      <a:r>
+                        <a:rPr lang="en-US" altLang="ko-KR" sz="1000"/>
+                        <a:t>Name</a:t>
+                      </a:r>
+                      <a:endParaRPr lang="ko-KR" altLang="en-US" sz="1000"/>
+                    </a:p>
+                  </a:txBody>
+                  <a:tcPr anchor="ctr"/>
+                </a:tc>
+                <a:tc>
+                  <a:txBody>
+                    <a:bodyPr/>
+                    <a:lstStyle/>
+                    <a:p>
+                      <a:pPr algn="ctr" latinLnBrk="1"/>
+                      <a:r>
+                        <a:rPr lang="en-US" altLang="ko-KR" sz="1000"/>
+                        <a:t>DataType 
+(In:Out)</a:t>
+                      </a:r>
+                      <a:endParaRPr lang="ko-KR" altLang="en-US" sz="1000"/>
+                    </a:p>
+                  </a:txBody>
+                  <a:tcPr anchor="ctr"/>
+                </a:tc>
+                <a:tc>
+                  <a:txBody>
+                    <a:bodyPr/>
+                    <a:lstStyle/>
+                    <a:p>
+                      <a:pPr algn="ctr" latinLnBrk="1"/>
+                      <a:r>
+                        <a:rPr lang="en-US" altLang="ko-KR" sz="1000"/>
+                        <a:t>Input</a:t>
+                      </a:r>
+                      <a:endParaRPr lang="ko-KR" altLang="en-US" sz="1000"/>
+                    </a:p>
+                  </a:txBody>
+                  <a:tcPr anchor="ctr"/>
+                </a:tc>
+                <a:tc>
+                  <a:txBody>
+                    <a:bodyPr/>
+                    <a:lstStyle/>
+                    <a:p>
+                      <a:pPr algn="ctr" latinLnBrk="1"/>
+                      <a:r>
+                        <a:rPr lang="en-US" altLang="ko-KR" sz="1000"/>
+                        <a:t>Output</a:t>
+                      </a:r>
+                      <a:endParaRPr lang="ko-KR" altLang="en-US" sz="1000"/>
+                    </a:p>
+                  </a:txBody>
+                  <a:tcPr anchor="ctr"/>
+                </a:tc>
+                <a:tc>
+                  <a:txBody>
+                    <a:bodyPr/>
+                    <a:lstStyle/>
+                    <a:p>
+                      <a:pPr algn="ctr" latinLnBrk="1"/>
+                      <a:r>
+                        <a:rPr lang="en-US" altLang="ko-KR" sz="1000"/>
+                        <a:t>Symbol
+In</a:t>
+                      </a:r>
+                      <a:endParaRPr lang="ko-KR" altLang="en-US" sz="1000"/>
+                    </a:p>
+                  </a:txBody>
+                  <a:tcPr anchor="ctr"/>
+                </a:tc>
+                <a:tc>
+                  <a:txBody>
+                    <a:bodyPr/>
+                    <a:lstStyle/>
+                    <a:p>
+                      <a:pPr algn="ctr" latinLnBrk="1"/>
+                      <a:r>
+                        <a:rPr lang="en-US" altLang="ko-KR" sz="1000"/>
+                        <a:t>Symbol
+Out</a:t>
+                      </a:r>
+                      <a:endParaRPr lang="ko-KR" altLang="en-US" sz="1000"/>
+                    </a:p>
+                  </a:txBody>
+                  <a:tcPr anchor="ctr"/>
+                </a:tc>
+                <a:extLst>
+                  <a:ext uri="{0D108BD9-81ED-4DB2-BD59-A6C34878D82A}">
+                    <a16:rowId xmlns:a16="http://schemas.microsoft.com/office/drawing/2014/main" val="4073218485"/>
+                  </a:ext>
+                </a:extLst>
+              </a:tr>
+              <a:tr h="546100">
+                <a:tc>
+                  <a:txBody>
+                    <a:bodyPr/>
+                    <a:lstStyle/>
+                    <a:p>
+                      <a:pPr algn="ctr" latinLnBrk="1"/>
+                      <a:r>
+                        <a:rPr lang="ko-KR" altLang="en-US" sz="1000"/>
+                        <a:t>외부주소</a:t>
+                      </a:r>
+                    </a:p>
+                  </a:txBody>
+                  <a:tcPr anchor="ctr"/>
+                </a:tc>
+                <a:tc>
+                  <a:txBody>
+                    <a:bodyPr/>
+                    <a:lstStyle/>
+                    <a:p>
+                      <a:pPr algn="ctr" latinLnBrk="1"/>
+                      <a:r>
+                        <a:rPr lang="en-US" altLang="ko-KR" sz="1000"/>
+                        <a:t>FlowA</a:t>
+                      </a:r>
+                      <a:endParaRPr lang="ko-KR" altLang="en-US" sz="1000"/>
+                    </a:p>
+                  </a:txBody>
+                  <a:tcPr anchor="ctr"/>
+                </a:tc>
+                <a:tc>
+                  <a:txBody>
+                    <a:bodyPr/>
+                    <a:lstStyle/>
+                    <a:p>
+                      <a:pPr algn="ctr" latinLnBrk="1"/>
+                      <a:r>
+                        <a:rPr lang="en-US" altLang="ko-KR" sz="1000"/>
+                        <a:t>Floor.CLEAR</a:t>
+                      </a:r>
+                      <a:endParaRPr lang="ko-KR" altLang="en-US" sz="1000"/>
+                    </a:p>
+                  </a:txBody>
+                  <a:tcPr anchor="ctr"/>
+                </a:tc>
+                <a:tc>
+                  <a:txBody>
+                    <a:bodyPr/>
+                    <a:lstStyle/>
+                    <a:p>
+                      <a:pPr algn="ctr" latinLnBrk="1"/>
+                      <a:r>
+                        <a:rPr lang="en-US" altLang="ko-KR" sz="1000"/>
+                        <a:t>bit</a:t>
+                      </a:r>
+                      <a:endParaRPr lang="ko-KR" altLang="en-US" sz="1000"/>
+                    </a:p>
+                  </a:txBody>
+                  <a:tcPr anchor="ctr"/>
+                </a:tc>
+                <a:tc>
+                  <a:txBody>
+                    <a:bodyPr/>
+                    <a:lstStyle/>
+                    <a:p>
+                      <a:pPr algn="ctr" latinLnBrk="1"/>
+                      <a:r>
+                        <a:rPr lang="en-US" altLang="ko-KR" sz="1000"/>
+                        <a:t>%IX0.0.0</a:t>
+                      </a:r>
+                      <a:endParaRPr lang="ko-KR" altLang="en-US" sz="1000"/>
+                    </a:p>
+                  </a:txBody>
+                  <a:tcPr anchor="ctr"/>
+                </a:tc>
+                <a:tc>
+                  <a:txBody>
+                    <a:bodyPr/>
+                    <a:lstStyle/>
+                    <a:p>
+                      <a:pPr algn="ctr" latinLnBrk="1"/>
+                      <a:r>
+                        <a:rPr lang="en-US" altLang="ko-KR" sz="1000"/>
+                        <a:t>%QX0.1.0</a:t>
+                      </a:r>
+                      <a:endParaRPr lang="ko-KR" altLang="en-US" sz="1000"/>
+                    </a:p>
+                  </a:txBody>
+                  <a:tcPr anchor="ctr"/>
+                </a:tc>
+                <a:tc>
+                  <a:txBody>
+                    <a:bodyPr/>
+                    <a:lstStyle/>
+                    <a:p>
+                      <a:pPr algn="ctr" latinLnBrk="1"/>
+                      <a:endParaRPr lang="ko-KR" altLang="en-US" sz="1000"/>
+                    </a:p>
+                  </a:txBody>
+                  <a:tcPr anchor="ctr"/>
+                </a:tc>
+                <a:tc>
+                  <a:txBody>
+                    <a:bodyPr/>
+                    <a:lstStyle/>
+                    <a:p>
+                      <a:pPr algn="ctr" latinLnBrk="1"/>
+                      <a:endParaRPr lang="ko-KR" altLang="en-US" sz="1000"/>
+                    </a:p>
+                  </a:txBody>
+                  <a:tcPr anchor="ctr"/>
+                </a:tc>
+                <a:extLst>
+                  <a:ext uri="{0D108BD9-81ED-4DB2-BD59-A6C34878D82A}">
+                    <a16:rowId xmlns:a16="http://schemas.microsoft.com/office/drawing/2014/main" val="2409809372"/>
+                  </a:ext>
+                </a:extLst>
+              </a:tr>
+              <a:tr h="546100">
+                <a:tc>
+                  <a:txBody>
+                    <a:bodyPr/>
+                    <a:lstStyle/>
+                    <a:p>
+                      <a:pPr algn="ctr" latinLnBrk="1"/>
+                      <a:r>
+                        <a:rPr lang="ko-KR" altLang="en-US" sz="1000"/>
+                        <a:t>외부주소</a:t>
+                      </a:r>
+                    </a:p>
+                  </a:txBody>
+                  <a:tcPr anchor="ctr"/>
+                </a:tc>
+                <a:tc>
+                  <a:txBody>
+                    <a:bodyPr/>
+                    <a:lstStyle/>
+                    <a:p>
+                      <a:pPr algn="ctr" latinLnBrk="1"/>
+                      <a:r>
+                        <a:rPr lang="en-US" altLang="ko-KR" sz="1000"/>
+                        <a:t>FlowA</a:t>
+                      </a:r>
+                      <a:endParaRPr lang="ko-KR" altLang="en-US" sz="1000"/>
+                    </a:p>
+                  </a:txBody>
+                  <a:tcPr anchor="ctr"/>
+                </a:tc>
+                <a:tc>
+                  <a:txBody>
+                    <a:bodyPr/>
+                    <a:lstStyle/>
+                    <a:p>
+                      <a:pPr algn="ctr" latinLnBrk="1"/>
+                      <a:r>
+                        <a:rPr lang="en-US" altLang="ko-KR" sz="1000"/>
+                        <a:t>Floor.END</a:t>
+                      </a:r>
+                      <a:endParaRPr lang="ko-KR" altLang="en-US" sz="1000"/>
+                    </a:p>
+                  </a:txBody>
+                  <a:tcPr anchor="ctr"/>
+                </a:tc>
+                <a:tc>
+                  <a:txBody>
+                    <a:bodyPr/>
+                    <a:lstStyle/>
+                    <a:p>
+                      <a:pPr algn="ctr" latinLnBrk="1"/>
+                      <a:r>
+                        <a:rPr lang="en-US" altLang="ko-KR" sz="1000"/>
+                        <a:t>bit</a:t>
+                      </a:r>
+                      <a:endParaRPr lang="ko-KR" altLang="en-US" sz="1000"/>
+                    </a:p>
+                  </a:txBody>
+                  <a:tcPr anchor="ctr"/>
+                </a:tc>
+                <a:tc>
+                  <a:txBody>
+                    <a:bodyPr/>
+                    <a:lstStyle/>
+                    <a:p>
+                      <a:pPr algn="ctr" latinLnBrk="1"/>
+                      <a:r>
+                        <a:rPr lang="en-US" altLang="ko-KR" sz="1000"/>
+                        <a:t>%MX0</a:t>
+                      </a:r>
+                      <a:endParaRPr lang="ko-KR" altLang="en-US" sz="1000"/>
+                    </a:p>
+                  </a:txBody>
+                  <a:tcPr anchor="ctr"/>
+                </a:tc>
+                <a:tc>
+                  <a:txBody>
+                    <a:bodyPr/>
+                    <a:lstStyle/>
+                    <a:p>
+                      <a:pPr algn="ctr" latinLnBrk="1"/>
+                      <a:r>
+                        <a:rPr lang="en-US" altLang="ko-KR" sz="1000"/>
+                        <a:t>-</a:t>
+                      </a:r>
+                      <a:endParaRPr lang="ko-KR" altLang="en-US" sz="1000"/>
+                    </a:p>
+                  </a:txBody>
+                  <a:tcPr anchor="ctr"/>
+                </a:tc>
+                <a:tc>
+                  <a:txBody>
+                    <a:bodyPr/>
+                    <a:lstStyle/>
+                    <a:p>
+                      <a:pPr algn="ctr" latinLnBrk="1"/>
+                      <a:endParaRPr lang="ko-KR" altLang="en-US" sz="1000"/>
+                    </a:p>
+                  </a:txBody>
+                  <a:tcPr anchor="ctr"/>
+                </a:tc>
+                <a:tc>
+                  <a:txBody>
+                    <a:bodyPr/>
+                    <a:lstStyle/>
+                    <a:p>
+                      <a:pPr algn="ctr" latinLnBrk="1"/>
+                      <a:endParaRPr lang="ko-KR" altLang="en-US" sz="1000"/>
+                    </a:p>
+                  </a:txBody>
+                  <a:tcPr anchor="ctr"/>
+                </a:tc>
+                <a:extLst>
+                  <a:ext uri="{0D108BD9-81ED-4DB2-BD59-A6C34878D82A}">
+                    <a16:rowId xmlns:a16="http://schemas.microsoft.com/office/drawing/2014/main" val="1493542998"/>
+                  </a:ext>
+                </a:extLst>
+              </a:tr>
+              <a:tr h="546100">
+                <a:tc>
+                  <a:txBody>
+                    <a:bodyPr/>
+                    <a:lstStyle/>
+                    <a:p>
+                      <a:pPr algn="ctr" latinLnBrk="1"/>
+                      <a:r>
+                        <a:rPr lang="ko-KR" altLang="en-US" sz="1000"/>
+                        <a:t>외부주소</a:t>
+                      </a:r>
+                    </a:p>
+                  </a:txBody>
+                  <a:tcPr anchor="ctr"/>
+                </a:tc>
+                <a:tc>
+                  <a:txBody>
+                    <a:bodyPr/>
+                    <a:lstStyle/>
+                    <a:p>
+                      <a:pPr algn="ctr" latinLnBrk="1"/>
+                      <a:r>
+                        <a:rPr lang="en-US" altLang="ko-KR" sz="1000"/>
+                        <a:t>FlowA</a:t>
+                      </a:r>
+                      <a:endParaRPr lang="ko-KR" altLang="en-US" sz="1000"/>
+                    </a:p>
+                  </a:txBody>
+                  <a:tcPr anchor="ctr"/>
+                </a:tc>
+                <a:tc>
+                  <a:txBody>
+                    <a:bodyPr/>
+                    <a:lstStyle/>
+                    <a:p>
+                      <a:pPr algn="ctr" latinLnBrk="1"/>
+                      <a:r>
+                        <a:rPr lang="en-US" altLang="ko-KR" sz="1000"/>
+                        <a:t>Floor.RUN</a:t>
+                      </a:r>
+                      <a:endParaRPr lang="ko-KR" altLang="en-US" sz="1000"/>
+                    </a:p>
+                  </a:txBody>
+                  <a:tcPr anchor="ctr"/>
+                </a:tc>
+                <a:tc>
+                  <a:txBody>
+                    <a:bodyPr/>
+                    <a:lstStyle/>
+                    <a:p>
+                      <a:pPr algn="ctr" latinLnBrk="1"/>
+                      <a:r>
+                        <a:rPr lang="en-US" altLang="ko-KR" sz="1000"/>
+                        <a:t>bit</a:t>
+                      </a:r>
+                      <a:endParaRPr lang="ko-KR" altLang="en-US" sz="1000"/>
+                    </a:p>
+                  </a:txBody>
+                  <a:tcPr anchor="ctr"/>
+                </a:tc>
+                <a:tc>
+                  <a:txBody>
+                    <a:bodyPr/>
+                    <a:lstStyle/>
+                    <a:p>
+                      <a:pPr algn="ctr" latinLnBrk="1"/>
+                      <a:r>
+                        <a:rPr lang="en-US" altLang="ko-KR" sz="1000"/>
+                        <a:t>%IX0.0.1</a:t>
+                      </a:r>
+                      <a:endParaRPr lang="ko-KR" altLang="en-US" sz="1000"/>
+                    </a:p>
+                  </a:txBody>
+                  <a:tcPr anchor="ctr"/>
+                </a:tc>
+                <a:tc>
+                  <a:txBody>
+                    <a:bodyPr/>
+                    <a:lstStyle/>
+                    <a:p>
+                      <a:pPr algn="ctr" latinLnBrk="1"/>
+                      <a:r>
+                        <a:rPr lang="en-US" altLang="ko-KR" sz="1000"/>
+                        <a:t>%QX0.1.1</a:t>
+                      </a:r>
+                      <a:endParaRPr lang="ko-KR" altLang="en-US" sz="1000"/>
+                    </a:p>
+                  </a:txBody>
+                  <a:tcPr anchor="ctr"/>
+                </a:tc>
+                <a:tc>
+                  <a:txBody>
+                    <a:bodyPr/>
+                    <a:lstStyle/>
+                    <a:p>
+                      <a:pPr algn="ctr" latinLnBrk="1"/>
+                      <a:endParaRPr lang="ko-KR" altLang="en-US" sz="1000"/>
+                    </a:p>
+                  </a:txBody>
+                  <a:tcPr anchor="ctr"/>
+                </a:tc>
+                <a:tc>
+                  <a:txBody>
+                    <a:bodyPr/>
+                    <a:lstStyle/>
+                    <a:p>
+                      <a:pPr algn="ctr" latinLnBrk="1"/>
+                      <a:endParaRPr lang="ko-KR" altLang="en-US" sz="1000"/>
+                    </a:p>
+                  </a:txBody>
+                  <a:tcPr anchor="ctr"/>
+                </a:tc>
+                <a:extLst>
+                  <a:ext uri="{0D108BD9-81ED-4DB2-BD59-A6C34878D82A}">
+                    <a16:rowId xmlns:a16="http://schemas.microsoft.com/office/drawing/2014/main" val="1133281997"/>
+                  </a:ext>
+                </a:extLst>
+              </a:tr>
+              <a:tr h="546100">
+                <a:tc>
+                  <a:txBody>
+                    <a:bodyPr/>
+                    <a:lstStyle/>
+                    <a:p>
+                      <a:pPr algn="ctr" latinLnBrk="1"/>
+                      <a:r>
+                        <a:rPr lang="ko-KR" altLang="en-US" sz="1000"/>
+                        <a:t>외부주소</a:t>
+                      </a:r>
+                    </a:p>
+                  </a:txBody>
+                  <a:tcPr anchor="ctr"/>
+                </a:tc>
+                <a:tc>
+                  <a:txBody>
+                    <a:bodyPr/>
+                    <a:lstStyle/>
+                    <a:p>
+                      <a:pPr algn="ctr" latinLnBrk="1"/>
+                      <a:r>
+                        <a:rPr lang="en-US" altLang="ko-KR" sz="1000"/>
+                        <a:t>FlowA</a:t>
+                      </a:r>
+                      <a:endParaRPr lang="ko-KR" altLang="en-US" sz="1000"/>
+                    </a:p>
+                  </a:txBody>
+                  <a:tcPr anchor="ctr"/>
+                </a:tc>
+                <a:tc>
+                  <a:txBody>
+                    <a:bodyPr/>
+                    <a:lstStyle/>
+                    <a:p>
+                      <a:pPr algn="ctr" latinLnBrk="1"/>
+                      <a:r>
+                        <a:rPr lang="en-US" altLang="ko-KR" sz="1000"/>
+                        <a:t>SIDE_LH.CLEAR</a:t>
+                      </a:r>
+                      <a:endParaRPr lang="ko-KR" altLang="en-US" sz="1000"/>
+                    </a:p>
+                  </a:txBody>
+                  <a:tcPr anchor="ctr"/>
+                </a:tc>
+                <a:tc>
+                  <a:txBody>
+                    <a:bodyPr/>
+                    <a:lstStyle/>
+                    <a:p>
+                      <a:pPr algn="ctr" latinLnBrk="1"/>
+                      <a:r>
+                        <a:rPr lang="en-US" altLang="ko-KR" sz="1000"/>
+                        <a:t>bit</a:t>
+                      </a:r>
+                      <a:endParaRPr lang="ko-KR" altLang="en-US" sz="1000"/>
+                    </a:p>
+                  </a:txBody>
+                  <a:tcPr anchor="ctr"/>
+                </a:tc>
+                <a:tc>
+                  <a:txBody>
+                    <a:bodyPr/>
+                    <a:lstStyle/>
+                    <a:p>
+                      <a:pPr algn="ctr" latinLnBrk="1"/>
+                      <a:r>
+                        <a:rPr lang="en-US" altLang="ko-KR" sz="1000"/>
+                        <a:t>%IX0.0.2</a:t>
+                      </a:r>
+                      <a:endParaRPr lang="ko-KR" altLang="en-US" sz="1000"/>
+                    </a:p>
+                  </a:txBody>
+                  <a:tcPr anchor="ctr"/>
+                </a:tc>
+                <a:tc>
+                  <a:txBody>
+                    <a:bodyPr/>
+                    <a:lstStyle/>
+                    <a:p>
+                      <a:pPr algn="ctr" latinLnBrk="1"/>
+                      <a:r>
+                        <a:rPr lang="en-US" altLang="ko-KR" sz="1000"/>
+                        <a:t>%QX0.1.2</a:t>
+                      </a:r>
+                      <a:endParaRPr lang="ko-KR" altLang="en-US" sz="1000"/>
+                    </a:p>
+                  </a:txBody>
+                  <a:tcPr anchor="ctr"/>
+                </a:tc>
+                <a:tc>
+                  <a:txBody>
+                    <a:bodyPr/>
+                    <a:lstStyle/>
+                    <a:p>
+                      <a:pPr algn="ctr" latinLnBrk="1"/>
+                      <a:endParaRPr lang="ko-KR" altLang="en-US" sz="1000"/>
+                    </a:p>
+                  </a:txBody>
+                  <a:tcPr anchor="ctr"/>
+                </a:tc>
+                <a:tc>
+                  <a:txBody>
+                    <a:bodyPr/>
+                    <a:lstStyle/>
+                    <a:p>
+                      <a:pPr algn="ctr" latinLnBrk="1"/>
+                      <a:endParaRPr lang="ko-KR" altLang="en-US" sz="1000"/>
+                    </a:p>
+                  </a:txBody>
+                  <a:tcPr anchor="ctr"/>
+                </a:tc>
+                <a:extLst>
+                  <a:ext uri="{0D108BD9-81ED-4DB2-BD59-A6C34878D82A}">
+                    <a16:rowId xmlns:a16="http://schemas.microsoft.com/office/drawing/2014/main" val="1568456697"/>
+                  </a:ext>
+                </a:extLst>
+              </a:tr>
+              <a:tr h="546100">
+                <a:tc>
+                  <a:txBody>
+                    <a:bodyPr/>
+                    <a:lstStyle/>
+                    <a:p>
+                      <a:pPr algn="ctr" latinLnBrk="1"/>
+                      <a:r>
+                        <a:rPr lang="ko-KR" altLang="en-US" sz="1000"/>
+                        <a:t>외부주소</a:t>
+                      </a:r>
+                    </a:p>
+                  </a:txBody>
+                  <a:tcPr anchor="ctr"/>
+                </a:tc>
+                <a:tc>
+                  <a:txBody>
+                    <a:bodyPr/>
+                    <a:lstStyle/>
+                    <a:p>
+                      <a:pPr algn="ctr" latinLnBrk="1"/>
+                      <a:r>
+                        <a:rPr lang="en-US" altLang="ko-KR" sz="1000"/>
+                        <a:t>FlowA</a:t>
+                      </a:r>
+                      <a:endParaRPr lang="ko-KR" altLang="en-US" sz="1000"/>
+                    </a:p>
+                  </a:txBody>
+                  <a:tcPr anchor="ctr"/>
+                </a:tc>
+                <a:tc>
+                  <a:txBody>
+                    <a:bodyPr/>
+                    <a:lstStyle/>
+                    <a:p>
+                      <a:pPr algn="ctr" latinLnBrk="1"/>
+                      <a:r>
+                        <a:rPr lang="en-US" altLang="ko-KR" sz="1000"/>
+                        <a:t>SIDE_LH.END</a:t>
+                      </a:r>
+                      <a:endParaRPr lang="ko-KR" altLang="en-US" sz="1000"/>
+                    </a:p>
+                  </a:txBody>
+                  <a:tcPr anchor="ctr"/>
+                </a:tc>
+                <a:tc>
+                  <a:txBody>
+                    <a:bodyPr/>
+                    <a:lstStyle/>
+                    <a:p>
+                      <a:pPr algn="ctr" latinLnBrk="1"/>
+                      <a:r>
+                        <a:rPr lang="en-US" altLang="ko-KR" sz="1000"/>
+                        <a:t>bit</a:t>
+                      </a:r>
+                      <a:endParaRPr lang="ko-KR" altLang="en-US" sz="1000"/>
+                    </a:p>
+                  </a:txBody>
+                  <a:tcPr anchor="ctr"/>
+                </a:tc>
+                <a:tc>
+                  <a:txBody>
+                    <a:bodyPr/>
+                    <a:lstStyle/>
+                    <a:p>
+                      <a:pPr algn="ctr" latinLnBrk="1"/>
+                      <a:r>
+                        <a:rPr lang="en-US" altLang="ko-KR" sz="1000"/>
+                        <a:t>%MX1</a:t>
+                      </a:r>
+                      <a:endParaRPr lang="ko-KR" altLang="en-US" sz="1000"/>
+                    </a:p>
+                  </a:txBody>
+                  <a:tcPr anchor="ctr"/>
+                </a:tc>
+                <a:tc>
+                  <a:txBody>
+                    <a:bodyPr/>
+                    <a:lstStyle/>
+                    <a:p>
+                      <a:pPr algn="ctr" latinLnBrk="1"/>
+                      <a:r>
+                        <a:rPr lang="en-US" altLang="ko-KR" sz="1000"/>
+                        <a:t>-</a:t>
+                      </a:r>
+                      <a:endParaRPr lang="ko-KR" altLang="en-US" sz="1000"/>
+                    </a:p>
+                  </a:txBody>
+                  <a:tcPr anchor="ctr"/>
+                </a:tc>
+                <a:tc>
+                  <a:txBody>
+                    <a:bodyPr/>
+                    <a:lstStyle/>
+                    <a:p>
+                      <a:pPr algn="ctr" latinLnBrk="1"/>
+                      <a:endParaRPr lang="ko-KR" altLang="en-US" sz="1000"/>
+                    </a:p>
+                  </a:txBody>
+                  <a:tcPr anchor="ctr"/>
+                </a:tc>
+                <a:tc>
+                  <a:txBody>
+                    <a:bodyPr/>
+                    <a:lstStyle/>
+                    <a:p>
+                      <a:pPr algn="ctr" latinLnBrk="1"/>
+                      <a:endParaRPr lang="ko-KR" altLang="en-US" sz="1000"/>
+                    </a:p>
+                  </a:txBody>
+                  <a:tcPr anchor="ctr"/>
+                </a:tc>
+                <a:extLst>
+                  <a:ext uri="{0D108BD9-81ED-4DB2-BD59-A6C34878D82A}">
+                    <a16:rowId xmlns:a16="http://schemas.microsoft.com/office/drawing/2014/main" val="575921027"/>
+                  </a:ext>
+                </a:extLst>
+              </a:tr>
+              <a:tr h="546100">
+                <a:tc>
+                  <a:txBody>
+                    <a:bodyPr/>
+                    <a:lstStyle/>
+                    <a:p>
+                      <a:pPr algn="ctr" latinLnBrk="1"/>
+                      <a:r>
+                        <a:rPr lang="ko-KR" altLang="en-US" sz="1000"/>
+                        <a:t>외부주소</a:t>
+                      </a:r>
+                    </a:p>
+                  </a:txBody>
+                  <a:tcPr anchor="ctr"/>
+                </a:tc>
+                <a:tc>
+                  <a:txBody>
+                    <a:bodyPr/>
+                    <a:lstStyle/>
+                    <a:p>
+                      <a:pPr algn="ctr" latinLnBrk="1"/>
+                      <a:r>
+                        <a:rPr lang="en-US" altLang="ko-KR" sz="1000"/>
+                        <a:t>FlowA</a:t>
+                      </a:r>
+                      <a:endParaRPr lang="ko-KR" altLang="en-US" sz="1000"/>
+                    </a:p>
+                  </a:txBody>
+                  <a:tcPr anchor="ctr"/>
+                </a:tc>
+                <a:tc>
+                  <a:txBody>
+                    <a:bodyPr/>
+                    <a:lstStyle/>
+                    <a:p>
+                      <a:pPr algn="ctr" latinLnBrk="1"/>
+                      <a:r>
+                        <a:rPr lang="en-US" altLang="ko-KR" sz="1000"/>
+                        <a:t>SIDE_LH.RUN</a:t>
+                      </a:r>
+                      <a:endParaRPr lang="ko-KR" altLang="en-US" sz="1000"/>
+                    </a:p>
+                  </a:txBody>
+                  <a:tcPr anchor="ctr"/>
+                </a:tc>
+                <a:tc>
+                  <a:txBody>
+                    <a:bodyPr/>
+                    <a:lstStyle/>
+                    <a:p>
+                      <a:pPr algn="ctr" latinLnBrk="1"/>
+                      <a:r>
+                        <a:rPr lang="en-US" altLang="ko-KR" sz="1000"/>
+                        <a:t>bit</a:t>
+                      </a:r>
+                      <a:endParaRPr lang="ko-KR" altLang="en-US" sz="1000"/>
+                    </a:p>
+                  </a:txBody>
+                  <a:tcPr anchor="ctr"/>
+                </a:tc>
+                <a:tc>
+                  <a:txBody>
+                    <a:bodyPr/>
+                    <a:lstStyle/>
+                    <a:p>
+                      <a:pPr algn="ctr" latinLnBrk="1"/>
+                      <a:r>
+                        <a:rPr lang="en-US" altLang="ko-KR" sz="1000"/>
+                        <a:t>%IX0.0.3</a:t>
+                      </a:r>
+                      <a:endParaRPr lang="ko-KR" altLang="en-US" sz="1000"/>
+                    </a:p>
+                  </a:txBody>
+                  <a:tcPr anchor="ctr"/>
+                </a:tc>
+                <a:tc>
+                  <a:txBody>
+                    <a:bodyPr/>
+                    <a:lstStyle/>
+                    <a:p>
+                      <a:pPr algn="ctr" latinLnBrk="1"/>
+                      <a:r>
+                        <a:rPr lang="en-US" altLang="ko-KR" sz="1000"/>
+                        <a:t>%QX0.1.3</a:t>
+                      </a:r>
+                      <a:endParaRPr lang="ko-KR" altLang="en-US" sz="1000"/>
+                    </a:p>
+                  </a:txBody>
+                  <a:tcPr anchor="ctr"/>
+                </a:tc>
+                <a:tc>
+                  <a:txBody>
+                    <a:bodyPr/>
+                    <a:lstStyle/>
+                    <a:p>
+                      <a:pPr algn="ctr" latinLnBrk="1"/>
+                      <a:endParaRPr lang="ko-KR" altLang="en-US" sz="1000"/>
+                    </a:p>
+                  </a:txBody>
+                  <a:tcPr anchor="ctr"/>
+                </a:tc>
+                <a:tc>
+                  <a:txBody>
+                    <a:bodyPr/>
+                    <a:lstStyle/>
+                    <a:p>
+                      <a:pPr algn="ctr" latinLnBrk="1"/>
+                      <a:endParaRPr lang="ko-KR" altLang="en-US" sz="1000"/>
+                    </a:p>
+                  </a:txBody>
+                  <a:tcPr anchor="ctr"/>
+                </a:tc>
+                <a:extLst>
+                  <a:ext uri="{0D108BD9-81ED-4DB2-BD59-A6C34878D82A}">
+                    <a16:rowId xmlns:a16="http://schemas.microsoft.com/office/drawing/2014/main" val="1140710280"/>
+                  </a:ext>
+                </a:extLst>
+              </a:tr>
+              <a:tr h="546100">
+                <a:tc>
+                  <a:txBody>
+                    <a:bodyPr/>
+                    <a:lstStyle/>
+                    <a:p>
+                      <a:pPr algn="ctr" latinLnBrk="1"/>
+                      <a:r>
+                        <a:rPr lang="ko-KR" altLang="en-US" sz="1000"/>
+                        <a:t>외부주소</a:t>
+                      </a:r>
+                    </a:p>
+                  </a:txBody>
+                  <a:tcPr anchor="ctr"/>
+                </a:tc>
+                <a:tc>
+                  <a:txBody>
+                    <a:bodyPr/>
+                    <a:lstStyle/>
+                    <a:p>
+                      <a:pPr algn="ctr" latinLnBrk="1"/>
+                      <a:r>
+                        <a:rPr lang="en-US" altLang="ko-KR" sz="1000"/>
+                        <a:t>FlowA</a:t>
+                      </a:r>
+                      <a:endParaRPr lang="ko-KR" altLang="en-US" sz="1000"/>
+                    </a:p>
+                  </a:txBody>
+                  <a:tcPr anchor="ctr"/>
+                </a:tc>
+                <a:tc>
+                  <a:txBody>
+                    <a:bodyPr/>
+                    <a:lstStyle/>
+                    <a:p>
+                      <a:pPr algn="ctr" latinLnBrk="1"/>
+                      <a:r>
+                        <a:rPr lang="en-US" altLang="ko-KR" sz="1000"/>
+                        <a:t>SIDE_RH.CLEAR</a:t>
+                      </a:r>
+                      <a:endParaRPr lang="ko-KR" altLang="en-US" sz="1000"/>
+                    </a:p>
+                  </a:txBody>
+                  <a:tcPr anchor="ctr"/>
+                </a:tc>
+                <a:tc>
+                  <a:txBody>
+                    <a:bodyPr/>
+                    <a:lstStyle/>
+                    <a:p>
+                      <a:pPr algn="ctr" latinLnBrk="1"/>
+                      <a:r>
+                        <a:rPr lang="en-US" altLang="ko-KR" sz="1000"/>
+                        <a:t>bit</a:t>
+                      </a:r>
+                      <a:endParaRPr lang="ko-KR" altLang="en-US" sz="1000"/>
+                    </a:p>
+                  </a:txBody>
+                  <a:tcPr anchor="ctr"/>
+                </a:tc>
+                <a:tc>
+                  <a:txBody>
+                    <a:bodyPr/>
+                    <a:lstStyle/>
+                    <a:p>
+                      <a:pPr algn="ctr" latinLnBrk="1"/>
+                      <a:r>
+                        <a:rPr lang="en-US" altLang="ko-KR" sz="1000"/>
+                        <a:t>%IX0.0.4</a:t>
+                      </a:r>
+                      <a:endParaRPr lang="ko-KR" altLang="en-US" sz="1000"/>
+                    </a:p>
+                  </a:txBody>
+                  <a:tcPr anchor="ctr"/>
+                </a:tc>
+                <a:tc>
+                  <a:txBody>
+                    <a:bodyPr/>
+                    <a:lstStyle/>
+                    <a:p>
+                      <a:pPr algn="ctr" latinLnBrk="1"/>
+                      <a:r>
+                        <a:rPr lang="en-US" altLang="ko-KR" sz="1000"/>
+                        <a:t>%QX0.1.4</a:t>
+                      </a:r>
+                      <a:endParaRPr lang="ko-KR" altLang="en-US" sz="1000"/>
+                    </a:p>
+                  </a:txBody>
+                  <a:tcPr anchor="ctr"/>
+                </a:tc>
+                <a:tc>
+                  <a:txBody>
+                    <a:bodyPr/>
+                    <a:lstStyle/>
+                    <a:p>
+                      <a:pPr algn="ctr" latinLnBrk="1"/>
+                      <a:endParaRPr lang="ko-KR" altLang="en-US" sz="1000"/>
+                    </a:p>
+                  </a:txBody>
+                  <a:tcPr anchor="ctr"/>
+                </a:tc>
+                <a:tc>
+                  <a:txBody>
+                    <a:bodyPr/>
+                    <a:lstStyle/>
+                    <a:p>
+                      <a:pPr algn="ctr" latinLnBrk="1"/>
+                      <a:endParaRPr lang="ko-KR" altLang="en-US" sz="1000"/>
+                    </a:p>
+                  </a:txBody>
+                  <a:tcPr anchor="ctr"/>
+                </a:tc>
+                <a:extLst>
+                  <a:ext uri="{0D108BD9-81ED-4DB2-BD59-A6C34878D82A}">
+                    <a16:rowId xmlns:a16="http://schemas.microsoft.com/office/drawing/2014/main" val="3860573205"/>
+                  </a:ext>
+                </a:extLst>
+              </a:tr>
+              <a:tr h="546100">
+                <a:tc>
+                  <a:txBody>
+                    <a:bodyPr/>
+                    <a:lstStyle/>
+                    <a:p>
+                      <a:pPr algn="ctr" latinLnBrk="1"/>
+                      <a:r>
+                        <a:rPr lang="ko-KR" altLang="en-US" sz="1000"/>
+                        <a:t>외부주소</a:t>
+                      </a:r>
+                    </a:p>
+                  </a:txBody>
+                  <a:tcPr anchor="ctr"/>
+                </a:tc>
+                <a:tc>
+                  <a:txBody>
+                    <a:bodyPr/>
+                    <a:lstStyle/>
+                    <a:p>
+                      <a:pPr algn="ctr" latinLnBrk="1"/>
+                      <a:r>
+                        <a:rPr lang="en-US" altLang="ko-KR" sz="1000"/>
+                        <a:t>FlowA</a:t>
+                      </a:r>
+                      <a:endParaRPr lang="ko-KR" altLang="en-US" sz="1000"/>
+                    </a:p>
+                  </a:txBody>
+                  <a:tcPr anchor="ctr"/>
+                </a:tc>
+                <a:tc>
+                  <a:txBody>
+                    <a:bodyPr/>
+                    <a:lstStyle/>
+                    <a:p>
+                      <a:pPr algn="ctr" latinLnBrk="1"/>
+                      <a:r>
+                        <a:rPr lang="en-US" altLang="ko-KR" sz="1000"/>
+                        <a:t>SIDE_RH.END</a:t>
+                      </a:r>
+                      <a:endParaRPr lang="ko-KR" altLang="en-US" sz="1000"/>
+                    </a:p>
+                  </a:txBody>
+                  <a:tcPr anchor="ctr"/>
+                </a:tc>
+                <a:tc>
+                  <a:txBody>
+                    <a:bodyPr/>
+                    <a:lstStyle/>
+                    <a:p>
+                      <a:pPr algn="ctr" latinLnBrk="1"/>
+                      <a:r>
+                        <a:rPr lang="en-US" altLang="ko-KR" sz="1000"/>
+                        <a:t>bit</a:t>
+                      </a:r>
+                      <a:endParaRPr lang="ko-KR" altLang="en-US" sz="1000"/>
+                    </a:p>
+                  </a:txBody>
+                  <a:tcPr anchor="ctr"/>
+                </a:tc>
+                <a:tc>
+                  <a:txBody>
+                    <a:bodyPr/>
+                    <a:lstStyle/>
+                    <a:p>
+                      <a:pPr algn="ctr" latinLnBrk="1"/>
+                      <a:r>
+                        <a:rPr lang="en-US" altLang="ko-KR" sz="1000"/>
+                        <a:t>%MX2</a:t>
+                      </a:r>
+                      <a:endParaRPr lang="ko-KR" altLang="en-US" sz="1000"/>
+                    </a:p>
+                  </a:txBody>
+                  <a:tcPr anchor="ctr"/>
+                </a:tc>
+                <a:tc>
+                  <a:txBody>
+                    <a:bodyPr/>
+                    <a:lstStyle/>
+                    <a:p>
+                      <a:pPr algn="ctr" latinLnBrk="1"/>
+                      <a:r>
+                        <a:rPr lang="en-US" altLang="ko-KR" sz="1000"/>
+                        <a:t>-</a:t>
+                      </a:r>
+                      <a:endParaRPr lang="ko-KR" altLang="en-US" sz="1000"/>
+                    </a:p>
+                  </a:txBody>
+                  <a:tcPr anchor="ctr"/>
+                </a:tc>
+                <a:tc>
+                  <a:txBody>
+                    <a:bodyPr/>
+                    <a:lstStyle/>
+                    <a:p>
+                      <a:pPr algn="ctr" latinLnBrk="1"/>
+                      <a:endParaRPr lang="ko-KR" altLang="en-US" sz="1000"/>
+                    </a:p>
+                  </a:txBody>
+                  <a:tcPr anchor="ctr"/>
+                </a:tc>
+                <a:tc>
+                  <a:txBody>
+                    <a:bodyPr/>
+                    <a:lstStyle/>
+                    <a:p>
+                      <a:pPr algn="ctr" latinLnBrk="1"/>
+                      <a:endParaRPr lang="ko-KR" altLang="en-US" sz="1000"/>
+                    </a:p>
+                  </a:txBody>
+                  <a:tcPr anchor="ctr"/>
+                </a:tc>
+                <a:extLst>
+                  <a:ext uri="{0D108BD9-81ED-4DB2-BD59-A6C34878D82A}">
+                    <a16:rowId xmlns:a16="http://schemas.microsoft.com/office/drawing/2014/main" val="3246933859"/>
+                  </a:ext>
+                </a:extLst>
+              </a:tr>
+              <a:tr h="546100">
+                <a:tc>
+                  <a:txBody>
+                    <a:bodyPr/>
+                    <a:lstStyle/>
+                    <a:p>
+                      <a:pPr algn="ctr" latinLnBrk="1"/>
+                      <a:r>
+                        <a:rPr lang="ko-KR" altLang="en-US" sz="1000"/>
+                        <a:t>외부주소</a:t>
+                      </a:r>
+                    </a:p>
+                  </a:txBody>
+                  <a:tcPr anchor="ctr"/>
+                </a:tc>
+                <a:tc>
+                  <a:txBody>
+                    <a:bodyPr/>
+                    <a:lstStyle/>
+                    <a:p>
+                      <a:pPr algn="ctr" latinLnBrk="1"/>
+                      <a:r>
+                        <a:rPr lang="en-US" altLang="ko-KR" sz="1000"/>
+                        <a:t>FlowA</a:t>
+                      </a:r>
+                      <a:endParaRPr lang="ko-KR" altLang="en-US" sz="1000"/>
+                    </a:p>
+                  </a:txBody>
+                  <a:tcPr anchor="ctr"/>
+                </a:tc>
+                <a:tc>
+                  <a:txBody>
+                    <a:bodyPr/>
+                    <a:lstStyle/>
+                    <a:p>
+                      <a:pPr algn="ctr" latinLnBrk="1"/>
+                      <a:r>
+                        <a:rPr lang="en-US" altLang="ko-KR" sz="1000"/>
+                        <a:t>SIDE_RH.RUN</a:t>
+                      </a:r>
+                      <a:endParaRPr lang="ko-KR" altLang="en-US" sz="1000"/>
+                    </a:p>
+                  </a:txBody>
+                  <a:tcPr anchor="ctr"/>
+                </a:tc>
+                <a:tc>
+                  <a:txBody>
+                    <a:bodyPr/>
+                    <a:lstStyle/>
+                    <a:p>
+                      <a:pPr algn="ctr" latinLnBrk="1"/>
+                      <a:r>
+                        <a:rPr lang="en-US" altLang="ko-KR" sz="1000"/>
+                        <a:t>bit</a:t>
+                      </a:r>
+                      <a:endParaRPr lang="ko-KR" altLang="en-US" sz="1000"/>
+                    </a:p>
+                  </a:txBody>
+                  <a:tcPr anchor="ctr"/>
+                </a:tc>
+                <a:tc>
+                  <a:txBody>
+                    <a:bodyPr/>
+                    <a:lstStyle/>
+                    <a:p>
+                      <a:pPr algn="ctr" latinLnBrk="1"/>
+                      <a:r>
+                        <a:rPr lang="en-US" altLang="ko-KR" sz="1000"/>
+                        <a:t>%IX0.0.5</a:t>
+                      </a:r>
+                      <a:endParaRPr lang="ko-KR" altLang="en-US" sz="1000"/>
+                    </a:p>
+                  </a:txBody>
+                  <a:tcPr anchor="ctr"/>
+                </a:tc>
+                <a:tc>
+                  <a:txBody>
+                    <a:bodyPr/>
+                    <a:lstStyle/>
+                    <a:p>
+                      <a:pPr algn="ctr" latinLnBrk="1"/>
+                      <a:r>
+                        <a:rPr lang="en-US" altLang="ko-KR" sz="1000"/>
+                        <a:t>%QX0.1.5</a:t>
+                      </a:r>
+                      <a:endParaRPr lang="ko-KR" altLang="en-US" sz="1000"/>
+                    </a:p>
+                  </a:txBody>
+                  <a:tcPr anchor="ctr"/>
+                </a:tc>
+                <a:tc>
+                  <a:txBody>
+                    <a:bodyPr/>
+                    <a:lstStyle/>
+                    <a:p>
+                      <a:pPr algn="ctr" latinLnBrk="1"/>
+                      <a:endParaRPr lang="ko-KR" altLang="en-US" sz="1000"/>
+                    </a:p>
+                  </a:txBody>
+                  <a:tcPr anchor="ctr"/>
+                </a:tc>
+                <a:tc>
+                  <a:txBody>
+                    <a:bodyPr/>
+                    <a:lstStyle/>
+                    <a:p>
+                      <a:pPr algn="ctr" latinLnBrk="1"/>
+                      <a:endParaRPr lang="ko-KR" altLang="en-US" sz="1000"/>
+                    </a:p>
+                  </a:txBody>
+                  <a:tcPr anchor="ctr"/>
+                </a:tc>
+                <a:extLst>
+                  <a:ext uri="{0D108BD9-81ED-4DB2-BD59-A6C34878D82A}">
+                    <a16:rowId xmlns:a16="http://schemas.microsoft.com/office/drawing/2014/main" val="1352301393"/>
+                  </a:ext>
+                </a:extLst>
+              </a:tr>
+            </a:tbl>
+          </a:graphicData>
+        </a:graphic>
+      </p:graphicFrame>
+    </p:spTree>
+    <p:extLst>
+      <p:ext uri="{BB962C8B-B14F-4D97-AF65-F5344CB8AC3E}">
+        <p14:creationId xmlns:p14="http://schemas.microsoft.com/office/powerpoint/2010/main" val="3328856946"/>
+      </p:ext>
+    </p:extLst>
+  </p:cSld>
+  <p:clrMapOvr>
+    <a:masterClrMapping/>
+  </p:clrMapOvr>
+</p:sld>
+</file>
+
+<file path=ppt/slides/slide3.xml><?xml version="1.0" encoding="utf-8"?>
+<p:sld xmlns:a="http://schemas.openxmlformats.org/drawingml/2006/main" xmlns:r="http://schemas.openxmlformats.org/officeDocument/2006/relationships" xmlns:p="http://schemas.openxmlformats.org/presentationml/2006/main">
+  <p:cSld>
+    <p:bg>
+      <p:bgPr>
+        <a:solidFill>
+          <a:srgbClr val="D3D3D3"/>
+        </a:solidFill>
+        <a:effectLst/>
+      </p:bgPr>
+    </p:bg>
+    <p:spTree>
+      <p:nvGrpSpPr>
+        <p:cNvPr id="1" name=""/>
+        <p:cNvGrpSpPr/>
+        <p:nvPr/>
+      </p:nvGrpSpPr>
+      <p:grpSpPr>
+        <a:xfrm>
+          <a:off x="0" y="0"/>
+          <a:ext cx="0" cy="0"/>
+          <a:chOff x="0" y="0"/>
+          <a:chExt cx="0" cy="0"/>
+        </a:xfrm>
+      </p:grpSpPr>
+      <p:sp>
+        <p:nvSpPr>
+          <p:cNvPr id="2" name="TextBox 1">
+            <a:extLst>
+              <a:ext uri="{FF2B5EF4-FFF2-40B4-BE49-F238E27FC236}">
+                <a16:creationId xmlns:a16="http://schemas.microsoft.com/office/drawing/2014/main" id="{DA34C872-A14C-04B4-E482-FB4485810955}"/>
+              </a:ext>
+            </a:extLst>
+          </p:cNvPr>
+          <p:cNvSpPr txBox="1"/>
+          <p:nvPr/>
+        </p:nvSpPr>
+        <p:spPr>
+          <a:xfrm>
+            <a:off x="254000" y="127000"/>
+            <a:ext cx="11430000" cy="381000"/>
+          </a:xfrm>
+          <a:prstGeom prst="rect">
+            <a:avLst/>
+          </a:prstGeom>
+          <a:noFill/>
+        </p:spPr>
+        <p:txBody>
+          <a:bodyPr vert="horz" rtlCol="0">
+            <a:spAutoFit/>
+          </a:bodyPr>
+          <a:lstStyle/>
+          <a:p>
+            <a:r>
+              <a:rPr lang="en-US" altLang="ko-KR"/>
+              <a:t>IO TABLE</a:t>
+            </a:r>
+            <a:endParaRPr lang="ko-KR" altLang="en-US"/>
+          </a:p>
+        </p:txBody>
+      </p:sp>
+      <p:graphicFrame>
+        <p:nvGraphicFramePr>
+          <p:cNvPr id="3" name="표 2">
+            <a:extLst>
+              <a:ext uri="{FF2B5EF4-FFF2-40B4-BE49-F238E27FC236}">
+                <a16:creationId xmlns:a16="http://schemas.microsoft.com/office/drawing/2014/main" id="{32D2B60D-D5B3-9DFA-FE02-0CD76BE6C0D4}"/>
+              </a:ext>
+            </a:extLst>
+          </p:cNvPr>
+          <p:cNvGraphicFramePr>
+            <a:graphicFrameLocks noGrp="1"/>
+          </p:cNvGraphicFramePr>
+          <p:nvPr>
+            <p:extLst>
+              <p:ext uri="{D42A27DB-BD31-4B8C-83A1-F6EECF244321}">
+                <p14:modId xmlns:p14="http://schemas.microsoft.com/office/powerpoint/2010/main" val="2944672836"/>
+              </p:ext>
+            </p:extLst>
+          </p:nvPr>
+        </p:nvGraphicFramePr>
+        <p:xfrm>
+          <a:off x="127000" y="634999"/>
+          <a:ext cx="11938001" cy="5535022"/>
+        </p:xfrm>
+        <a:graphic>
+          <a:graphicData uri="http://schemas.openxmlformats.org/drawingml/2006/table">
+            <a:tbl>
+              <a:tblPr firstRow="1" bandRow="1">
+                <a:tableStyleId>{5C22544A-7EE6-4342-B048-85BDC9FD1C3A}</a:tableStyleId>
+              </a:tblPr>
+              <a:tblGrid>
+                <a:gridCol w="929027">
+                  <a:extLst>
+                    <a:ext uri="{9D8B030D-6E8A-4147-A177-3AD203B41FA5}">
+                      <a16:colId xmlns:a16="http://schemas.microsoft.com/office/drawing/2014/main" val="2202300255"/>
+                    </a:ext>
+                  </a:extLst>
+                </a:gridCol>
+                <a:gridCol w="1486444">
+                  <a:extLst>
+                    <a:ext uri="{9D8B030D-6E8A-4147-A177-3AD203B41FA5}">
+                      <a16:colId xmlns:a16="http://schemas.microsoft.com/office/drawing/2014/main" val="2648571879"/>
+                    </a:ext>
+                  </a:extLst>
+                </a:gridCol>
+                <a:gridCol w="2183214">
+                  <a:extLst>
+                    <a:ext uri="{9D8B030D-6E8A-4147-A177-3AD203B41FA5}">
+                      <a16:colId xmlns:a16="http://schemas.microsoft.com/office/drawing/2014/main" val="2912528645"/>
+                    </a:ext>
+                  </a:extLst>
+                </a:gridCol>
+                <a:gridCol w="1486444">
+                  <a:extLst>
+                    <a:ext uri="{9D8B030D-6E8A-4147-A177-3AD203B41FA5}">
+                      <a16:colId xmlns:a16="http://schemas.microsoft.com/office/drawing/2014/main" val="2184447125"/>
+                    </a:ext>
+                  </a:extLst>
+                </a:gridCol>
+                <a:gridCol w="2183214">
+                  <a:extLst>
+                    <a:ext uri="{9D8B030D-6E8A-4147-A177-3AD203B41FA5}">
+                      <a16:colId xmlns:a16="http://schemas.microsoft.com/office/drawing/2014/main" val="298199796"/>
+                    </a:ext>
+                  </a:extLst>
+                </a:gridCol>
+                <a:gridCol w="2183214">
+                  <a:extLst>
+                    <a:ext uri="{9D8B030D-6E8A-4147-A177-3AD203B41FA5}">
+                      <a16:colId xmlns:a16="http://schemas.microsoft.com/office/drawing/2014/main" val="3546215860"/>
+                    </a:ext>
+                  </a:extLst>
+                </a:gridCol>
+                <a:gridCol w="743222">
+                  <a:extLst>
+                    <a:ext uri="{9D8B030D-6E8A-4147-A177-3AD203B41FA5}">
+                      <a16:colId xmlns:a16="http://schemas.microsoft.com/office/drawing/2014/main" val="3259418841"/>
+                    </a:ext>
+                  </a:extLst>
+                </a:gridCol>
+                <a:gridCol w="743222">
+                  <a:extLst>
+                    <a:ext uri="{9D8B030D-6E8A-4147-A177-3AD203B41FA5}">
+                      <a16:colId xmlns:a16="http://schemas.microsoft.com/office/drawing/2014/main" val="375223513"/>
+                    </a:ext>
+                  </a:extLst>
+                </a:gridCol>
+              </a:tblGrid>
+              <a:tr h="390071">
+                <a:tc>
+                  <a:txBody>
+                    <a:bodyPr/>
+                    <a:lstStyle/>
+                    <a:p>
+                      <a:pPr algn="ctr" latinLnBrk="1"/>
+                      <a:r>
+                        <a:rPr lang="en-US" altLang="ko-KR" sz="1000"/>
+                        <a:t>Case</a:t>
+                      </a:r>
+                      <a:endParaRPr lang="ko-KR" altLang="en-US" sz="1000"/>
+                    </a:p>
+                  </a:txBody>
+                  <a:tcPr anchor="ctr"/>
+                </a:tc>
+                <a:tc>
+                  <a:txBody>
+                    <a:bodyPr/>
+                    <a:lstStyle/>
+                    <a:p>
+                      <a:pPr algn="ctr" latinLnBrk="1"/>
+                      <a:r>
+                        <a:rPr lang="en-US" altLang="ko-KR" sz="1000"/>
+                        <a:t>Flow</a:t>
+                      </a:r>
+                      <a:endParaRPr lang="ko-KR" altLang="en-US" sz="1000"/>
+                    </a:p>
+                  </a:txBody>
+                  <a:tcPr anchor="ctr"/>
+                </a:tc>
+                <a:tc>
+                  <a:txBody>
+                    <a:bodyPr/>
+                    <a:lstStyle/>
+                    <a:p>
+                      <a:pPr algn="ctr" latinLnBrk="1"/>
+                      <a:r>
+                        <a:rPr lang="en-US" altLang="ko-KR" sz="1000"/>
+                        <a:t>Name</a:t>
+                      </a:r>
+                      <a:endParaRPr lang="ko-KR" altLang="en-US" sz="1000"/>
+                    </a:p>
+                  </a:txBody>
+                  <a:tcPr anchor="ctr"/>
+                </a:tc>
+                <a:tc>
+                  <a:txBody>
+                    <a:bodyPr/>
+                    <a:lstStyle/>
+                    <a:p>
+                      <a:pPr algn="ctr" latinLnBrk="1"/>
+                      <a:r>
+                        <a:rPr lang="en-US" altLang="ko-KR" sz="1000"/>
+                        <a:t>DataType 
+(In:Out)</a:t>
+                      </a:r>
+                      <a:endParaRPr lang="ko-KR" altLang="en-US" sz="1000"/>
+                    </a:p>
+                  </a:txBody>
+                  <a:tcPr anchor="ctr"/>
+                </a:tc>
+                <a:tc>
+                  <a:txBody>
+                    <a:bodyPr/>
+                    <a:lstStyle/>
+                    <a:p>
+                      <a:pPr algn="ctr" latinLnBrk="1"/>
+                      <a:r>
+                        <a:rPr lang="en-US" altLang="ko-KR" sz="1000"/>
+                        <a:t>Input</a:t>
+                      </a:r>
+                      <a:endParaRPr lang="ko-KR" altLang="en-US" sz="1000"/>
+                    </a:p>
+                  </a:txBody>
+                  <a:tcPr anchor="ctr"/>
+                </a:tc>
+                <a:tc>
+                  <a:txBody>
+                    <a:bodyPr/>
+                    <a:lstStyle/>
+                    <a:p>
+                      <a:pPr algn="ctr" latinLnBrk="1"/>
+                      <a:r>
+                        <a:rPr lang="en-US" altLang="ko-KR" sz="1000"/>
+                        <a:t>Output</a:t>
+                      </a:r>
+                      <a:endParaRPr lang="ko-KR" altLang="en-US" sz="1000"/>
+                    </a:p>
+                  </a:txBody>
+                  <a:tcPr anchor="ctr"/>
+                </a:tc>
+                <a:tc>
+                  <a:txBody>
+                    <a:bodyPr/>
+                    <a:lstStyle/>
+                    <a:p>
+                      <a:pPr algn="ctr" latinLnBrk="1"/>
+                      <a:r>
+                        <a:rPr lang="en-US" altLang="ko-KR" sz="1000"/>
+                        <a:t>Symbol
+In</a:t>
+                      </a:r>
+                      <a:endParaRPr lang="ko-KR" altLang="en-US" sz="1000"/>
+                    </a:p>
+                  </a:txBody>
+                  <a:tcPr anchor="ctr"/>
+                </a:tc>
+                <a:tc>
+                  <a:txBody>
+                    <a:bodyPr/>
+                    <a:lstStyle/>
+                    <a:p>
+                      <a:pPr algn="ctr" latinLnBrk="1"/>
+                      <a:r>
+                        <a:rPr lang="en-US" altLang="ko-KR" sz="1000"/>
+                        <a:t>Symbol
+Out</a:t>
+                      </a:r>
+                      <a:endParaRPr lang="ko-KR" altLang="en-US" sz="1000"/>
+                    </a:p>
+                  </a:txBody>
+                  <a:tcPr anchor="ctr"/>
+                </a:tc>
+                <a:extLst>
+                  <a:ext uri="{0D108BD9-81ED-4DB2-BD59-A6C34878D82A}">
+                    <a16:rowId xmlns:a16="http://schemas.microsoft.com/office/drawing/2014/main" val="2233723856"/>
+                  </a:ext>
+                </a:extLst>
+              </a:tr>
+              <a:tr h="390071">
+                <a:tc>
+                  <a:txBody>
+                    <a:bodyPr/>
+                    <a:lstStyle/>
+                    <a:p>
+                      <a:pPr algn="ctr" latinLnBrk="1"/>
+                      <a:r>
+                        <a:rPr lang="ko-KR" altLang="en-US" sz="1000"/>
+                        <a:t>자동셀렉트</a:t>
+                      </a:r>
+                    </a:p>
+                  </a:txBody>
+                  <a:tcPr anchor="ctr"/>
+                </a:tc>
+                <a:tc>
+                  <a:txBody>
+                    <a:bodyPr/>
+                    <a:lstStyle/>
+                    <a:p>
+                      <a:pPr algn="ctr" latinLnBrk="1"/>
+                      <a:r>
+                        <a:rPr lang="en-US" altLang="ko-KR" sz="1000"/>
+                        <a:t>ALL</a:t>
+                      </a:r>
+                      <a:endParaRPr lang="ko-KR" altLang="en-US" sz="1000"/>
+                    </a:p>
+                  </a:txBody>
+                  <a:tcPr anchor="ctr"/>
+                </a:tc>
+                <a:tc>
+                  <a:txBody>
+                    <a:bodyPr/>
+                    <a:lstStyle/>
+                    <a:p>
+                      <a:pPr algn="ctr" latinLnBrk="1"/>
+                      <a:r>
+                        <a:rPr lang="en-US" altLang="ko-KR" sz="1000"/>
+                        <a:t>AutoSelect</a:t>
+                      </a:r>
+                      <a:endParaRPr lang="ko-KR" altLang="en-US" sz="1000"/>
+                    </a:p>
+                  </a:txBody>
+                  <a:tcPr anchor="ctr"/>
+                </a:tc>
+                <a:tc>
+                  <a:txBody>
+                    <a:bodyPr/>
+                    <a:lstStyle/>
+                    <a:p>
+                      <a:pPr algn="ctr" latinLnBrk="1"/>
+                      <a:r>
+                        <a:rPr lang="en-US" altLang="ko-KR" sz="1000"/>
+                        <a:t>bit</a:t>
+                      </a:r>
+                      <a:endParaRPr lang="ko-KR" altLang="en-US" sz="1000"/>
+                    </a:p>
+                  </a:txBody>
+                  <a:tcPr anchor="ctr"/>
+                </a:tc>
+                <a:tc>
+                  <a:txBody>
+                    <a:bodyPr/>
+                    <a:lstStyle/>
+                    <a:p>
+                      <a:pPr algn="ctr" latinLnBrk="1"/>
+                      <a:r>
+                        <a:rPr lang="en-US" altLang="ko-KR" sz="1000"/>
+                        <a:t>%MX1000</a:t>
+                      </a:r>
+                      <a:endParaRPr lang="ko-KR" altLang="en-US" sz="1000"/>
+                    </a:p>
+                  </a:txBody>
+                  <a:tcPr anchor="ctr"/>
+                </a:tc>
+                <a:tc>
+                  <a:txBody>
+                    <a:bodyPr/>
+                    <a:lstStyle/>
+                    <a:p>
+                      <a:pPr algn="ctr" latinLnBrk="1"/>
+                      <a:r>
+                        <a:rPr lang="en-US" altLang="ko-KR" sz="1000"/>
+                        <a:t>-</a:t>
+                      </a:r>
+                      <a:endParaRPr lang="ko-KR" altLang="en-US" sz="1000"/>
+                    </a:p>
+                  </a:txBody>
+                  <a:tcPr anchor="ctr"/>
+                </a:tc>
+                <a:tc>
+                  <a:txBody>
+                    <a:bodyPr/>
+                    <a:lstStyle/>
+                    <a:p>
+                      <a:pPr algn="ctr" latinLnBrk="1"/>
+                      <a:endParaRPr lang="ko-KR" altLang="en-US" sz="1000"/>
+                    </a:p>
+                  </a:txBody>
+                  <a:tcPr anchor="ctr"/>
+                </a:tc>
+                <a:tc>
+                  <a:txBody>
+                    <a:bodyPr/>
+                    <a:lstStyle/>
+                    <a:p>
+                      <a:pPr algn="ctr" latinLnBrk="1"/>
+                      <a:endParaRPr lang="ko-KR" altLang="en-US" sz="1000"/>
+                    </a:p>
+                  </a:txBody>
+                  <a:tcPr anchor="ctr"/>
+                </a:tc>
+                <a:extLst>
+                  <a:ext uri="{0D108BD9-81ED-4DB2-BD59-A6C34878D82A}">
+                    <a16:rowId xmlns:a16="http://schemas.microsoft.com/office/drawing/2014/main" val="2083553329"/>
+                  </a:ext>
+                </a:extLst>
+              </a:tr>
+              <a:tr h="390071">
+                <a:tc>
+                  <a:txBody>
+                    <a:bodyPr/>
+                    <a:lstStyle/>
+                    <a:p>
+                      <a:pPr algn="ctr" latinLnBrk="1"/>
+                      <a:r>
+                        <a:rPr lang="ko-KR" altLang="en-US" sz="1000"/>
+                        <a:t>수동셀렉트</a:t>
+                      </a:r>
+                    </a:p>
+                  </a:txBody>
+                  <a:tcPr anchor="ctr"/>
+                </a:tc>
+                <a:tc>
+                  <a:txBody>
+                    <a:bodyPr/>
+                    <a:lstStyle/>
+                    <a:p>
+                      <a:pPr algn="ctr" latinLnBrk="1"/>
+                      <a:r>
+                        <a:rPr lang="en-US" altLang="ko-KR" sz="1000"/>
+                        <a:t>ALL</a:t>
+                      </a:r>
+                      <a:endParaRPr lang="ko-KR" altLang="en-US" sz="1000"/>
+                    </a:p>
+                  </a:txBody>
+                  <a:tcPr anchor="ctr"/>
+                </a:tc>
+                <a:tc>
+                  <a:txBody>
+                    <a:bodyPr/>
+                    <a:lstStyle/>
+                    <a:p>
+                      <a:pPr algn="ctr" latinLnBrk="1"/>
+                      <a:r>
+                        <a:rPr lang="en-US" altLang="ko-KR" sz="1000"/>
+                        <a:t>ManualSelect</a:t>
+                      </a:r>
+                      <a:endParaRPr lang="ko-KR" altLang="en-US" sz="1000"/>
+                    </a:p>
+                  </a:txBody>
+                  <a:tcPr anchor="ctr"/>
+                </a:tc>
+                <a:tc>
+                  <a:txBody>
+                    <a:bodyPr/>
+                    <a:lstStyle/>
+                    <a:p>
+                      <a:pPr algn="ctr" latinLnBrk="1"/>
+                      <a:r>
+                        <a:rPr lang="en-US" altLang="ko-KR" sz="1000"/>
+                        <a:t>bit</a:t>
+                      </a:r>
+                      <a:endParaRPr lang="ko-KR" altLang="en-US" sz="1000"/>
+                    </a:p>
+                  </a:txBody>
+                  <a:tcPr anchor="ctr"/>
+                </a:tc>
+                <a:tc>
+                  <a:txBody>
+                    <a:bodyPr/>
+                    <a:lstStyle/>
+                    <a:p>
+                      <a:pPr algn="ctr" latinLnBrk="1"/>
+                      <a:r>
+                        <a:rPr lang="en-US" altLang="ko-KR" sz="1000"/>
+                        <a:t>%MX1001</a:t>
+                      </a:r>
+                      <a:endParaRPr lang="ko-KR" altLang="en-US" sz="1000"/>
+                    </a:p>
+                  </a:txBody>
+                  <a:tcPr anchor="ctr"/>
+                </a:tc>
+                <a:tc>
+                  <a:txBody>
+                    <a:bodyPr/>
+                    <a:lstStyle/>
+                    <a:p>
+                      <a:pPr algn="ctr" latinLnBrk="1"/>
+                      <a:r>
+                        <a:rPr lang="en-US" altLang="ko-KR" sz="1000"/>
+                        <a:t>-</a:t>
+                      </a:r>
+                      <a:endParaRPr lang="ko-KR" altLang="en-US" sz="1000"/>
+                    </a:p>
+                  </a:txBody>
+                  <a:tcPr anchor="ctr"/>
+                </a:tc>
+                <a:tc>
+                  <a:txBody>
+                    <a:bodyPr/>
+                    <a:lstStyle/>
+                    <a:p>
+                      <a:pPr algn="ctr" latinLnBrk="1"/>
+                      <a:endParaRPr lang="ko-KR" altLang="en-US" sz="1000"/>
+                    </a:p>
+                  </a:txBody>
+                  <a:tcPr anchor="ctr"/>
+                </a:tc>
+                <a:tc>
+                  <a:txBody>
+                    <a:bodyPr/>
+                    <a:lstStyle/>
+                    <a:p>
+                      <a:pPr algn="ctr" latinLnBrk="1"/>
+                      <a:endParaRPr lang="ko-KR" altLang="en-US" sz="1000"/>
+                    </a:p>
+                  </a:txBody>
+                  <a:tcPr anchor="ctr"/>
+                </a:tc>
+                <a:extLst>
+                  <a:ext uri="{0D108BD9-81ED-4DB2-BD59-A6C34878D82A}">
+                    <a16:rowId xmlns:a16="http://schemas.microsoft.com/office/drawing/2014/main" val="2534131938"/>
+                  </a:ext>
+                </a:extLst>
+              </a:tr>
+              <a:tr h="390071">
+                <a:tc>
+                  <a:txBody>
+                    <a:bodyPr/>
+                    <a:lstStyle/>
+                    <a:p>
+                      <a:pPr algn="ctr" latinLnBrk="1"/>
+                      <a:r>
+                        <a:rPr lang="ko-KR" altLang="en-US" sz="1000"/>
+                        <a:t>운전푸쉬버튼</a:t>
+                      </a:r>
+                    </a:p>
+                  </a:txBody>
+                  <a:tcPr anchor="ctr"/>
+                </a:tc>
+                <a:tc>
+                  <a:txBody>
+                    <a:bodyPr/>
+                    <a:lstStyle/>
+                    <a:p>
+                      <a:pPr algn="ctr" latinLnBrk="1"/>
+                      <a:r>
+                        <a:rPr lang="en-US" altLang="ko-KR" sz="1000"/>
+                        <a:t>ALL</a:t>
+                      </a:r>
+                      <a:endParaRPr lang="ko-KR" altLang="en-US" sz="1000"/>
+                    </a:p>
+                  </a:txBody>
+                  <a:tcPr anchor="ctr"/>
+                </a:tc>
+                <a:tc>
+                  <a:txBody>
+                    <a:bodyPr/>
+                    <a:lstStyle/>
+                    <a:p>
+                      <a:pPr algn="ctr" latinLnBrk="1"/>
+                      <a:r>
+                        <a:rPr lang="en-US" altLang="ko-KR" sz="1000"/>
+                        <a:t>DrivePushBtn</a:t>
+                      </a:r>
+                      <a:endParaRPr lang="ko-KR" altLang="en-US" sz="1000"/>
+                    </a:p>
+                  </a:txBody>
+                  <a:tcPr anchor="ctr"/>
+                </a:tc>
+                <a:tc>
+                  <a:txBody>
+                    <a:bodyPr/>
+                    <a:lstStyle/>
+                    <a:p>
+                      <a:pPr algn="ctr" latinLnBrk="1"/>
+                      <a:r>
+                        <a:rPr lang="en-US" altLang="ko-KR" sz="1000"/>
+                        <a:t>bit</a:t>
+                      </a:r>
+                      <a:endParaRPr lang="ko-KR" altLang="en-US" sz="1000"/>
+                    </a:p>
+                  </a:txBody>
+                  <a:tcPr anchor="ctr"/>
+                </a:tc>
+                <a:tc>
+                  <a:txBody>
+                    <a:bodyPr/>
+                    <a:lstStyle/>
+                    <a:p>
+                      <a:pPr algn="ctr" latinLnBrk="1"/>
+                      <a:r>
+                        <a:rPr lang="en-US" altLang="ko-KR" sz="1000"/>
+                        <a:t>%MX1002</a:t>
+                      </a:r>
+                      <a:endParaRPr lang="ko-KR" altLang="en-US" sz="1000"/>
+                    </a:p>
+                  </a:txBody>
+                  <a:tcPr anchor="ctr"/>
+                </a:tc>
+                <a:tc>
+                  <a:txBody>
+                    <a:bodyPr/>
+                    <a:lstStyle/>
+                    <a:p>
+                      <a:pPr algn="ctr" latinLnBrk="1"/>
+                      <a:r>
+                        <a:rPr lang="en-US" altLang="ko-KR" sz="1000"/>
+                        <a:t>-</a:t>
+                      </a:r>
+                      <a:endParaRPr lang="ko-KR" altLang="en-US" sz="1000"/>
+                    </a:p>
+                  </a:txBody>
+                  <a:tcPr anchor="ctr"/>
+                </a:tc>
+                <a:tc>
+                  <a:txBody>
+                    <a:bodyPr/>
+                    <a:lstStyle/>
+                    <a:p>
+                      <a:pPr algn="ctr" latinLnBrk="1"/>
+                      <a:endParaRPr lang="ko-KR" altLang="en-US" sz="1000"/>
+                    </a:p>
+                  </a:txBody>
+                  <a:tcPr anchor="ctr"/>
+                </a:tc>
+                <a:tc>
+                  <a:txBody>
+                    <a:bodyPr/>
+                    <a:lstStyle/>
+                    <a:p>
+                      <a:pPr algn="ctr" latinLnBrk="1"/>
+                      <a:endParaRPr lang="ko-KR" altLang="en-US" sz="1000"/>
+                    </a:p>
+                  </a:txBody>
+                  <a:tcPr anchor="ctr"/>
+                </a:tc>
+                <a:extLst>
+                  <a:ext uri="{0D108BD9-81ED-4DB2-BD59-A6C34878D82A}">
+                    <a16:rowId xmlns:a16="http://schemas.microsoft.com/office/drawing/2014/main" val="224889542"/>
+                  </a:ext>
+                </a:extLst>
+              </a:tr>
+              <a:tr h="390071">
+                <a:tc>
+                  <a:txBody>
+                    <a:bodyPr/>
+                    <a:lstStyle/>
+                    <a:p>
+                      <a:pPr algn="ctr" latinLnBrk="1"/>
+                      <a:r>
+                        <a:rPr lang="ko-KR" altLang="en-US" sz="1000"/>
+                        <a:t>정지푸쉬버튼</a:t>
+                      </a:r>
+                    </a:p>
+                  </a:txBody>
+                  <a:tcPr anchor="ctr"/>
+                </a:tc>
+                <a:tc>
+                  <a:txBody>
+                    <a:bodyPr/>
+                    <a:lstStyle/>
+                    <a:p>
+                      <a:pPr algn="ctr" latinLnBrk="1"/>
+                      <a:r>
+                        <a:rPr lang="en-US" altLang="ko-KR" sz="1000"/>
+                        <a:t>ALL</a:t>
+                      </a:r>
+                      <a:endParaRPr lang="ko-KR" altLang="en-US" sz="1000"/>
+                    </a:p>
+                  </a:txBody>
+                  <a:tcPr anchor="ctr"/>
+                </a:tc>
+                <a:tc>
+                  <a:txBody>
+                    <a:bodyPr/>
+                    <a:lstStyle/>
+                    <a:p>
+                      <a:pPr algn="ctr" latinLnBrk="1"/>
+                      <a:r>
+                        <a:rPr lang="en-US" altLang="ko-KR" sz="1000"/>
+                        <a:t>PausePushBtn</a:t>
+                      </a:r>
+                      <a:endParaRPr lang="ko-KR" altLang="en-US" sz="1000"/>
+                    </a:p>
+                  </a:txBody>
+                  <a:tcPr anchor="ctr"/>
+                </a:tc>
+                <a:tc>
+                  <a:txBody>
+                    <a:bodyPr/>
+                    <a:lstStyle/>
+                    <a:p>
+                      <a:pPr algn="ctr" latinLnBrk="1"/>
+                      <a:r>
+                        <a:rPr lang="en-US" altLang="ko-KR" sz="1000"/>
+                        <a:t>bit</a:t>
+                      </a:r>
+                      <a:endParaRPr lang="ko-KR" altLang="en-US" sz="1000"/>
+                    </a:p>
+                  </a:txBody>
+                  <a:tcPr anchor="ctr"/>
+                </a:tc>
+                <a:tc>
+                  <a:txBody>
+                    <a:bodyPr/>
+                    <a:lstStyle/>
+                    <a:p>
+                      <a:pPr algn="ctr" latinLnBrk="1"/>
+                      <a:r>
+                        <a:rPr lang="en-US" altLang="ko-KR" sz="1000"/>
+                        <a:t>%MX1003</a:t>
+                      </a:r>
+                      <a:endParaRPr lang="ko-KR" altLang="en-US" sz="1000"/>
+                    </a:p>
+                  </a:txBody>
+                  <a:tcPr anchor="ctr"/>
+                </a:tc>
+                <a:tc>
+                  <a:txBody>
+                    <a:bodyPr/>
+                    <a:lstStyle/>
+                    <a:p>
+                      <a:pPr algn="ctr" latinLnBrk="1"/>
+                      <a:r>
+                        <a:rPr lang="en-US" altLang="ko-KR" sz="1000"/>
+                        <a:t>-</a:t>
+                      </a:r>
+                      <a:endParaRPr lang="ko-KR" altLang="en-US" sz="1000"/>
+                    </a:p>
+                  </a:txBody>
+                  <a:tcPr anchor="ctr"/>
+                </a:tc>
+                <a:tc>
+                  <a:txBody>
+                    <a:bodyPr/>
+                    <a:lstStyle/>
+                    <a:p>
+                      <a:pPr algn="ctr" latinLnBrk="1"/>
+                      <a:endParaRPr lang="ko-KR" altLang="en-US" sz="1000"/>
+                    </a:p>
+                  </a:txBody>
+                  <a:tcPr anchor="ctr"/>
+                </a:tc>
+                <a:tc>
+                  <a:txBody>
+                    <a:bodyPr/>
+                    <a:lstStyle/>
+                    <a:p>
+                      <a:pPr algn="ctr" latinLnBrk="1"/>
+                      <a:endParaRPr lang="ko-KR" altLang="en-US" sz="1000"/>
+                    </a:p>
+                  </a:txBody>
+                  <a:tcPr anchor="ctr"/>
+                </a:tc>
+                <a:extLst>
+                  <a:ext uri="{0D108BD9-81ED-4DB2-BD59-A6C34878D82A}">
+                    <a16:rowId xmlns:a16="http://schemas.microsoft.com/office/drawing/2014/main" val="3461124555"/>
+                  </a:ext>
+                </a:extLst>
+              </a:tr>
+              <a:tr h="390071">
+                <a:tc>
+                  <a:txBody>
+                    <a:bodyPr/>
+                    <a:lstStyle/>
+                    <a:p>
+                      <a:pPr algn="ctr" latinLnBrk="1"/>
+                      <a:r>
+                        <a:rPr lang="ko-KR" altLang="en-US" sz="1000"/>
+                        <a:t>해지푸쉬버튼</a:t>
+                      </a:r>
+                    </a:p>
+                  </a:txBody>
+                  <a:tcPr anchor="ctr"/>
+                </a:tc>
+                <a:tc>
+                  <a:txBody>
+                    <a:bodyPr/>
+                    <a:lstStyle/>
+                    <a:p>
+                      <a:pPr algn="ctr" latinLnBrk="1"/>
+                      <a:r>
+                        <a:rPr lang="en-US" altLang="ko-KR" sz="1000"/>
+                        <a:t>ALL</a:t>
+                      </a:r>
+                      <a:endParaRPr lang="ko-KR" altLang="en-US" sz="1000"/>
+                    </a:p>
+                  </a:txBody>
+                  <a:tcPr anchor="ctr"/>
+                </a:tc>
+                <a:tc>
+                  <a:txBody>
+                    <a:bodyPr/>
+                    <a:lstStyle/>
+                    <a:p>
+                      <a:pPr algn="ctr" latinLnBrk="1"/>
+                      <a:r>
+                        <a:rPr lang="en-US" altLang="ko-KR" sz="1000"/>
+                        <a:t>ClearPushBtn</a:t>
+                      </a:r>
+                      <a:endParaRPr lang="ko-KR" altLang="en-US" sz="1000"/>
+                    </a:p>
+                  </a:txBody>
+                  <a:tcPr anchor="ctr"/>
+                </a:tc>
+                <a:tc>
+                  <a:txBody>
+                    <a:bodyPr/>
+                    <a:lstStyle/>
+                    <a:p>
+                      <a:pPr algn="ctr" latinLnBrk="1"/>
+                      <a:r>
+                        <a:rPr lang="en-US" altLang="ko-KR" sz="1000"/>
+                        <a:t>bit</a:t>
+                      </a:r>
+                      <a:endParaRPr lang="ko-KR" altLang="en-US" sz="1000"/>
+                    </a:p>
+                  </a:txBody>
+                  <a:tcPr anchor="ctr"/>
+                </a:tc>
+                <a:tc>
+                  <a:txBody>
+                    <a:bodyPr/>
+                    <a:lstStyle/>
+                    <a:p>
+                      <a:pPr algn="ctr" latinLnBrk="1"/>
+                      <a:r>
+                        <a:rPr lang="en-US" altLang="ko-KR" sz="1000"/>
+                        <a:t>%MX1004</a:t>
+                      </a:r>
+                      <a:endParaRPr lang="ko-KR" altLang="en-US" sz="1000"/>
+                    </a:p>
+                  </a:txBody>
+                  <a:tcPr anchor="ctr"/>
+                </a:tc>
+                <a:tc>
+                  <a:txBody>
+                    <a:bodyPr/>
+                    <a:lstStyle/>
+                    <a:p>
+                      <a:pPr algn="ctr" latinLnBrk="1"/>
+                      <a:r>
+                        <a:rPr lang="en-US" altLang="ko-KR" sz="1000"/>
+                        <a:t>-</a:t>
+                      </a:r>
+                      <a:endParaRPr lang="ko-KR" altLang="en-US" sz="1000"/>
+                    </a:p>
+                  </a:txBody>
+                  <a:tcPr anchor="ctr"/>
+                </a:tc>
+                <a:tc>
+                  <a:txBody>
+                    <a:bodyPr/>
+                    <a:lstStyle/>
+                    <a:p>
+                      <a:pPr algn="ctr" latinLnBrk="1"/>
+                      <a:endParaRPr lang="ko-KR" altLang="en-US" sz="1000"/>
+                    </a:p>
+                  </a:txBody>
+                  <a:tcPr anchor="ctr"/>
+                </a:tc>
+                <a:tc>
+                  <a:txBody>
+                    <a:bodyPr/>
+                    <a:lstStyle/>
+                    <a:p>
+                      <a:pPr algn="ctr" latinLnBrk="1"/>
+                      <a:endParaRPr lang="ko-KR" altLang="en-US" sz="1000"/>
+                    </a:p>
+                  </a:txBody>
+                  <a:tcPr anchor="ctr"/>
+                </a:tc>
+                <a:extLst>
+                  <a:ext uri="{0D108BD9-81ED-4DB2-BD59-A6C34878D82A}">
+                    <a16:rowId xmlns:a16="http://schemas.microsoft.com/office/drawing/2014/main" val="3185008531"/>
+                  </a:ext>
+                </a:extLst>
+              </a:tr>
+              <a:tr h="390071">
+                <a:tc>
+                  <a:txBody>
+                    <a:bodyPr/>
+                    <a:lstStyle/>
+                    <a:p>
+                      <a:pPr algn="ctr" latinLnBrk="1"/>
+                      <a:r>
+                        <a:rPr lang="ko-KR" altLang="en-US" sz="1000"/>
+                        <a:t>비상푸쉬버튼</a:t>
+                      </a:r>
+                    </a:p>
+                  </a:txBody>
+                  <a:tcPr anchor="ctr"/>
+                </a:tc>
+                <a:tc>
+                  <a:txBody>
+                    <a:bodyPr/>
+                    <a:lstStyle/>
+                    <a:p>
+                      <a:pPr algn="ctr" latinLnBrk="1"/>
+                      <a:r>
+                        <a:rPr lang="en-US" altLang="ko-KR" sz="1000"/>
+                        <a:t>ALL</a:t>
+                      </a:r>
+                      <a:endParaRPr lang="ko-KR" altLang="en-US" sz="1000"/>
+                    </a:p>
+                  </a:txBody>
+                  <a:tcPr anchor="ctr"/>
+                </a:tc>
+                <a:tc>
+                  <a:txBody>
+                    <a:bodyPr/>
+                    <a:lstStyle/>
+                    <a:p>
+                      <a:pPr algn="ctr" latinLnBrk="1"/>
+                      <a:r>
+                        <a:rPr lang="en-US" altLang="ko-KR" sz="1000"/>
+                        <a:t>EmergencyBtn</a:t>
+                      </a:r>
+                      <a:endParaRPr lang="ko-KR" altLang="en-US" sz="1000"/>
+                    </a:p>
+                  </a:txBody>
+                  <a:tcPr anchor="ctr"/>
+                </a:tc>
+                <a:tc>
+                  <a:txBody>
+                    <a:bodyPr/>
+                    <a:lstStyle/>
+                    <a:p>
+                      <a:pPr algn="ctr" latinLnBrk="1"/>
+                      <a:r>
+                        <a:rPr lang="en-US" altLang="ko-KR" sz="1000"/>
+                        <a:t>bit</a:t>
+                      </a:r>
+                      <a:endParaRPr lang="ko-KR" altLang="en-US" sz="1000"/>
+                    </a:p>
+                  </a:txBody>
+                  <a:tcPr anchor="ctr"/>
+                </a:tc>
+                <a:tc>
+                  <a:txBody>
+                    <a:bodyPr/>
+                    <a:lstStyle/>
+                    <a:p>
+                      <a:pPr algn="ctr" latinLnBrk="1"/>
+                      <a:r>
+                        <a:rPr lang="en-US" altLang="ko-KR" sz="1000"/>
+                        <a:t>%MX1005</a:t>
+                      </a:r>
+                      <a:endParaRPr lang="ko-KR" altLang="en-US" sz="1000"/>
+                    </a:p>
+                  </a:txBody>
+                  <a:tcPr anchor="ctr"/>
+                </a:tc>
+                <a:tc>
+                  <a:txBody>
+                    <a:bodyPr/>
+                    <a:lstStyle/>
+                    <a:p>
+                      <a:pPr algn="ctr" latinLnBrk="1"/>
+                      <a:r>
+                        <a:rPr lang="en-US" altLang="ko-KR" sz="1000"/>
+                        <a:t>-</a:t>
+                      </a:r>
+                      <a:endParaRPr lang="ko-KR" altLang="en-US" sz="1000"/>
+                    </a:p>
+                  </a:txBody>
+                  <a:tcPr anchor="ctr"/>
+                </a:tc>
+                <a:tc>
+                  <a:txBody>
+                    <a:bodyPr/>
+                    <a:lstStyle/>
+                    <a:p>
+                      <a:pPr algn="ctr" latinLnBrk="1"/>
+                      <a:endParaRPr lang="ko-KR" altLang="en-US" sz="1000"/>
+                    </a:p>
+                  </a:txBody>
+                  <a:tcPr anchor="ctr"/>
+                </a:tc>
+                <a:tc>
+                  <a:txBody>
+                    <a:bodyPr/>
+                    <a:lstStyle/>
+                    <a:p>
+                      <a:pPr algn="ctr" latinLnBrk="1"/>
+                      <a:endParaRPr lang="ko-KR" altLang="en-US" sz="1000"/>
+                    </a:p>
+                  </a:txBody>
+                  <a:tcPr anchor="ctr"/>
+                </a:tc>
+                <a:extLst>
+                  <a:ext uri="{0D108BD9-81ED-4DB2-BD59-A6C34878D82A}">
+                    <a16:rowId xmlns:a16="http://schemas.microsoft.com/office/drawing/2014/main" val="1603392848"/>
+                  </a:ext>
+                </a:extLst>
+              </a:tr>
+              <a:tr h="390071">
+                <a:tc>
+                  <a:txBody>
+                    <a:bodyPr/>
+                    <a:lstStyle/>
+                    <a:p>
+                      <a:pPr algn="ctr" latinLnBrk="1"/>
+                      <a:r>
+                        <a:rPr lang="ko-KR" altLang="en-US" sz="1000"/>
+                        <a:t>자동모드램프</a:t>
+                      </a:r>
+                    </a:p>
+                  </a:txBody>
+                  <a:tcPr anchor="ctr"/>
+                </a:tc>
+                <a:tc>
+                  <a:txBody>
+                    <a:bodyPr/>
+                    <a:lstStyle/>
+                    <a:p>
+                      <a:pPr algn="ctr" latinLnBrk="1"/>
+                      <a:r>
+                        <a:rPr lang="en-US" altLang="ko-KR" sz="1000"/>
+                        <a:t>ALL</a:t>
+                      </a:r>
+                      <a:endParaRPr lang="ko-KR" altLang="en-US" sz="1000"/>
+                    </a:p>
+                  </a:txBody>
+                  <a:tcPr anchor="ctr"/>
+                </a:tc>
+                <a:tc>
+                  <a:txBody>
+                    <a:bodyPr/>
+                    <a:lstStyle/>
+                    <a:p>
+                      <a:pPr algn="ctr" latinLnBrk="1"/>
+                      <a:r>
+                        <a:rPr lang="en-US" altLang="ko-KR" sz="1000"/>
+                        <a:t>AutoModeLamp</a:t>
+                      </a:r>
+                      <a:endParaRPr lang="ko-KR" altLang="en-US" sz="1000"/>
+                    </a:p>
+                  </a:txBody>
+                  <a:tcPr anchor="ctr"/>
+                </a:tc>
+                <a:tc>
+                  <a:txBody>
+                    <a:bodyPr/>
+                    <a:lstStyle/>
+                    <a:p>
+                      <a:pPr algn="ctr" latinLnBrk="1"/>
+                      <a:r>
+                        <a:rPr lang="en-US" altLang="ko-KR" sz="1000"/>
+                        <a:t>bit</a:t>
+                      </a:r>
+                      <a:endParaRPr lang="ko-KR" altLang="en-US" sz="1000"/>
+                    </a:p>
+                  </a:txBody>
+                  <a:tcPr anchor="ctr"/>
+                </a:tc>
+                <a:tc>
+                  <a:txBody>
+                    <a:bodyPr/>
+                    <a:lstStyle/>
+                    <a:p>
+                      <a:pPr algn="ctr" latinLnBrk="1"/>
+                      <a:r>
+                        <a:rPr lang="en-US" altLang="ko-KR" sz="1000"/>
+                        <a:t>-</a:t>
+                      </a:r>
+                      <a:endParaRPr lang="ko-KR" altLang="en-US" sz="1000"/>
+                    </a:p>
+                  </a:txBody>
+                  <a:tcPr anchor="ctr"/>
+                </a:tc>
+                <a:tc>
+                  <a:txBody>
+                    <a:bodyPr/>
+                    <a:lstStyle/>
+                    <a:p>
+                      <a:pPr algn="ctr" latinLnBrk="1"/>
+                      <a:r>
+                        <a:rPr lang="en-US" altLang="ko-KR" sz="1000"/>
+                        <a:t>%MX1006</a:t>
+                      </a:r>
+                      <a:endParaRPr lang="ko-KR" altLang="en-US" sz="1000"/>
+                    </a:p>
+                  </a:txBody>
+                  <a:tcPr anchor="ctr"/>
+                </a:tc>
+                <a:tc>
+                  <a:txBody>
+                    <a:bodyPr/>
+                    <a:lstStyle/>
+                    <a:p>
+                      <a:pPr algn="ctr" latinLnBrk="1"/>
+                      <a:endParaRPr lang="ko-KR" altLang="en-US" sz="1000"/>
+                    </a:p>
+                  </a:txBody>
+                  <a:tcPr anchor="ctr"/>
+                </a:tc>
+                <a:tc>
+                  <a:txBody>
+                    <a:bodyPr/>
+                    <a:lstStyle/>
+                    <a:p>
+                      <a:pPr algn="ctr" latinLnBrk="1"/>
+                      <a:endParaRPr lang="ko-KR" altLang="en-US" sz="1000"/>
+                    </a:p>
+                  </a:txBody>
+                  <a:tcPr anchor="ctr"/>
+                </a:tc>
+                <a:extLst>
+                  <a:ext uri="{0D108BD9-81ED-4DB2-BD59-A6C34878D82A}">
+                    <a16:rowId xmlns:a16="http://schemas.microsoft.com/office/drawing/2014/main" val="3871605196"/>
+                  </a:ext>
+                </a:extLst>
+              </a:tr>
+              <a:tr h="390071">
+                <a:tc>
+                  <a:txBody>
+                    <a:bodyPr/>
+                    <a:lstStyle/>
+                    <a:p>
+                      <a:pPr algn="ctr" latinLnBrk="1"/>
+                      <a:r>
+                        <a:rPr lang="ko-KR" altLang="en-US" sz="1000"/>
+                        <a:t>수동모드램프</a:t>
+                      </a:r>
+                    </a:p>
+                  </a:txBody>
+                  <a:tcPr anchor="ctr"/>
+                </a:tc>
+                <a:tc>
+                  <a:txBody>
+                    <a:bodyPr/>
+                    <a:lstStyle/>
+                    <a:p>
+                      <a:pPr algn="ctr" latinLnBrk="1"/>
+                      <a:r>
+                        <a:rPr lang="en-US" altLang="ko-KR" sz="1000"/>
+                        <a:t>ALL</a:t>
+                      </a:r>
+                      <a:endParaRPr lang="ko-KR" altLang="en-US" sz="1000"/>
+                    </a:p>
+                  </a:txBody>
+                  <a:tcPr anchor="ctr"/>
+                </a:tc>
+                <a:tc>
+                  <a:txBody>
+                    <a:bodyPr/>
+                    <a:lstStyle/>
+                    <a:p>
+                      <a:pPr algn="ctr" latinLnBrk="1"/>
+                      <a:r>
+                        <a:rPr lang="en-US" altLang="ko-KR" sz="1000"/>
+                        <a:t>ManualModeLamp</a:t>
+                      </a:r>
+                      <a:endParaRPr lang="ko-KR" altLang="en-US" sz="1000"/>
+                    </a:p>
+                  </a:txBody>
+                  <a:tcPr anchor="ctr"/>
+                </a:tc>
+                <a:tc>
+                  <a:txBody>
+                    <a:bodyPr/>
+                    <a:lstStyle/>
+                    <a:p>
+                      <a:pPr algn="ctr" latinLnBrk="1"/>
+                      <a:r>
+                        <a:rPr lang="en-US" altLang="ko-KR" sz="1000"/>
+                        <a:t>bit</a:t>
+                      </a:r>
+                      <a:endParaRPr lang="ko-KR" altLang="en-US" sz="1000"/>
+                    </a:p>
+                  </a:txBody>
+                  <a:tcPr anchor="ctr"/>
+                </a:tc>
+                <a:tc>
+                  <a:txBody>
+                    <a:bodyPr/>
+                    <a:lstStyle/>
+                    <a:p>
+                      <a:pPr algn="ctr" latinLnBrk="1"/>
+                      <a:r>
+                        <a:rPr lang="en-US" altLang="ko-KR" sz="1000"/>
+                        <a:t>-</a:t>
+                      </a:r>
+                      <a:endParaRPr lang="ko-KR" altLang="en-US" sz="1000"/>
+                    </a:p>
+                  </a:txBody>
+                  <a:tcPr anchor="ctr"/>
+                </a:tc>
+                <a:tc>
+                  <a:txBody>
+                    <a:bodyPr/>
+                    <a:lstStyle/>
+                    <a:p>
+                      <a:pPr algn="ctr" latinLnBrk="1"/>
+                      <a:r>
+                        <a:rPr lang="en-US" altLang="ko-KR" sz="1000"/>
+                        <a:t>%MX1007</a:t>
+                      </a:r>
+                      <a:endParaRPr lang="ko-KR" altLang="en-US" sz="1000"/>
+                    </a:p>
+                  </a:txBody>
+                  <a:tcPr anchor="ctr"/>
+                </a:tc>
+                <a:tc>
+                  <a:txBody>
+                    <a:bodyPr/>
+                    <a:lstStyle/>
+                    <a:p>
+                      <a:pPr algn="ctr" latinLnBrk="1"/>
+                      <a:endParaRPr lang="ko-KR" altLang="en-US" sz="1000"/>
+                    </a:p>
+                  </a:txBody>
+                  <a:tcPr anchor="ctr"/>
+                </a:tc>
+                <a:tc>
+                  <a:txBody>
+                    <a:bodyPr/>
+                    <a:lstStyle/>
+                    <a:p>
+                      <a:pPr algn="ctr" latinLnBrk="1"/>
+                      <a:endParaRPr lang="ko-KR" altLang="en-US" sz="1000"/>
+                    </a:p>
+                  </a:txBody>
+                  <a:tcPr anchor="ctr"/>
+                </a:tc>
+                <a:extLst>
+                  <a:ext uri="{0D108BD9-81ED-4DB2-BD59-A6C34878D82A}">
+                    <a16:rowId xmlns:a16="http://schemas.microsoft.com/office/drawing/2014/main" val="2424941702"/>
+                  </a:ext>
+                </a:extLst>
+              </a:tr>
+              <a:tr h="390071">
+                <a:tc>
+                  <a:txBody>
+                    <a:bodyPr/>
+                    <a:lstStyle/>
+                    <a:p>
+                      <a:pPr algn="ctr" latinLnBrk="1"/>
+                      <a:r>
+                        <a:rPr lang="ko-KR" altLang="en-US" sz="1000"/>
+                        <a:t>대기모드램프</a:t>
+                      </a:r>
+                    </a:p>
+                  </a:txBody>
+                  <a:tcPr anchor="ctr"/>
+                </a:tc>
+                <a:tc>
+                  <a:txBody>
+                    <a:bodyPr/>
+                    <a:lstStyle/>
+                    <a:p>
+                      <a:pPr algn="ctr" latinLnBrk="1"/>
+                      <a:r>
+                        <a:rPr lang="en-US" altLang="ko-KR" sz="1000"/>
+                        <a:t>ALL</a:t>
+                      </a:r>
+                      <a:endParaRPr lang="ko-KR" altLang="en-US" sz="1000"/>
+                    </a:p>
+                  </a:txBody>
+                  <a:tcPr anchor="ctr"/>
+                </a:tc>
+                <a:tc>
+                  <a:txBody>
+                    <a:bodyPr/>
+                    <a:lstStyle/>
+                    <a:p>
+                      <a:pPr algn="ctr" latinLnBrk="1"/>
+                      <a:r>
+                        <a:rPr lang="en-US" altLang="ko-KR" sz="1000"/>
+                        <a:t>IdleModeLamp</a:t>
+                      </a:r>
+                      <a:endParaRPr lang="ko-KR" altLang="en-US" sz="1000"/>
+                    </a:p>
+                  </a:txBody>
+                  <a:tcPr anchor="ctr"/>
+                </a:tc>
+                <a:tc>
+                  <a:txBody>
+                    <a:bodyPr/>
+                    <a:lstStyle/>
+                    <a:p>
+                      <a:pPr algn="ctr" latinLnBrk="1"/>
+                      <a:r>
+                        <a:rPr lang="en-US" altLang="ko-KR" sz="1000"/>
+                        <a:t>bit</a:t>
+                      </a:r>
+                      <a:endParaRPr lang="ko-KR" altLang="en-US" sz="1000"/>
+                    </a:p>
+                  </a:txBody>
+                  <a:tcPr anchor="ctr"/>
+                </a:tc>
+                <a:tc>
+                  <a:txBody>
+                    <a:bodyPr/>
+                    <a:lstStyle/>
+                    <a:p>
+                      <a:pPr algn="ctr" latinLnBrk="1"/>
+                      <a:r>
+                        <a:rPr lang="en-US" altLang="ko-KR" sz="1000"/>
+                        <a:t>-</a:t>
+                      </a:r>
+                      <a:endParaRPr lang="ko-KR" altLang="en-US" sz="1000"/>
+                    </a:p>
+                  </a:txBody>
+                  <a:tcPr anchor="ctr"/>
+                </a:tc>
+                <a:tc>
+                  <a:txBody>
+                    <a:bodyPr/>
+                    <a:lstStyle/>
+                    <a:p>
+                      <a:pPr algn="ctr" latinLnBrk="1"/>
+                      <a:r>
+                        <a:rPr lang="en-US" altLang="ko-KR" sz="1000"/>
+                        <a:t>%MX1008</a:t>
+                      </a:r>
+                      <a:endParaRPr lang="ko-KR" altLang="en-US" sz="1000"/>
+                    </a:p>
+                  </a:txBody>
+                  <a:tcPr anchor="ctr"/>
+                </a:tc>
+                <a:tc>
+                  <a:txBody>
+                    <a:bodyPr/>
+                    <a:lstStyle/>
+                    <a:p>
+                      <a:pPr algn="ctr" latinLnBrk="1"/>
+                      <a:endParaRPr lang="ko-KR" altLang="en-US" sz="1000"/>
+                    </a:p>
+                  </a:txBody>
+                  <a:tcPr anchor="ctr"/>
+                </a:tc>
+                <a:tc>
+                  <a:txBody>
+                    <a:bodyPr/>
+                    <a:lstStyle/>
+                    <a:p>
+                      <a:pPr algn="ctr" latinLnBrk="1"/>
+                      <a:endParaRPr lang="ko-KR" altLang="en-US" sz="1000"/>
+                    </a:p>
+                  </a:txBody>
+                  <a:tcPr anchor="ctr"/>
+                </a:tc>
+                <a:extLst>
+                  <a:ext uri="{0D108BD9-81ED-4DB2-BD59-A6C34878D82A}">
+                    <a16:rowId xmlns:a16="http://schemas.microsoft.com/office/drawing/2014/main" val="1628865089"/>
+                  </a:ext>
+                </a:extLst>
+              </a:tr>
+              <a:tr h="390071">
+                <a:tc>
+                  <a:txBody>
+                    <a:bodyPr/>
+                    <a:lstStyle/>
+                    <a:p>
+                      <a:pPr algn="ctr" latinLnBrk="1"/>
+                      <a:r>
+                        <a:rPr lang="ko-KR" altLang="en-US" sz="1000"/>
+                        <a:t>이상모드램프</a:t>
+                      </a:r>
+                    </a:p>
+                  </a:txBody>
+                  <a:tcPr anchor="ctr"/>
+                </a:tc>
+                <a:tc>
+                  <a:txBody>
+                    <a:bodyPr/>
+                    <a:lstStyle/>
+                    <a:p>
+                      <a:pPr algn="ctr" latinLnBrk="1"/>
+                      <a:r>
+                        <a:rPr lang="en-US" altLang="ko-KR" sz="1000"/>
+                        <a:t>ALL</a:t>
+                      </a:r>
+                      <a:endParaRPr lang="ko-KR" altLang="en-US" sz="1000"/>
+                    </a:p>
+                  </a:txBody>
+                  <a:tcPr anchor="ctr"/>
+                </a:tc>
+                <a:tc>
+                  <a:txBody>
+                    <a:bodyPr/>
+                    <a:lstStyle/>
+                    <a:p>
+                      <a:pPr algn="ctr" latinLnBrk="1"/>
+                      <a:r>
+                        <a:rPr lang="en-US" altLang="ko-KR" sz="1000"/>
+                        <a:t>ErrorLamp</a:t>
+                      </a:r>
+                      <a:endParaRPr lang="ko-KR" altLang="en-US" sz="1000"/>
+                    </a:p>
+                  </a:txBody>
+                  <a:tcPr anchor="ctr"/>
+                </a:tc>
+                <a:tc>
+                  <a:txBody>
+                    <a:bodyPr/>
+                    <a:lstStyle/>
+                    <a:p>
+                      <a:pPr algn="ctr" latinLnBrk="1"/>
+                      <a:r>
+                        <a:rPr lang="en-US" altLang="ko-KR" sz="1000"/>
+                        <a:t>bit</a:t>
+                      </a:r>
+                      <a:endParaRPr lang="ko-KR" altLang="en-US" sz="1000"/>
+                    </a:p>
+                  </a:txBody>
+                  <a:tcPr anchor="ctr"/>
+                </a:tc>
+                <a:tc>
+                  <a:txBody>
+                    <a:bodyPr/>
+                    <a:lstStyle/>
+                    <a:p>
+                      <a:pPr algn="ctr" latinLnBrk="1"/>
+                      <a:r>
+                        <a:rPr lang="en-US" altLang="ko-KR" sz="1000"/>
+                        <a:t>-</a:t>
+                      </a:r>
+                      <a:endParaRPr lang="ko-KR" altLang="en-US" sz="1000"/>
+                    </a:p>
+                  </a:txBody>
+                  <a:tcPr anchor="ctr"/>
+                </a:tc>
+                <a:tc>
+                  <a:txBody>
+                    <a:bodyPr/>
+                    <a:lstStyle/>
+                    <a:p>
+                      <a:pPr algn="ctr" latinLnBrk="1"/>
+                      <a:r>
+                        <a:rPr lang="en-US" altLang="ko-KR" sz="1000"/>
+                        <a:t>%MX1009</a:t>
+                      </a:r>
+                      <a:endParaRPr lang="ko-KR" altLang="en-US" sz="1000"/>
+                    </a:p>
+                  </a:txBody>
+                  <a:tcPr anchor="ctr"/>
+                </a:tc>
+                <a:tc>
+                  <a:txBody>
+                    <a:bodyPr/>
+                    <a:lstStyle/>
+                    <a:p>
+                      <a:pPr algn="ctr" latinLnBrk="1"/>
+                      <a:endParaRPr lang="ko-KR" altLang="en-US" sz="1000"/>
+                    </a:p>
+                  </a:txBody>
+                  <a:tcPr anchor="ctr"/>
+                </a:tc>
+                <a:tc>
+                  <a:txBody>
+                    <a:bodyPr/>
+                    <a:lstStyle/>
+                    <a:p>
+                      <a:pPr algn="ctr" latinLnBrk="1"/>
+                      <a:endParaRPr lang="ko-KR" altLang="en-US" sz="1000"/>
+                    </a:p>
+                  </a:txBody>
+                  <a:tcPr anchor="ctr"/>
+                </a:tc>
+                <a:extLst>
+                  <a:ext uri="{0D108BD9-81ED-4DB2-BD59-A6C34878D82A}">
+                    <a16:rowId xmlns:a16="http://schemas.microsoft.com/office/drawing/2014/main" val="2799388958"/>
+                  </a:ext>
+                </a:extLst>
+              </a:tr>
+              <a:tr h="390071">
+                <a:tc>
+                  <a:txBody>
+                    <a:bodyPr/>
+                    <a:lstStyle/>
+                    <a:p>
+                      <a:pPr algn="ctr" latinLnBrk="1"/>
+                      <a:r>
+                        <a:rPr lang="ko-KR" altLang="en-US" sz="1000"/>
+                        <a:t>원위치중램프</a:t>
+                      </a:r>
+                    </a:p>
+                  </a:txBody>
+                  <a:tcPr anchor="ctr"/>
+                </a:tc>
+                <a:tc>
+                  <a:txBody>
+                    <a:bodyPr/>
+                    <a:lstStyle/>
+                    <a:p>
+                      <a:pPr algn="ctr" latinLnBrk="1"/>
+                      <a:r>
+                        <a:rPr lang="en-US" altLang="ko-KR" sz="1000"/>
+                        <a:t>ALL</a:t>
+                      </a:r>
+                      <a:endParaRPr lang="ko-KR" altLang="en-US" sz="1000"/>
+                    </a:p>
+                  </a:txBody>
+                  <a:tcPr anchor="ctr"/>
+                </a:tc>
+                <a:tc>
+                  <a:txBody>
+                    <a:bodyPr/>
+                    <a:lstStyle/>
+                    <a:p>
+                      <a:pPr algn="ctr" latinLnBrk="1"/>
+                      <a:r>
+                        <a:rPr lang="en-US" altLang="ko-KR" sz="1000"/>
+                        <a:t>OriginStateLamp</a:t>
+                      </a:r>
+                      <a:endParaRPr lang="ko-KR" altLang="en-US" sz="1000"/>
+                    </a:p>
+                  </a:txBody>
+                  <a:tcPr anchor="ctr"/>
+                </a:tc>
+                <a:tc>
+                  <a:txBody>
+                    <a:bodyPr/>
+                    <a:lstStyle/>
+                    <a:p>
+                      <a:pPr algn="ctr" latinLnBrk="1"/>
+                      <a:r>
+                        <a:rPr lang="en-US" altLang="ko-KR" sz="1000"/>
+                        <a:t>bit</a:t>
+                      </a:r>
+                      <a:endParaRPr lang="ko-KR" altLang="en-US" sz="1000"/>
+                    </a:p>
+                  </a:txBody>
+                  <a:tcPr anchor="ctr"/>
+                </a:tc>
+                <a:tc>
+                  <a:txBody>
+                    <a:bodyPr/>
+                    <a:lstStyle/>
+                    <a:p>
+                      <a:pPr algn="ctr" latinLnBrk="1"/>
+                      <a:r>
+                        <a:rPr lang="en-US" altLang="ko-KR" sz="1000"/>
+                        <a:t>-</a:t>
+                      </a:r>
+                      <a:endParaRPr lang="ko-KR" altLang="en-US" sz="1000"/>
+                    </a:p>
+                  </a:txBody>
+                  <a:tcPr anchor="ctr"/>
+                </a:tc>
+                <a:tc>
+                  <a:txBody>
+                    <a:bodyPr/>
+                    <a:lstStyle/>
+                    <a:p>
+                      <a:pPr algn="ctr" latinLnBrk="1"/>
+                      <a:r>
+                        <a:rPr lang="en-US" altLang="ko-KR" sz="1000"/>
+                        <a:t>%MX1010</a:t>
+                      </a:r>
+                      <a:endParaRPr lang="ko-KR" altLang="en-US" sz="1000"/>
+                    </a:p>
+                  </a:txBody>
+                  <a:tcPr anchor="ctr"/>
+                </a:tc>
+                <a:tc>
+                  <a:txBody>
+                    <a:bodyPr/>
+                    <a:lstStyle/>
+                    <a:p>
+                      <a:pPr algn="ctr" latinLnBrk="1"/>
+                      <a:endParaRPr lang="ko-KR" altLang="en-US" sz="1000"/>
+                    </a:p>
+                  </a:txBody>
+                  <a:tcPr anchor="ctr"/>
+                </a:tc>
+                <a:tc>
+                  <a:txBody>
+                    <a:bodyPr/>
+                    <a:lstStyle/>
+                    <a:p>
+                      <a:pPr algn="ctr" latinLnBrk="1"/>
+                      <a:endParaRPr lang="ko-KR" altLang="en-US" sz="1000"/>
+                    </a:p>
+                  </a:txBody>
+                  <a:tcPr anchor="ctr"/>
+                </a:tc>
+                <a:extLst>
+                  <a:ext uri="{0D108BD9-81ED-4DB2-BD59-A6C34878D82A}">
+                    <a16:rowId xmlns:a16="http://schemas.microsoft.com/office/drawing/2014/main" val="950883253"/>
+                  </a:ext>
+                </a:extLst>
+              </a:tr>
+              <a:tr h="390071">
+                <a:tc>
+                  <a:txBody>
+                    <a:bodyPr/>
+                    <a:lstStyle/>
+                    <a:p>
+                      <a:pPr algn="ctr" latinLnBrk="1"/>
+                      <a:r>
+                        <a:rPr lang="ko-KR" altLang="en-US" sz="1000"/>
+                        <a:t>준비모드램프</a:t>
+                      </a:r>
+                    </a:p>
+                  </a:txBody>
+                  <a:tcPr anchor="ctr"/>
+                </a:tc>
+                <a:tc>
+                  <a:txBody>
+                    <a:bodyPr/>
+                    <a:lstStyle/>
+                    <a:p>
+                      <a:pPr algn="ctr" latinLnBrk="1"/>
+                      <a:r>
+                        <a:rPr lang="en-US" altLang="ko-KR" sz="1000"/>
+                        <a:t>ALL</a:t>
+                      </a:r>
+                      <a:endParaRPr lang="ko-KR" altLang="en-US" sz="1000"/>
+                    </a:p>
+                  </a:txBody>
+                  <a:tcPr anchor="ctr"/>
+                </a:tc>
+                <a:tc>
+                  <a:txBody>
+                    <a:bodyPr/>
+                    <a:lstStyle/>
+                    <a:p>
+                      <a:pPr algn="ctr" latinLnBrk="1"/>
+                      <a:r>
+                        <a:rPr lang="en-US" altLang="ko-KR" sz="1000"/>
+                        <a:t>ReadyStateLamp</a:t>
+                      </a:r>
+                      <a:endParaRPr lang="ko-KR" altLang="en-US" sz="1000"/>
+                    </a:p>
+                  </a:txBody>
+                  <a:tcPr anchor="ctr"/>
+                </a:tc>
+                <a:tc>
+                  <a:txBody>
+                    <a:bodyPr/>
+                    <a:lstStyle/>
+                    <a:p>
+                      <a:pPr algn="ctr" latinLnBrk="1"/>
+                      <a:r>
+                        <a:rPr lang="en-US" altLang="ko-KR" sz="1000"/>
+                        <a:t>bit</a:t>
+                      </a:r>
+                      <a:endParaRPr lang="ko-KR" altLang="en-US" sz="1000"/>
+                    </a:p>
+                  </a:txBody>
+                  <a:tcPr anchor="ctr"/>
+                </a:tc>
+                <a:tc>
+                  <a:txBody>
+                    <a:bodyPr/>
+                    <a:lstStyle/>
+                    <a:p>
+                      <a:pPr algn="ctr" latinLnBrk="1"/>
+                      <a:r>
+                        <a:rPr lang="en-US" altLang="ko-KR" sz="1000"/>
+                        <a:t>-</a:t>
+                      </a:r>
+                      <a:endParaRPr lang="ko-KR" altLang="en-US" sz="1000"/>
+                    </a:p>
+                  </a:txBody>
+                  <a:tcPr anchor="ctr"/>
+                </a:tc>
+                <a:tc>
+                  <a:txBody>
+                    <a:bodyPr/>
+                    <a:lstStyle/>
+                    <a:p>
+                      <a:pPr algn="ctr" latinLnBrk="1"/>
+                      <a:r>
+                        <a:rPr lang="en-US" altLang="ko-KR" sz="1000"/>
+                        <a:t>%MX1011</a:t>
+                      </a:r>
+                      <a:endParaRPr lang="ko-KR" altLang="en-US" sz="1000"/>
+                    </a:p>
+                  </a:txBody>
+                  <a:tcPr anchor="ctr"/>
+                </a:tc>
+                <a:tc>
+                  <a:txBody>
+                    <a:bodyPr/>
+                    <a:lstStyle/>
+                    <a:p>
+                      <a:pPr algn="ctr" latinLnBrk="1"/>
+                      <a:endParaRPr lang="ko-KR" altLang="en-US" sz="1000"/>
+                    </a:p>
+                  </a:txBody>
+                  <a:tcPr anchor="ctr"/>
+                </a:tc>
+                <a:tc>
+                  <a:txBody>
+                    <a:bodyPr/>
+                    <a:lstStyle/>
+                    <a:p>
+                      <a:pPr algn="ctr" latinLnBrk="1"/>
+                      <a:endParaRPr lang="ko-KR" altLang="en-US" sz="1000"/>
+                    </a:p>
+                  </a:txBody>
+                  <a:tcPr anchor="ctr"/>
+                </a:tc>
+                <a:extLst>
+                  <a:ext uri="{0D108BD9-81ED-4DB2-BD59-A6C34878D82A}">
+                    <a16:rowId xmlns:a16="http://schemas.microsoft.com/office/drawing/2014/main" val="4126918107"/>
+                  </a:ext>
+                </a:extLst>
+              </a:tr>
+              <a:tr h="390071">
+                <a:tc>
+                  <a:txBody>
+                    <a:bodyPr/>
+                    <a:lstStyle/>
+                    <a:p>
+                      <a:pPr algn="ctr" latinLnBrk="1"/>
+                      <a:r>
+                        <a:rPr lang="ko-KR" altLang="en-US" sz="1000"/>
+                        <a:t>운전모드램프</a:t>
+                      </a:r>
+                    </a:p>
+                  </a:txBody>
+                  <a:tcPr anchor="ctr"/>
+                </a:tc>
+                <a:tc>
+                  <a:txBody>
+                    <a:bodyPr/>
+                    <a:lstStyle/>
+                    <a:p>
+                      <a:pPr algn="ctr" latinLnBrk="1"/>
+                      <a:r>
+                        <a:rPr lang="en-US" altLang="ko-KR" sz="1000"/>
+                        <a:t>ALL</a:t>
+                      </a:r>
+                      <a:endParaRPr lang="ko-KR" altLang="en-US" sz="1000"/>
+                    </a:p>
+                  </a:txBody>
+                  <a:tcPr anchor="ctr"/>
+                </a:tc>
+                <a:tc>
+                  <a:txBody>
+                    <a:bodyPr/>
+                    <a:lstStyle/>
+                    <a:p>
+                      <a:pPr algn="ctr" latinLnBrk="1"/>
+                      <a:r>
+                        <a:rPr lang="en-US" altLang="ko-KR" sz="1000"/>
+                        <a:t>DriveLamp</a:t>
+                      </a:r>
+                      <a:endParaRPr lang="ko-KR" altLang="en-US" sz="1000"/>
+                    </a:p>
+                  </a:txBody>
+                  <a:tcPr anchor="ctr"/>
+                </a:tc>
+                <a:tc>
+                  <a:txBody>
+                    <a:bodyPr/>
+                    <a:lstStyle/>
+                    <a:p>
+                      <a:pPr algn="ctr" latinLnBrk="1"/>
+                      <a:r>
+                        <a:rPr lang="en-US" altLang="ko-KR" sz="1000"/>
+                        <a:t>bit</a:t>
+                      </a:r>
+                      <a:endParaRPr lang="ko-KR" altLang="en-US" sz="1000"/>
+                    </a:p>
+                  </a:txBody>
+                  <a:tcPr anchor="ctr"/>
+                </a:tc>
+                <a:tc>
+                  <a:txBody>
+                    <a:bodyPr/>
+                    <a:lstStyle/>
+                    <a:p>
+                      <a:pPr algn="ctr" latinLnBrk="1"/>
+                      <a:r>
+                        <a:rPr lang="en-US" altLang="ko-KR" sz="1000"/>
+                        <a:t>-</a:t>
+                      </a:r>
+                      <a:endParaRPr lang="ko-KR" altLang="en-US" sz="1000"/>
+                    </a:p>
+                  </a:txBody>
+                  <a:tcPr anchor="ctr"/>
+                </a:tc>
+                <a:tc>
+                  <a:txBody>
+                    <a:bodyPr/>
+                    <a:lstStyle/>
+                    <a:p>
+                      <a:pPr algn="ctr" latinLnBrk="1"/>
+                      <a:r>
+                        <a:rPr lang="en-US" altLang="ko-KR" sz="1000"/>
+                        <a:t>%MX1012</a:t>
+                      </a:r>
+                      <a:endParaRPr lang="ko-KR" altLang="en-US" sz="1000"/>
+                    </a:p>
+                  </a:txBody>
+                  <a:tcPr anchor="ctr"/>
+                </a:tc>
+                <a:tc>
+                  <a:txBody>
+                    <a:bodyPr/>
+                    <a:lstStyle/>
+                    <a:p>
+                      <a:pPr algn="ctr" latinLnBrk="1"/>
+                      <a:endParaRPr lang="ko-KR" altLang="en-US" sz="1000"/>
+                    </a:p>
+                  </a:txBody>
+                  <a:tcPr anchor="ctr"/>
+                </a:tc>
+                <a:tc>
+                  <a:txBody>
+                    <a:bodyPr/>
+                    <a:lstStyle/>
+                    <a:p>
+                      <a:pPr algn="ctr" latinLnBrk="1"/>
+                      <a:endParaRPr lang="ko-KR" altLang="en-US" sz="1000"/>
+                    </a:p>
+                  </a:txBody>
+                  <a:tcPr anchor="ctr"/>
+                </a:tc>
+                <a:extLst>
+                  <a:ext uri="{0D108BD9-81ED-4DB2-BD59-A6C34878D82A}">
+                    <a16:rowId xmlns:a16="http://schemas.microsoft.com/office/drawing/2014/main" val="4247172939"/>
+                  </a:ext>
+                </a:extLst>
+              </a:tr>
+            </a:tbl>
+          </a:graphicData>
+        </a:graphic>
+      </p:graphicFrame>
+    </p:spTree>
+    <p:extLst>
+      <p:ext uri="{BB962C8B-B14F-4D97-AF65-F5344CB8AC3E}">
+        <p14:creationId xmlns:p14="http://schemas.microsoft.com/office/powerpoint/2010/main" val="2554907100"/>
+      </p:ext>
+    </p:extLst>
+  </p:cSld>
+  <p:clrMapOvr>
+    <a:masterClrMapping/>
+  </p:clrMapOvr>
+</p:sld>
+</file>
+
+<file path=ppt/slides/slide4.xml><?xml version="1.0" encoding="utf-8"?>
+<p:sld xmlns:a="http://schemas.openxmlformats.org/drawingml/2006/main" xmlns:r="http://schemas.openxmlformats.org/officeDocument/2006/relationships" xmlns:p="http://schemas.openxmlformats.org/presentationml/2006/main">
+  <p:cSld>
+    <p:bg>
+      <p:bgPr>
+        <a:solidFill>
+          <a:srgbClr val="D3D3D3"/>
+        </a:solidFill>
+        <a:effectLst/>
+      </p:bgPr>
+    </p:bg>
+    <p:spTree>
+      <p:nvGrpSpPr>
+        <p:cNvPr id="1" name=""/>
+        <p:cNvGrpSpPr/>
+        <p:nvPr/>
+      </p:nvGrpSpPr>
+      <p:grpSpPr>
+        <a:xfrm>
+          <a:off x="0" y="0"/>
+          <a:ext cx="0" cy="0"/>
+          <a:chOff x="0" y="0"/>
+          <a:chExt cx="0" cy="0"/>
+        </a:xfrm>
+      </p:grpSpPr>
+      <p:sp>
+        <p:nvSpPr>
+          <p:cNvPr id="2" name="TextBox 1">
+            <a:extLst>
+              <a:ext uri="{FF2B5EF4-FFF2-40B4-BE49-F238E27FC236}">
+                <a16:creationId xmlns:a16="http://schemas.microsoft.com/office/drawing/2014/main" id="{32C770C6-5920-3919-ADCA-F1A86526A4E6}"/>
+              </a:ext>
+            </a:extLst>
+          </p:cNvPr>
+          <p:cNvSpPr txBox="1"/>
+          <p:nvPr/>
+        </p:nvSpPr>
+        <p:spPr>
+          <a:xfrm>
+            <a:off x="254000" y="127000"/>
+            <a:ext cx="11430000" cy="381000"/>
+          </a:xfrm>
+          <a:prstGeom prst="rect">
+            <a:avLst/>
+          </a:prstGeom>
+          <a:noFill/>
+        </p:spPr>
+        <p:txBody>
+          <a:bodyPr vert="horz" rtlCol="0">
+            <a:spAutoFit/>
+          </a:bodyPr>
+          <a:lstStyle/>
+          <a:p>
+            <a:r>
+              <a:rPr lang="en-US" altLang="ko-KR"/>
+              <a:t>IO TABLE</a:t>
+            </a:r>
+            <a:endParaRPr lang="ko-KR" altLang="en-US"/>
+          </a:p>
+        </p:txBody>
+      </p:sp>
+      <p:graphicFrame>
+        <p:nvGraphicFramePr>
+          <p:cNvPr id="3" name="표 2">
+            <a:extLst>
+              <a:ext uri="{FF2B5EF4-FFF2-40B4-BE49-F238E27FC236}">
+                <a16:creationId xmlns:a16="http://schemas.microsoft.com/office/drawing/2014/main" id="{10FA27A3-2CEF-33F9-0C7D-D91D5BC8FF69}"/>
+              </a:ext>
+            </a:extLst>
+          </p:cNvPr>
+          <p:cNvGraphicFramePr>
+            <a:graphicFrameLocks noGrp="1"/>
+          </p:cNvGraphicFramePr>
+          <p:nvPr>
+            <p:extLst>
+              <p:ext uri="{D42A27DB-BD31-4B8C-83A1-F6EECF244321}">
+                <p14:modId xmlns:p14="http://schemas.microsoft.com/office/powerpoint/2010/main" val="523931058"/>
+              </p:ext>
+            </p:extLst>
+          </p:nvPr>
+        </p:nvGraphicFramePr>
+        <p:xfrm>
+          <a:off x="127000" y="635000"/>
+          <a:ext cx="11938001" cy="1412240"/>
+        </p:xfrm>
+        <a:graphic>
+          <a:graphicData uri="http://schemas.openxmlformats.org/drawingml/2006/table">
+            <a:tbl>
+              <a:tblPr firstRow="1" bandRow="1">
+                <a:tableStyleId>{5C22544A-7EE6-4342-B048-85BDC9FD1C3A}</a:tableStyleId>
+              </a:tblPr>
+              <a:tblGrid>
+                <a:gridCol w="929027">
+                  <a:extLst>
+                    <a:ext uri="{9D8B030D-6E8A-4147-A177-3AD203B41FA5}">
+                      <a16:colId xmlns:a16="http://schemas.microsoft.com/office/drawing/2014/main" val="3177726504"/>
+                    </a:ext>
+                  </a:extLst>
+                </a:gridCol>
+                <a:gridCol w="1486444">
+                  <a:extLst>
+                    <a:ext uri="{9D8B030D-6E8A-4147-A177-3AD203B41FA5}">
+                      <a16:colId xmlns:a16="http://schemas.microsoft.com/office/drawing/2014/main" val="3765224703"/>
+                    </a:ext>
+                  </a:extLst>
+                </a:gridCol>
+                <a:gridCol w="2183214">
+                  <a:extLst>
+                    <a:ext uri="{9D8B030D-6E8A-4147-A177-3AD203B41FA5}">
+                      <a16:colId xmlns:a16="http://schemas.microsoft.com/office/drawing/2014/main" val="3863927750"/>
+                    </a:ext>
+                  </a:extLst>
+                </a:gridCol>
+                <a:gridCol w="1486444">
+                  <a:extLst>
+                    <a:ext uri="{9D8B030D-6E8A-4147-A177-3AD203B41FA5}">
+                      <a16:colId xmlns:a16="http://schemas.microsoft.com/office/drawing/2014/main" val="3778163634"/>
+                    </a:ext>
+                  </a:extLst>
+                </a:gridCol>
+                <a:gridCol w="2183214">
+                  <a:extLst>
+                    <a:ext uri="{9D8B030D-6E8A-4147-A177-3AD203B41FA5}">
+                      <a16:colId xmlns:a16="http://schemas.microsoft.com/office/drawing/2014/main" val="316298305"/>
+                    </a:ext>
+                  </a:extLst>
+                </a:gridCol>
+                <a:gridCol w="2183214">
+                  <a:extLst>
+                    <a:ext uri="{9D8B030D-6E8A-4147-A177-3AD203B41FA5}">
+                      <a16:colId xmlns:a16="http://schemas.microsoft.com/office/drawing/2014/main" val="2052385086"/>
+                    </a:ext>
+                  </a:extLst>
+                </a:gridCol>
+                <a:gridCol w="743222">
+                  <a:extLst>
+                    <a:ext uri="{9D8B030D-6E8A-4147-A177-3AD203B41FA5}">
+                      <a16:colId xmlns:a16="http://schemas.microsoft.com/office/drawing/2014/main" val="1007259187"/>
+                    </a:ext>
+                  </a:extLst>
+                </a:gridCol>
+                <a:gridCol w="743222">
+                  <a:extLst>
+                    <a:ext uri="{9D8B030D-6E8A-4147-A177-3AD203B41FA5}">
+                      <a16:colId xmlns:a16="http://schemas.microsoft.com/office/drawing/2014/main" val="3514391405"/>
+                    </a:ext>
+                  </a:extLst>
+                </a:gridCol>
+              </a:tblGrid>
+              <a:tr h="254000">
+                <a:tc>
+                  <a:txBody>
+                    <a:bodyPr/>
+                    <a:lstStyle/>
+                    <a:p>
+                      <a:pPr algn="ctr" latinLnBrk="1"/>
+                      <a:r>
+                        <a:rPr lang="en-US" altLang="ko-KR" sz="1000"/>
+                        <a:t>Case</a:t>
+                      </a:r>
+                      <a:endParaRPr lang="ko-KR" altLang="en-US" sz="1000"/>
+                    </a:p>
+                  </a:txBody>
+                  <a:tcPr anchor="ctr"/>
+                </a:tc>
+                <a:tc>
+                  <a:txBody>
+                    <a:bodyPr/>
+                    <a:lstStyle/>
+                    <a:p>
+                      <a:pPr algn="ctr" latinLnBrk="1"/>
+                      <a:r>
+                        <a:rPr lang="en-US" altLang="ko-KR" sz="1000"/>
+                        <a:t>Flow</a:t>
+                      </a:r>
+                      <a:endParaRPr lang="ko-KR" altLang="en-US" sz="1000"/>
+                    </a:p>
+                  </a:txBody>
+                  <a:tcPr anchor="ctr"/>
+                </a:tc>
+                <a:tc>
+                  <a:txBody>
+                    <a:bodyPr/>
+                    <a:lstStyle/>
+                    <a:p>
+                      <a:pPr algn="ctr" latinLnBrk="1"/>
+                      <a:r>
+                        <a:rPr lang="en-US" altLang="ko-KR" sz="1000"/>
+                        <a:t>Name</a:t>
+                      </a:r>
+                      <a:endParaRPr lang="ko-KR" altLang="en-US" sz="1000"/>
+                    </a:p>
+                  </a:txBody>
+                  <a:tcPr anchor="ctr"/>
+                </a:tc>
+                <a:tc>
+                  <a:txBody>
+                    <a:bodyPr/>
+                    <a:lstStyle/>
+                    <a:p>
+                      <a:pPr algn="ctr" latinLnBrk="1"/>
+                      <a:r>
+                        <a:rPr lang="en-US" altLang="ko-KR" sz="1000"/>
+                        <a:t>DataType 
+(In:Out)</a:t>
+                      </a:r>
+                      <a:endParaRPr lang="ko-KR" altLang="en-US" sz="1000"/>
+                    </a:p>
+                  </a:txBody>
+                  <a:tcPr anchor="ctr"/>
+                </a:tc>
+                <a:tc>
+                  <a:txBody>
+                    <a:bodyPr/>
+                    <a:lstStyle/>
+                    <a:p>
+                      <a:pPr algn="ctr" latinLnBrk="1"/>
+                      <a:r>
+                        <a:rPr lang="en-US" altLang="ko-KR" sz="1000"/>
+                        <a:t>Input</a:t>
+                      </a:r>
+                      <a:endParaRPr lang="ko-KR" altLang="en-US" sz="1000"/>
+                    </a:p>
+                  </a:txBody>
+                  <a:tcPr anchor="ctr"/>
+                </a:tc>
+                <a:tc>
+                  <a:txBody>
+                    <a:bodyPr/>
+                    <a:lstStyle/>
+                    <a:p>
+                      <a:pPr algn="ctr" latinLnBrk="1"/>
+                      <a:r>
+                        <a:rPr lang="en-US" altLang="ko-KR" sz="1000"/>
+                        <a:t>Output</a:t>
+                      </a:r>
+                      <a:endParaRPr lang="ko-KR" altLang="en-US" sz="1000"/>
+                    </a:p>
+                  </a:txBody>
+                  <a:tcPr anchor="ctr"/>
+                </a:tc>
+                <a:tc>
+                  <a:txBody>
+                    <a:bodyPr/>
+                    <a:lstStyle/>
+                    <a:p>
+                      <a:pPr algn="ctr" latinLnBrk="1"/>
+                      <a:r>
+                        <a:rPr lang="en-US" altLang="ko-KR" sz="1000"/>
+                        <a:t>Symbol
+In</a:t>
+                      </a:r>
+                      <a:endParaRPr lang="ko-KR" altLang="en-US" sz="1000"/>
+                    </a:p>
+                  </a:txBody>
+                  <a:tcPr anchor="ctr"/>
+                </a:tc>
+                <a:tc>
+                  <a:txBody>
+                    <a:bodyPr/>
+                    <a:lstStyle/>
+                    <a:p>
+                      <a:pPr algn="ctr" latinLnBrk="1"/>
+                      <a:r>
+                        <a:rPr lang="en-US" altLang="ko-KR" sz="1000"/>
+                        <a:t>Symbol
+Out</a:t>
+                      </a:r>
+                      <a:endParaRPr lang="ko-KR" altLang="en-US" sz="1000"/>
+                    </a:p>
+                  </a:txBody>
+                  <a:tcPr anchor="ctr"/>
+                </a:tc>
+                <a:extLst>
+                  <a:ext uri="{0D108BD9-81ED-4DB2-BD59-A6C34878D82A}">
+                    <a16:rowId xmlns:a16="http://schemas.microsoft.com/office/drawing/2014/main" val="3255066100"/>
+                  </a:ext>
+                </a:extLst>
+              </a:tr>
+              <a:tr h="254000">
+                <a:tc>
+                  <a:txBody>
+                    <a:bodyPr/>
+                    <a:lstStyle/>
+                    <a:p>
+                      <a:pPr algn="ctr" latinLnBrk="1"/>
+                      <a:r>
+                        <a:rPr lang="ko-KR" altLang="en-US" sz="1000"/>
+                        <a:t>연산</a:t>
+                      </a:r>
+                    </a:p>
+                  </a:txBody>
+                  <a:tcPr anchor="ctr"/>
+                </a:tc>
+                <a:tc>
+                  <a:txBody>
+                    <a:bodyPr/>
+                    <a:lstStyle/>
+                    <a:p>
+                      <a:pPr algn="ctr" latinLnBrk="1"/>
+                      <a:r>
+                        <a:rPr lang="en-US" altLang="ko-KR" sz="1000"/>
+                        <a:t>-</a:t>
+                      </a:r>
+                      <a:endParaRPr lang="ko-KR" altLang="en-US" sz="1000"/>
+                    </a:p>
+                  </a:txBody>
+                  <a:tcPr anchor="ctr"/>
+                </a:tc>
+                <a:tc>
+                  <a:txBody>
+                    <a:bodyPr/>
+                    <a:lstStyle/>
+                    <a:p>
+                      <a:pPr algn="ctr" latinLnBrk="1"/>
+                      <a:endParaRPr lang="ko-KR" altLang="en-US" sz="1000"/>
+                    </a:p>
+                  </a:txBody>
+                  <a:tcPr anchor="ctr"/>
+                </a:tc>
+                <a:tc>
+                  <a:txBody>
+                    <a:bodyPr/>
+                    <a:lstStyle/>
+                    <a:p>
+                      <a:pPr algn="ctr" latinLnBrk="1"/>
+                      <a:r>
+                        <a:rPr lang="en-US" altLang="ko-KR" sz="1000"/>
+                        <a:t>-</a:t>
+                      </a:r>
+                      <a:endParaRPr lang="ko-KR" altLang="en-US" sz="1000"/>
+                    </a:p>
+                  </a:txBody>
+                  <a:tcPr anchor="ctr"/>
+                </a:tc>
+                <a:tc>
+                  <a:txBody>
+                    <a:bodyPr/>
+                    <a:lstStyle/>
+                    <a:p>
+                      <a:pPr algn="ctr" latinLnBrk="1"/>
+                      <a:endParaRPr lang="ko-KR" altLang="en-US" sz="1000"/>
+                    </a:p>
+                  </a:txBody>
+                  <a:tcPr anchor="ctr"/>
+                </a:tc>
+                <a:tc>
+                  <a:txBody>
+                    <a:bodyPr/>
+                    <a:lstStyle/>
+                    <a:p>
+                      <a:pPr algn="ctr" latinLnBrk="1"/>
+                      <a:r>
+                        <a:rPr lang="en-US" altLang="ko-KR" sz="1000"/>
+                        <a:t>-</a:t>
+                      </a:r>
+                      <a:endParaRPr lang="ko-KR" altLang="en-US" sz="1000"/>
+                    </a:p>
+                  </a:txBody>
+                  <a:tcPr anchor="ctr"/>
+                </a:tc>
+                <a:tc>
+                  <a:txBody>
+                    <a:bodyPr/>
+                    <a:lstStyle/>
+                    <a:p>
+                      <a:pPr algn="ctr" latinLnBrk="1"/>
+                      <a:r>
+                        <a:rPr lang="en-US" altLang="ko-KR" sz="1000"/>
+                        <a:t>-</a:t>
+                      </a:r>
+                      <a:endParaRPr lang="ko-KR" altLang="en-US" sz="1000"/>
+                    </a:p>
+                  </a:txBody>
+                  <a:tcPr anchor="ctr"/>
+                </a:tc>
+                <a:tc>
+                  <a:txBody>
+                    <a:bodyPr/>
+                    <a:lstStyle/>
+                    <a:p>
+                      <a:pPr algn="ctr" latinLnBrk="1"/>
+                      <a:r>
+                        <a:rPr lang="en-US" altLang="ko-KR" sz="1000"/>
+                        <a:t>-</a:t>
+                      </a:r>
+                      <a:endParaRPr lang="ko-KR" altLang="en-US" sz="1000"/>
+                    </a:p>
+                  </a:txBody>
+                  <a:tcPr anchor="ctr"/>
+                </a:tc>
+                <a:extLst>
+                  <a:ext uri="{0D108BD9-81ED-4DB2-BD59-A6C34878D82A}">
+                    <a16:rowId xmlns:a16="http://schemas.microsoft.com/office/drawing/2014/main" val="3911611270"/>
+                  </a:ext>
+                </a:extLst>
+              </a:tr>
+              <a:tr h="254000">
+                <a:tc>
+                  <a:txBody>
+                    <a:bodyPr/>
+                    <a:lstStyle/>
+                    <a:p>
+                      <a:pPr algn="ctr" latinLnBrk="1"/>
+                      <a:r>
+                        <a:rPr lang="ko-KR" altLang="en-US" sz="1000"/>
+                        <a:t>명령</a:t>
+                      </a:r>
+                    </a:p>
+                  </a:txBody>
+                  <a:tcPr anchor="ctr"/>
+                </a:tc>
+                <a:tc>
+                  <a:txBody>
+                    <a:bodyPr/>
+                    <a:lstStyle/>
+                    <a:p>
+                      <a:pPr algn="ctr" latinLnBrk="1"/>
+                      <a:r>
+                        <a:rPr lang="en-US" altLang="ko-KR" sz="1000"/>
+                        <a:t>-</a:t>
+                      </a:r>
+                      <a:endParaRPr lang="ko-KR" altLang="en-US" sz="1000"/>
+                    </a:p>
+                  </a:txBody>
+                  <a:tcPr anchor="ctr"/>
+                </a:tc>
+                <a:tc>
+                  <a:txBody>
+                    <a:bodyPr/>
+                    <a:lstStyle/>
+                    <a:p>
+                      <a:pPr algn="ctr" latinLnBrk="1"/>
+                      <a:endParaRPr lang="ko-KR" altLang="en-US" sz="1000"/>
+                    </a:p>
+                  </a:txBody>
+                  <a:tcPr anchor="ctr"/>
+                </a:tc>
+                <a:tc>
+                  <a:txBody>
+                    <a:bodyPr/>
+                    <a:lstStyle/>
+                    <a:p>
+                      <a:pPr algn="ctr" latinLnBrk="1"/>
+                      <a:r>
+                        <a:rPr lang="en-US" altLang="ko-KR" sz="1000"/>
+                        <a:t>-</a:t>
+                      </a:r>
+                      <a:endParaRPr lang="ko-KR" altLang="en-US" sz="1000"/>
+                    </a:p>
+                  </a:txBody>
+                  <a:tcPr anchor="ctr"/>
+                </a:tc>
+                <a:tc>
+                  <a:txBody>
+                    <a:bodyPr/>
+                    <a:lstStyle/>
+                    <a:p>
+                      <a:pPr algn="ctr" latinLnBrk="1"/>
+                      <a:r>
+                        <a:rPr lang="en-US" altLang="ko-KR" sz="1000"/>
+                        <a:t>-</a:t>
+                      </a:r>
+                      <a:endParaRPr lang="ko-KR" altLang="en-US" sz="1000"/>
+                    </a:p>
+                  </a:txBody>
+                  <a:tcPr anchor="ctr"/>
+                </a:tc>
+                <a:tc>
+                  <a:txBody>
+                    <a:bodyPr/>
+                    <a:lstStyle/>
+                    <a:p>
+                      <a:pPr algn="ctr" latinLnBrk="1"/>
+                      <a:endParaRPr lang="ko-KR" altLang="en-US" sz="1000"/>
+                    </a:p>
+                  </a:txBody>
+                  <a:tcPr anchor="ctr"/>
+                </a:tc>
+                <a:tc>
+                  <a:txBody>
+                    <a:bodyPr/>
+                    <a:lstStyle/>
+                    <a:p>
+                      <a:pPr algn="ctr" latinLnBrk="1"/>
+                      <a:r>
+                        <a:rPr lang="en-US" altLang="ko-KR" sz="1000"/>
+                        <a:t>-</a:t>
+                      </a:r>
+                      <a:endParaRPr lang="ko-KR" altLang="en-US" sz="1000"/>
+                    </a:p>
+                  </a:txBody>
+                  <a:tcPr anchor="ctr"/>
+                </a:tc>
+                <a:tc>
+                  <a:txBody>
+                    <a:bodyPr/>
+                    <a:lstStyle/>
+                    <a:p>
+                      <a:pPr algn="ctr" latinLnBrk="1"/>
+                      <a:r>
+                        <a:rPr lang="en-US" altLang="ko-KR" sz="1000"/>
+                        <a:t>-</a:t>
+                      </a:r>
+                      <a:endParaRPr lang="ko-KR" altLang="en-US" sz="1000"/>
+                    </a:p>
+                  </a:txBody>
+                  <a:tcPr anchor="ctr"/>
+                </a:tc>
+                <a:extLst>
+                  <a:ext uri="{0D108BD9-81ED-4DB2-BD59-A6C34878D82A}">
+                    <a16:rowId xmlns:a16="http://schemas.microsoft.com/office/drawing/2014/main" val="651666807"/>
+                  </a:ext>
+                </a:extLst>
+              </a:tr>
+              <a:tr h="254000">
+                <a:tc>
+                  <a:txBody>
+                    <a:bodyPr/>
+                    <a:lstStyle/>
+                    <a:p>
+                      <a:pPr algn="ctr" latinLnBrk="1"/>
+                      <a:r>
+                        <a:rPr lang="ko-KR" altLang="en-US" sz="1000"/>
+                        <a:t>변수</a:t>
+                      </a:r>
+                    </a:p>
+                  </a:txBody>
+                  <a:tcPr anchor="ctr"/>
+                </a:tc>
+                <a:tc>
+                  <a:txBody>
+                    <a:bodyPr/>
+                    <a:lstStyle/>
+                    <a:p>
+                      <a:pPr algn="ctr" latinLnBrk="1"/>
+                      <a:r>
+                        <a:rPr lang="en-US" altLang="ko-KR" sz="1000"/>
+                        <a:t>-</a:t>
+                      </a:r>
+                      <a:endParaRPr lang="ko-KR" altLang="en-US" sz="1000"/>
+                    </a:p>
+                  </a:txBody>
+                  <a:tcPr anchor="ctr"/>
+                </a:tc>
+                <a:tc>
+                  <a:txBody>
+                    <a:bodyPr/>
+                    <a:lstStyle/>
+                    <a:p>
+                      <a:pPr algn="ctr" latinLnBrk="1"/>
+                      <a:endParaRPr lang="ko-KR" altLang="en-US" sz="1000"/>
+                    </a:p>
+                  </a:txBody>
+                  <a:tcPr anchor="ctr"/>
+                </a:tc>
+                <a:tc>
+                  <a:txBody>
+                    <a:bodyPr/>
+                    <a:lstStyle/>
+                    <a:p>
+                      <a:pPr algn="ctr" latinLnBrk="1"/>
+                      <a:endParaRPr lang="ko-KR" altLang="en-US" sz="1000"/>
+                    </a:p>
+                  </a:txBody>
+                  <a:tcPr anchor="ctr"/>
+                </a:tc>
+                <a:tc>
+                  <a:txBody>
+                    <a:bodyPr/>
+                    <a:lstStyle/>
+                    <a:p>
+                      <a:pPr algn="ctr" latinLnBrk="1"/>
+                      <a:r>
+                        <a:rPr lang="en-US" altLang="ko-KR" sz="1000"/>
+                        <a:t>-</a:t>
+                      </a:r>
+                      <a:endParaRPr lang="ko-KR" altLang="en-US" sz="1000"/>
+                    </a:p>
+                  </a:txBody>
+                  <a:tcPr anchor="ctr"/>
+                </a:tc>
+                <a:tc>
+                  <a:txBody>
+                    <a:bodyPr/>
+                    <a:lstStyle/>
+                    <a:p>
+                      <a:pPr algn="ctr" latinLnBrk="1"/>
+                      <a:r>
+                        <a:rPr lang="en-US" altLang="ko-KR" sz="1000"/>
+                        <a:t>-</a:t>
+                      </a:r>
+                      <a:endParaRPr lang="ko-KR" altLang="en-US" sz="1000"/>
+                    </a:p>
+                  </a:txBody>
+                  <a:tcPr anchor="ctr"/>
+                </a:tc>
+                <a:tc>
+                  <a:txBody>
+                    <a:bodyPr/>
+                    <a:lstStyle/>
+                    <a:p>
+                      <a:pPr algn="ctr" latinLnBrk="1"/>
+                      <a:r>
+                        <a:rPr lang="en-US" altLang="ko-KR" sz="1000"/>
+                        <a:t>-</a:t>
+                      </a:r>
+                      <a:endParaRPr lang="ko-KR" altLang="en-US" sz="1000"/>
+                    </a:p>
+                  </a:txBody>
+                  <a:tcPr anchor="ctr"/>
+                </a:tc>
+                <a:tc>
+                  <a:txBody>
+                    <a:bodyPr/>
+                    <a:lstStyle/>
+                    <a:p>
+                      <a:pPr algn="ctr" latinLnBrk="1"/>
+                      <a:r>
+                        <a:rPr lang="en-US" altLang="ko-KR" sz="1000"/>
+                        <a:t>-</a:t>
+                      </a:r>
+                      <a:endParaRPr lang="ko-KR" altLang="en-US" sz="1000"/>
+                    </a:p>
+                  </a:txBody>
+                  <a:tcPr anchor="ctr"/>
+                </a:tc>
+                <a:extLst>
+                  <a:ext uri="{0D108BD9-81ED-4DB2-BD59-A6C34878D82A}">
+                    <a16:rowId xmlns:a16="http://schemas.microsoft.com/office/drawing/2014/main" val="887154790"/>
+                  </a:ext>
+                </a:extLst>
+              </a:tr>
+              <a:tr h="254000">
+                <a:tc>
+                  <a:txBody>
+                    <a:bodyPr/>
+                    <a:lstStyle/>
+                    <a:p>
+                      <a:pPr algn="ctr" latinLnBrk="1"/>
+                      <a:r>
+                        <a:rPr lang="ko-KR" altLang="en-US" sz="1000"/>
+                        <a:t>상수</a:t>
+                      </a:r>
+                    </a:p>
+                  </a:txBody>
+                  <a:tcPr anchor="ctr"/>
+                </a:tc>
+                <a:tc>
+                  <a:txBody>
+                    <a:bodyPr/>
+                    <a:lstStyle/>
+                    <a:p>
+                      <a:pPr algn="ctr" latinLnBrk="1"/>
+                      <a:r>
+                        <a:rPr lang="en-US" altLang="ko-KR" sz="1000"/>
+                        <a:t>-</a:t>
+                      </a:r>
+                      <a:endParaRPr lang="ko-KR" altLang="en-US" sz="1000"/>
+                    </a:p>
+                  </a:txBody>
+                  <a:tcPr anchor="ctr"/>
+                </a:tc>
+                <a:tc>
+                  <a:txBody>
+                    <a:bodyPr/>
+                    <a:lstStyle/>
+                    <a:p>
+                      <a:pPr algn="ctr" latinLnBrk="1"/>
+                      <a:endParaRPr lang="ko-KR" altLang="en-US" sz="1000"/>
+                    </a:p>
+                  </a:txBody>
+                  <a:tcPr anchor="ctr"/>
+                </a:tc>
+                <a:tc>
+                  <a:txBody>
+                    <a:bodyPr/>
+                    <a:lstStyle/>
+                    <a:p>
+                      <a:pPr algn="ctr" latinLnBrk="1"/>
+                      <a:endParaRPr lang="ko-KR" altLang="en-US" sz="1000"/>
+                    </a:p>
+                  </a:txBody>
+                  <a:tcPr anchor="ctr"/>
+                </a:tc>
+                <a:tc>
+                  <a:txBody>
+                    <a:bodyPr/>
+                    <a:lstStyle/>
+                    <a:p>
+                      <a:pPr algn="ctr" latinLnBrk="1"/>
+                      <a:endParaRPr lang="ko-KR" altLang="en-US" sz="1000"/>
+                    </a:p>
+                  </a:txBody>
+                  <a:tcPr anchor="ctr"/>
+                </a:tc>
+                <a:tc>
+                  <a:txBody>
+                    <a:bodyPr/>
+                    <a:lstStyle/>
+                    <a:p>
+                      <a:pPr algn="ctr" latinLnBrk="1"/>
+                      <a:r>
+                        <a:rPr lang="en-US" altLang="ko-KR" sz="1000"/>
+                        <a:t>-</a:t>
+                      </a:r>
+                      <a:endParaRPr lang="ko-KR" altLang="en-US" sz="1000"/>
+                    </a:p>
+                  </a:txBody>
+                  <a:tcPr anchor="ctr"/>
+                </a:tc>
+                <a:tc>
+                  <a:txBody>
+                    <a:bodyPr/>
+                    <a:lstStyle/>
+                    <a:p>
+                      <a:pPr algn="ctr" latinLnBrk="1"/>
+                      <a:r>
+                        <a:rPr lang="en-US" altLang="ko-KR" sz="1000"/>
+                        <a:t>-</a:t>
+                      </a:r>
+                      <a:endParaRPr lang="ko-KR" altLang="en-US" sz="1000"/>
+                    </a:p>
+                  </a:txBody>
+                  <a:tcPr anchor="ctr"/>
+                </a:tc>
+                <a:tc>
+                  <a:txBody>
+                    <a:bodyPr/>
+                    <a:lstStyle/>
+                    <a:p>
+                      <a:pPr algn="ctr" latinLnBrk="1"/>
+                      <a:r>
+                        <a:rPr lang="en-US" altLang="ko-KR" sz="1000"/>
+                        <a:t>-</a:t>
+                      </a:r>
+                      <a:endParaRPr lang="ko-KR" altLang="en-US" sz="1000"/>
+                    </a:p>
+                  </a:txBody>
+                  <a:tcPr anchor="ctr"/>
+                </a:tc>
+                <a:extLst>
+                  <a:ext uri="{0D108BD9-81ED-4DB2-BD59-A6C34878D82A}">
+                    <a16:rowId xmlns:a16="http://schemas.microsoft.com/office/drawing/2014/main" val="737180522"/>
+                  </a:ext>
+                </a:extLst>
+              </a:tr>
+            </a:tbl>
+          </a:graphicData>
+        </a:graphic>
+      </p:graphicFrame>
+    </p:spTree>
+    <p:extLst>
+      <p:ext uri="{BB962C8B-B14F-4D97-AF65-F5344CB8AC3E}">
+        <p14:creationId xmlns:p14="http://schemas.microsoft.com/office/powerpoint/2010/main" val="1837721200"/>
+      </p:ext>
+    </p:extLst>
+  </p:cSld>
+  <p:clrMapOvr>
+    <a:masterClrMapping/>
+  </p:clrMapOvr>
+</p:sld>
+</file>
+
+<file path=ppt/slides/slide5.xml><?xml version="1.0" encoding="utf-8"?>
+<p:sld xmlns:a="http://schemas.openxmlformats.org/drawingml/2006/main" xmlns:r="http://schemas.openxmlformats.org/officeDocument/2006/relationships" xmlns:p="http://schemas.openxmlformats.org/presentationml/2006/main">
+  <p:cSld>
     <p:spTree>
       <p:nvGrpSpPr>
         <p:cNvPr id="1" name=""/>
@@ -3183,10 +7264,10 @@
       </p:pic>
       <p:grpSp>
         <p:nvGrpSpPr>
-          <p:cNvPr id="7" name="그룹 6">
+          <p:cNvPr id="22" name="그룹 21">
             <a:extLst>
               <a:ext uri="{FF2B5EF4-FFF2-40B4-BE49-F238E27FC236}">
-                <a16:creationId xmlns:a16="http://schemas.microsoft.com/office/drawing/2014/main" id="{22568B11-B515-E709-E5F6-5897A803C47B}"/>
+                <a16:creationId xmlns:a16="http://schemas.microsoft.com/office/drawing/2014/main" id="{745A0EE6-478A-5A97-7D63-105D4FA5FD25}"/>
               </a:ext>
             </a:extLst>
           </p:cNvPr>
@@ -3727,10 +7808,10 @@
       </p:sp>
       <p:grpSp>
         <p:nvGrpSpPr>
-          <p:cNvPr id="6" name="그룹 5">
+          <p:cNvPr id="21" name="그룹 20">
             <a:extLst>
               <a:ext uri="{FF2B5EF4-FFF2-40B4-BE49-F238E27FC236}">
-                <a16:creationId xmlns:a16="http://schemas.microsoft.com/office/drawing/2014/main" id="{1E8111DE-C4DB-180C-D931-9880BB790DBA}"/>
+                <a16:creationId xmlns:a16="http://schemas.microsoft.com/office/drawing/2014/main" id="{8C81BC26-E858-FC44-F785-D4FB650AA550}"/>
               </a:ext>
             </a:extLst>
           </p:cNvPr>
@@ -3917,10 +7998,10 @@
       </p:grpSp>
       <p:grpSp>
         <p:nvGrpSpPr>
-          <p:cNvPr id="5" name="그룹 4">
+          <p:cNvPr id="20" name="그룹 19">
             <a:extLst>
               <a:ext uri="{FF2B5EF4-FFF2-40B4-BE49-F238E27FC236}">
-                <a16:creationId xmlns:a16="http://schemas.microsoft.com/office/drawing/2014/main" id="{E821D2FE-90AF-1381-674C-13BCCEBFB2F8}"/>
+                <a16:creationId xmlns:a16="http://schemas.microsoft.com/office/drawing/2014/main" id="{7E84FCFF-2E63-6FDB-BF44-E86B72956AAB}"/>
               </a:ext>
             </a:extLst>
           </p:cNvPr>
@@ -4643,10 +8724,10 @@
       </p:cxnSp>
       <p:grpSp>
         <p:nvGrpSpPr>
-          <p:cNvPr id="3" name="그룹 2">
+          <p:cNvPr id="18" name="그룹 17">
             <a:extLst>
               <a:ext uri="{FF2B5EF4-FFF2-40B4-BE49-F238E27FC236}">
-                <a16:creationId xmlns:a16="http://schemas.microsoft.com/office/drawing/2014/main" id="{1590A2C3-1E45-5408-F359-C24920EC41C3}"/>
+                <a16:creationId xmlns:a16="http://schemas.microsoft.com/office/drawing/2014/main" id="{2229CFC9-617E-60D2-0065-52B5F125BDD9}"/>
               </a:ext>
             </a:extLst>
           </p:cNvPr>
@@ -4982,7 +9063,7 @@
 </p:sld>
 </file>
 
-<file path=ppt/slides/slide3.xml><?xml version="1.0" encoding="utf-8"?>
+<file path=ppt/slides/slide6.xml><?xml version="1.0" encoding="utf-8"?>
 <p:sld xmlns:a="http://schemas.openxmlformats.org/drawingml/2006/main" xmlns:r="http://schemas.openxmlformats.org/officeDocument/2006/relationships" xmlns:p="http://schemas.openxmlformats.org/presentationml/2006/main">
   <p:cSld>
     <p:spTree>

--- a/DsDotNet/src/UnitTest/UnitTest.Model/ImportOfficeExample/Sample/Sub/BodyShop.pptx
+++ b/DsDotNet/src/UnitTest/UnitTest.Model/ImportOfficeExample/Sample/Sub/BodyShop.pptx
@@ -220,7 +220,7 @@
           <a:p>
             <a:fld id="{DD503887-5801-43A0-AEF9-041E8DDC2558}" type="datetimeFigureOut">
               <a:rPr lang="ko-KR" altLang="en-US" smtClean="0"/>
-              <a:t>2024-07-12</a:t>
+              <a:t>2024-07-13</a:t>
             </a:fld>
             <a:endParaRPr lang="ko-KR" altLang="en-US"/>
           </a:p>
@@ -397,7 +397,7 @@
           <a:p>
             <a:fld id="{95336A0E-57B1-4D4C-BD9B-2F72B5943464}" type="datetimeFigureOut">
               <a:rPr lang="ko-KR" altLang="en-US" smtClean="0"/>
-              <a:t>2024-07-12</a:t>
+              <a:t>2024-07-13</a:t>
             </a:fld>
             <a:endParaRPr lang="ko-KR" altLang="en-US"/>
           </a:p>
@@ -2603,7 +2603,7 @@
           <p:cNvPr id="2" name="TextBox 1">
             <a:extLst>
               <a:ext uri="{FF2B5EF4-FFF2-40B4-BE49-F238E27FC236}">
-                <a16:creationId xmlns:a16="http://schemas.microsoft.com/office/drawing/2014/main" id="{6D2CBE82-9F63-BC40-86AE-35CE5321FB14}"/>
+                <a16:creationId xmlns:a16="http://schemas.microsoft.com/office/drawing/2014/main" id="{77F3E0B0-B06B-F1B1-2262-D59797894088}"/>
               </a:ext>
             </a:extLst>
           </p:cNvPr>
@@ -2639,7 +2639,7 @@
           <p:cNvPr id="3" name="표 2">
             <a:extLst>
               <a:ext uri="{FF2B5EF4-FFF2-40B4-BE49-F238E27FC236}">
-                <a16:creationId xmlns:a16="http://schemas.microsoft.com/office/drawing/2014/main" id="{BF195209-2A24-D8BC-B4F1-6FD08CF1D654}"/>
+                <a16:creationId xmlns:a16="http://schemas.microsoft.com/office/drawing/2014/main" id="{5F4FA6AC-8E16-8C44-AA1F-15401B228E4F}"/>
               </a:ext>
             </a:extLst>
           </p:cNvPr>
@@ -2649,7 +2649,7 @@
           <p:nvPr>
             <p:extLst>
               <p:ext uri="{D42A27DB-BD31-4B8C-83A1-F6EECF244321}">
-                <p14:modId xmlns:p14="http://schemas.microsoft.com/office/powerpoint/2010/main" val="153307931"/>
+                <p14:modId xmlns:p14="http://schemas.microsoft.com/office/powerpoint/2010/main" val="1977280721"/>
               </p:ext>
             </p:extLst>
           </p:nvPr>
@@ -2668,56 +2668,56 @@
                 <a:gridCol w="929027">
                   <a:extLst>
                     <a:ext uri="{9D8B030D-6E8A-4147-A177-3AD203B41FA5}">
-                      <a16:colId xmlns:a16="http://schemas.microsoft.com/office/drawing/2014/main" val="1997486250"/>
+                      <a16:colId xmlns:a16="http://schemas.microsoft.com/office/drawing/2014/main" val="1647972562"/>
                     </a:ext>
                   </a:extLst>
                 </a:gridCol>
                 <a:gridCol w="1486444">
                   <a:extLst>
                     <a:ext uri="{9D8B030D-6E8A-4147-A177-3AD203B41FA5}">
-                      <a16:colId xmlns:a16="http://schemas.microsoft.com/office/drawing/2014/main" val="732689283"/>
+                      <a16:colId xmlns:a16="http://schemas.microsoft.com/office/drawing/2014/main" val="3954079029"/>
                     </a:ext>
                   </a:extLst>
                 </a:gridCol>
                 <a:gridCol w="2183214">
                   <a:extLst>
                     <a:ext uri="{9D8B030D-6E8A-4147-A177-3AD203B41FA5}">
-                      <a16:colId xmlns:a16="http://schemas.microsoft.com/office/drawing/2014/main" val="1335244812"/>
+                      <a16:colId xmlns:a16="http://schemas.microsoft.com/office/drawing/2014/main" val="1783530504"/>
                     </a:ext>
                   </a:extLst>
                 </a:gridCol>
                 <a:gridCol w="1486444">
                   <a:extLst>
                     <a:ext uri="{9D8B030D-6E8A-4147-A177-3AD203B41FA5}">
-                      <a16:colId xmlns:a16="http://schemas.microsoft.com/office/drawing/2014/main" val="2699626865"/>
+                      <a16:colId xmlns:a16="http://schemas.microsoft.com/office/drawing/2014/main" val="3860117327"/>
                     </a:ext>
                   </a:extLst>
                 </a:gridCol>
                 <a:gridCol w="2183214">
                   <a:extLst>
                     <a:ext uri="{9D8B030D-6E8A-4147-A177-3AD203B41FA5}">
-                      <a16:colId xmlns:a16="http://schemas.microsoft.com/office/drawing/2014/main" val="2622626760"/>
+                      <a16:colId xmlns:a16="http://schemas.microsoft.com/office/drawing/2014/main" val="1247778512"/>
                     </a:ext>
                   </a:extLst>
                 </a:gridCol>
                 <a:gridCol w="2183214">
                   <a:extLst>
                     <a:ext uri="{9D8B030D-6E8A-4147-A177-3AD203B41FA5}">
-                      <a16:colId xmlns:a16="http://schemas.microsoft.com/office/drawing/2014/main" val="533706582"/>
+                      <a16:colId xmlns:a16="http://schemas.microsoft.com/office/drawing/2014/main" val="2053815147"/>
                     </a:ext>
                   </a:extLst>
                 </a:gridCol>
                 <a:gridCol w="743222">
                   <a:extLst>
                     <a:ext uri="{9D8B030D-6E8A-4147-A177-3AD203B41FA5}">
-                      <a16:colId xmlns:a16="http://schemas.microsoft.com/office/drawing/2014/main" val="3979549504"/>
+                      <a16:colId xmlns:a16="http://schemas.microsoft.com/office/drawing/2014/main" val="1261104560"/>
                     </a:ext>
                   </a:extLst>
                 </a:gridCol>
                 <a:gridCol w="743222">
                   <a:extLst>
                     <a:ext uri="{9D8B030D-6E8A-4147-A177-3AD203B41FA5}">
-                      <a16:colId xmlns:a16="http://schemas.microsoft.com/office/drawing/2014/main" val="1601055268"/>
+                      <a16:colId xmlns:a16="http://schemas.microsoft.com/office/drawing/2014/main" val="1688490883"/>
                     </a:ext>
                   </a:extLst>
                 </a:gridCol>
@@ -2848,7 +2848,7 @@
                 </a:tc>
                 <a:extLst>
                   <a:ext uri="{0D108BD9-81ED-4DB2-BD59-A6C34878D82A}">
-                    <a16:rowId xmlns:a16="http://schemas.microsoft.com/office/drawing/2014/main" val="4073218485"/>
+                    <a16:rowId xmlns:a16="http://schemas.microsoft.com/office/drawing/2014/main" val="1502684545"/>
                   </a:ext>
                 </a:extLst>
               </a:tr>
@@ -2890,7 +2890,7 @@
                       <a:pPr algn="ctr" latinLnBrk="1"/>
                       <a:r>
                         <a:rPr lang="en-US" altLang="ko-KR" sz="1000"/>
-                        <a:t>Floor.CLEAR</a:t>
+                        <a:t>Floor.END</a:t>
                       </a:r>
                       <a:endParaRPr lang="ko-KR" altLang="en-US" sz="1000"/>
                     </a:p>
@@ -2920,22 +2920,22 @@
                       <a:pPr algn="ctr" latinLnBrk="1"/>
                       <a:r>
                         <a:rPr lang="en-US" altLang="ko-KR" sz="1000"/>
-                        <a:t>%IX0.0.0</a:t>
-                      </a:r>
-                      <a:endParaRPr lang="ko-KR" altLang="en-US" sz="1000"/>
-                    </a:p>
-                  </a:txBody>
-                  <a:tcPr anchor="ctr"/>
-                </a:tc>
-                <a:tc>
-                  <a:txBody>
-                    <a:bodyPr/>
-                    <a:lstStyle/>
-                    <a:p>
-                      <a:pPr algn="ctr" latinLnBrk="1"/>
-                      <a:r>
-                        <a:rPr lang="en-US" altLang="ko-KR" sz="1000"/>
-                        <a:t>%QX0.1.0</a:t>
+                        <a:t>%MX0</a:t>
+                      </a:r>
+                      <a:endParaRPr lang="ko-KR" altLang="en-US" sz="1000"/>
+                    </a:p>
+                  </a:txBody>
+                  <a:tcPr anchor="ctr"/>
+                </a:tc>
+                <a:tc>
+                  <a:txBody>
+                    <a:bodyPr/>
+                    <a:lstStyle/>
+                    <a:p>
+                      <a:pPr algn="ctr" latinLnBrk="1"/>
+                      <a:r>
+                        <a:rPr lang="en-US" altLang="ko-KR" sz="1000"/>
+                        <a:t>-</a:t>
                       </a:r>
                       <a:endParaRPr lang="ko-KR" altLang="en-US" sz="1000"/>
                     </a:p>
@@ -2966,7 +2966,7 @@
                 </a:tc>
                 <a:extLst>
                   <a:ext uri="{0D108BD9-81ED-4DB2-BD59-A6C34878D82A}">
-                    <a16:rowId xmlns:a16="http://schemas.microsoft.com/office/drawing/2014/main" val="2409809372"/>
+                    <a16:rowId xmlns:a16="http://schemas.microsoft.com/office/drawing/2014/main" val="3453499303"/>
                   </a:ext>
                 </a:extLst>
               </a:tr>
@@ -3008,7 +3008,7 @@
                       <a:pPr algn="ctr" latinLnBrk="1"/>
                       <a:r>
                         <a:rPr lang="en-US" altLang="ko-KR" sz="1000"/>
-                        <a:t>Floor.END</a:t>
+                        <a:t>Floor.START</a:t>
                       </a:r>
                       <a:endParaRPr lang="ko-KR" altLang="en-US" sz="1000"/>
                     </a:p>
@@ -3038,22 +3038,22 @@
                       <a:pPr algn="ctr" latinLnBrk="1"/>
                       <a:r>
                         <a:rPr lang="en-US" altLang="ko-KR" sz="1000"/>
-                        <a:t>%MX0</a:t>
-                      </a:r>
-                      <a:endParaRPr lang="ko-KR" altLang="en-US" sz="1000"/>
-                    </a:p>
-                  </a:txBody>
-                  <a:tcPr anchor="ctr"/>
-                </a:tc>
-                <a:tc>
-                  <a:txBody>
-                    <a:bodyPr/>
-                    <a:lstStyle/>
-                    <a:p>
-                      <a:pPr algn="ctr" latinLnBrk="1"/>
-                      <a:r>
-                        <a:rPr lang="en-US" altLang="ko-KR" sz="1000"/>
-                        <a:t>-</a:t>
+                        <a:t>%IX0.0.0</a:t>
+                      </a:r>
+                      <a:endParaRPr lang="ko-KR" altLang="en-US" sz="1000"/>
+                    </a:p>
+                  </a:txBody>
+                  <a:tcPr anchor="ctr"/>
+                </a:tc>
+                <a:tc>
+                  <a:txBody>
+                    <a:bodyPr/>
+                    <a:lstStyle/>
+                    <a:p>
+                      <a:pPr algn="ctr" latinLnBrk="1"/>
+                      <a:r>
+                        <a:rPr lang="en-US" altLang="ko-KR" sz="1000"/>
+                        <a:t>%QX0.1.0</a:t>
                       </a:r>
                       <a:endParaRPr lang="ko-KR" altLang="en-US" sz="1000"/>
                     </a:p>
@@ -3084,7 +3084,7 @@
                 </a:tc>
                 <a:extLst>
                   <a:ext uri="{0D108BD9-81ED-4DB2-BD59-A6C34878D82A}">
-                    <a16:rowId xmlns:a16="http://schemas.microsoft.com/office/drawing/2014/main" val="1493542998"/>
+                    <a16:rowId xmlns:a16="http://schemas.microsoft.com/office/drawing/2014/main" val="576112357"/>
                   </a:ext>
                 </a:extLst>
               </a:tr>
@@ -3126,7 +3126,7 @@
                       <a:pPr algn="ctr" latinLnBrk="1"/>
                       <a:r>
                         <a:rPr lang="en-US" altLang="ko-KR" sz="1000"/>
-                        <a:t>Floor.RUN</a:t>
+                        <a:t>Floor.UNLOAD</a:t>
                       </a:r>
                       <a:endParaRPr lang="ko-KR" altLang="en-US" sz="1000"/>
                     </a:p>
@@ -3202,7 +3202,7 @@
                 </a:tc>
                 <a:extLst>
                   <a:ext uri="{0D108BD9-81ED-4DB2-BD59-A6C34878D82A}">
-                    <a16:rowId xmlns:a16="http://schemas.microsoft.com/office/drawing/2014/main" val="1133281997"/>
+                    <a16:rowId xmlns:a16="http://schemas.microsoft.com/office/drawing/2014/main" val="1009607314"/>
                   </a:ext>
                 </a:extLst>
               </a:tr>
@@ -3244,7 +3244,7 @@
                       <a:pPr algn="ctr" latinLnBrk="1"/>
                       <a:r>
                         <a:rPr lang="en-US" altLang="ko-KR" sz="1000"/>
-                        <a:t>SIDE_LH.CLEAR</a:t>
+                        <a:t>SIDE_LH.END</a:t>
                       </a:r>
                       <a:endParaRPr lang="ko-KR" altLang="en-US" sz="1000"/>
                     </a:p>
@@ -3274,22 +3274,22 @@
                       <a:pPr algn="ctr" latinLnBrk="1"/>
                       <a:r>
                         <a:rPr lang="en-US" altLang="ko-KR" sz="1000"/>
-                        <a:t>%IX0.0.2</a:t>
-                      </a:r>
-                      <a:endParaRPr lang="ko-KR" altLang="en-US" sz="1000"/>
-                    </a:p>
-                  </a:txBody>
-                  <a:tcPr anchor="ctr"/>
-                </a:tc>
-                <a:tc>
-                  <a:txBody>
-                    <a:bodyPr/>
-                    <a:lstStyle/>
-                    <a:p>
-                      <a:pPr algn="ctr" latinLnBrk="1"/>
-                      <a:r>
-                        <a:rPr lang="en-US" altLang="ko-KR" sz="1000"/>
-                        <a:t>%QX0.1.2</a:t>
+                        <a:t>%MX1</a:t>
+                      </a:r>
+                      <a:endParaRPr lang="ko-KR" altLang="en-US" sz="1000"/>
+                    </a:p>
+                  </a:txBody>
+                  <a:tcPr anchor="ctr"/>
+                </a:tc>
+                <a:tc>
+                  <a:txBody>
+                    <a:bodyPr/>
+                    <a:lstStyle/>
+                    <a:p>
+                      <a:pPr algn="ctr" latinLnBrk="1"/>
+                      <a:r>
+                        <a:rPr lang="en-US" altLang="ko-KR" sz="1000"/>
+                        <a:t>-</a:t>
                       </a:r>
                       <a:endParaRPr lang="ko-KR" altLang="en-US" sz="1000"/>
                     </a:p>
@@ -3320,7 +3320,7 @@
                 </a:tc>
                 <a:extLst>
                   <a:ext uri="{0D108BD9-81ED-4DB2-BD59-A6C34878D82A}">
-                    <a16:rowId xmlns:a16="http://schemas.microsoft.com/office/drawing/2014/main" val="1568456697"/>
+                    <a16:rowId xmlns:a16="http://schemas.microsoft.com/office/drawing/2014/main" val="1157252200"/>
                   </a:ext>
                 </a:extLst>
               </a:tr>
@@ -3362,7 +3362,7 @@
                       <a:pPr algn="ctr" latinLnBrk="1"/>
                       <a:r>
                         <a:rPr lang="en-US" altLang="ko-KR" sz="1000"/>
-                        <a:t>SIDE_LH.END</a:t>
+                        <a:t>SIDE_LH.START</a:t>
                       </a:r>
                       <a:endParaRPr lang="ko-KR" altLang="en-US" sz="1000"/>
                     </a:p>
@@ -3392,22 +3392,22 @@
                       <a:pPr algn="ctr" latinLnBrk="1"/>
                       <a:r>
                         <a:rPr lang="en-US" altLang="ko-KR" sz="1000"/>
-                        <a:t>%MX1</a:t>
-                      </a:r>
-                      <a:endParaRPr lang="ko-KR" altLang="en-US" sz="1000"/>
-                    </a:p>
-                  </a:txBody>
-                  <a:tcPr anchor="ctr"/>
-                </a:tc>
-                <a:tc>
-                  <a:txBody>
-                    <a:bodyPr/>
-                    <a:lstStyle/>
-                    <a:p>
-                      <a:pPr algn="ctr" latinLnBrk="1"/>
-                      <a:r>
-                        <a:rPr lang="en-US" altLang="ko-KR" sz="1000"/>
-                        <a:t>-</a:t>
+                        <a:t>%IX0.0.2</a:t>
+                      </a:r>
+                      <a:endParaRPr lang="ko-KR" altLang="en-US" sz="1000"/>
+                    </a:p>
+                  </a:txBody>
+                  <a:tcPr anchor="ctr"/>
+                </a:tc>
+                <a:tc>
+                  <a:txBody>
+                    <a:bodyPr/>
+                    <a:lstStyle/>
+                    <a:p>
+                      <a:pPr algn="ctr" latinLnBrk="1"/>
+                      <a:r>
+                        <a:rPr lang="en-US" altLang="ko-KR" sz="1000"/>
+                        <a:t>%QX0.1.2</a:t>
                       </a:r>
                       <a:endParaRPr lang="ko-KR" altLang="en-US" sz="1000"/>
                     </a:p>
@@ -3438,7 +3438,7 @@
                 </a:tc>
                 <a:extLst>
                   <a:ext uri="{0D108BD9-81ED-4DB2-BD59-A6C34878D82A}">
-                    <a16:rowId xmlns:a16="http://schemas.microsoft.com/office/drawing/2014/main" val="575921027"/>
+                    <a16:rowId xmlns:a16="http://schemas.microsoft.com/office/drawing/2014/main" val="782664614"/>
                   </a:ext>
                 </a:extLst>
               </a:tr>
@@ -3480,7 +3480,7 @@
                       <a:pPr algn="ctr" latinLnBrk="1"/>
                       <a:r>
                         <a:rPr lang="en-US" altLang="ko-KR" sz="1000"/>
-                        <a:t>SIDE_LH.RUN</a:t>
+                        <a:t>SIDE_LH.UNLOAD</a:t>
                       </a:r>
                       <a:endParaRPr lang="ko-KR" altLang="en-US" sz="1000"/>
                     </a:p>
@@ -3556,7 +3556,7 @@
                 </a:tc>
                 <a:extLst>
                   <a:ext uri="{0D108BD9-81ED-4DB2-BD59-A6C34878D82A}">
-                    <a16:rowId xmlns:a16="http://schemas.microsoft.com/office/drawing/2014/main" val="1140710280"/>
+                    <a16:rowId xmlns:a16="http://schemas.microsoft.com/office/drawing/2014/main" val="3463337287"/>
                   </a:ext>
                 </a:extLst>
               </a:tr>
@@ -3598,7 +3598,7 @@
                       <a:pPr algn="ctr" latinLnBrk="1"/>
                       <a:r>
                         <a:rPr lang="en-US" altLang="ko-KR" sz="1000"/>
-                        <a:t>SIDE_RH.CLEAR</a:t>
+                        <a:t>SIDE_RH.END</a:t>
                       </a:r>
                       <a:endParaRPr lang="ko-KR" altLang="en-US" sz="1000"/>
                     </a:p>
@@ -3628,22 +3628,22 @@
                       <a:pPr algn="ctr" latinLnBrk="1"/>
                       <a:r>
                         <a:rPr lang="en-US" altLang="ko-KR" sz="1000"/>
-                        <a:t>%IX0.0.4</a:t>
-                      </a:r>
-                      <a:endParaRPr lang="ko-KR" altLang="en-US" sz="1000"/>
-                    </a:p>
-                  </a:txBody>
-                  <a:tcPr anchor="ctr"/>
-                </a:tc>
-                <a:tc>
-                  <a:txBody>
-                    <a:bodyPr/>
-                    <a:lstStyle/>
-                    <a:p>
-                      <a:pPr algn="ctr" latinLnBrk="1"/>
-                      <a:r>
-                        <a:rPr lang="en-US" altLang="ko-KR" sz="1000"/>
-                        <a:t>%QX0.1.4</a:t>
+                        <a:t>%MX2</a:t>
+                      </a:r>
+                      <a:endParaRPr lang="ko-KR" altLang="en-US" sz="1000"/>
+                    </a:p>
+                  </a:txBody>
+                  <a:tcPr anchor="ctr"/>
+                </a:tc>
+                <a:tc>
+                  <a:txBody>
+                    <a:bodyPr/>
+                    <a:lstStyle/>
+                    <a:p>
+                      <a:pPr algn="ctr" latinLnBrk="1"/>
+                      <a:r>
+                        <a:rPr lang="en-US" altLang="ko-KR" sz="1000"/>
+                        <a:t>-</a:t>
                       </a:r>
                       <a:endParaRPr lang="ko-KR" altLang="en-US" sz="1000"/>
                     </a:p>
@@ -3674,7 +3674,7 @@
                 </a:tc>
                 <a:extLst>
                   <a:ext uri="{0D108BD9-81ED-4DB2-BD59-A6C34878D82A}">
-                    <a16:rowId xmlns:a16="http://schemas.microsoft.com/office/drawing/2014/main" val="3860573205"/>
+                    <a16:rowId xmlns:a16="http://schemas.microsoft.com/office/drawing/2014/main" val="550759917"/>
                   </a:ext>
                 </a:extLst>
               </a:tr>
@@ -3716,7 +3716,7 @@
                       <a:pPr algn="ctr" latinLnBrk="1"/>
                       <a:r>
                         <a:rPr lang="en-US" altLang="ko-KR" sz="1000"/>
-                        <a:t>SIDE_RH.END</a:t>
+                        <a:t>SIDE_RH.START</a:t>
                       </a:r>
                       <a:endParaRPr lang="ko-KR" altLang="en-US" sz="1000"/>
                     </a:p>
@@ -3746,22 +3746,22 @@
                       <a:pPr algn="ctr" latinLnBrk="1"/>
                       <a:r>
                         <a:rPr lang="en-US" altLang="ko-KR" sz="1000"/>
-                        <a:t>%MX2</a:t>
-                      </a:r>
-                      <a:endParaRPr lang="ko-KR" altLang="en-US" sz="1000"/>
-                    </a:p>
-                  </a:txBody>
-                  <a:tcPr anchor="ctr"/>
-                </a:tc>
-                <a:tc>
-                  <a:txBody>
-                    <a:bodyPr/>
-                    <a:lstStyle/>
-                    <a:p>
-                      <a:pPr algn="ctr" latinLnBrk="1"/>
-                      <a:r>
-                        <a:rPr lang="en-US" altLang="ko-KR" sz="1000"/>
-                        <a:t>-</a:t>
+                        <a:t>%IX0.0.4</a:t>
+                      </a:r>
+                      <a:endParaRPr lang="ko-KR" altLang="en-US" sz="1000"/>
+                    </a:p>
+                  </a:txBody>
+                  <a:tcPr anchor="ctr"/>
+                </a:tc>
+                <a:tc>
+                  <a:txBody>
+                    <a:bodyPr/>
+                    <a:lstStyle/>
+                    <a:p>
+                      <a:pPr algn="ctr" latinLnBrk="1"/>
+                      <a:r>
+                        <a:rPr lang="en-US" altLang="ko-KR" sz="1000"/>
+                        <a:t>%QX0.1.4</a:t>
                       </a:r>
                       <a:endParaRPr lang="ko-KR" altLang="en-US" sz="1000"/>
                     </a:p>
@@ -3792,7 +3792,7 @@
                 </a:tc>
                 <a:extLst>
                   <a:ext uri="{0D108BD9-81ED-4DB2-BD59-A6C34878D82A}">
-                    <a16:rowId xmlns:a16="http://schemas.microsoft.com/office/drawing/2014/main" val="3246933859"/>
+                    <a16:rowId xmlns:a16="http://schemas.microsoft.com/office/drawing/2014/main" val="2414579699"/>
                   </a:ext>
                 </a:extLst>
               </a:tr>
@@ -3834,7 +3834,7 @@
                       <a:pPr algn="ctr" latinLnBrk="1"/>
                       <a:r>
                         <a:rPr lang="en-US" altLang="ko-KR" sz="1000"/>
-                        <a:t>SIDE_RH.RUN</a:t>
+                        <a:t>SIDE_RH.UNLOAD</a:t>
                       </a:r>
                       <a:endParaRPr lang="ko-KR" altLang="en-US" sz="1000"/>
                     </a:p>
@@ -3910,7 +3910,7 @@
                 </a:tc>
                 <a:extLst>
                   <a:ext uri="{0D108BD9-81ED-4DB2-BD59-A6C34878D82A}">
-                    <a16:rowId xmlns:a16="http://schemas.microsoft.com/office/drawing/2014/main" val="1352301393"/>
+                    <a16:rowId xmlns:a16="http://schemas.microsoft.com/office/drawing/2014/main" val="1606860808"/>
                   </a:ext>
                 </a:extLst>
               </a:tr>
@@ -3921,7 +3921,7 @@
     </p:spTree>
     <p:extLst>
       <p:ext uri="{BB962C8B-B14F-4D97-AF65-F5344CB8AC3E}">
-        <p14:creationId xmlns:p14="http://schemas.microsoft.com/office/powerpoint/2010/main" val="3328856946"/>
+        <p14:creationId xmlns:p14="http://schemas.microsoft.com/office/powerpoint/2010/main" val="2855669944"/>
       </p:ext>
     </p:extLst>
   </p:cSld>
@@ -3961,7 +3961,7 @@
           <p:cNvPr id="2" name="TextBox 1">
             <a:extLst>
               <a:ext uri="{FF2B5EF4-FFF2-40B4-BE49-F238E27FC236}">
-                <a16:creationId xmlns:a16="http://schemas.microsoft.com/office/drawing/2014/main" id="{DA34C872-A14C-04B4-E482-FB4485810955}"/>
+                <a16:creationId xmlns:a16="http://schemas.microsoft.com/office/drawing/2014/main" id="{AA13BF80-B784-6799-3666-B3100067F59B}"/>
               </a:ext>
             </a:extLst>
           </p:cNvPr>
@@ -3997,7 +3997,7 @@
           <p:cNvPr id="3" name="표 2">
             <a:extLst>
               <a:ext uri="{FF2B5EF4-FFF2-40B4-BE49-F238E27FC236}">
-                <a16:creationId xmlns:a16="http://schemas.microsoft.com/office/drawing/2014/main" id="{32D2B60D-D5B3-9DFA-FE02-0CD76BE6C0D4}"/>
+                <a16:creationId xmlns:a16="http://schemas.microsoft.com/office/drawing/2014/main" id="{F56FF97B-492A-F1D7-F20E-BADE4EE16984}"/>
               </a:ext>
             </a:extLst>
           </p:cNvPr>
@@ -4007,7 +4007,7 @@
           <p:nvPr>
             <p:extLst>
               <p:ext uri="{D42A27DB-BD31-4B8C-83A1-F6EECF244321}">
-                <p14:modId xmlns:p14="http://schemas.microsoft.com/office/powerpoint/2010/main" val="2944672836"/>
+                <p14:modId xmlns:p14="http://schemas.microsoft.com/office/powerpoint/2010/main" val="1339894570"/>
               </p:ext>
             </p:extLst>
           </p:nvPr>
@@ -4026,56 +4026,56 @@
                 <a:gridCol w="929027">
                   <a:extLst>
                     <a:ext uri="{9D8B030D-6E8A-4147-A177-3AD203B41FA5}">
-                      <a16:colId xmlns:a16="http://schemas.microsoft.com/office/drawing/2014/main" val="2202300255"/>
+                      <a16:colId xmlns:a16="http://schemas.microsoft.com/office/drawing/2014/main" val="3223646352"/>
                     </a:ext>
                   </a:extLst>
                 </a:gridCol>
                 <a:gridCol w="1486444">
                   <a:extLst>
                     <a:ext uri="{9D8B030D-6E8A-4147-A177-3AD203B41FA5}">
-                      <a16:colId xmlns:a16="http://schemas.microsoft.com/office/drawing/2014/main" val="2648571879"/>
+                      <a16:colId xmlns:a16="http://schemas.microsoft.com/office/drawing/2014/main" val="4272498840"/>
                     </a:ext>
                   </a:extLst>
                 </a:gridCol>
                 <a:gridCol w="2183214">
                   <a:extLst>
                     <a:ext uri="{9D8B030D-6E8A-4147-A177-3AD203B41FA5}">
-                      <a16:colId xmlns:a16="http://schemas.microsoft.com/office/drawing/2014/main" val="2912528645"/>
+                      <a16:colId xmlns:a16="http://schemas.microsoft.com/office/drawing/2014/main" val="4018252828"/>
                     </a:ext>
                   </a:extLst>
                 </a:gridCol>
                 <a:gridCol w="1486444">
                   <a:extLst>
                     <a:ext uri="{9D8B030D-6E8A-4147-A177-3AD203B41FA5}">
-                      <a16:colId xmlns:a16="http://schemas.microsoft.com/office/drawing/2014/main" val="2184447125"/>
+                      <a16:colId xmlns:a16="http://schemas.microsoft.com/office/drawing/2014/main" val="3956008155"/>
                     </a:ext>
                   </a:extLst>
                 </a:gridCol>
                 <a:gridCol w="2183214">
                   <a:extLst>
                     <a:ext uri="{9D8B030D-6E8A-4147-A177-3AD203B41FA5}">
-                      <a16:colId xmlns:a16="http://schemas.microsoft.com/office/drawing/2014/main" val="298199796"/>
+                      <a16:colId xmlns:a16="http://schemas.microsoft.com/office/drawing/2014/main" val="178915679"/>
                     </a:ext>
                   </a:extLst>
                 </a:gridCol>
                 <a:gridCol w="2183214">
                   <a:extLst>
                     <a:ext uri="{9D8B030D-6E8A-4147-A177-3AD203B41FA5}">
-                      <a16:colId xmlns:a16="http://schemas.microsoft.com/office/drawing/2014/main" val="3546215860"/>
+                      <a16:colId xmlns:a16="http://schemas.microsoft.com/office/drawing/2014/main" val="3943999451"/>
                     </a:ext>
                   </a:extLst>
                 </a:gridCol>
                 <a:gridCol w="743222">
                   <a:extLst>
                     <a:ext uri="{9D8B030D-6E8A-4147-A177-3AD203B41FA5}">
-                      <a16:colId xmlns:a16="http://schemas.microsoft.com/office/drawing/2014/main" val="3259418841"/>
+                      <a16:colId xmlns:a16="http://schemas.microsoft.com/office/drawing/2014/main" val="3224849322"/>
                     </a:ext>
                   </a:extLst>
                 </a:gridCol>
                 <a:gridCol w="743222">
                   <a:extLst>
                     <a:ext uri="{9D8B030D-6E8A-4147-A177-3AD203B41FA5}">
-                      <a16:colId xmlns:a16="http://schemas.microsoft.com/office/drawing/2014/main" val="375223513"/>
+                      <a16:colId xmlns:a16="http://schemas.microsoft.com/office/drawing/2014/main" val="2942721556"/>
                     </a:ext>
                   </a:extLst>
                 </a:gridCol>
@@ -4206,7 +4206,7 @@
                 </a:tc>
                 <a:extLst>
                   <a:ext uri="{0D108BD9-81ED-4DB2-BD59-A6C34878D82A}">
-                    <a16:rowId xmlns:a16="http://schemas.microsoft.com/office/drawing/2014/main" val="2233723856"/>
+                    <a16:rowId xmlns:a16="http://schemas.microsoft.com/office/drawing/2014/main" val="3997364937"/>
                   </a:ext>
                 </a:extLst>
               </a:tr>
@@ -4324,7 +4324,7 @@
                 </a:tc>
                 <a:extLst>
                   <a:ext uri="{0D108BD9-81ED-4DB2-BD59-A6C34878D82A}">
-                    <a16:rowId xmlns:a16="http://schemas.microsoft.com/office/drawing/2014/main" val="2083553329"/>
+                    <a16:rowId xmlns:a16="http://schemas.microsoft.com/office/drawing/2014/main" val="1673083657"/>
                   </a:ext>
                 </a:extLst>
               </a:tr>
@@ -4442,7 +4442,7 @@
                 </a:tc>
                 <a:extLst>
                   <a:ext uri="{0D108BD9-81ED-4DB2-BD59-A6C34878D82A}">
-                    <a16:rowId xmlns:a16="http://schemas.microsoft.com/office/drawing/2014/main" val="2534131938"/>
+                    <a16:rowId xmlns:a16="http://schemas.microsoft.com/office/drawing/2014/main" val="692117300"/>
                   </a:ext>
                 </a:extLst>
               </a:tr>
@@ -4560,7 +4560,7 @@
                 </a:tc>
                 <a:extLst>
                   <a:ext uri="{0D108BD9-81ED-4DB2-BD59-A6C34878D82A}">
-                    <a16:rowId xmlns:a16="http://schemas.microsoft.com/office/drawing/2014/main" val="224889542"/>
+                    <a16:rowId xmlns:a16="http://schemas.microsoft.com/office/drawing/2014/main" val="1651040040"/>
                   </a:ext>
                 </a:extLst>
               </a:tr>
@@ -4678,7 +4678,7 @@
                 </a:tc>
                 <a:extLst>
                   <a:ext uri="{0D108BD9-81ED-4DB2-BD59-A6C34878D82A}">
-                    <a16:rowId xmlns:a16="http://schemas.microsoft.com/office/drawing/2014/main" val="3461124555"/>
+                    <a16:rowId xmlns:a16="http://schemas.microsoft.com/office/drawing/2014/main" val="1198496485"/>
                   </a:ext>
                 </a:extLst>
               </a:tr>
@@ -4796,7 +4796,7 @@
                 </a:tc>
                 <a:extLst>
                   <a:ext uri="{0D108BD9-81ED-4DB2-BD59-A6C34878D82A}">
-                    <a16:rowId xmlns:a16="http://schemas.microsoft.com/office/drawing/2014/main" val="3185008531"/>
+                    <a16:rowId xmlns:a16="http://schemas.microsoft.com/office/drawing/2014/main" val="2760393165"/>
                   </a:ext>
                 </a:extLst>
               </a:tr>
@@ -4914,7 +4914,7 @@
                 </a:tc>
                 <a:extLst>
                   <a:ext uri="{0D108BD9-81ED-4DB2-BD59-A6C34878D82A}">
-                    <a16:rowId xmlns:a16="http://schemas.microsoft.com/office/drawing/2014/main" val="1603392848"/>
+                    <a16:rowId xmlns:a16="http://schemas.microsoft.com/office/drawing/2014/main" val="2282132374"/>
                   </a:ext>
                 </a:extLst>
               </a:tr>
@@ -5032,7 +5032,7 @@
                 </a:tc>
                 <a:extLst>
                   <a:ext uri="{0D108BD9-81ED-4DB2-BD59-A6C34878D82A}">
-                    <a16:rowId xmlns:a16="http://schemas.microsoft.com/office/drawing/2014/main" val="3871605196"/>
+                    <a16:rowId xmlns:a16="http://schemas.microsoft.com/office/drawing/2014/main" val="2363749546"/>
                   </a:ext>
                 </a:extLst>
               </a:tr>
@@ -5150,7 +5150,7 @@
                 </a:tc>
                 <a:extLst>
                   <a:ext uri="{0D108BD9-81ED-4DB2-BD59-A6C34878D82A}">
-                    <a16:rowId xmlns:a16="http://schemas.microsoft.com/office/drawing/2014/main" val="2424941702"/>
+                    <a16:rowId xmlns:a16="http://schemas.microsoft.com/office/drawing/2014/main" val="3767538944"/>
                   </a:ext>
                 </a:extLst>
               </a:tr>
@@ -5268,7 +5268,7 @@
                 </a:tc>
                 <a:extLst>
                   <a:ext uri="{0D108BD9-81ED-4DB2-BD59-A6C34878D82A}">
-                    <a16:rowId xmlns:a16="http://schemas.microsoft.com/office/drawing/2014/main" val="1628865089"/>
+                    <a16:rowId xmlns:a16="http://schemas.microsoft.com/office/drawing/2014/main" val="2474892780"/>
                   </a:ext>
                 </a:extLst>
               </a:tr>
@@ -5386,7 +5386,7 @@
                 </a:tc>
                 <a:extLst>
                   <a:ext uri="{0D108BD9-81ED-4DB2-BD59-A6C34878D82A}">
-                    <a16:rowId xmlns:a16="http://schemas.microsoft.com/office/drawing/2014/main" val="2799388958"/>
+                    <a16:rowId xmlns:a16="http://schemas.microsoft.com/office/drawing/2014/main" val="394216620"/>
                   </a:ext>
                 </a:extLst>
               </a:tr>
@@ -5504,7 +5504,7 @@
                 </a:tc>
                 <a:extLst>
                   <a:ext uri="{0D108BD9-81ED-4DB2-BD59-A6C34878D82A}">
-                    <a16:rowId xmlns:a16="http://schemas.microsoft.com/office/drawing/2014/main" val="950883253"/>
+                    <a16:rowId xmlns:a16="http://schemas.microsoft.com/office/drawing/2014/main" val="116709044"/>
                   </a:ext>
                 </a:extLst>
               </a:tr>
@@ -5622,7 +5622,7 @@
                 </a:tc>
                 <a:extLst>
                   <a:ext uri="{0D108BD9-81ED-4DB2-BD59-A6C34878D82A}">
-                    <a16:rowId xmlns:a16="http://schemas.microsoft.com/office/drawing/2014/main" val="4126918107"/>
+                    <a16:rowId xmlns:a16="http://schemas.microsoft.com/office/drawing/2014/main" val="1357726358"/>
                   </a:ext>
                 </a:extLst>
               </a:tr>
@@ -5740,7 +5740,7 @@
                 </a:tc>
                 <a:extLst>
                   <a:ext uri="{0D108BD9-81ED-4DB2-BD59-A6C34878D82A}">
-                    <a16:rowId xmlns:a16="http://schemas.microsoft.com/office/drawing/2014/main" val="4247172939"/>
+                    <a16:rowId xmlns:a16="http://schemas.microsoft.com/office/drawing/2014/main" val="1195752527"/>
                   </a:ext>
                 </a:extLst>
               </a:tr>
@@ -5751,7 +5751,7 @@
     </p:spTree>
     <p:extLst>
       <p:ext uri="{BB962C8B-B14F-4D97-AF65-F5344CB8AC3E}">
-        <p14:creationId xmlns:p14="http://schemas.microsoft.com/office/powerpoint/2010/main" val="2554907100"/>
+        <p14:creationId xmlns:p14="http://schemas.microsoft.com/office/powerpoint/2010/main" val="128016286"/>
       </p:ext>
     </p:extLst>
   </p:cSld>
@@ -5791,7 +5791,7 @@
           <p:cNvPr id="2" name="TextBox 1">
             <a:extLst>
               <a:ext uri="{FF2B5EF4-FFF2-40B4-BE49-F238E27FC236}">
-                <a16:creationId xmlns:a16="http://schemas.microsoft.com/office/drawing/2014/main" id="{32C770C6-5920-3919-ADCA-F1A86526A4E6}"/>
+                <a16:creationId xmlns:a16="http://schemas.microsoft.com/office/drawing/2014/main" id="{2E7D5396-C94C-6C80-EAE8-97976B2D9F5D}"/>
               </a:ext>
             </a:extLst>
           </p:cNvPr>
@@ -5827,7 +5827,7 @@
           <p:cNvPr id="3" name="표 2">
             <a:extLst>
               <a:ext uri="{FF2B5EF4-FFF2-40B4-BE49-F238E27FC236}">
-                <a16:creationId xmlns:a16="http://schemas.microsoft.com/office/drawing/2014/main" id="{10FA27A3-2CEF-33F9-0C7D-D91D5BC8FF69}"/>
+                <a16:creationId xmlns:a16="http://schemas.microsoft.com/office/drawing/2014/main" id="{AE892F5E-007C-CE45-4533-D03F37969329}"/>
               </a:ext>
             </a:extLst>
           </p:cNvPr>
@@ -5837,7 +5837,7 @@
           <p:nvPr>
             <p:extLst>
               <p:ext uri="{D42A27DB-BD31-4B8C-83A1-F6EECF244321}">
-                <p14:modId xmlns:p14="http://schemas.microsoft.com/office/powerpoint/2010/main" val="523931058"/>
+                <p14:modId xmlns:p14="http://schemas.microsoft.com/office/powerpoint/2010/main" val="2279115140"/>
               </p:ext>
             </p:extLst>
           </p:nvPr>
@@ -5856,56 +5856,56 @@
                 <a:gridCol w="929027">
                   <a:extLst>
                     <a:ext uri="{9D8B030D-6E8A-4147-A177-3AD203B41FA5}">
-                      <a16:colId xmlns:a16="http://schemas.microsoft.com/office/drawing/2014/main" val="3177726504"/>
+                      <a16:colId xmlns:a16="http://schemas.microsoft.com/office/drawing/2014/main" val="3260637203"/>
                     </a:ext>
                   </a:extLst>
                 </a:gridCol>
                 <a:gridCol w="1486444">
                   <a:extLst>
                     <a:ext uri="{9D8B030D-6E8A-4147-A177-3AD203B41FA5}">
-                      <a16:colId xmlns:a16="http://schemas.microsoft.com/office/drawing/2014/main" val="3765224703"/>
+                      <a16:colId xmlns:a16="http://schemas.microsoft.com/office/drawing/2014/main" val="2394872934"/>
                     </a:ext>
                   </a:extLst>
                 </a:gridCol>
                 <a:gridCol w="2183214">
                   <a:extLst>
                     <a:ext uri="{9D8B030D-6E8A-4147-A177-3AD203B41FA5}">
-                      <a16:colId xmlns:a16="http://schemas.microsoft.com/office/drawing/2014/main" val="3863927750"/>
+                      <a16:colId xmlns:a16="http://schemas.microsoft.com/office/drawing/2014/main" val="195187888"/>
                     </a:ext>
                   </a:extLst>
                 </a:gridCol>
                 <a:gridCol w="1486444">
                   <a:extLst>
                     <a:ext uri="{9D8B030D-6E8A-4147-A177-3AD203B41FA5}">
-                      <a16:colId xmlns:a16="http://schemas.microsoft.com/office/drawing/2014/main" val="3778163634"/>
+                      <a16:colId xmlns:a16="http://schemas.microsoft.com/office/drawing/2014/main" val="1382705987"/>
                     </a:ext>
                   </a:extLst>
                 </a:gridCol>
                 <a:gridCol w="2183214">
                   <a:extLst>
                     <a:ext uri="{9D8B030D-6E8A-4147-A177-3AD203B41FA5}">
-                      <a16:colId xmlns:a16="http://schemas.microsoft.com/office/drawing/2014/main" val="316298305"/>
+                      <a16:colId xmlns:a16="http://schemas.microsoft.com/office/drawing/2014/main" val="3126313478"/>
                     </a:ext>
                   </a:extLst>
                 </a:gridCol>
                 <a:gridCol w="2183214">
                   <a:extLst>
                     <a:ext uri="{9D8B030D-6E8A-4147-A177-3AD203B41FA5}">
-                      <a16:colId xmlns:a16="http://schemas.microsoft.com/office/drawing/2014/main" val="2052385086"/>
+                      <a16:colId xmlns:a16="http://schemas.microsoft.com/office/drawing/2014/main" val="898318538"/>
                     </a:ext>
                   </a:extLst>
                 </a:gridCol>
                 <a:gridCol w="743222">
                   <a:extLst>
                     <a:ext uri="{9D8B030D-6E8A-4147-A177-3AD203B41FA5}">
-                      <a16:colId xmlns:a16="http://schemas.microsoft.com/office/drawing/2014/main" val="1007259187"/>
+                      <a16:colId xmlns:a16="http://schemas.microsoft.com/office/drawing/2014/main" val="869107373"/>
                     </a:ext>
                   </a:extLst>
                 </a:gridCol>
                 <a:gridCol w="743222">
                   <a:extLst>
                     <a:ext uri="{9D8B030D-6E8A-4147-A177-3AD203B41FA5}">
-                      <a16:colId xmlns:a16="http://schemas.microsoft.com/office/drawing/2014/main" val="3514391405"/>
+                      <a16:colId xmlns:a16="http://schemas.microsoft.com/office/drawing/2014/main" val="3421283184"/>
                     </a:ext>
                   </a:extLst>
                 </a:gridCol>
@@ -6036,7 +6036,7 @@
                 </a:tc>
                 <a:extLst>
                   <a:ext uri="{0D108BD9-81ED-4DB2-BD59-A6C34878D82A}">
-                    <a16:rowId xmlns:a16="http://schemas.microsoft.com/office/drawing/2014/main" val="3255066100"/>
+                    <a16:rowId xmlns:a16="http://schemas.microsoft.com/office/drawing/2014/main" val="4126950419"/>
                   </a:ext>
                 </a:extLst>
               </a:tr>
@@ -6154,7 +6154,7 @@
                 </a:tc>
                 <a:extLst>
                   <a:ext uri="{0D108BD9-81ED-4DB2-BD59-A6C34878D82A}">
-                    <a16:rowId xmlns:a16="http://schemas.microsoft.com/office/drawing/2014/main" val="3911611270"/>
+                    <a16:rowId xmlns:a16="http://schemas.microsoft.com/office/drawing/2014/main" val="2853887556"/>
                   </a:ext>
                 </a:extLst>
               </a:tr>
@@ -6272,7 +6272,7 @@
                 </a:tc>
                 <a:extLst>
                   <a:ext uri="{0D108BD9-81ED-4DB2-BD59-A6C34878D82A}">
-                    <a16:rowId xmlns:a16="http://schemas.microsoft.com/office/drawing/2014/main" val="651666807"/>
+                    <a16:rowId xmlns:a16="http://schemas.microsoft.com/office/drawing/2014/main" val="3371962835"/>
                   </a:ext>
                 </a:extLst>
               </a:tr>
@@ -6390,7 +6390,7 @@
                 </a:tc>
                 <a:extLst>
                   <a:ext uri="{0D108BD9-81ED-4DB2-BD59-A6C34878D82A}">
-                    <a16:rowId xmlns:a16="http://schemas.microsoft.com/office/drawing/2014/main" val="887154790"/>
+                    <a16:rowId xmlns:a16="http://schemas.microsoft.com/office/drawing/2014/main" val="3033578687"/>
                   </a:ext>
                 </a:extLst>
               </a:tr>
@@ -6504,7 +6504,7 @@
                 </a:tc>
                 <a:extLst>
                   <a:ext uri="{0D108BD9-81ED-4DB2-BD59-A6C34878D82A}">
-                    <a16:rowId xmlns:a16="http://schemas.microsoft.com/office/drawing/2014/main" val="737180522"/>
+                    <a16:rowId xmlns:a16="http://schemas.microsoft.com/office/drawing/2014/main" val="2510182180"/>
                   </a:ext>
                 </a:extLst>
               </a:tr>
@@ -6515,7 +6515,7 @@
     </p:spTree>
     <p:extLst>
       <p:ext uri="{BB962C8B-B14F-4D97-AF65-F5344CB8AC3E}">
-        <p14:creationId xmlns:p14="http://schemas.microsoft.com/office/powerpoint/2010/main" val="1837721200"/>
+        <p14:creationId xmlns:p14="http://schemas.microsoft.com/office/powerpoint/2010/main" val="913710528"/>
       </p:ext>
     </p:extLst>
   </p:cSld>
@@ -6793,7 +6793,7 @@
             </a:r>
             <a:r>
               <a:rPr lang="en-US" altLang="ko-KR" sz="1200" dirty="0"/>
-              <a:t>RUN</a:t>
+              <a:t>START</a:t>
             </a:r>
             <a:r>
               <a:rPr lang="en-US" altLang="ko-KR" sz="1200" dirty="0">
@@ -6920,7 +6920,7 @@
             <a:pPr algn="ctr"/>
             <a:r>
               <a:rPr lang="en-US" altLang="ko-KR" sz="1200" dirty="0"/>
-              <a:t>RUN</a:t>
+              <a:t>Buffer2</a:t>
             </a:r>
             <a:endParaRPr lang="ko-KR" altLang="en-US" sz="1200" dirty="0"/>
           </a:p>
@@ -7010,111 +7010,6 @@
             <a:prstDash val="solid"/>
             <a:round/>
             <a:headEnd type="none" w="med" len="med"/>
-            <a:tailEnd type="triangle" w="med" len="med"/>
-          </a:ln>
-        </p:spPr>
-        <p:style>
-          <a:lnRef idx="0">
-            <a:scrgbClr r="0" g="0" b="0"/>
-          </a:lnRef>
-          <a:fillRef idx="0">
-            <a:scrgbClr r="0" g="0" b="0"/>
-          </a:fillRef>
-          <a:effectRef idx="0">
-            <a:scrgbClr r="0" g="0" b="0"/>
-          </a:effectRef>
-          <a:fontRef idx="minor">
-            <a:schemeClr val="tx1"/>
-          </a:fontRef>
-        </p:style>
-      </p:cxnSp>
-      <p:sp>
-        <p:nvSpPr>
-          <p:cNvPr id="76" name="직사각형 75">
-            <a:extLst>
-              <a:ext uri="{FF2B5EF4-FFF2-40B4-BE49-F238E27FC236}">
-                <a16:creationId xmlns:a16="http://schemas.microsoft.com/office/drawing/2014/main" id="{1EAFF3B1-FA23-7C44-4A9C-F885C01354D0}"/>
-              </a:ext>
-            </a:extLst>
-          </p:cNvPr>
-          <p:cNvSpPr/>
-          <p:nvPr/>
-        </p:nvSpPr>
-        <p:spPr>
-          <a:xfrm flipH="1">
-            <a:off x="221638" y="3390068"/>
-            <a:ext cx="1114433" cy="529248"/>
-          </a:xfrm>
-          <a:prstGeom prst="rect">
-            <a:avLst/>
-          </a:prstGeom>
-          <a:solidFill>
-            <a:schemeClr val="accent4">
-              <a:alpha val="50000"/>
-            </a:schemeClr>
-          </a:solidFill>
-          <a:ln>
-            <a:noFill/>
-          </a:ln>
-        </p:spPr>
-        <p:style>
-          <a:lnRef idx="0">
-            <a:scrgbClr r="0" g="0" b="0"/>
-          </a:lnRef>
-          <a:fillRef idx="0">
-            <a:scrgbClr r="0" g="0" b="0"/>
-          </a:fillRef>
-          <a:effectRef idx="0">
-            <a:scrgbClr r="0" g="0" b="0"/>
-          </a:effectRef>
-          <a:fontRef idx="minor">
-            <a:schemeClr val="lt1"/>
-          </a:fontRef>
-        </p:style>
-        <p:txBody>
-          <a:bodyPr rtlCol="0" anchor="ctr"/>
-          <a:lstStyle/>
-          <a:p>
-            <a:pPr algn="ctr"/>
-            <a:r>
-              <a:rPr lang="en-US" altLang="ko-KR" sz="1200" dirty="0"/>
-              <a:t>START</a:t>
-            </a:r>
-            <a:endParaRPr lang="ko-KR" altLang="en-US" sz="1200" dirty="0"/>
-          </a:p>
-        </p:txBody>
-      </p:sp>
-      <p:cxnSp>
-        <p:nvCxnSpPr>
-          <p:cNvPr id="80" name="직선 화살표 연결선 79">
-            <a:extLst>
-              <a:ext uri="{FF2B5EF4-FFF2-40B4-BE49-F238E27FC236}">
-                <a16:creationId xmlns:a16="http://schemas.microsoft.com/office/drawing/2014/main" id="{B19FB684-E0C7-324E-A2A6-6160F229B474}"/>
-              </a:ext>
-            </a:extLst>
-          </p:cNvPr>
-          <p:cNvCxnSpPr>
-            <a:cxnSpLocks/>
-            <a:stCxn id="76" idx="1"/>
-            <a:endCxn id="87" idx="3"/>
-          </p:cNvCxnSpPr>
-          <p:nvPr/>
-        </p:nvCxnSpPr>
-        <p:spPr>
-          <a:xfrm>
-            <a:off x="1336071" y="3654692"/>
-            <a:ext cx="628185" cy="1"/>
-          </a:xfrm>
-          <a:prstGeom prst="straightConnector1">
-            <a:avLst/>
-          </a:prstGeom>
-          <a:ln w="28575" cap="flat" cmpd="sng" algn="ctr">
-            <a:solidFill>
-              <a:schemeClr val="accent2"/>
-            </a:solidFill>
-            <a:prstDash val="solid"/>
-            <a:round/>
-            <a:headEnd type="diamond" w="med" len="med"/>
             <a:tailEnd type="triangle" w="med" len="med"/>
           </a:ln>
         </p:spPr>
@@ -7264,10 +7159,10 @@
       </p:pic>
       <p:grpSp>
         <p:nvGrpSpPr>
-          <p:cNvPr id="22" name="그룹 21">
+          <p:cNvPr id="11" name="그룹 10">
             <a:extLst>
               <a:ext uri="{FF2B5EF4-FFF2-40B4-BE49-F238E27FC236}">
-                <a16:creationId xmlns:a16="http://schemas.microsoft.com/office/drawing/2014/main" id="{745A0EE6-478A-5A97-7D63-105D4FA5FD25}"/>
+                <a16:creationId xmlns:a16="http://schemas.microsoft.com/office/drawing/2014/main" id="{5FFBCA99-209D-E6E9-82D4-E719BD0176DA}"/>
               </a:ext>
             </a:extLst>
           </p:cNvPr>
@@ -7407,7 +7302,7 @@
               <a:pPr algn="ctr"/>
               <a:r>
                 <a:rPr lang="en-US" altLang="ko-KR" sz="800" dirty="0"/>
-                <a:t>RUN</a:t>
+                <a:t>START</a:t>
               </a:r>
               <a:endParaRPr lang="ko-KR" altLang="en-US" sz="700" dirty="0"/>
             </a:p>
@@ -7586,100 +7481,6 @@
           </a:p>
         </p:txBody>
       </p:sp>
-      <p:cxnSp>
-        <p:nvCxnSpPr>
-          <p:cNvPr id="58" name="연결선: 꺾임 57">
-            <a:extLst>
-              <a:ext uri="{FF2B5EF4-FFF2-40B4-BE49-F238E27FC236}">
-                <a16:creationId xmlns:a16="http://schemas.microsoft.com/office/drawing/2014/main" id="{1B16DE80-FA77-22BF-961A-96211E75D0D4}"/>
-              </a:ext>
-            </a:extLst>
-          </p:cNvPr>
-          <p:cNvCxnSpPr>
-            <a:cxnSpLocks/>
-            <a:stCxn id="52" idx="3"/>
-            <a:endCxn id="46" idx="1"/>
-          </p:cNvCxnSpPr>
-          <p:nvPr/>
-        </p:nvCxnSpPr>
-        <p:spPr>
-          <a:xfrm>
-            <a:off x="4889843" y="3647766"/>
-            <a:ext cx="491976" cy="12700"/>
-          </a:xfrm>
-          <a:prstGeom prst="bentConnector3">
-            <a:avLst>
-              <a:gd name="adj1" fmla="val 50000"/>
-            </a:avLst>
-          </a:prstGeom>
-          <a:ln w="25400">
-            <a:prstDash val="solid"/>
-            <a:headEnd type="diamond" w="lg" len="lg"/>
-            <a:tailEnd type="triangle" w="lg" len="lg"/>
-          </a:ln>
-        </p:spPr>
-        <p:style>
-          <a:lnRef idx="1">
-            <a:schemeClr val="accent1"/>
-          </a:lnRef>
-          <a:fillRef idx="0">
-            <a:schemeClr val="accent1"/>
-          </a:fillRef>
-          <a:effectRef idx="0">
-            <a:schemeClr val="accent1"/>
-          </a:effectRef>
-          <a:fontRef idx="minor">
-            <a:schemeClr val="tx1"/>
-          </a:fontRef>
-        </p:style>
-      </p:cxnSp>
-      <p:cxnSp>
-        <p:nvCxnSpPr>
-          <p:cNvPr id="64" name="연결선: 꺾임 63">
-            <a:extLst>
-              <a:ext uri="{FF2B5EF4-FFF2-40B4-BE49-F238E27FC236}">
-                <a16:creationId xmlns:a16="http://schemas.microsoft.com/office/drawing/2014/main" id="{0539AECF-4F20-2808-BCA2-DEA0F83099A4}"/>
-              </a:ext>
-            </a:extLst>
-          </p:cNvPr>
-          <p:cNvCxnSpPr>
-            <a:cxnSpLocks/>
-            <a:stCxn id="52" idx="0"/>
-            <a:endCxn id="46" idx="0"/>
-          </p:cNvCxnSpPr>
-          <p:nvPr/>
-        </p:nvCxnSpPr>
-        <p:spPr>
-          <a:xfrm rot="16200000" flipH="1">
-            <a:off x="4998951" y="2606673"/>
-            <a:ext cx="273759" cy="1475428"/>
-          </a:xfrm>
-          <a:prstGeom prst="bentConnector3">
-            <a:avLst>
-              <a:gd name="adj1" fmla="val -83504"/>
-            </a:avLst>
-          </a:prstGeom>
-          <a:ln w="25400">
-            <a:prstDash val="dash"/>
-            <a:headEnd w="lg" len="lg"/>
-            <a:tailEnd type="triangle" w="lg" len="lg"/>
-          </a:ln>
-        </p:spPr>
-        <p:style>
-          <a:lnRef idx="1">
-            <a:schemeClr val="accent1"/>
-          </a:lnRef>
-          <a:fillRef idx="0">
-            <a:schemeClr val="accent1"/>
-          </a:fillRef>
-          <a:effectRef idx="0">
-            <a:schemeClr val="accent1"/>
-          </a:effectRef>
-          <a:fontRef idx="minor">
-            <a:schemeClr val="tx1"/>
-          </a:fontRef>
-        </p:style>
-      </p:cxnSp>
       <p:sp>
         <p:nvSpPr>
           <p:cNvPr id="83" name="사각형: 모서리가 접힌 도형 82">
@@ -7808,10 +7609,10 @@
       </p:sp>
       <p:grpSp>
         <p:nvGrpSpPr>
-          <p:cNvPr id="21" name="그룹 20">
+          <p:cNvPr id="10" name="그룹 9">
             <a:extLst>
               <a:ext uri="{FF2B5EF4-FFF2-40B4-BE49-F238E27FC236}">
-                <a16:creationId xmlns:a16="http://schemas.microsoft.com/office/drawing/2014/main" id="{8C81BC26-E858-FC44-F785-D4FB650AA550}"/>
+                <a16:creationId xmlns:a16="http://schemas.microsoft.com/office/drawing/2014/main" id="{C44CF3CF-241A-CF21-5814-10B2BA751FD9}"/>
               </a:ext>
             </a:extLst>
           </p:cNvPr>
@@ -7989,7 +7790,7 @@
               <a:pPr algn="ctr"/>
               <a:r>
                 <a:rPr lang="en-US" altLang="ko-KR" sz="800" dirty="0"/>
-                <a:t>RUN</a:t>
+                <a:t>START</a:t>
               </a:r>
               <a:endParaRPr lang="ko-KR" altLang="en-US" sz="700" dirty="0"/>
             </a:p>
@@ -7998,10 +7799,10 @@
       </p:grpSp>
       <p:grpSp>
         <p:nvGrpSpPr>
-          <p:cNvPr id="20" name="그룹 19">
+          <p:cNvPr id="9" name="그룹 8">
             <a:extLst>
               <a:ext uri="{FF2B5EF4-FFF2-40B4-BE49-F238E27FC236}">
-                <a16:creationId xmlns:a16="http://schemas.microsoft.com/office/drawing/2014/main" id="{7E84FCFF-2E63-6FDB-BF44-E86B72956AAB}"/>
+                <a16:creationId xmlns:a16="http://schemas.microsoft.com/office/drawing/2014/main" id="{4A8B4519-3F06-1AB8-9357-AA1CE772CE94}"/>
               </a:ext>
             </a:extLst>
           </p:cNvPr>
@@ -8179,7 +7980,7 @@
               <a:pPr algn="ctr"/>
               <a:r>
                 <a:rPr lang="en-US" altLang="ko-KR" sz="800" dirty="0"/>
-                <a:t>RUN</a:t>
+                <a:t>START</a:t>
               </a:r>
               <a:endParaRPr lang="ko-KR" altLang="en-US" sz="700" dirty="0"/>
             </a:p>
@@ -8534,200 +8335,12 @@
           </a:p>
         </p:txBody>
       </p:sp>
-      <p:cxnSp>
-        <p:nvCxnSpPr>
-          <p:cNvPr id="117" name="연결선: 꺾임 116">
+      <p:grpSp>
+        <p:nvGrpSpPr>
+          <p:cNvPr id="8" name="그룹 7">
             <a:extLst>
               <a:ext uri="{FF2B5EF4-FFF2-40B4-BE49-F238E27FC236}">
-                <a16:creationId xmlns:a16="http://schemas.microsoft.com/office/drawing/2014/main" id="{A567FEDA-1192-6C36-DDFA-C2AA75C5BECE}"/>
-              </a:ext>
-            </a:extLst>
-          </p:cNvPr>
-          <p:cNvCxnSpPr>
-            <a:cxnSpLocks/>
-            <a:stCxn id="40" idx="0"/>
-            <a:endCxn id="116" idx="2"/>
-          </p:cNvCxnSpPr>
-          <p:nvPr/>
-        </p:nvCxnSpPr>
-        <p:spPr>
-          <a:xfrm rot="16200000" flipV="1">
-            <a:off x="4977404" y="1101688"/>
-            <a:ext cx="393252" cy="698227"/>
-          </a:xfrm>
-          <a:prstGeom prst="bentConnector3">
-            <a:avLst>
-              <a:gd name="adj1" fmla="val 50000"/>
-            </a:avLst>
-          </a:prstGeom>
-          <a:ln w="25400">
-            <a:prstDash val="solid"/>
-            <a:headEnd type="diamond" w="lg" len="lg"/>
-            <a:tailEnd type="triangle" w="lg" len="lg"/>
-          </a:ln>
-        </p:spPr>
-        <p:style>
-          <a:lnRef idx="1">
-            <a:schemeClr val="accent1"/>
-          </a:lnRef>
-          <a:fillRef idx="0">
-            <a:schemeClr val="accent1"/>
-          </a:fillRef>
-          <a:effectRef idx="0">
-            <a:schemeClr val="accent1"/>
-          </a:effectRef>
-          <a:fontRef idx="minor">
-            <a:schemeClr val="tx1"/>
-          </a:fontRef>
-        </p:style>
-      </p:cxnSp>
-      <p:cxnSp>
-        <p:nvCxnSpPr>
-          <p:cNvPr id="120" name="연결선: 꺾임 119">
-            <a:extLst>
-              <a:ext uri="{FF2B5EF4-FFF2-40B4-BE49-F238E27FC236}">
-                <a16:creationId xmlns:a16="http://schemas.microsoft.com/office/drawing/2014/main" id="{3198009E-287F-0E49-1D37-4EC3FDAE237C}"/>
-              </a:ext>
-            </a:extLst>
-          </p:cNvPr>
-          <p:cNvCxnSpPr>
-            <a:cxnSpLocks/>
-            <a:stCxn id="44" idx="1"/>
-            <a:endCxn id="115" idx="1"/>
-          </p:cNvCxnSpPr>
-          <p:nvPr/>
-        </p:nvCxnSpPr>
-        <p:spPr>
-          <a:xfrm rot="10800000" flipV="1">
-            <a:off x="4333190" y="5291734"/>
-            <a:ext cx="12700" cy="896982"/>
-          </a:xfrm>
-          <a:prstGeom prst="bentConnector3">
-            <a:avLst>
-              <a:gd name="adj1" fmla="val 1800000"/>
-            </a:avLst>
-          </a:prstGeom>
-          <a:ln w="25400">
-            <a:prstDash val="dash"/>
-            <a:headEnd w="lg" len="lg"/>
-            <a:tailEnd type="triangle" w="lg" len="lg"/>
-          </a:ln>
-        </p:spPr>
-        <p:style>
-          <a:lnRef idx="1">
-            <a:schemeClr val="accent1"/>
-          </a:lnRef>
-          <a:fillRef idx="0">
-            <a:schemeClr val="accent1"/>
-          </a:fillRef>
-          <a:effectRef idx="0">
-            <a:schemeClr val="accent1"/>
-          </a:effectRef>
-          <a:fontRef idx="minor">
-            <a:schemeClr val="tx1"/>
-          </a:fontRef>
-        </p:style>
-      </p:cxnSp>
-      <p:cxnSp>
-        <p:nvCxnSpPr>
-          <p:cNvPr id="124" name="연결선: 꺾임 123">
-            <a:extLst>
-              <a:ext uri="{FF2B5EF4-FFF2-40B4-BE49-F238E27FC236}">
-                <a16:creationId xmlns:a16="http://schemas.microsoft.com/office/drawing/2014/main" id="{14B3133A-7DBA-9F9B-5C6D-008B2BBBBA89}"/>
-              </a:ext>
-            </a:extLst>
-          </p:cNvPr>
-          <p:cNvCxnSpPr>
-            <a:cxnSpLocks/>
-            <a:stCxn id="44" idx="2"/>
-            <a:endCxn id="115" idx="0"/>
-          </p:cNvCxnSpPr>
-          <p:nvPr/>
-        </p:nvCxnSpPr>
-        <p:spPr>
-          <a:xfrm rot="5400000">
-            <a:off x="4978103" y="5481332"/>
-            <a:ext cx="387699" cy="694071"/>
-          </a:xfrm>
-          <a:prstGeom prst="bentConnector3">
-            <a:avLst>
-              <a:gd name="adj1" fmla="val 50000"/>
-            </a:avLst>
-          </a:prstGeom>
-          <a:ln w="25400">
-            <a:prstDash val="solid"/>
-            <a:headEnd type="diamond" w="lg" len="lg"/>
-            <a:tailEnd type="triangle" w="lg" len="lg"/>
-          </a:ln>
-        </p:spPr>
-        <p:style>
-          <a:lnRef idx="1">
-            <a:schemeClr val="accent1"/>
-          </a:lnRef>
-          <a:fillRef idx="0">
-            <a:schemeClr val="accent1"/>
-          </a:fillRef>
-          <a:effectRef idx="0">
-            <a:schemeClr val="accent1"/>
-          </a:effectRef>
-          <a:fontRef idx="minor">
-            <a:schemeClr val="tx1"/>
-          </a:fontRef>
-        </p:style>
-      </p:cxnSp>
-      <p:cxnSp>
-        <p:nvCxnSpPr>
-          <p:cNvPr id="132" name="연결선: 꺾임 131">
-            <a:extLst>
-              <a:ext uri="{FF2B5EF4-FFF2-40B4-BE49-F238E27FC236}">
-                <a16:creationId xmlns:a16="http://schemas.microsoft.com/office/drawing/2014/main" id="{D739151F-8C13-6133-FDEB-AE545964F2E3}"/>
-              </a:ext>
-            </a:extLst>
-          </p:cNvPr>
-          <p:cNvCxnSpPr>
-            <a:cxnSpLocks/>
-            <a:stCxn id="40" idx="1"/>
-            <a:endCxn id="116" idx="1"/>
-          </p:cNvCxnSpPr>
-          <p:nvPr/>
-        </p:nvCxnSpPr>
-        <p:spPr>
-          <a:xfrm rot="10800000">
-            <a:off x="4333190" y="1087679"/>
-            <a:ext cx="4156" cy="907143"/>
-          </a:xfrm>
-          <a:prstGeom prst="bentConnector3">
-            <a:avLst>
-              <a:gd name="adj1" fmla="val 5600481"/>
-            </a:avLst>
-          </a:prstGeom>
-          <a:ln w="25400">
-            <a:prstDash val="dash"/>
-            <a:headEnd w="lg" len="lg"/>
-            <a:tailEnd type="triangle" w="lg" len="lg"/>
-          </a:ln>
-        </p:spPr>
-        <p:style>
-          <a:lnRef idx="1">
-            <a:schemeClr val="accent1"/>
-          </a:lnRef>
-          <a:fillRef idx="0">
-            <a:schemeClr val="accent1"/>
-          </a:fillRef>
-          <a:effectRef idx="0">
-            <a:schemeClr val="accent1"/>
-          </a:effectRef>
-          <a:fontRef idx="minor">
-            <a:schemeClr val="tx1"/>
-          </a:fontRef>
-        </p:style>
-      </p:cxnSp>
-      <p:grpSp>
-        <p:nvGrpSpPr>
-          <p:cNvPr id="18" name="그룹 17">
-            <a:extLst>
-              <a:ext uri="{FF2B5EF4-FFF2-40B4-BE49-F238E27FC236}">
-                <a16:creationId xmlns:a16="http://schemas.microsoft.com/office/drawing/2014/main" id="{2229CFC9-617E-60D2-0065-52B5F125BDD9}"/>
+                <a16:creationId xmlns:a16="http://schemas.microsoft.com/office/drawing/2014/main" id="{3D31CB90-0A43-573A-27C2-1C2372B58ADF}"/>
               </a:ext>
             </a:extLst>
           </p:cNvPr>
@@ -8809,7 +8422,7 @@
                 <a:defRPr/>
               </a:pPr>
               <a:r>
-                <a:rPr kumimoji="0" lang="en-US" altLang="ko-KR" sz="1050" b="0" i="0" u="none" strike="noStrike" kern="1200" cap="none" spc="0" normalizeH="0" baseline="0" noProof="0" dirty="0">
+                <a:rPr kumimoji="0" lang="en-US" altLang="ko-KR" sz="1100" b="0" i="0" u="none" strike="noStrike" kern="1200" cap="none" spc="0" normalizeH="0" baseline="0" noProof="0" dirty="0">
                   <a:ln>
                     <a:noFill/>
                   </a:ln>
@@ -8825,7 +8438,7 @@
                 </a:rPr>
                 <a:t>BB</a:t>
               </a:r>
-              <a:endParaRPr kumimoji="0" lang="ko-KR" altLang="en-US" sz="1050" b="0" i="0" u="none" strike="noStrike" kern="1200" cap="none" spc="0" normalizeH="0" baseline="0" noProof="0" dirty="0">
+              <a:endParaRPr kumimoji="0" lang="ko-KR" altLang="en-US" sz="1100" b="0" i="0" u="none" strike="noStrike" kern="1200" cap="none" spc="0" normalizeH="0" baseline="0" noProof="0" dirty="0">
                 <a:ln>
                   <a:noFill/>
                 </a:ln>
@@ -8856,8 +8469,8 @@
           </p:nvSpPr>
           <p:spPr>
             <a:xfrm flipH="1">
-              <a:off x="9080099" y="3568457"/>
-              <a:ext cx="772203" cy="491614"/>
+              <a:off x="9080098" y="3568457"/>
+              <a:ext cx="1056882" cy="491614"/>
             </a:xfrm>
             <a:prstGeom prst="ellipse">
               <a:avLst/>
@@ -8893,21 +8506,34 @@
             <a:p>
               <a:pPr algn="ctr"/>
               <a:r>
-                <a:rPr lang="en-US" altLang="ko-KR" sz="800" dirty="0"/>
+                <a:rPr lang="en-US" altLang="ko-KR" sz="900" dirty="0"/>
                 <a:t>Floor</a:t>
               </a:r>
               <a:r>
-                <a:rPr lang="en-US" altLang="ko-KR" sz="700" dirty="0"/>
+                <a:rPr lang="en-US" altLang="ko-KR" sz="800" dirty="0"/>
                 <a:t>.</a:t>
               </a:r>
             </a:p>
             <a:p>
               <a:pPr algn="ctr"/>
               <a:r>
-                <a:rPr lang="en-US" altLang="ko-KR" sz="800" dirty="0"/>
-                <a:t>CLEAR</a:t>
+                <a:rPr kumimoji="0" lang="en-US" altLang="ko-KR" sz="900" b="0" i="0" u="none" strike="noStrike" kern="1200" cap="none" spc="0" normalizeH="0" baseline="0" noProof="0" dirty="0">
+                  <a:ln>
+                    <a:noFill/>
+                  </a:ln>
+                  <a:solidFill>
+                    <a:prstClr val="white"/>
+                  </a:solidFill>
+                  <a:effectLst/>
+                  <a:uLnTx/>
+                  <a:uFillTx/>
+                  <a:latin typeface="맑은 고딕"/>
+                  <a:ea typeface="+mn-ea"/>
+                  <a:cs typeface="+mn-cs"/>
+                </a:rPr>
+                <a:t>UNLOAD</a:t>
               </a:r>
-              <a:endParaRPr lang="ko-KR" altLang="en-US" sz="700" dirty="0"/>
+              <a:endParaRPr lang="ko-KR" altLang="en-US" sz="800" dirty="0"/>
             </a:p>
           </p:txBody>
         </p:sp>
@@ -8962,21 +8588,34 @@
             <a:p>
               <a:pPr algn="ctr"/>
               <a:r>
-                <a:rPr lang="en-US" altLang="ko-KR" sz="800" dirty="0"/>
+                <a:rPr lang="en-US" altLang="ko-KR" sz="900" dirty="0"/>
                 <a:t>SIDE_LH</a:t>
               </a:r>
               <a:r>
-                <a:rPr lang="en-US" altLang="ko-KR" sz="700" dirty="0"/>
+                <a:rPr lang="en-US" altLang="ko-KR" sz="800" dirty="0"/>
                 <a:t>.</a:t>
               </a:r>
             </a:p>
             <a:p>
               <a:pPr algn="ctr"/>
               <a:r>
-                <a:rPr lang="en-US" altLang="ko-KR" sz="800" dirty="0"/>
-                <a:t>CLEAR</a:t>
+                <a:rPr kumimoji="0" lang="en-US" altLang="ko-KR" sz="900" b="0" i="0" u="none" strike="noStrike" kern="1200" cap="none" spc="0" normalizeH="0" baseline="0" noProof="0" dirty="0">
+                  <a:ln>
+                    <a:noFill/>
+                  </a:ln>
+                  <a:solidFill>
+                    <a:prstClr val="white"/>
+                  </a:solidFill>
+                  <a:effectLst/>
+                  <a:uLnTx/>
+                  <a:uFillTx/>
+                  <a:latin typeface="맑은 고딕"/>
+                  <a:ea typeface="+mn-ea"/>
+                  <a:cs typeface="+mn-cs"/>
+                </a:rPr>
+                <a:t>UNLOAD</a:t>
               </a:r>
-              <a:endParaRPr lang="ko-KR" altLang="en-US" sz="700" dirty="0"/>
+              <a:endParaRPr lang="ko-KR" altLang="en-US" sz="800" dirty="0"/>
             </a:p>
           </p:txBody>
         </p:sp>
@@ -9031,25 +8670,375 @@
             <a:p>
               <a:pPr algn="ctr"/>
               <a:r>
-                <a:rPr lang="en-US" altLang="ko-KR" sz="800" dirty="0"/>
+                <a:rPr lang="en-US" altLang="ko-KR" sz="900" dirty="0"/>
                 <a:t>SIDE_RH</a:t>
               </a:r>
               <a:r>
-                <a:rPr lang="en-US" altLang="ko-KR" sz="700" dirty="0"/>
+                <a:rPr lang="en-US" altLang="ko-KR" sz="800" dirty="0"/>
                 <a:t>.</a:t>
               </a:r>
             </a:p>
             <a:p>
               <a:pPr algn="ctr"/>
               <a:r>
-                <a:rPr lang="en-US" altLang="ko-KR" sz="800" dirty="0"/>
-                <a:t>CLEAR</a:t>
+                <a:rPr kumimoji="0" lang="en-US" altLang="ko-KR" sz="900" b="0" i="0" u="none" strike="noStrike" kern="1200" cap="none" spc="0" normalizeH="0" baseline="0" noProof="0" dirty="0">
+                  <a:ln>
+                    <a:noFill/>
+                  </a:ln>
+                  <a:solidFill>
+                    <a:prstClr val="white"/>
+                  </a:solidFill>
+                  <a:effectLst/>
+                  <a:uLnTx/>
+                  <a:uFillTx/>
+                  <a:latin typeface="맑은 고딕"/>
+                  <a:ea typeface="+mn-ea"/>
+                  <a:cs typeface="+mn-cs"/>
+                </a:rPr>
+                <a:t>UNLOAD</a:t>
               </a:r>
-              <a:endParaRPr lang="ko-KR" altLang="en-US" sz="700" dirty="0"/>
+              <a:endParaRPr lang="ko-KR" altLang="en-US" sz="800" dirty="0"/>
             </a:p>
           </p:txBody>
         </p:sp>
       </p:grpSp>
+      <p:cxnSp>
+        <p:nvCxnSpPr>
+          <p:cNvPr id="36" name="연결선: 꺾임 35">
+            <a:extLst>
+              <a:ext uri="{FF2B5EF4-FFF2-40B4-BE49-F238E27FC236}">
+                <a16:creationId xmlns:a16="http://schemas.microsoft.com/office/drawing/2014/main" id="{9D1A4FB2-94AB-1185-CE45-F1F7F3099987}"/>
+              </a:ext>
+            </a:extLst>
+          </p:cNvPr>
+          <p:cNvCxnSpPr>
+            <a:cxnSpLocks/>
+            <a:stCxn id="116" idx="3"/>
+            <a:endCxn id="40" idx="0"/>
+          </p:cNvCxnSpPr>
+          <p:nvPr/>
+        </p:nvCxnSpPr>
+        <p:spPr>
+          <a:xfrm>
+            <a:off x="5316642" y="1087678"/>
+            <a:ext cx="206501" cy="559750"/>
+          </a:xfrm>
+          <a:prstGeom prst="bentConnector2">
+            <a:avLst/>
+          </a:prstGeom>
+          <a:ln w="25400">
+            <a:prstDash val="dash"/>
+            <a:headEnd type="triangle" w="lg" len="lg"/>
+            <a:tailEnd type="diamond" w="lg" len="lg"/>
+          </a:ln>
+        </p:spPr>
+        <p:style>
+          <a:lnRef idx="1">
+            <a:schemeClr val="accent1"/>
+          </a:lnRef>
+          <a:fillRef idx="0">
+            <a:schemeClr val="accent1"/>
+          </a:fillRef>
+          <a:effectRef idx="0">
+            <a:schemeClr val="accent1"/>
+          </a:effectRef>
+          <a:fontRef idx="minor">
+            <a:schemeClr val="tx1"/>
+          </a:fontRef>
+        </p:style>
+      </p:cxnSp>
+      <p:cxnSp>
+        <p:nvCxnSpPr>
+          <p:cNvPr id="37" name="직선 화살표 연결선 36">
+            <a:extLst>
+              <a:ext uri="{FF2B5EF4-FFF2-40B4-BE49-F238E27FC236}">
+                <a16:creationId xmlns:a16="http://schemas.microsoft.com/office/drawing/2014/main" id="{9F284F27-B743-315F-8E0A-F4F7302AC516}"/>
+              </a:ext>
+            </a:extLst>
+          </p:cNvPr>
+          <p:cNvCxnSpPr>
+            <a:cxnSpLocks/>
+            <a:stCxn id="52" idx="3"/>
+            <a:endCxn id="46" idx="1"/>
+          </p:cNvCxnSpPr>
+          <p:nvPr/>
+        </p:nvCxnSpPr>
+        <p:spPr>
+          <a:xfrm>
+            <a:off x="4889843" y="3647766"/>
+            <a:ext cx="491976" cy="0"/>
+          </a:xfrm>
+          <a:prstGeom prst="straightConnector1">
+            <a:avLst/>
+          </a:prstGeom>
+          <a:ln w="25400">
+            <a:prstDash val="dash"/>
+            <a:headEnd type="diamond" w="lg" len="lg"/>
+            <a:tailEnd type="triangle" w="lg" len="lg"/>
+          </a:ln>
+        </p:spPr>
+        <p:style>
+          <a:lnRef idx="1">
+            <a:schemeClr val="accent1"/>
+          </a:lnRef>
+          <a:fillRef idx="0">
+            <a:schemeClr val="accent1"/>
+          </a:fillRef>
+          <a:effectRef idx="0">
+            <a:schemeClr val="accent1"/>
+          </a:effectRef>
+          <a:fontRef idx="minor">
+            <a:schemeClr val="tx1"/>
+          </a:fontRef>
+        </p:style>
+      </p:cxnSp>
+      <p:cxnSp>
+        <p:nvCxnSpPr>
+          <p:cNvPr id="38" name="연결선: 꺾임 37">
+            <a:extLst>
+              <a:ext uri="{FF2B5EF4-FFF2-40B4-BE49-F238E27FC236}">
+                <a16:creationId xmlns:a16="http://schemas.microsoft.com/office/drawing/2014/main" id="{B7E997DB-1736-082C-462E-E894DB73200C}"/>
+              </a:ext>
+            </a:extLst>
+          </p:cNvPr>
+          <p:cNvCxnSpPr>
+            <a:cxnSpLocks/>
+            <a:stCxn id="115" idx="3"/>
+            <a:endCxn id="44" idx="2"/>
+          </p:cNvCxnSpPr>
+          <p:nvPr/>
+        </p:nvCxnSpPr>
+        <p:spPr>
+          <a:xfrm flipV="1">
+            <a:off x="5316642" y="5634518"/>
+            <a:ext cx="202345" cy="554198"/>
+          </a:xfrm>
+          <a:prstGeom prst="bentConnector2">
+            <a:avLst/>
+          </a:prstGeom>
+          <a:ln w="25400">
+            <a:prstDash val="dash"/>
+            <a:headEnd type="triangle" w="lg" len="lg"/>
+            <a:tailEnd type="diamond" w="lg" len="lg"/>
+          </a:ln>
+        </p:spPr>
+        <p:style>
+          <a:lnRef idx="1">
+            <a:schemeClr val="accent1"/>
+          </a:lnRef>
+          <a:fillRef idx="0">
+            <a:schemeClr val="accent1"/>
+          </a:fillRef>
+          <a:effectRef idx="0">
+            <a:schemeClr val="accent1"/>
+          </a:effectRef>
+          <a:fontRef idx="minor">
+            <a:schemeClr val="tx1"/>
+          </a:fontRef>
+        </p:style>
+      </p:cxnSp>
+      <p:sp>
+        <p:nvSpPr>
+          <p:cNvPr id="72" name="직사각형 71">
+            <a:extLst>
+              <a:ext uri="{FF2B5EF4-FFF2-40B4-BE49-F238E27FC236}">
+                <a16:creationId xmlns:a16="http://schemas.microsoft.com/office/drawing/2014/main" id="{79987411-E412-87A0-6720-C15E60ADA97E}"/>
+              </a:ext>
+            </a:extLst>
+          </p:cNvPr>
+          <p:cNvSpPr/>
+          <p:nvPr/>
+        </p:nvSpPr>
+        <p:spPr>
+          <a:xfrm flipH="1">
+            <a:off x="1300294" y="2561511"/>
+            <a:ext cx="1148860" cy="529248"/>
+          </a:xfrm>
+          <a:prstGeom prst="rect">
+            <a:avLst/>
+          </a:prstGeom>
+          <a:solidFill>
+            <a:schemeClr val="accent4">
+              <a:alpha val="50000"/>
+            </a:schemeClr>
+          </a:solidFill>
+          <a:ln>
+            <a:noFill/>
+          </a:ln>
+        </p:spPr>
+        <p:style>
+          <a:lnRef idx="0">
+            <a:scrgbClr r="0" g="0" b="0"/>
+          </a:lnRef>
+          <a:fillRef idx="0">
+            <a:scrgbClr r="0" g="0" b="0"/>
+          </a:fillRef>
+          <a:effectRef idx="0">
+            <a:scrgbClr r="0" g="0" b="0"/>
+          </a:effectRef>
+          <a:fontRef idx="minor">
+            <a:schemeClr val="lt1"/>
+          </a:fontRef>
+        </p:style>
+        <p:txBody>
+          <a:bodyPr rtlCol="0" anchor="ctr"/>
+          <a:lstStyle/>
+          <a:p>
+            <a:pPr algn="ctr"/>
+            <a:r>
+              <a:rPr lang="en-US" altLang="ko-KR" sz="1200" dirty="0"/>
+              <a:t>Buffer1</a:t>
+            </a:r>
+            <a:endParaRPr lang="ko-KR" altLang="en-US" sz="1200" dirty="0"/>
+          </a:p>
+        </p:txBody>
+      </p:sp>
+      <p:sp>
+        <p:nvSpPr>
+          <p:cNvPr id="73" name="직사각형 72">
+            <a:extLst>
+              <a:ext uri="{FF2B5EF4-FFF2-40B4-BE49-F238E27FC236}">
+                <a16:creationId xmlns:a16="http://schemas.microsoft.com/office/drawing/2014/main" id="{DA5E7EFF-608B-D1D4-3FF1-9DEB8E1F898C}"/>
+              </a:ext>
+            </a:extLst>
+          </p:cNvPr>
+          <p:cNvSpPr/>
+          <p:nvPr/>
+        </p:nvSpPr>
+        <p:spPr>
+          <a:xfrm flipH="1">
+            <a:off x="584802" y="1663219"/>
+            <a:ext cx="1148860" cy="529248"/>
+          </a:xfrm>
+          <a:prstGeom prst="rect">
+            <a:avLst/>
+          </a:prstGeom>
+          <a:solidFill>
+            <a:schemeClr val="accent4">
+              <a:alpha val="50000"/>
+            </a:schemeClr>
+          </a:solidFill>
+          <a:ln>
+            <a:noFill/>
+          </a:ln>
+        </p:spPr>
+        <p:style>
+          <a:lnRef idx="0">
+            <a:scrgbClr r="0" g="0" b="0"/>
+          </a:lnRef>
+          <a:fillRef idx="0">
+            <a:scrgbClr r="0" g="0" b="0"/>
+          </a:fillRef>
+          <a:effectRef idx="0">
+            <a:scrgbClr r="0" g="0" b="0"/>
+          </a:effectRef>
+          <a:fontRef idx="minor">
+            <a:schemeClr val="lt1"/>
+          </a:fontRef>
+        </p:style>
+        <p:txBody>
+          <a:bodyPr rtlCol="0" anchor="ctr"/>
+          <a:lstStyle/>
+          <a:p>
+            <a:pPr algn="ctr"/>
+            <a:r>
+              <a:rPr lang="en-US" altLang="ko-KR" sz="1200" dirty="0"/>
+              <a:t>START</a:t>
+            </a:r>
+            <a:endParaRPr lang="ko-KR" altLang="en-US" sz="1200" dirty="0"/>
+          </a:p>
+        </p:txBody>
+      </p:sp>
+      <p:cxnSp>
+        <p:nvCxnSpPr>
+          <p:cNvPr id="74" name="연결선: 꺾임 73">
+            <a:extLst>
+              <a:ext uri="{FF2B5EF4-FFF2-40B4-BE49-F238E27FC236}">
+                <a16:creationId xmlns:a16="http://schemas.microsoft.com/office/drawing/2014/main" id="{BEB1933B-E321-7872-F7ED-3C7B8E37B2E2}"/>
+              </a:ext>
+            </a:extLst>
+          </p:cNvPr>
+          <p:cNvCxnSpPr>
+            <a:cxnSpLocks/>
+            <a:stCxn id="73" idx="1"/>
+            <a:endCxn id="72" idx="0"/>
+          </p:cNvCxnSpPr>
+          <p:nvPr/>
+        </p:nvCxnSpPr>
+        <p:spPr>
+          <a:xfrm>
+            <a:off x="1733662" y="1927843"/>
+            <a:ext cx="141062" cy="633668"/>
+          </a:xfrm>
+          <a:prstGeom prst="bentConnector2">
+            <a:avLst/>
+          </a:prstGeom>
+          <a:ln w="25400">
+            <a:prstDash val="solid"/>
+            <a:headEnd type="diamond" w="lg" len="lg"/>
+            <a:tailEnd type="triangle" w="lg" len="lg"/>
+          </a:ln>
+        </p:spPr>
+        <p:style>
+          <a:lnRef idx="1">
+            <a:schemeClr val="accent1"/>
+          </a:lnRef>
+          <a:fillRef idx="0">
+            <a:schemeClr val="accent1"/>
+          </a:fillRef>
+          <a:effectRef idx="0">
+            <a:schemeClr val="accent1"/>
+          </a:effectRef>
+          <a:fontRef idx="minor">
+            <a:schemeClr val="tx1"/>
+          </a:fontRef>
+        </p:style>
+      </p:cxnSp>
+      <p:cxnSp>
+        <p:nvCxnSpPr>
+          <p:cNvPr id="75" name="연결선: 꺾임 74">
+            <a:extLst>
+              <a:ext uri="{FF2B5EF4-FFF2-40B4-BE49-F238E27FC236}">
+                <a16:creationId xmlns:a16="http://schemas.microsoft.com/office/drawing/2014/main" id="{A510A287-BAD0-5DED-F1F2-4A209E94C033}"/>
+              </a:ext>
+            </a:extLst>
+          </p:cNvPr>
+          <p:cNvCxnSpPr>
+            <a:cxnSpLocks/>
+            <a:stCxn id="72" idx="1"/>
+            <a:endCxn id="87" idx="0"/>
+          </p:cNvCxnSpPr>
+          <p:nvPr/>
+        </p:nvCxnSpPr>
+        <p:spPr>
+          <a:xfrm>
+            <a:off x="2449154" y="2826135"/>
+            <a:ext cx="89532" cy="563934"/>
+          </a:xfrm>
+          <a:prstGeom prst="bentConnector2">
+            <a:avLst/>
+          </a:prstGeom>
+          <a:ln w="25400">
+            <a:prstDash val="solid"/>
+            <a:headEnd type="diamond" w="lg" len="lg"/>
+            <a:tailEnd type="triangle" w="lg" len="lg"/>
+          </a:ln>
+        </p:spPr>
+        <p:style>
+          <a:lnRef idx="1">
+            <a:schemeClr val="accent1"/>
+          </a:lnRef>
+          <a:fillRef idx="0">
+            <a:schemeClr val="accent1"/>
+          </a:fillRef>
+          <a:effectRef idx="0">
+            <a:schemeClr val="accent1"/>
+          </a:effectRef>
+          <a:fontRef idx="minor">
+            <a:schemeClr val="tx1"/>
+          </a:fontRef>
+        </p:style>
+      </p:cxnSp>
     </p:spTree>
     <p:extLst>
       <p:ext uri="{BB962C8B-B14F-4D97-AF65-F5344CB8AC3E}">
@@ -9223,7 +9212,7 @@
         </p:nvSpPr>
         <p:spPr>
           <a:xfrm>
-            <a:off x="438231" y="1621885"/>
+            <a:off x="438231" y="2005060"/>
             <a:ext cx="3280535" cy="651750"/>
           </a:xfrm>
           <a:prstGeom prst="rect">
@@ -9342,53 +9331,23 @@
           <a:bodyPr rtlCol="0" anchor="b"/>
           <a:lstStyle/>
           <a:p>
-            <a:pPr marL="0" marR="0" lvl="0" indent="0" algn="r" defTabSz="914400" rtl="0" eaLnBrk="1" fontAlgn="auto" latinLnBrk="0" hangingPunct="1">
-              <a:lnSpc>
-                <a:spcPct val="100000"/>
-              </a:lnSpc>
-              <a:spcBef>
-                <a:spcPts val="0"/>
-              </a:spcBef>
-              <a:spcAft>
-                <a:spcPts val="0"/>
-              </a:spcAft>
-              <a:buClrTx/>
-              <a:buSzTx/>
-              <a:buFontTx/>
-              <a:buNone/>
-              <a:tabLst/>
+            <a:pPr algn="r" latinLnBrk="0">
               <a:defRPr/>
             </a:pPr>
             <a:r>
-              <a:rPr kumimoji="0" lang="en-US" altLang="ko-KR" sz="1050" b="0" i="0" u="none" strike="noStrike" kern="1200" cap="none" spc="0" normalizeH="0" baseline="0" noProof="0" dirty="0">
-                <a:ln>
-                  <a:noFill/>
-                </a:ln>
+              <a:rPr lang="en-US" altLang="ko-KR" sz="2400" dirty="0">
                 <a:solidFill>
                   <a:prstClr val="white"/>
                 </a:solidFill>
-                <a:effectLst/>
-                <a:uLnTx/>
-                <a:uFillTx/>
                 <a:latin typeface="맑은 고딕"/>
-                <a:ea typeface="+mn-ea"/>
-                <a:cs typeface="+mn-cs"/>
               </a:rPr>
               <a:t>DOOR RH</a:t>
             </a:r>
-            <a:endParaRPr kumimoji="0" lang="ko-KR" altLang="en-US" sz="1050" b="0" i="0" u="none" strike="noStrike" kern="1200" cap="none" spc="0" normalizeH="0" baseline="0" noProof="0" dirty="0">
-              <a:ln>
-                <a:noFill/>
-              </a:ln>
+            <a:endParaRPr lang="ko-KR" altLang="en-US" sz="2400" dirty="0">
               <a:solidFill>
                 <a:prstClr val="white"/>
               </a:solidFill>
-              <a:effectLst/>
-              <a:uLnTx/>
-              <a:uFillTx/>
               <a:latin typeface="맑은 고딕"/>
-              <a:ea typeface="+mn-ea"/>
-              <a:cs typeface="+mn-cs"/>
             </a:endParaRPr>
           </a:p>
         </p:txBody>
@@ -9442,53 +9401,23 @@
           <a:bodyPr rtlCol="0" anchor="b"/>
           <a:lstStyle/>
           <a:p>
-            <a:pPr marL="0" marR="0" lvl="0" indent="0" algn="r" defTabSz="914400" rtl="0" eaLnBrk="1" fontAlgn="auto" latinLnBrk="0" hangingPunct="1">
-              <a:lnSpc>
-                <a:spcPct val="100000"/>
-              </a:lnSpc>
-              <a:spcBef>
-                <a:spcPts val="0"/>
-              </a:spcBef>
-              <a:spcAft>
-                <a:spcPts val="0"/>
-              </a:spcAft>
-              <a:buClrTx/>
-              <a:buSzTx/>
-              <a:buFontTx/>
-              <a:buNone/>
-              <a:tabLst/>
+            <a:pPr algn="r" latinLnBrk="0">
               <a:defRPr/>
             </a:pPr>
             <a:r>
-              <a:rPr kumimoji="0" lang="en-US" altLang="ko-KR" sz="1050" b="0" i="0" u="none" strike="noStrike" kern="1200" cap="none" spc="0" normalizeH="0" baseline="0" noProof="0">
-                <a:ln>
-                  <a:noFill/>
-                </a:ln>
+              <a:rPr lang="en-US" altLang="ko-KR" sz="2400" dirty="0">
                 <a:solidFill>
                   <a:prstClr val="white"/>
                 </a:solidFill>
-                <a:effectLst/>
-                <a:uLnTx/>
-                <a:uFillTx/>
                 <a:latin typeface="맑은 고딕"/>
-                <a:ea typeface="+mn-ea"/>
-                <a:cs typeface="+mn-cs"/>
               </a:rPr>
               <a:t>DOOR LH</a:t>
             </a:r>
-            <a:endParaRPr kumimoji="0" lang="ko-KR" altLang="en-US" sz="1050" b="0" i="0" u="none" strike="noStrike" kern="1200" cap="none" spc="0" normalizeH="0" baseline="0" noProof="0">
-              <a:ln>
-                <a:noFill/>
-              </a:ln>
+            <a:endParaRPr lang="ko-KR" altLang="en-US" sz="2400" dirty="0">
               <a:solidFill>
                 <a:prstClr val="white"/>
               </a:solidFill>
-              <a:effectLst/>
-              <a:uLnTx/>
-              <a:uFillTx/>
               <a:latin typeface="맑은 고딕"/>
-              <a:ea typeface="+mn-ea"/>
-              <a:cs typeface="+mn-cs"/>
             </a:endParaRPr>
           </a:p>
         </p:txBody>
@@ -9507,8 +9436,8 @@
         </p:nvSpPr>
         <p:spPr>
           <a:xfrm>
-            <a:off x="2731627" y="3580187"/>
-            <a:ext cx="3114300" cy="651750"/>
+            <a:off x="4162697" y="3580187"/>
+            <a:ext cx="3652300" cy="651750"/>
           </a:xfrm>
           <a:prstGeom prst="rect">
             <a:avLst/>
@@ -9542,153 +9471,23 @@
           <a:bodyPr rtlCol="0" anchor="b"/>
           <a:lstStyle/>
           <a:p>
-            <a:pPr marL="0" marR="0" lvl="0" indent="0" algn="r" defTabSz="914400" rtl="0" eaLnBrk="1" fontAlgn="auto" latinLnBrk="0" hangingPunct="1">
-              <a:lnSpc>
-                <a:spcPct val="100000"/>
-              </a:lnSpc>
-              <a:spcBef>
-                <a:spcPts val="0"/>
-              </a:spcBef>
-              <a:spcAft>
-                <a:spcPts val="0"/>
-              </a:spcAft>
-              <a:buClrTx/>
-              <a:buSzTx/>
-              <a:buFontTx/>
-              <a:buNone/>
-              <a:tabLst/>
+            <a:pPr algn="r" latinLnBrk="0">
               <a:defRPr/>
             </a:pPr>
             <a:r>
-              <a:rPr kumimoji="0" lang="en-US" altLang="ko-KR" sz="1050" b="0" i="0" u="none" strike="noStrike" kern="1200" cap="none" spc="0" normalizeH="0" baseline="0" noProof="0">
-                <a:ln>
-                  <a:noFill/>
-                </a:ln>
+              <a:rPr lang="en-US" altLang="ko-KR" sz="2400" dirty="0">
                 <a:solidFill>
                   <a:prstClr val="white"/>
                 </a:solidFill>
-                <a:effectLst/>
-                <a:uLnTx/>
-                <a:uFillTx/>
                 <a:latin typeface="맑은 고딕"/>
-                <a:ea typeface="+mn-ea"/>
-                <a:cs typeface="+mn-cs"/>
               </a:rPr>
               <a:t>BR</a:t>
             </a:r>
-            <a:endParaRPr kumimoji="0" lang="ko-KR" altLang="en-US" sz="1050" b="0" i="0" u="none" strike="noStrike" kern="1200" cap="none" spc="0" normalizeH="0" baseline="0" noProof="0">
-              <a:ln>
-                <a:noFill/>
-              </a:ln>
+            <a:endParaRPr lang="ko-KR" altLang="en-US" sz="2400" dirty="0">
               <a:solidFill>
                 <a:prstClr val="white"/>
               </a:solidFill>
-              <a:effectLst/>
-              <a:uLnTx/>
-              <a:uFillTx/>
               <a:latin typeface="맑은 고딕"/>
-              <a:ea typeface="+mn-ea"/>
-              <a:cs typeface="+mn-cs"/>
-            </a:endParaRPr>
-          </a:p>
-        </p:txBody>
-      </p:sp>
-      <p:sp>
-        <p:nvSpPr>
-          <p:cNvPr id="51" name="직사각형 50">
-            <a:extLst>
-              <a:ext uri="{FF2B5EF4-FFF2-40B4-BE49-F238E27FC236}">
-                <a16:creationId xmlns:a16="http://schemas.microsoft.com/office/drawing/2014/main" id="{7B06A6F2-7783-0260-EFDB-14805D429001}"/>
-              </a:ext>
-            </a:extLst>
-          </p:cNvPr>
-          <p:cNvSpPr/>
-          <p:nvPr/>
-        </p:nvSpPr>
-        <p:spPr>
-          <a:xfrm>
-            <a:off x="3568858" y="6069343"/>
-            <a:ext cx="1238873" cy="480003"/>
-          </a:xfrm>
-          <a:prstGeom prst="rect">
-            <a:avLst/>
-          </a:prstGeom>
-          <a:noFill/>
-          <a:ln w="28575" cap="flat" cmpd="sng" algn="ctr">
-            <a:solidFill>
-              <a:schemeClr val="accent4"/>
-            </a:solidFill>
-            <a:prstDash val="solid"/>
-            <a:round/>
-            <a:headEnd type="none" w="med" len="med"/>
-            <a:tailEnd type="none" w="med" len="med"/>
-          </a:ln>
-        </p:spPr>
-        <p:style>
-          <a:lnRef idx="0">
-            <a:scrgbClr r="0" g="0" b="0"/>
-          </a:lnRef>
-          <a:fillRef idx="0">
-            <a:scrgbClr r="0" g="0" b="0"/>
-          </a:fillRef>
-          <a:effectRef idx="0">
-            <a:scrgbClr r="0" g="0" b="0"/>
-          </a:effectRef>
-          <a:fontRef idx="minor">
-            <a:schemeClr val="accent4"/>
-          </a:fontRef>
-        </p:style>
-        <p:txBody>
-          <a:bodyPr rtlCol="0" anchor="b"/>
-          <a:lstStyle/>
-          <a:p>
-            <a:pPr marL="0" marR="0" lvl="0" indent="0" algn="r" defTabSz="914400" rtl="0" eaLnBrk="1" fontAlgn="auto" latinLnBrk="0" hangingPunct="1">
-              <a:lnSpc>
-                <a:spcPct val="100000"/>
-              </a:lnSpc>
-              <a:spcBef>
-                <a:spcPts val="0"/>
-              </a:spcBef>
-              <a:spcAft>
-                <a:spcPts val="0"/>
-              </a:spcAft>
-              <a:buClrTx/>
-              <a:buSzTx/>
-              <a:buFontTx/>
-              <a:buNone/>
-              <a:tabLst/>
-              <a:defRPr/>
-            </a:pPr>
-            <a:r>
-              <a:rPr kumimoji="0" lang="en-US" altLang="ko-KR" sz="1050" b="0" i="0" u="none" strike="noStrike" kern="1200" cap="none" spc="0" normalizeH="0" baseline="0" noProof="0" dirty="0">
-                <a:ln>
-                  <a:noFill/>
-                </a:ln>
-                <a:solidFill>
-                  <a:prstClr val="white"/>
-                </a:solidFill>
-                <a:effectLst/>
-                <a:uLnTx/>
-                <a:uFillTx/>
-                <a:latin typeface="맑은 고딕"/>
-                <a:ea typeface="+mn-ea"/>
-                <a:cs typeface="+mn-cs"/>
-              </a:rPr>
-              <a:t>MOVING</a:t>
-            </a:r>
-            <a:endParaRPr kumimoji="0" lang="ko-KR" altLang="en-US" sz="1050" b="0" i="0" u="none" strike="noStrike" kern="1200" cap="none" spc="0" normalizeH="0" baseline="0" noProof="0" dirty="0">
-              <a:ln>
-                <a:noFill/>
-              </a:ln>
-              <a:solidFill>
-                <a:prstClr val="white"/>
-              </a:solidFill>
-              <a:effectLst/>
-              <a:uLnTx/>
-              <a:uFillTx/>
-              <a:latin typeface="맑은 고딕"/>
-              <a:ea typeface="+mn-ea"/>
-              <a:cs typeface="+mn-cs"/>
             </a:endParaRPr>
           </a:p>
         </p:txBody>
@@ -9711,62 +9510,13 @@
         </p:nvCxnSpPr>
         <p:spPr>
           <a:xfrm rot="16200000" flipH="1">
-            <a:off x="2530362" y="1821772"/>
-            <a:ext cx="1306552" cy="2210278"/>
+            <a:off x="3571985" y="1163324"/>
+            <a:ext cx="923377" cy="3910348"/>
           </a:xfrm>
           <a:prstGeom prst="bentConnector3">
             <a:avLst>
               <a:gd name="adj1" fmla="val 50000"/>
             </a:avLst>
-          </a:prstGeom>
-          <a:ln w="28575" cap="flat" cmpd="sng" algn="ctr">
-            <a:solidFill>
-              <a:schemeClr val="accent2"/>
-            </a:solidFill>
-            <a:prstDash val="solid"/>
-            <a:round/>
-            <a:headEnd type="diamond" w="med" len="med"/>
-            <a:tailEnd type="triangle" w="med" len="med"/>
-          </a:ln>
-        </p:spPr>
-        <p:style>
-          <a:lnRef idx="0">
-            <a:scrgbClr r="0" g="0" b="0"/>
-          </a:lnRef>
-          <a:fillRef idx="0">
-            <a:scrgbClr r="0" g="0" b="0"/>
-          </a:fillRef>
-          <a:effectRef idx="0">
-            <a:scrgbClr r="0" g="0" b="0"/>
-          </a:effectRef>
-          <a:fontRef idx="minor">
-            <a:schemeClr val="tx1"/>
-          </a:fontRef>
-        </p:style>
-      </p:cxnSp>
-      <p:cxnSp>
-        <p:nvCxnSpPr>
-          <p:cNvPr id="65" name="연결선: 꺾임 64">
-            <a:extLst>
-              <a:ext uri="{FF2B5EF4-FFF2-40B4-BE49-F238E27FC236}">
-                <a16:creationId xmlns:a16="http://schemas.microsoft.com/office/drawing/2014/main" id="{46E58710-91CF-3BED-3AA2-1BA4C14E8EF0}"/>
-              </a:ext>
-            </a:extLst>
-          </p:cNvPr>
-          <p:cNvCxnSpPr>
-            <a:cxnSpLocks/>
-            <a:stCxn id="51" idx="3"/>
-            <a:endCxn id="47" idx="2"/>
-          </p:cNvCxnSpPr>
-          <p:nvPr/>
-        </p:nvCxnSpPr>
-        <p:spPr>
-          <a:xfrm flipV="1">
-            <a:off x="4807731" y="5808762"/>
-            <a:ext cx="2215997" cy="500583"/>
-          </a:xfrm>
-          <a:prstGeom prst="bentConnector2">
-            <a:avLst/>
           </a:prstGeom>
           <a:ln w="28575" cap="flat" cmpd="sng" algn="ctr">
             <a:solidFill>
@@ -9811,8 +9561,8 @@
         </p:nvCxnSpPr>
         <p:spPr>
           <a:xfrm>
-            <a:off x="5845927" y="3906062"/>
-            <a:ext cx="2758648" cy="0"/>
+            <a:off x="7814997" y="3906062"/>
+            <a:ext cx="789578" cy="0"/>
           </a:xfrm>
           <a:prstGeom prst="straightConnector1">
             <a:avLst/>
@@ -10391,55 +10141,6 @@
           </a:fontRef>
         </p:style>
       </p:cxnSp>
-      <p:cxnSp>
-        <p:nvCxnSpPr>
-          <p:cNvPr id="7" name="연결선: 꺾임 6">
-            <a:extLst>
-              <a:ext uri="{FF2B5EF4-FFF2-40B4-BE49-F238E27FC236}">
-                <a16:creationId xmlns:a16="http://schemas.microsoft.com/office/drawing/2014/main" id="{52F6EC22-BAF1-0FA1-310B-96EA011616C4}"/>
-              </a:ext>
-            </a:extLst>
-          </p:cNvPr>
-          <p:cNvCxnSpPr>
-            <a:cxnSpLocks/>
-            <a:stCxn id="51" idx="1"/>
-            <a:endCxn id="39" idx="2"/>
-          </p:cNvCxnSpPr>
-          <p:nvPr/>
-        </p:nvCxnSpPr>
-        <p:spPr>
-          <a:xfrm rot="10800000">
-            <a:off x="2078500" y="2273635"/>
-            <a:ext cx="1490359" cy="4035710"/>
-          </a:xfrm>
-          <a:prstGeom prst="bentConnector2">
-            <a:avLst/>
-          </a:prstGeom>
-          <a:ln w="28575" cap="flat" cmpd="sng" algn="ctr">
-            <a:solidFill>
-              <a:schemeClr val="accent2"/>
-            </a:solidFill>
-            <a:prstDash val="solid"/>
-            <a:round/>
-            <a:headEnd type="triangle" w="med" len="med"/>
-            <a:tailEnd type="none" w="med" len="med"/>
-          </a:ln>
-        </p:spPr>
-        <p:style>
-          <a:lnRef idx="0">
-            <a:scrgbClr r="0" g="0" b="0"/>
-          </a:lnRef>
-          <a:fillRef idx="0">
-            <a:scrgbClr r="0" g="0" b="0"/>
-          </a:fillRef>
-          <a:effectRef idx="0">
-            <a:scrgbClr r="0" g="0" b="0"/>
-          </a:effectRef>
-          <a:fontRef idx="minor">
-            <a:schemeClr val="tx1"/>
-          </a:fontRef>
-        </p:style>
-      </p:cxnSp>
       <p:sp>
         <p:nvSpPr>
           <p:cNvPr id="20" name="화살표: 오각형 19">
@@ -10749,10 +10450,470 @@
       </p:pic>
       <p:sp>
         <p:nvSpPr>
-          <p:cNvPr id="36" name="화살표: 오각형 35">
+          <p:cNvPr id="5" name="직사각형 4">
             <a:extLst>
               <a:ext uri="{FF2B5EF4-FFF2-40B4-BE49-F238E27FC236}">
-                <a16:creationId xmlns:a16="http://schemas.microsoft.com/office/drawing/2014/main" id="{159A677B-C2A9-1759-78E0-6C65F0BF0962}"/>
+                <a16:creationId xmlns:a16="http://schemas.microsoft.com/office/drawing/2014/main" id="{F3947B90-8590-0ABF-B600-573C564A2A70}"/>
+              </a:ext>
+            </a:extLst>
+          </p:cNvPr>
+          <p:cNvSpPr/>
+          <p:nvPr/>
+        </p:nvSpPr>
+        <p:spPr>
+          <a:xfrm>
+            <a:off x="10946675" y="5204759"/>
+            <a:ext cx="1113038" cy="320406"/>
+          </a:xfrm>
+          <a:prstGeom prst="rect">
+            <a:avLst/>
+          </a:prstGeom>
+          <a:noFill/>
+          <a:ln w="28575" cap="flat" cmpd="sng" algn="ctr">
+            <a:solidFill>
+              <a:schemeClr val="accent4"/>
+            </a:solidFill>
+            <a:prstDash val="solid"/>
+            <a:round/>
+            <a:headEnd type="none" w="med" len="med"/>
+            <a:tailEnd type="none" w="med" len="med"/>
+          </a:ln>
+        </p:spPr>
+        <p:style>
+          <a:lnRef idx="0">
+            <a:scrgbClr r="0" g="0" b="0"/>
+          </a:lnRef>
+          <a:fillRef idx="0">
+            <a:scrgbClr r="0" g="0" b="0"/>
+          </a:fillRef>
+          <a:effectRef idx="0">
+            <a:scrgbClr r="0" g="0" b="0"/>
+          </a:effectRef>
+          <a:fontRef idx="minor">
+            <a:schemeClr val="accent4"/>
+          </a:fontRef>
+        </p:style>
+        <p:txBody>
+          <a:bodyPr rtlCol="0" anchor="b"/>
+          <a:lstStyle/>
+          <a:p>
+            <a:pPr marL="0" marR="0" lvl="0" indent="0" algn="r" defTabSz="914400" rtl="0" eaLnBrk="1" fontAlgn="auto" latinLnBrk="0" hangingPunct="1">
+              <a:lnSpc>
+                <a:spcPct val="100000"/>
+              </a:lnSpc>
+              <a:spcBef>
+                <a:spcPts val="0"/>
+              </a:spcBef>
+              <a:spcAft>
+                <a:spcPts val="0"/>
+              </a:spcAft>
+              <a:buClrTx/>
+              <a:buSzTx/>
+              <a:buFontTx/>
+              <a:buNone/>
+              <a:tabLst/>
+              <a:defRPr/>
+            </a:pPr>
+            <a:r>
+              <a:rPr lang="en-US" altLang="ko-KR" sz="1000" dirty="0">
+                <a:solidFill>
+                  <a:prstClr val="white"/>
+                </a:solidFill>
+                <a:latin typeface="맑은 고딕"/>
+              </a:rPr>
+              <a:t>UnloadClear</a:t>
+            </a:r>
+            <a:endParaRPr kumimoji="0" lang="ko-KR" altLang="en-US" sz="1000" b="0" i="0" u="none" strike="noStrike" kern="1200" cap="none" spc="0" normalizeH="0" baseline="0" noProof="0" dirty="0">
+              <a:ln>
+                <a:noFill/>
+              </a:ln>
+              <a:solidFill>
+                <a:prstClr val="white"/>
+              </a:solidFill>
+              <a:effectLst/>
+              <a:uLnTx/>
+              <a:uFillTx/>
+              <a:latin typeface="맑은 고딕"/>
+              <a:ea typeface="+mn-ea"/>
+              <a:cs typeface="+mn-cs"/>
+            </a:endParaRPr>
+          </a:p>
+        </p:txBody>
+      </p:sp>
+      <p:sp>
+        <p:nvSpPr>
+          <p:cNvPr id="8" name="직사각형 7">
+            <a:extLst>
+              <a:ext uri="{FF2B5EF4-FFF2-40B4-BE49-F238E27FC236}">
+                <a16:creationId xmlns:a16="http://schemas.microsoft.com/office/drawing/2014/main" id="{67139BFF-B776-5693-1901-3DDEB9ED99F4}"/>
+              </a:ext>
+            </a:extLst>
+          </p:cNvPr>
+          <p:cNvSpPr/>
+          <p:nvPr/>
+        </p:nvSpPr>
+        <p:spPr>
+          <a:xfrm>
+            <a:off x="10946675" y="5204759"/>
+            <a:ext cx="1113038" cy="320406"/>
+          </a:xfrm>
+          <a:prstGeom prst="rect">
+            <a:avLst/>
+          </a:prstGeom>
+          <a:noFill/>
+          <a:ln w="28575" cap="flat" cmpd="sng" algn="ctr">
+            <a:solidFill>
+              <a:schemeClr val="accent4"/>
+            </a:solidFill>
+            <a:prstDash val="solid"/>
+            <a:round/>
+            <a:headEnd type="none" w="med" len="med"/>
+            <a:tailEnd type="none" w="med" len="med"/>
+          </a:ln>
+        </p:spPr>
+        <p:style>
+          <a:lnRef idx="0">
+            <a:scrgbClr r="0" g="0" b="0"/>
+          </a:lnRef>
+          <a:fillRef idx="0">
+            <a:scrgbClr r="0" g="0" b="0"/>
+          </a:fillRef>
+          <a:effectRef idx="0">
+            <a:scrgbClr r="0" g="0" b="0"/>
+          </a:effectRef>
+          <a:fontRef idx="minor">
+            <a:schemeClr val="accent4"/>
+          </a:fontRef>
+        </p:style>
+        <p:txBody>
+          <a:bodyPr rtlCol="0" anchor="b"/>
+          <a:lstStyle/>
+          <a:p>
+            <a:pPr marL="0" marR="0" lvl="0" indent="0" algn="r" defTabSz="914400" rtl="0" eaLnBrk="1" fontAlgn="auto" latinLnBrk="0" hangingPunct="1">
+              <a:lnSpc>
+                <a:spcPct val="100000"/>
+              </a:lnSpc>
+              <a:spcBef>
+                <a:spcPts val="0"/>
+              </a:spcBef>
+              <a:spcAft>
+                <a:spcPts val="0"/>
+              </a:spcAft>
+              <a:buClrTx/>
+              <a:buSzTx/>
+              <a:buFontTx/>
+              <a:buNone/>
+              <a:tabLst/>
+              <a:defRPr/>
+            </a:pPr>
+            <a:r>
+              <a:rPr lang="en-US" altLang="ko-KR" sz="1000" dirty="0">
+                <a:solidFill>
+                  <a:prstClr val="white"/>
+                </a:solidFill>
+                <a:latin typeface="맑은 고딕"/>
+              </a:rPr>
+              <a:t>UnloadClear</a:t>
+            </a:r>
+            <a:endParaRPr kumimoji="0" lang="ko-KR" altLang="en-US" sz="1000" b="0" i="0" u="none" strike="noStrike" kern="1200" cap="none" spc="0" normalizeH="0" baseline="0" noProof="0" dirty="0">
+              <a:ln>
+                <a:noFill/>
+              </a:ln>
+              <a:solidFill>
+                <a:prstClr val="white"/>
+              </a:solidFill>
+              <a:effectLst/>
+              <a:uLnTx/>
+              <a:uFillTx/>
+              <a:latin typeface="맑은 고딕"/>
+              <a:ea typeface="+mn-ea"/>
+              <a:cs typeface="+mn-cs"/>
+            </a:endParaRPr>
+          </a:p>
+        </p:txBody>
+      </p:sp>
+      <p:cxnSp>
+        <p:nvCxnSpPr>
+          <p:cNvPr id="9" name="직선 화살표 연결선 8">
+            <a:extLst>
+              <a:ext uri="{FF2B5EF4-FFF2-40B4-BE49-F238E27FC236}">
+                <a16:creationId xmlns:a16="http://schemas.microsoft.com/office/drawing/2014/main" id="{25F9DD7C-D611-C8C8-3297-6B90FCEFB9EC}"/>
+              </a:ext>
+            </a:extLst>
+          </p:cNvPr>
+          <p:cNvCxnSpPr>
+            <a:cxnSpLocks/>
+            <a:stCxn id="73" idx="2"/>
+            <a:endCxn id="8" idx="0"/>
+          </p:cNvCxnSpPr>
+          <p:nvPr/>
+        </p:nvCxnSpPr>
+        <p:spPr>
+          <a:xfrm>
+            <a:off x="11502924" y="4231936"/>
+            <a:ext cx="270" cy="972823"/>
+          </a:xfrm>
+          <a:prstGeom prst="straightConnector1">
+            <a:avLst/>
+          </a:prstGeom>
+          <a:ln w="25400">
+            <a:prstDash val="dash"/>
+            <a:headEnd type="triangle" w="lg" len="lg"/>
+            <a:tailEnd type="none" w="lg" len="lg"/>
+          </a:ln>
+        </p:spPr>
+        <p:style>
+          <a:lnRef idx="1">
+            <a:schemeClr val="accent1"/>
+          </a:lnRef>
+          <a:fillRef idx="0">
+            <a:schemeClr val="accent1"/>
+          </a:fillRef>
+          <a:effectRef idx="0">
+            <a:schemeClr val="accent1"/>
+          </a:effectRef>
+          <a:fontRef idx="minor">
+            <a:schemeClr val="tx1"/>
+          </a:fontRef>
+        </p:style>
+      </p:cxnSp>
+      <p:sp>
+        <p:nvSpPr>
+          <p:cNvPr id="11" name="직사각형 10">
+            <a:extLst>
+              <a:ext uri="{FF2B5EF4-FFF2-40B4-BE49-F238E27FC236}">
+                <a16:creationId xmlns:a16="http://schemas.microsoft.com/office/drawing/2014/main" id="{BD7E96B1-813F-7B41-FB27-38BC8601D175}"/>
+              </a:ext>
+            </a:extLst>
+          </p:cNvPr>
+          <p:cNvSpPr/>
+          <p:nvPr/>
+        </p:nvSpPr>
+        <p:spPr>
+          <a:xfrm>
+            <a:off x="10946674" y="5832711"/>
+            <a:ext cx="1113038" cy="320406"/>
+          </a:xfrm>
+          <a:prstGeom prst="rect">
+            <a:avLst/>
+          </a:prstGeom>
+          <a:noFill/>
+          <a:ln w="28575" cap="flat" cmpd="sng" algn="ctr">
+            <a:solidFill>
+              <a:schemeClr val="accent4"/>
+            </a:solidFill>
+            <a:prstDash val="solid"/>
+            <a:round/>
+            <a:headEnd type="none" w="med" len="med"/>
+            <a:tailEnd type="none" w="med" len="med"/>
+          </a:ln>
+        </p:spPr>
+        <p:style>
+          <a:lnRef idx="0">
+            <a:scrgbClr r="0" g="0" b="0"/>
+          </a:lnRef>
+          <a:fillRef idx="0">
+            <a:scrgbClr r="0" g="0" b="0"/>
+          </a:fillRef>
+          <a:effectRef idx="0">
+            <a:scrgbClr r="0" g="0" b="0"/>
+          </a:effectRef>
+          <a:fontRef idx="minor">
+            <a:schemeClr val="accent4"/>
+          </a:fontRef>
+        </p:style>
+        <p:txBody>
+          <a:bodyPr rtlCol="0" anchor="b"/>
+          <a:lstStyle/>
+          <a:p>
+            <a:pPr marL="0" marR="0" lvl="0" indent="0" algn="r" defTabSz="914400" rtl="0" eaLnBrk="1" fontAlgn="auto" latinLnBrk="0" hangingPunct="1">
+              <a:lnSpc>
+                <a:spcPct val="100000"/>
+              </a:lnSpc>
+              <a:spcBef>
+                <a:spcPts val="0"/>
+              </a:spcBef>
+              <a:spcAft>
+                <a:spcPts val="0"/>
+              </a:spcAft>
+              <a:buClrTx/>
+              <a:buSzTx/>
+              <a:buFontTx/>
+              <a:buNone/>
+              <a:tabLst/>
+              <a:defRPr/>
+            </a:pPr>
+            <a:r>
+              <a:rPr lang="en-US" altLang="ko-KR" sz="1000" dirty="0">
+                <a:solidFill>
+                  <a:prstClr val="white"/>
+                </a:solidFill>
+                <a:latin typeface="맑은 고딕"/>
+              </a:rPr>
+              <a:t>Clear</a:t>
+            </a:r>
+            <a:endParaRPr kumimoji="0" lang="ko-KR" altLang="en-US" sz="1000" b="0" i="0" u="none" strike="noStrike" kern="1200" cap="none" spc="0" normalizeH="0" baseline="0" noProof="0" dirty="0">
+              <a:ln>
+                <a:noFill/>
+              </a:ln>
+              <a:solidFill>
+                <a:prstClr val="white"/>
+              </a:solidFill>
+              <a:effectLst/>
+              <a:uLnTx/>
+              <a:uFillTx/>
+              <a:latin typeface="맑은 고딕"/>
+              <a:ea typeface="+mn-ea"/>
+              <a:cs typeface="+mn-cs"/>
+            </a:endParaRPr>
+          </a:p>
+        </p:txBody>
+      </p:sp>
+      <p:cxnSp>
+        <p:nvCxnSpPr>
+          <p:cNvPr id="12" name="연결선: 꺾임 11">
+            <a:extLst>
+              <a:ext uri="{FF2B5EF4-FFF2-40B4-BE49-F238E27FC236}">
+                <a16:creationId xmlns:a16="http://schemas.microsoft.com/office/drawing/2014/main" id="{22B29387-FA16-79FF-1CF5-9DB65BEDB69E}"/>
+              </a:ext>
+            </a:extLst>
+          </p:cNvPr>
+          <p:cNvCxnSpPr>
+            <a:cxnSpLocks/>
+            <a:stCxn id="11" idx="0"/>
+            <a:endCxn id="8" idx="2"/>
+          </p:cNvCxnSpPr>
+          <p:nvPr/>
+        </p:nvCxnSpPr>
+        <p:spPr>
+          <a:xfrm rot="5400000" flipH="1" flipV="1">
+            <a:off x="11349420" y="5678938"/>
+            <a:ext cx="307546" cy="1"/>
+          </a:xfrm>
+          <a:prstGeom prst="bentConnector3">
+            <a:avLst>
+              <a:gd name="adj1" fmla="val 50000"/>
+            </a:avLst>
+          </a:prstGeom>
+          <a:ln w="25400">
+            <a:prstDash val="dash"/>
+            <a:headEnd type="triangle" w="lg" len="lg"/>
+            <a:tailEnd type="diamond" w="lg" len="lg"/>
+          </a:ln>
+        </p:spPr>
+        <p:style>
+          <a:lnRef idx="1">
+            <a:schemeClr val="accent1"/>
+          </a:lnRef>
+          <a:fillRef idx="0">
+            <a:schemeClr val="accent1"/>
+          </a:fillRef>
+          <a:effectRef idx="0">
+            <a:schemeClr val="accent1"/>
+          </a:effectRef>
+          <a:fontRef idx="minor">
+            <a:schemeClr val="tx1"/>
+          </a:fontRef>
+        </p:style>
+      </p:cxnSp>
+      <p:cxnSp>
+        <p:nvCxnSpPr>
+          <p:cNvPr id="25" name="연결선: 꺾임 24">
+            <a:extLst>
+              <a:ext uri="{FF2B5EF4-FFF2-40B4-BE49-F238E27FC236}">
+                <a16:creationId xmlns:a16="http://schemas.microsoft.com/office/drawing/2014/main" id="{69A564EB-86BA-6194-7EFA-D4BF1FB7F44E}"/>
+              </a:ext>
+            </a:extLst>
+          </p:cNvPr>
+          <p:cNvCxnSpPr>
+            <a:cxnSpLocks/>
+            <a:stCxn id="39" idx="3"/>
+            <a:endCxn id="46" idx="1"/>
+          </p:cNvCxnSpPr>
+          <p:nvPr/>
+        </p:nvCxnSpPr>
+        <p:spPr>
+          <a:xfrm flipV="1">
+            <a:off x="3718766" y="2329238"/>
+            <a:ext cx="2502689" cy="1697"/>
+          </a:xfrm>
+          <a:prstGeom prst="bentConnector3">
+            <a:avLst>
+              <a:gd name="adj1" fmla="val 50000"/>
+            </a:avLst>
+          </a:prstGeom>
+          <a:ln w="25400">
+            <a:prstDash val="solid"/>
+            <a:headEnd w="lg" len="lg"/>
+            <a:tailEnd type="triangle" w="lg" len="lg"/>
+          </a:ln>
+        </p:spPr>
+        <p:style>
+          <a:lnRef idx="1">
+            <a:schemeClr val="accent1"/>
+          </a:lnRef>
+          <a:fillRef idx="0">
+            <a:schemeClr val="accent1"/>
+          </a:fillRef>
+          <a:effectRef idx="0">
+            <a:schemeClr val="accent1"/>
+          </a:effectRef>
+          <a:fontRef idx="minor">
+            <a:schemeClr val="tx1"/>
+          </a:fontRef>
+        </p:style>
+      </p:cxnSp>
+      <p:cxnSp>
+        <p:nvCxnSpPr>
+          <p:cNvPr id="36" name="연결선: 꺾임 35">
+            <a:extLst>
+              <a:ext uri="{FF2B5EF4-FFF2-40B4-BE49-F238E27FC236}">
+                <a16:creationId xmlns:a16="http://schemas.microsoft.com/office/drawing/2014/main" id="{1B5FC9F0-C20D-07AD-B4D3-C38316A876FE}"/>
+              </a:ext>
+            </a:extLst>
+          </p:cNvPr>
+          <p:cNvCxnSpPr>
+            <a:cxnSpLocks/>
+            <a:stCxn id="39" idx="2"/>
+            <a:endCxn id="47" idx="1"/>
+          </p:cNvCxnSpPr>
+          <p:nvPr/>
+        </p:nvCxnSpPr>
+        <p:spPr>
+          <a:xfrm rot="16200000" flipH="1">
+            <a:off x="2739689" y="1995619"/>
+            <a:ext cx="2826077" cy="4148457"/>
+          </a:xfrm>
+          <a:prstGeom prst="bentConnector2">
+            <a:avLst/>
+          </a:prstGeom>
+          <a:ln w="25400">
+            <a:prstDash val="solid"/>
+            <a:headEnd w="lg" len="lg"/>
+            <a:tailEnd type="triangle" w="lg" len="lg"/>
+          </a:ln>
+        </p:spPr>
+        <p:style>
+          <a:lnRef idx="1">
+            <a:schemeClr val="accent1"/>
+          </a:lnRef>
+          <a:fillRef idx="0">
+            <a:schemeClr val="accent1"/>
+          </a:fillRef>
+          <a:effectRef idx="0">
+            <a:schemeClr val="accent1"/>
+          </a:effectRef>
+          <a:fontRef idx="minor">
+            <a:schemeClr val="tx1"/>
+          </a:fontRef>
+        </p:style>
+      </p:cxnSp>
+      <p:sp>
+        <p:nvSpPr>
+          <p:cNvPr id="49" name="화살표: 오각형 48">
+            <a:extLst>
+              <a:ext uri="{FF2B5EF4-FFF2-40B4-BE49-F238E27FC236}">
+                <a16:creationId xmlns:a16="http://schemas.microsoft.com/office/drawing/2014/main" id="{B2B181A9-1804-1938-2C59-65F7A55E8197}"/>
               </a:ext>
             </a:extLst>
           </p:cNvPr>
@@ -10761,7 +10922,7 @@
         </p:nvSpPr>
         <p:spPr>
           <a:xfrm flipH="1">
-            <a:off x="61305" y="5808762"/>
+            <a:off x="61304" y="4069992"/>
             <a:ext cx="1561671" cy="690024"/>
           </a:xfrm>
           <a:prstGeom prst="homePlate">
@@ -10894,7 +11055,7 @@
           <a:p>
             <a:pPr algn="ctr"/>
             <a:r>
-              <a:rPr lang="en-US" altLang="ko-KR" sz="1100" dirty="0">
+              <a:rPr lang="en-US" altLang="ko-KR" sz="1200" dirty="0">
                 <a:solidFill>
                   <a:prstClr val="white"/>
                 </a:solidFill>
@@ -10902,154 +11063,28 @@
               </a:rPr>
               <a:t>UNLOAD</a:t>
             </a:r>
-            <a:endParaRPr lang="en-US" altLang="ko-KR" sz="1100" dirty="0">
+            <a:endParaRPr lang="en-US" altLang="ko-KR" sz="1200" dirty="0">
               <a:ea typeface="현대하모니 M" panose="02020603020101020101"/>
             </a:endParaRPr>
           </a:p>
           <a:p>
             <a:pPr algn="ctr"/>
             <a:r>
-              <a:rPr lang="en-US" altLang="ko-KR" sz="1100" dirty="0">
+              <a:rPr lang="en-US" altLang="ko-KR" sz="1200" dirty="0">
                 <a:ea typeface="현대하모니 M" panose="02020603020101020101"/>
               </a:rPr>
-              <a:t>[ </a:t>
+              <a:t>[</a:t>
             </a:r>
             <a:r>
-              <a:rPr lang="en-US" altLang="ko-KR" sz="1100" dirty="0">
+              <a:rPr lang="en-US" altLang="ko-KR" sz="1200" dirty="0">
                 <a:solidFill>
                   <a:prstClr val="white"/>
                 </a:solidFill>
                 <a:latin typeface="맑은 고딕"/>
               </a:rPr>
-              <a:t>UNLOAD </a:t>
+              <a:t>UnloadClear</a:t>
             </a:r>
-            <a:r>
-              <a:rPr lang="en-US" altLang="ko-KR" sz="1100" dirty="0">
-                <a:ea typeface="현대하모니 M" panose="02020603020101020101"/>
-              </a:rPr>
-              <a:t>~</a:t>
-            </a:r>
-            <a:r>
-              <a:rPr lang="en-US" altLang="ko-KR" sz="1100" dirty="0">
-                <a:solidFill>
-                  <a:prstClr val="white"/>
-                </a:solidFill>
-                <a:latin typeface="맑은 고딕"/>
-              </a:rPr>
-              <a:t> </a:t>
-            </a:r>
-          </a:p>
-          <a:p>
-            <a:pPr algn="ctr"/>
-            <a:r>
-              <a:rPr lang="en-US" altLang="ko-KR" sz="1100">
-                <a:solidFill>
-                  <a:prstClr val="white"/>
-                </a:solidFill>
-                <a:latin typeface="맑은 고딕"/>
-              </a:rPr>
-              <a:t>UNLOAD</a:t>
-            </a:r>
-            <a:r>
-              <a:rPr lang="en-US" altLang="ko-KR" sz="1100"/>
-              <a:t> </a:t>
-            </a:r>
-            <a:r>
-              <a:rPr lang="en-US" altLang="ko-KR" sz="1100" dirty="0">
-                <a:ea typeface="현대하모니 M" panose="02020603020101020101"/>
-              </a:rPr>
-              <a:t>]</a:t>
-            </a:r>
-            <a:endParaRPr lang="ko-KR" altLang="en-US" sz="1100" dirty="0">
-              <a:ea typeface="현대하모니 M" panose="02020603020101020101"/>
-            </a:endParaRPr>
-          </a:p>
-        </p:txBody>
-      </p:sp>
-      <p:sp>
-        <p:nvSpPr>
-          <p:cNvPr id="41" name="직사각형 40">
-            <a:extLst>
-              <a:ext uri="{FF2B5EF4-FFF2-40B4-BE49-F238E27FC236}">
-                <a16:creationId xmlns:a16="http://schemas.microsoft.com/office/drawing/2014/main" id="{5D92B930-FD0E-D815-FDB1-C1FEA5FADD94}"/>
-              </a:ext>
-            </a:extLst>
-          </p:cNvPr>
-          <p:cNvSpPr/>
-          <p:nvPr/>
-        </p:nvSpPr>
-        <p:spPr>
-          <a:xfrm>
-            <a:off x="10369123" y="4831137"/>
-            <a:ext cx="1380726" cy="651750"/>
-          </a:xfrm>
-          <a:prstGeom prst="rect">
-            <a:avLst/>
-          </a:prstGeom>
-          <a:noFill/>
-          <a:ln w="28575" cap="flat" cmpd="sng" algn="ctr">
-            <a:solidFill>
-              <a:schemeClr val="accent4"/>
-            </a:solidFill>
-            <a:prstDash val="solid"/>
-            <a:round/>
-            <a:headEnd type="none" w="med" len="med"/>
-            <a:tailEnd type="none" w="med" len="med"/>
-          </a:ln>
-        </p:spPr>
-        <p:style>
-          <a:lnRef idx="0">
-            <a:scrgbClr r="0" g="0" b="0"/>
-          </a:lnRef>
-          <a:fillRef idx="0">
-            <a:scrgbClr r="0" g="0" b="0"/>
-          </a:fillRef>
-          <a:effectRef idx="0">
-            <a:scrgbClr r="0" g="0" b="0"/>
-          </a:effectRef>
-          <a:fontRef idx="minor">
-            <a:schemeClr val="accent4"/>
-          </a:fontRef>
-        </p:style>
-        <p:txBody>
-          <a:bodyPr rtlCol="0" anchor="b"/>
-          <a:lstStyle/>
-          <a:p>
-            <a:pPr marL="0" marR="0" lvl="0" indent="0" algn="r" defTabSz="914400" rtl="0" eaLnBrk="1" fontAlgn="auto" latinLnBrk="0" hangingPunct="1">
-              <a:lnSpc>
-                <a:spcPct val="100000"/>
-              </a:lnSpc>
-              <a:spcBef>
-                <a:spcPts val="0"/>
-              </a:spcBef>
-              <a:spcAft>
-                <a:spcPts val="0"/>
-              </a:spcAft>
-              <a:buClrTx/>
-              <a:buSzTx/>
-              <a:buFontTx/>
-              <a:buNone/>
-              <a:tabLst/>
-              <a:defRPr/>
-            </a:pPr>
-            <a:r>
-              <a:rPr kumimoji="0" lang="en-US" altLang="ko-KR" sz="1050" b="0" i="0" u="none" strike="noStrike" kern="1200" cap="none" spc="0" normalizeH="0" baseline="0" noProof="0" dirty="0">
-                <a:ln>
-                  <a:noFill/>
-                </a:ln>
-                <a:solidFill>
-                  <a:prstClr val="white"/>
-                </a:solidFill>
-                <a:effectLst/>
-                <a:uLnTx/>
-                <a:uFillTx/>
-                <a:latin typeface="맑은 고딕"/>
-                <a:ea typeface="+mn-ea"/>
-                <a:cs typeface="+mn-cs"/>
-              </a:rPr>
-              <a:t>UNLOAD</a:t>
-            </a:r>
-            <a:endParaRPr kumimoji="0" lang="ko-KR" altLang="en-US" sz="1050" b="0" i="0" u="none" strike="noStrike" kern="1200" cap="none" spc="0" normalizeH="0" baseline="0" noProof="0" dirty="0">
+            <a:endParaRPr kumimoji="0" lang="ko-KR" altLang="en-US" sz="1200" b="0" i="0" u="none" strike="noStrike" kern="1200" cap="none" spc="0" normalizeH="0" baseline="0" noProof="0" dirty="0">
               <a:ln>
                 <a:noFill/>
               </a:ln>
@@ -11064,390 +11099,41 @@
               <a:cs typeface="+mn-cs"/>
             </a:endParaRPr>
           </a:p>
-        </p:txBody>
-      </p:sp>
-      <p:cxnSp>
-        <p:nvCxnSpPr>
-          <p:cNvPr id="42" name="연결선: 꺾임 41">
-            <a:extLst>
-              <a:ext uri="{FF2B5EF4-FFF2-40B4-BE49-F238E27FC236}">
-                <a16:creationId xmlns:a16="http://schemas.microsoft.com/office/drawing/2014/main" id="{C589049C-8320-88E7-5874-2F2D1FE1B54F}"/>
-              </a:ext>
-            </a:extLst>
-          </p:cNvPr>
-          <p:cNvCxnSpPr>
-            <a:cxnSpLocks/>
-            <a:stCxn id="41" idx="0"/>
-            <a:endCxn id="73" idx="2"/>
-          </p:cNvCxnSpPr>
-          <p:nvPr/>
-        </p:nvCxnSpPr>
-        <p:spPr>
-          <a:xfrm rot="5400000" flipH="1" flipV="1">
-            <a:off x="10981605" y="4309818"/>
-            <a:ext cx="599201" cy="443438"/>
-          </a:xfrm>
-          <a:prstGeom prst="bentConnector3">
-            <a:avLst>
-              <a:gd name="adj1" fmla="val 50000"/>
-            </a:avLst>
-          </a:prstGeom>
-          <a:ln w="25400">
-            <a:prstDash val="dash"/>
-            <a:headEnd w="lg" len="lg"/>
-            <a:tailEnd type="triangle" w="lg" len="lg"/>
-          </a:ln>
-        </p:spPr>
-        <p:style>
-          <a:lnRef idx="1">
-            <a:schemeClr val="accent1"/>
-          </a:lnRef>
-          <a:fillRef idx="0">
-            <a:schemeClr val="accent1"/>
-          </a:fillRef>
-          <a:effectRef idx="0">
-            <a:schemeClr val="accent1"/>
-          </a:effectRef>
-          <a:fontRef idx="minor">
-            <a:schemeClr val="tx1"/>
-          </a:fontRef>
-        </p:style>
-      </p:cxnSp>
-      <p:sp>
-        <p:nvSpPr>
-          <p:cNvPr id="43" name="직사각형 42">
-            <a:extLst>
-              <a:ext uri="{FF2B5EF4-FFF2-40B4-BE49-F238E27FC236}">
-                <a16:creationId xmlns:a16="http://schemas.microsoft.com/office/drawing/2014/main" id="{27A1CE2C-24CE-5CF0-5C87-DF1AA93DB221}"/>
-              </a:ext>
-            </a:extLst>
-          </p:cNvPr>
-          <p:cNvSpPr/>
-          <p:nvPr/>
-        </p:nvSpPr>
-        <p:spPr>
-          <a:xfrm>
-            <a:off x="9032238" y="5147560"/>
-            <a:ext cx="909221" cy="502470"/>
-          </a:xfrm>
-          <a:prstGeom prst="rect">
-            <a:avLst/>
-          </a:prstGeom>
-          <a:solidFill>
-            <a:schemeClr val="accent4">
-              <a:alpha val="50000"/>
-            </a:schemeClr>
-          </a:solidFill>
-          <a:ln>
-            <a:noFill/>
-          </a:ln>
-        </p:spPr>
-        <p:style>
-          <a:lnRef idx="0">
-            <a:scrgbClr r="0" g="0" b="0"/>
-          </a:lnRef>
-          <a:fillRef idx="0">
-            <a:scrgbClr r="0" g="0" b="0"/>
-          </a:fillRef>
-          <a:effectRef idx="0">
-            <a:scrgbClr r="0" g="0" b="0"/>
-          </a:effectRef>
-          <a:fontRef idx="minor">
-            <a:schemeClr val="lt1"/>
-          </a:fontRef>
-        </p:style>
-        <p:txBody>
-          <a:bodyPr rtlCol="0" anchor="ctr"/>
-          <a:lstStyle/>
           <a:p>
             <a:pPr algn="ctr"/>
             <a:r>
-              <a:rPr lang="en-US" altLang="ko-KR" sz="1200" dirty="0"/>
-              <a:t>AUTO</a:t>
+              <a:rPr lang="en-US" altLang="ko-KR" sz="1200" dirty="0">
+                <a:solidFill>
+                  <a:prstClr val="white"/>
+                </a:solidFill>
+                <a:latin typeface="맑은 고딕"/>
+              </a:rPr>
+              <a:t> </a:t>
             </a:r>
-          </a:p>
-          <a:p>
-            <a:pPr algn="ctr"/>
             <a:r>
-              <a:rPr lang="en-US" altLang="ko-KR" sz="1200" dirty="0"/>
-              <a:t>CLEAR</a:t>
+              <a:rPr lang="en-US" altLang="ko-KR" sz="1200" dirty="0">
+                <a:ea typeface="현대하모니 M" panose="02020603020101020101"/>
+              </a:rPr>
+              <a:t>~</a:t>
             </a:r>
-            <a:endParaRPr lang="ko-KR" altLang="en-US" sz="1200" dirty="0"/>
-          </a:p>
-        </p:txBody>
-      </p:sp>
-      <p:cxnSp>
-        <p:nvCxnSpPr>
-          <p:cNvPr id="48" name="연결선: 꺾임 47">
-            <a:extLst>
-              <a:ext uri="{FF2B5EF4-FFF2-40B4-BE49-F238E27FC236}">
-                <a16:creationId xmlns:a16="http://schemas.microsoft.com/office/drawing/2014/main" id="{DBAED552-4C15-B742-A11F-7AE49F13A98A}"/>
-              </a:ext>
-            </a:extLst>
-          </p:cNvPr>
-          <p:cNvCxnSpPr>
-            <a:cxnSpLocks/>
-            <a:stCxn id="41" idx="1"/>
-            <a:endCxn id="43" idx="3"/>
-          </p:cNvCxnSpPr>
-          <p:nvPr/>
-        </p:nvCxnSpPr>
-        <p:spPr>
-          <a:xfrm rot="10800000" flipV="1">
-            <a:off x="9941459" y="5157011"/>
-            <a:ext cx="427664" cy="241783"/>
-          </a:xfrm>
-          <a:prstGeom prst="bentConnector3">
-            <a:avLst>
-              <a:gd name="adj1" fmla="val 50000"/>
-            </a:avLst>
-          </a:prstGeom>
-          <a:ln w="28575" cap="flat" cmpd="sng" algn="ctr">
-            <a:solidFill>
-              <a:schemeClr val="accent2"/>
-            </a:solidFill>
-            <a:prstDash val="solid"/>
-            <a:round/>
-            <a:headEnd type="diamond" w="med" len="med"/>
-            <a:tailEnd type="triangle" w="med" len="med"/>
-          </a:ln>
-        </p:spPr>
-        <p:style>
-          <a:lnRef idx="0">
-            <a:scrgbClr r="0" g="0" b="0"/>
-          </a:lnRef>
-          <a:fillRef idx="0">
-            <a:scrgbClr r="0" g="0" b="0"/>
-          </a:fillRef>
-          <a:effectRef idx="0">
-            <a:scrgbClr r="0" g="0" b="0"/>
-          </a:effectRef>
-          <a:fontRef idx="minor">
-            <a:schemeClr val="tx1"/>
-          </a:fontRef>
-        </p:style>
-      </p:cxnSp>
-      <p:cxnSp>
-        <p:nvCxnSpPr>
-          <p:cNvPr id="54" name="연결선: 꺾임 53">
-            <a:extLst>
-              <a:ext uri="{FF2B5EF4-FFF2-40B4-BE49-F238E27FC236}">
-                <a16:creationId xmlns:a16="http://schemas.microsoft.com/office/drawing/2014/main" id="{17ECE069-7F8C-F29A-3EE9-AFA76E77A5EB}"/>
-              </a:ext>
-            </a:extLst>
-          </p:cNvPr>
-          <p:cNvCxnSpPr>
-            <a:cxnSpLocks/>
-            <a:stCxn id="41" idx="2"/>
-            <a:endCxn id="43" idx="2"/>
-          </p:cNvCxnSpPr>
-          <p:nvPr/>
-        </p:nvCxnSpPr>
-        <p:spPr>
-          <a:xfrm rot="5400000">
-            <a:off x="10189597" y="4780140"/>
-            <a:ext cx="167143" cy="1572637"/>
-          </a:xfrm>
-          <a:prstGeom prst="bentConnector3">
-            <a:avLst>
-              <a:gd name="adj1" fmla="val 236769"/>
-            </a:avLst>
-          </a:prstGeom>
-          <a:ln w="25400">
-            <a:prstDash val="dash"/>
-            <a:headEnd w="lg" len="lg"/>
-            <a:tailEnd type="triangle" w="lg" len="lg"/>
-          </a:ln>
-        </p:spPr>
-        <p:style>
-          <a:lnRef idx="1">
-            <a:schemeClr val="accent1"/>
-          </a:lnRef>
-          <a:fillRef idx="0">
-            <a:schemeClr val="accent1"/>
-          </a:fillRef>
-          <a:effectRef idx="0">
-            <a:schemeClr val="accent1"/>
-          </a:effectRef>
-          <a:fontRef idx="minor">
-            <a:schemeClr val="tx1"/>
-          </a:fontRef>
-        </p:style>
-      </p:cxnSp>
-      <p:cxnSp>
-        <p:nvCxnSpPr>
-          <p:cNvPr id="3" name="연결선: 꺾임 2">
-            <a:extLst>
-              <a:ext uri="{FF2B5EF4-FFF2-40B4-BE49-F238E27FC236}">
-                <a16:creationId xmlns:a16="http://schemas.microsoft.com/office/drawing/2014/main" id="{1E473859-FF8A-33F9-9810-BCAD5B56B83A}"/>
-              </a:ext>
-            </a:extLst>
-          </p:cNvPr>
-          <p:cNvCxnSpPr>
-            <a:cxnSpLocks/>
-            <a:stCxn id="51" idx="0"/>
-            <a:endCxn id="46" idx="2"/>
-          </p:cNvCxnSpPr>
-          <p:nvPr/>
-        </p:nvCxnSpPr>
-        <p:spPr>
-          <a:xfrm rot="5400000" flipH="1" flipV="1">
-            <a:off x="3896146" y="2947262"/>
-            <a:ext cx="3414230" cy="2829932"/>
-          </a:xfrm>
-          <a:prstGeom prst="bentConnector3">
-            <a:avLst>
-              <a:gd name="adj1" fmla="val 50000"/>
-            </a:avLst>
-          </a:prstGeom>
-          <a:ln w="25400">
-            <a:prstDash val="solid"/>
-            <a:headEnd w="lg" len="lg"/>
-            <a:tailEnd type="triangle" w="lg" len="lg"/>
-          </a:ln>
-        </p:spPr>
-        <p:style>
-          <a:lnRef idx="1">
-            <a:schemeClr val="accent1"/>
-          </a:lnRef>
-          <a:fillRef idx="0">
-            <a:schemeClr val="accent1"/>
-          </a:fillRef>
-          <a:effectRef idx="0">
-            <a:schemeClr val="accent1"/>
-          </a:effectRef>
-          <a:fontRef idx="minor">
-            <a:schemeClr val="tx1"/>
-          </a:fontRef>
-        </p:style>
-      </p:cxnSp>
-      <p:sp>
-        <p:nvSpPr>
-          <p:cNvPr id="6" name="사각형: 모서리가 접힌 도형 5">
-            <a:extLst>
-              <a:ext uri="{FF2B5EF4-FFF2-40B4-BE49-F238E27FC236}">
-                <a16:creationId xmlns:a16="http://schemas.microsoft.com/office/drawing/2014/main" id="{289BD39F-1B25-DC9B-9F1F-0F618977C435}"/>
-              </a:ext>
-            </a:extLst>
-          </p:cNvPr>
-          <p:cNvSpPr/>
-          <p:nvPr/>
-        </p:nvSpPr>
-        <p:spPr>
-          <a:xfrm>
-            <a:off x="8425898" y="354903"/>
-            <a:ext cx="1685035" cy="591039"/>
-          </a:xfrm>
-          <a:prstGeom prst="foldedCorner">
-            <a:avLst>
-              <a:gd name="adj" fmla="val 27487"/>
-            </a:avLst>
-          </a:prstGeom>
-          <a:solidFill>
-            <a:schemeClr val="accent3">
-              <a:alpha val="50000"/>
-            </a:schemeClr>
-          </a:solidFill>
-          <a:ln>
-            <a:noFill/>
-          </a:ln>
-        </p:spPr>
-        <p:style>
-          <a:lnRef idx="0">
-            <a:scrgbClr r="0" g="0" b="0"/>
-          </a:lnRef>
-          <a:fillRef idx="0">
-            <a:scrgbClr r="0" g="0" b="0"/>
-          </a:fillRef>
-          <a:effectRef idx="0">
-            <a:scrgbClr r="0" g="0" b="0"/>
-          </a:effectRef>
-          <a:fontRef idx="minor">
-            <a:schemeClr val="lt1"/>
-          </a:fontRef>
-        </p:style>
-        <p:txBody>
-          <a:bodyPr rtlCol="0" anchor="ctr"/>
-          <a:lstStyle/>
-          <a:p>
-            <a:pPr algn="ctr"/>
             <a:r>
-              <a:rPr lang="en-US" altLang="ko-KR" sz="900" dirty="0"/>
-              <a:t>./Sub/Sub/LH</a:t>
+              <a:rPr lang="en-US" altLang="ko-KR" sz="1200" dirty="0">
+                <a:solidFill>
+                  <a:prstClr val="white"/>
+                </a:solidFill>
+                <a:latin typeface="맑은 고딕"/>
+              </a:rPr>
+              <a:t> UnloadClear</a:t>
             </a:r>
-          </a:p>
-          <a:p>
-            <a:pPr algn="ctr"/>
             <a:r>
-              <a:rPr lang="en-US" altLang="ko-KR" sz="900" dirty="0"/>
-              <a:t>[LH]</a:t>
+              <a:rPr lang="en-US" altLang="ko-KR" sz="1200" dirty="0">
+                <a:ea typeface="현대하모니 M" panose="02020603020101020101"/>
+              </a:rPr>
+              <a:t>]</a:t>
             </a:r>
-            <a:endParaRPr lang="ko-KR" altLang="en-US" sz="900" dirty="0"/>
-          </a:p>
-        </p:txBody>
-      </p:sp>
-      <p:sp>
-        <p:nvSpPr>
-          <p:cNvPr id="10" name="사각형: 모서리가 접힌 도형 9">
-            <a:extLst>
-              <a:ext uri="{FF2B5EF4-FFF2-40B4-BE49-F238E27FC236}">
-                <a16:creationId xmlns:a16="http://schemas.microsoft.com/office/drawing/2014/main" id="{3016DACB-9738-0B1A-D47B-FBB44C254922}"/>
-              </a:ext>
-            </a:extLst>
-          </p:cNvPr>
-          <p:cNvSpPr/>
-          <p:nvPr/>
-        </p:nvSpPr>
-        <p:spPr>
-          <a:xfrm>
-            <a:off x="10216968" y="354903"/>
-            <a:ext cx="1685035" cy="591039"/>
-          </a:xfrm>
-          <a:prstGeom prst="foldedCorner">
-            <a:avLst>
-              <a:gd name="adj" fmla="val 27487"/>
-            </a:avLst>
-          </a:prstGeom>
-          <a:solidFill>
-            <a:schemeClr val="accent3">
-              <a:alpha val="50000"/>
-            </a:schemeClr>
-          </a:solidFill>
-          <a:ln>
-            <a:noFill/>
-          </a:ln>
-        </p:spPr>
-        <p:style>
-          <a:lnRef idx="0">
-            <a:scrgbClr r="0" g="0" b="0"/>
-          </a:lnRef>
-          <a:fillRef idx="0">
-            <a:scrgbClr r="0" g="0" b="0"/>
-          </a:fillRef>
-          <a:effectRef idx="0">
-            <a:scrgbClr r="0" g="0" b="0"/>
-          </a:effectRef>
-          <a:fontRef idx="minor">
-            <a:schemeClr val="lt1"/>
-          </a:fontRef>
-        </p:style>
-        <p:txBody>
-          <a:bodyPr rtlCol="0" anchor="ctr"/>
-          <a:lstStyle/>
-          <a:p>
-            <a:pPr algn="ctr"/>
-            <a:r>
-              <a:rPr lang="en-US" altLang="ko-KR" sz="900" dirty="0"/>
-              <a:t>./Sub/Sub/RH</a:t>
-            </a:r>
-          </a:p>
-          <a:p>
-            <a:pPr algn="ctr"/>
-            <a:r>
-              <a:rPr lang="en-US" altLang="ko-KR" sz="900" dirty="0"/>
-              <a:t>[RH]</a:t>
-            </a:r>
-            <a:endParaRPr lang="ko-KR" altLang="en-US" sz="900" dirty="0"/>
+            <a:endParaRPr lang="ko-KR" altLang="en-US" sz="1200" dirty="0">
+              <a:ea typeface="현대하모니 M" panose="02020603020101020101"/>
+            </a:endParaRPr>
           </a:p>
         </p:txBody>
       </p:sp>

--- a/DsDotNet/src/UnitTest/UnitTest.Model/ImportOfficeExample/Sample/Sub/BodyShop.pptx
+++ b/DsDotNet/src/UnitTest/UnitTest.Model/ImportOfficeExample/Sample/Sub/BodyShop.pptx
@@ -220,7 +220,7 @@
           <a:p>
             <a:fld id="{DD503887-5801-43A0-AEF9-041E8DDC2558}" type="datetimeFigureOut">
               <a:rPr lang="ko-KR" altLang="en-US" smtClean="0"/>
-              <a:t>2024-07-13</a:t>
+              <a:t>2024-07-14</a:t>
             </a:fld>
             <a:endParaRPr lang="ko-KR" altLang="en-US"/>
           </a:p>
@@ -397,7 +397,7 @@
           <a:p>
             <a:fld id="{95336A0E-57B1-4D4C-BD9B-2F72B5943464}" type="datetimeFigureOut">
               <a:rPr lang="ko-KR" altLang="en-US" smtClean="0"/>
-              <a:t>2024-07-13</a:t>
+              <a:t>2024-07-14</a:t>
             </a:fld>
             <a:endParaRPr lang="ko-KR" altLang="en-US"/>
           </a:p>
@@ -7162,7 +7162,7 @@
           <p:cNvPr id="11" name="그룹 10">
             <a:extLst>
               <a:ext uri="{FF2B5EF4-FFF2-40B4-BE49-F238E27FC236}">
-                <a16:creationId xmlns:a16="http://schemas.microsoft.com/office/drawing/2014/main" id="{5FFBCA99-209D-E6E9-82D4-E719BD0176DA}"/>
+                <a16:creationId xmlns:a16="http://schemas.microsoft.com/office/drawing/2014/main" id="{E9B0CFFA-11E1-7F5C-8F8C-FCB32E630A31}"/>
               </a:ext>
             </a:extLst>
           </p:cNvPr>
@@ -7612,7 +7612,7 @@
           <p:cNvPr id="10" name="그룹 9">
             <a:extLst>
               <a:ext uri="{FF2B5EF4-FFF2-40B4-BE49-F238E27FC236}">
-                <a16:creationId xmlns:a16="http://schemas.microsoft.com/office/drawing/2014/main" id="{C44CF3CF-241A-CF21-5814-10B2BA751FD9}"/>
+                <a16:creationId xmlns:a16="http://schemas.microsoft.com/office/drawing/2014/main" id="{15ED2F67-BBC1-6B00-1041-7D297AD034C6}"/>
               </a:ext>
             </a:extLst>
           </p:cNvPr>
@@ -7802,7 +7802,7 @@
           <p:cNvPr id="9" name="그룹 8">
             <a:extLst>
               <a:ext uri="{FF2B5EF4-FFF2-40B4-BE49-F238E27FC236}">
-                <a16:creationId xmlns:a16="http://schemas.microsoft.com/office/drawing/2014/main" id="{4A8B4519-3F06-1AB8-9357-AA1CE772CE94}"/>
+                <a16:creationId xmlns:a16="http://schemas.microsoft.com/office/drawing/2014/main" id="{31F3D5F5-1909-F66B-4CF9-5E3FE665EC7B}"/>
               </a:ext>
             </a:extLst>
           </p:cNvPr>
@@ -8340,7 +8340,7 @@
           <p:cNvPr id="8" name="그룹 7">
             <a:extLst>
               <a:ext uri="{FF2B5EF4-FFF2-40B4-BE49-F238E27FC236}">
-                <a16:creationId xmlns:a16="http://schemas.microsoft.com/office/drawing/2014/main" id="{3D31CB90-0A43-573A-27C2-1C2372B58ADF}"/>
+                <a16:creationId xmlns:a16="http://schemas.microsoft.com/office/drawing/2014/main" id="{B283631D-B208-80EB-8EE1-834B0A4AD5CD}"/>
               </a:ext>
             </a:extLst>
           </p:cNvPr>

--- a/DsDotNet/src/UnitTest/UnitTest.Model/ImportOfficeExample/Sample/Sub/BodyShop.pptx
+++ b/DsDotNet/src/UnitTest/UnitTest.Model/ImportOfficeExample/Sample/Sub/BodyShop.pptx
@@ -2603,7 +2603,7 @@
           <p:cNvPr id="2" name="TextBox 1">
             <a:extLst>
               <a:ext uri="{FF2B5EF4-FFF2-40B4-BE49-F238E27FC236}">
-                <a16:creationId xmlns:a16="http://schemas.microsoft.com/office/drawing/2014/main" id="{77F3E0B0-B06B-F1B1-2262-D59797894088}"/>
+                <a16:creationId xmlns:a16="http://schemas.microsoft.com/office/drawing/2014/main" id="{3B4FC02F-46AC-16C8-B8DC-0ED4792F6A49}"/>
               </a:ext>
             </a:extLst>
           </p:cNvPr>
@@ -2639,7 +2639,7 @@
           <p:cNvPr id="3" name="표 2">
             <a:extLst>
               <a:ext uri="{FF2B5EF4-FFF2-40B4-BE49-F238E27FC236}">
-                <a16:creationId xmlns:a16="http://schemas.microsoft.com/office/drawing/2014/main" id="{5F4FA6AC-8E16-8C44-AA1F-15401B228E4F}"/>
+                <a16:creationId xmlns:a16="http://schemas.microsoft.com/office/drawing/2014/main" id="{4324E999-B0A7-2869-3051-FC4F4C25901A}"/>
               </a:ext>
             </a:extLst>
           </p:cNvPr>
@@ -2649,7 +2649,7 @@
           <p:nvPr>
             <p:extLst>
               <p:ext uri="{D42A27DB-BD31-4B8C-83A1-F6EECF244321}">
-                <p14:modId xmlns:p14="http://schemas.microsoft.com/office/powerpoint/2010/main" val="1977280721"/>
+                <p14:modId xmlns:p14="http://schemas.microsoft.com/office/powerpoint/2010/main" val="3643552626"/>
               </p:ext>
             </p:extLst>
           </p:nvPr>
@@ -2668,56 +2668,56 @@
                 <a:gridCol w="929027">
                   <a:extLst>
                     <a:ext uri="{9D8B030D-6E8A-4147-A177-3AD203B41FA5}">
-                      <a16:colId xmlns:a16="http://schemas.microsoft.com/office/drawing/2014/main" val="1647972562"/>
+                      <a16:colId xmlns:a16="http://schemas.microsoft.com/office/drawing/2014/main" val="1902618909"/>
                     </a:ext>
                   </a:extLst>
                 </a:gridCol>
                 <a:gridCol w="1486444">
                   <a:extLst>
                     <a:ext uri="{9D8B030D-6E8A-4147-A177-3AD203B41FA5}">
-                      <a16:colId xmlns:a16="http://schemas.microsoft.com/office/drawing/2014/main" val="3954079029"/>
+                      <a16:colId xmlns:a16="http://schemas.microsoft.com/office/drawing/2014/main" val="2320297353"/>
                     </a:ext>
                   </a:extLst>
                 </a:gridCol>
                 <a:gridCol w="2183214">
                   <a:extLst>
                     <a:ext uri="{9D8B030D-6E8A-4147-A177-3AD203B41FA5}">
-                      <a16:colId xmlns:a16="http://schemas.microsoft.com/office/drawing/2014/main" val="1783530504"/>
+                      <a16:colId xmlns:a16="http://schemas.microsoft.com/office/drawing/2014/main" val="1854395218"/>
                     </a:ext>
                   </a:extLst>
                 </a:gridCol>
                 <a:gridCol w="1486444">
                   <a:extLst>
                     <a:ext uri="{9D8B030D-6E8A-4147-A177-3AD203B41FA5}">
-                      <a16:colId xmlns:a16="http://schemas.microsoft.com/office/drawing/2014/main" val="3860117327"/>
+                      <a16:colId xmlns:a16="http://schemas.microsoft.com/office/drawing/2014/main" val="1154814530"/>
                     </a:ext>
                   </a:extLst>
                 </a:gridCol>
                 <a:gridCol w="2183214">
                   <a:extLst>
                     <a:ext uri="{9D8B030D-6E8A-4147-A177-3AD203B41FA5}">
-                      <a16:colId xmlns:a16="http://schemas.microsoft.com/office/drawing/2014/main" val="1247778512"/>
+                      <a16:colId xmlns:a16="http://schemas.microsoft.com/office/drawing/2014/main" val="3613791781"/>
                     </a:ext>
                   </a:extLst>
                 </a:gridCol>
                 <a:gridCol w="2183214">
                   <a:extLst>
                     <a:ext uri="{9D8B030D-6E8A-4147-A177-3AD203B41FA5}">
-                      <a16:colId xmlns:a16="http://schemas.microsoft.com/office/drawing/2014/main" val="2053815147"/>
+                      <a16:colId xmlns:a16="http://schemas.microsoft.com/office/drawing/2014/main" val="794241197"/>
                     </a:ext>
                   </a:extLst>
                 </a:gridCol>
                 <a:gridCol w="743222">
                   <a:extLst>
                     <a:ext uri="{9D8B030D-6E8A-4147-A177-3AD203B41FA5}">
-                      <a16:colId xmlns:a16="http://schemas.microsoft.com/office/drawing/2014/main" val="1261104560"/>
+                      <a16:colId xmlns:a16="http://schemas.microsoft.com/office/drawing/2014/main" val="103464470"/>
                     </a:ext>
                   </a:extLst>
                 </a:gridCol>
                 <a:gridCol w="743222">
                   <a:extLst>
                     <a:ext uri="{9D8B030D-6E8A-4147-A177-3AD203B41FA5}">
-                      <a16:colId xmlns:a16="http://schemas.microsoft.com/office/drawing/2014/main" val="1688490883"/>
+                      <a16:colId xmlns:a16="http://schemas.microsoft.com/office/drawing/2014/main" val="111823184"/>
                     </a:ext>
                   </a:extLst>
                 </a:gridCol>
@@ -2848,7 +2848,7 @@
                 </a:tc>
                 <a:extLst>
                   <a:ext uri="{0D108BD9-81ED-4DB2-BD59-A6C34878D82A}">
-                    <a16:rowId xmlns:a16="http://schemas.microsoft.com/office/drawing/2014/main" val="1502684545"/>
+                    <a16:rowId xmlns:a16="http://schemas.microsoft.com/office/drawing/2014/main" val="1484933591"/>
                   </a:ext>
                 </a:extLst>
               </a:tr>
@@ -2966,7 +2966,7 @@
                 </a:tc>
                 <a:extLst>
                   <a:ext uri="{0D108BD9-81ED-4DB2-BD59-A6C34878D82A}">
-                    <a16:rowId xmlns:a16="http://schemas.microsoft.com/office/drawing/2014/main" val="3453499303"/>
+                    <a16:rowId xmlns:a16="http://schemas.microsoft.com/office/drawing/2014/main" val="1488062711"/>
                   </a:ext>
                 </a:extLst>
               </a:tr>
@@ -3038,22 +3038,22 @@
                       <a:pPr algn="ctr" latinLnBrk="1"/>
                       <a:r>
                         <a:rPr lang="en-US" altLang="ko-KR" sz="1000"/>
-                        <a:t>%IX0.0.0</a:t>
-                      </a:r>
-                      <a:endParaRPr lang="ko-KR" altLang="en-US" sz="1000"/>
-                    </a:p>
-                  </a:txBody>
-                  <a:tcPr anchor="ctr"/>
-                </a:tc>
-                <a:tc>
-                  <a:txBody>
-                    <a:bodyPr/>
-                    <a:lstStyle/>
-                    <a:p>
-                      <a:pPr algn="ctr" latinLnBrk="1"/>
-                      <a:r>
-                        <a:rPr lang="en-US" altLang="ko-KR" sz="1000"/>
-                        <a:t>%QX0.1.0</a:t>
+                        <a:t>%IX0.4.0</a:t>
+                      </a:r>
+                      <a:endParaRPr lang="ko-KR" altLang="en-US" sz="1000"/>
+                    </a:p>
+                  </a:txBody>
+                  <a:tcPr anchor="ctr"/>
+                </a:tc>
+                <a:tc>
+                  <a:txBody>
+                    <a:bodyPr/>
+                    <a:lstStyle/>
+                    <a:p>
+                      <a:pPr algn="ctr" latinLnBrk="1"/>
+                      <a:r>
+                        <a:rPr lang="en-US" altLang="ko-KR" sz="1000"/>
+                        <a:t>%QX0.0.0</a:t>
                       </a:r>
                       <a:endParaRPr lang="ko-KR" altLang="en-US" sz="1000"/>
                     </a:p>
@@ -3084,7 +3084,7 @@
                 </a:tc>
                 <a:extLst>
                   <a:ext uri="{0D108BD9-81ED-4DB2-BD59-A6C34878D82A}">
-                    <a16:rowId xmlns:a16="http://schemas.microsoft.com/office/drawing/2014/main" val="576112357"/>
+                    <a16:rowId xmlns:a16="http://schemas.microsoft.com/office/drawing/2014/main" val="880784010"/>
                   </a:ext>
                 </a:extLst>
               </a:tr>
@@ -3156,22 +3156,22 @@
                       <a:pPr algn="ctr" latinLnBrk="1"/>
                       <a:r>
                         <a:rPr lang="en-US" altLang="ko-KR" sz="1000"/>
-                        <a:t>%IX0.0.1</a:t>
-                      </a:r>
-                      <a:endParaRPr lang="ko-KR" altLang="en-US" sz="1000"/>
-                    </a:p>
-                  </a:txBody>
-                  <a:tcPr anchor="ctr"/>
-                </a:tc>
-                <a:tc>
-                  <a:txBody>
-                    <a:bodyPr/>
-                    <a:lstStyle/>
-                    <a:p>
-                      <a:pPr algn="ctr" latinLnBrk="1"/>
-                      <a:r>
-                        <a:rPr lang="en-US" altLang="ko-KR" sz="1000"/>
-                        <a:t>%QX0.1.1</a:t>
+                        <a:t>%IX0.4.1</a:t>
+                      </a:r>
+                      <a:endParaRPr lang="ko-KR" altLang="en-US" sz="1000"/>
+                    </a:p>
+                  </a:txBody>
+                  <a:tcPr anchor="ctr"/>
+                </a:tc>
+                <a:tc>
+                  <a:txBody>
+                    <a:bodyPr/>
+                    <a:lstStyle/>
+                    <a:p>
+                      <a:pPr algn="ctr" latinLnBrk="1"/>
+                      <a:r>
+                        <a:rPr lang="en-US" altLang="ko-KR" sz="1000"/>
+                        <a:t>%QX0.0.1</a:t>
                       </a:r>
                       <a:endParaRPr lang="ko-KR" altLang="en-US" sz="1000"/>
                     </a:p>
@@ -3202,7 +3202,7 @@
                 </a:tc>
                 <a:extLst>
                   <a:ext uri="{0D108BD9-81ED-4DB2-BD59-A6C34878D82A}">
-                    <a16:rowId xmlns:a16="http://schemas.microsoft.com/office/drawing/2014/main" val="1009607314"/>
+                    <a16:rowId xmlns:a16="http://schemas.microsoft.com/office/drawing/2014/main" val="2966256392"/>
                   </a:ext>
                 </a:extLst>
               </a:tr>
@@ -3320,7 +3320,7 @@
                 </a:tc>
                 <a:extLst>
                   <a:ext uri="{0D108BD9-81ED-4DB2-BD59-A6C34878D82A}">
-                    <a16:rowId xmlns:a16="http://schemas.microsoft.com/office/drawing/2014/main" val="1157252200"/>
+                    <a16:rowId xmlns:a16="http://schemas.microsoft.com/office/drawing/2014/main" val="1956899141"/>
                   </a:ext>
                 </a:extLst>
               </a:tr>
@@ -3392,22 +3392,22 @@
                       <a:pPr algn="ctr" latinLnBrk="1"/>
                       <a:r>
                         <a:rPr lang="en-US" altLang="ko-KR" sz="1000"/>
-                        <a:t>%IX0.0.2</a:t>
-                      </a:r>
-                      <a:endParaRPr lang="ko-KR" altLang="en-US" sz="1000"/>
-                    </a:p>
-                  </a:txBody>
-                  <a:tcPr anchor="ctr"/>
-                </a:tc>
-                <a:tc>
-                  <a:txBody>
-                    <a:bodyPr/>
-                    <a:lstStyle/>
-                    <a:p>
-                      <a:pPr algn="ctr" latinLnBrk="1"/>
-                      <a:r>
-                        <a:rPr lang="en-US" altLang="ko-KR" sz="1000"/>
-                        <a:t>%QX0.1.2</a:t>
+                        <a:t>%IX0.4.2</a:t>
+                      </a:r>
+                      <a:endParaRPr lang="ko-KR" altLang="en-US" sz="1000"/>
+                    </a:p>
+                  </a:txBody>
+                  <a:tcPr anchor="ctr"/>
+                </a:tc>
+                <a:tc>
+                  <a:txBody>
+                    <a:bodyPr/>
+                    <a:lstStyle/>
+                    <a:p>
+                      <a:pPr algn="ctr" latinLnBrk="1"/>
+                      <a:r>
+                        <a:rPr lang="en-US" altLang="ko-KR" sz="1000"/>
+                        <a:t>%QX0.0.2</a:t>
                       </a:r>
                       <a:endParaRPr lang="ko-KR" altLang="en-US" sz="1000"/>
                     </a:p>
@@ -3438,7 +3438,7 @@
                 </a:tc>
                 <a:extLst>
                   <a:ext uri="{0D108BD9-81ED-4DB2-BD59-A6C34878D82A}">
-                    <a16:rowId xmlns:a16="http://schemas.microsoft.com/office/drawing/2014/main" val="782664614"/>
+                    <a16:rowId xmlns:a16="http://schemas.microsoft.com/office/drawing/2014/main" val="985056253"/>
                   </a:ext>
                 </a:extLst>
               </a:tr>
@@ -3510,22 +3510,22 @@
                       <a:pPr algn="ctr" latinLnBrk="1"/>
                       <a:r>
                         <a:rPr lang="en-US" altLang="ko-KR" sz="1000"/>
-                        <a:t>%IX0.0.3</a:t>
-                      </a:r>
-                      <a:endParaRPr lang="ko-KR" altLang="en-US" sz="1000"/>
-                    </a:p>
-                  </a:txBody>
-                  <a:tcPr anchor="ctr"/>
-                </a:tc>
-                <a:tc>
-                  <a:txBody>
-                    <a:bodyPr/>
-                    <a:lstStyle/>
-                    <a:p>
-                      <a:pPr algn="ctr" latinLnBrk="1"/>
-                      <a:r>
-                        <a:rPr lang="en-US" altLang="ko-KR" sz="1000"/>
-                        <a:t>%QX0.1.3</a:t>
+                        <a:t>%IX0.4.3</a:t>
+                      </a:r>
+                      <a:endParaRPr lang="ko-KR" altLang="en-US" sz="1000"/>
+                    </a:p>
+                  </a:txBody>
+                  <a:tcPr anchor="ctr"/>
+                </a:tc>
+                <a:tc>
+                  <a:txBody>
+                    <a:bodyPr/>
+                    <a:lstStyle/>
+                    <a:p>
+                      <a:pPr algn="ctr" latinLnBrk="1"/>
+                      <a:r>
+                        <a:rPr lang="en-US" altLang="ko-KR" sz="1000"/>
+                        <a:t>%QX0.0.3</a:t>
                       </a:r>
                       <a:endParaRPr lang="ko-KR" altLang="en-US" sz="1000"/>
                     </a:p>
@@ -3556,7 +3556,7 @@
                 </a:tc>
                 <a:extLst>
                   <a:ext uri="{0D108BD9-81ED-4DB2-BD59-A6C34878D82A}">
-                    <a16:rowId xmlns:a16="http://schemas.microsoft.com/office/drawing/2014/main" val="3463337287"/>
+                    <a16:rowId xmlns:a16="http://schemas.microsoft.com/office/drawing/2014/main" val="3531566678"/>
                   </a:ext>
                 </a:extLst>
               </a:tr>
@@ -3674,7 +3674,7 @@
                 </a:tc>
                 <a:extLst>
                   <a:ext uri="{0D108BD9-81ED-4DB2-BD59-A6C34878D82A}">
-                    <a16:rowId xmlns:a16="http://schemas.microsoft.com/office/drawing/2014/main" val="550759917"/>
+                    <a16:rowId xmlns:a16="http://schemas.microsoft.com/office/drawing/2014/main" val="2519851634"/>
                   </a:ext>
                 </a:extLst>
               </a:tr>
@@ -3746,22 +3746,22 @@
                       <a:pPr algn="ctr" latinLnBrk="1"/>
                       <a:r>
                         <a:rPr lang="en-US" altLang="ko-KR" sz="1000"/>
-                        <a:t>%IX0.0.4</a:t>
-                      </a:r>
-                      <a:endParaRPr lang="ko-KR" altLang="en-US" sz="1000"/>
-                    </a:p>
-                  </a:txBody>
-                  <a:tcPr anchor="ctr"/>
-                </a:tc>
-                <a:tc>
-                  <a:txBody>
-                    <a:bodyPr/>
-                    <a:lstStyle/>
-                    <a:p>
-                      <a:pPr algn="ctr" latinLnBrk="1"/>
-                      <a:r>
-                        <a:rPr lang="en-US" altLang="ko-KR" sz="1000"/>
-                        <a:t>%QX0.1.4</a:t>
+                        <a:t>%IX0.4.4</a:t>
+                      </a:r>
+                      <a:endParaRPr lang="ko-KR" altLang="en-US" sz="1000"/>
+                    </a:p>
+                  </a:txBody>
+                  <a:tcPr anchor="ctr"/>
+                </a:tc>
+                <a:tc>
+                  <a:txBody>
+                    <a:bodyPr/>
+                    <a:lstStyle/>
+                    <a:p>
+                      <a:pPr algn="ctr" latinLnBrk="1"/>
+                      <a:r>
+                        <a:rPr lang="en-US" altLang="ko-KR" sz="1000"/>
+                        <a:t>%QX0.0.4</a:t>
                       </a:r>
                       <a:endParaRPr lang="ko-KR" altLang="en-US" sz="1000"/>
                     </a:p>
@@ -3792,7 +3792,7 @@
                 </a:tc>
                 <a:extLst>
                   <a:ext uri="{0D108BD9-81ED-4DB2-BD59-A6C34878D82A}">
-                    <a16:rowId xmlns:a16="http://schemas.microsoft.com/office/drawing/2014/main" val="2414579699"/>
+                    <a16:rowId xmlns:a16="http://schemas.microsoft.com/office/drawing/2014/main" val="627030734"/>
                   </a:ext>
                 </a:extLst>
               </a:tr>
@@ -3864,22 +3864,22 @@
                       <a:pPr algn="ctr" latinLnBrk="1"/>
                       <a:r>
                         <a:rPr lang="en-US" altLang="ko-KR" sz="1000"/>
-                        <a:t>%IX0.0.5</a:t>
-                      </a:r>
-                      <a:endParaRPr lang="ko-KR" altLang="en-US" sz="1000"/>
-                    </a:p>
-                  </a:txBody>
-                  <a:tcPr anchor="ctr"/>
-                </a:tc>
-                <a:tc>
-                  <a:txBody>
-                    <a:bodyPr/>
-                    <a:lstStyle/>
-                    <a:p>
-                      <a:pPr algn="ctr" latinLnBrk="1"/>
-                      <a:r>
-                        <a:rPr lang="en-US" altLang="ko-KR" sz="1000"/>
-                        <a:t>%QX0.1.5</a:t>
+                        <a:t>%IX0.4.5</a:t>
+                      </a:r>
+                      <a:endParaRPr lang="ko-KR" altLang="en-US" sz="1000"/>
+                    </a:p>
+                  </a:txBody>
+                  <a:tcPr anchor="ctr"/>
+                </a:tc>
+                <a:tc>
+                  <a:txBody>
+                    <a:bodyPr/>
+                    <a:lstStyle/>
+                    <a:p>
+                      <a:pPr algn="ctr" latinLnBrk="1"/>
+                      <a:r>
+                        <a:rPr lang="en-US" altLang="ko-KR" sz="1000"/>
+                        <a:t>%QX0.0.5</a:t>
                       </a:r>
                       <a:endParaRPr lang="ko-KR" altLang="en-US" sz="1000"/>
                     </a:p>
@@ -3910,7 +3910,7 @@
                 </a:tc>
                 <a:extLst>
                   <a:ext uri="{0D108BD9-81ED-4DB2-BD59-A6C34878D82A}">
-                    <a16:rowId xmlns:a16="http://schemas.microsoft.com/office/drawing/2014/main" val="1606860808"/>
+                    <a16:rowId xmlns:a16="http://schemas.microsoft.com/office/drawing/2014/main" val="1028969430"/>
                   </a:ext>
                 </a:extLst>
               </a:tr>
@@ -3921,7 +3921,7 @@
     </p:spTree>
     <p:extLst>
       <p:ext uri="{BB962C8B-B14F-4D97-AF65-F5344CB8AC3E}">
-        <p14:creationId xmlns:p14="http://schemas.microsoft.com/office/powerpoint/2010/main" val="2855669944"/>
+        <p14:creationId xmlns:p14="http://schemas.microsoft.com/office/powerpoint/2010/main" val="164689485"/>
       </p:ext>
     </p:extLst>
   </p:cSld>
@@ -3961,7 +3961,7 @@
           <p:cNvPr id="2" name="TextBox 1">
             <a:extLst>
               <a:ext uri="{FF2B5EF4-FFF2-40B4-BE49-F238E27FC236}">
-                <a16:creationId xmlns:a16="http://schemas.microsoft.com/office/drawing/2014/main" id="{AA13BF80-B784-6799-3666-B3100067F59B}"/>
+                <a16:creationId xmlns:a16="http://schemas.microsoft.com/office/drawing/2014/main" id="{98E69619-89C9-DB99-AD17-B98A0030E6A3}"/>
               </a:ext>
             </a:extLst>
           </p:cNvPr>
@@ -3997,7 +3997,7 @@
           <p:cNvPr id="3" name="표 2">
             <a:extLst>
               <a:ext uri="{FF2B5EF4-FFF2-40B4-BE49-F238E27FC236}">
-                <a16:creationId xmlns:a16="http://schemas.microsoft.com/office/drawing/2014/main" id="{F56FF97B-492A-F1D7-F20E-BADE4EE16984}"/>
+                <a16:creationId xmlns:a16="http://schemas.microsoft.com/office/drawing/2014/main" id="{5FC55E67-8306-0227-66A5-9E62CF8B35F8}"/>
               </a:ext>
             </a:extLst>
           </p:cNvPr>
@@ -4007,7 +4007,7 @@
           <p:nvPr>
             <p:extLst>
               <p:ext uri="{D42A27DB-BD31-4B8C-83A1-F6EECF244321}">
-                <p14:modId xmlns:p14="http://schemas.microsoft.com/office/powerpoint/2010/main" val="1339894570"/>
+                <p14:modId xmlns:p14="http://schemas.microsoft.com/office/powerpoint/2010/main" val="1816756011"/>
               </p:ext>
             </p:extLst>
           </p:nvPr>
@@ -4026,56 +4026,56 @@
                 <a:gridCol w="929027">
                   <a:extLst>
                     <a:ext uri="{9D8B030D-6E8A-4147-A177-3AD203B41FA5}">
-                      <a16:colId xmlns:a16="http://schemas.microsoft.com/office/drawing/2014/main" val="3223646352"/>
+                      <a16:colId xmlns:a16="http://schemas.microsoft.com/office/drawing/2014/main" val="3415088154"/>
                     </a:ext>
                   </a:extLst>
                 </a:gridCol>
                 <a:gridCol w="1486444">
                   <a:extLst>
                     <a:ext uri="{9D8B030D-6E8A-4147-A177-3AD203B41FA5}">
-                      <a16:colId xmlns:a16="http://schemas.microsoft.com/office/drawing/2014/main" val="4272498840"/>
+                      <a16:colId xmlns:a16="http://schemas.microsoft.com/office/drawing/2014/main" val="1251707879"/>
                     </a:ext>
                   </a:extLst>
                 </a:gridCol>
                 <a:gridCol w="2183214">
                   <a:extLst>
                     <a:ext uri="{9D8B030D-6E8A-4147-A177-3AD203B41FA5}">
-                      <a16:colId xmlns:a16="http://schemas.microsoft.com/office/drawing/2014/main" val="4018252828"/>
+                      <a16:colId xmlns:a16="http://schemas.microsoft.com/office/drawing/2014/main" val="2883219357"/>
                     </a:ext>
                   </a:extLst>
                 </a:gridCol>
                 <a:gridCol w="1486444">
                   <a:extLst>
                     <a:ext uri="{9D8B030D-6E8A-4147-A177-3AD203B41FA5}">
-                      <a16:colId xmlns:a16="http://schemas.microsoft.com/office/drawing/2014/main" val="3956008155"/>
+                      <a16:colId xmlns:a16="http://schemas.microsoft.com/office/drawing/2014/main" val="973101091"/>
                     </a:ext>
                   </a:extLst>
                 </a:gridCol>
                 <a:gridCol w="2183214">
                   <a:extLst>
                     <a:ext uri="{9D8B030D-6E8A-4147-A177-3AD203B41FA5}">
-                      <a16:colId xmlns:a16="http://schemas.microsoft.com/office/drawing/2014/main" val="178915679"/>
+                      <a16:colId xmlns:a16="http://schemas.microsoft.com/office/drawing/2014/main" val="554005465"/>
                     </a:ext>
                   </a:extLst>
                 </a:gridCol>
                 <a:gridCol w="2183214">
                   <a:extLst>
                     <a:ext uri="{9D8B030D-6E8A-4147-A177-3AD203B41FA5}">
-                      <a16:colId xmlns:a16="http://schemas.microsoft.com/office/drawing/2014/main" val="3943999451"/>
+                      <a16:colId xmlns:a16="http://schemas.microsoft.com/office/drawing/2014/main" val="1879542657"/>
                     </a:ext>
                   </a:extLst>
                 </a:gridCol>
                 <a:gridCol w="743222">
                   <a:extLst>
                     <a:ext uri="{9D8B030D-6E8A-4147-A177-3AD203B41FA5}">
-                      <a16:colId xmlns:a16="http://schemas.microsoft.com/office/drawing/2014/main" val="3224849322"/>
+                      <a16:colId xmlns:a16="http://schemas.microsoft.com/office/drawing/2014/main" val="2600190131"/>
                     </a:ext>
                   </a:extLst>
                 </a:gridCol>
                 <a:gridCol w="743222">
                   <a:extLst>
                     <a:ext uri="{9D8B030D-6E8A-4147-A177-3AD203B41FA5}">
-                      <a16:colId xmlns:a16="http://schemas.microsoft.com/office/drawing/2014/main" val="2942721556"/>
+                      <a16:colId xmlns:a16="http://schemas.microsoft.com/office/drawing/2014/main" val="2727624039"/>
                     </a:ext>
                   </a:extLst>
                 </a:gridCol>
@@ -4206,7 +4206,7 @@
                 </a:tc>
                 <a:extLst>
                   <a:ext uri="{0D108BD9-81ED-4DB2-BD59-A6C34878D82A}">
-                    <a16:rowId xmlns:a16="http://schemas.microsoft.com/office/drawing/2014/main" val="3997364937"/>
+                    <a16:rowId xmlns:a16="http://schemas.microsoft.com/office/drawing/2014/main" val="4179841971"/>
                   </a:ext>
                 </a:extLst>
               </a:tr>
@@ -4324,7 +4324,7 @@
                 </a:tc>
                 <a:extLst>
                   <a:ext uri="{0D108BD9-81ED-4DB2-BD59-A6C34878D82A}">
-                    <a16:rowId xmlns:a16="http://schemas.microsoft.com/office/drawing/2014/main" val="1673083657"/>
+                    <a16:rowId xmlns:a16="http://schemas.microsoft.com/office/drawing/2014/main" val="855863822"/>
                   </a:ext>
                 </a:extLst>
               </a:tr>
@@ -4442,7 +4442,7 @@
                 </a:tc>
                 <a:extLst>
                   <a:ext uri="{0D108BD9-81ED-4DB2-BD59-A6C34878D82A}">
-                    <a16:rowId xmlns:a16="http://schemas.microsoft.com/office/drawing/2014/main" val="692117300"/>
+                    <a16:rowId xmlns:a16="http://schemas.microsoft.com/office/drawing/2014/main" val="1853384718"/>
                   </a:ext>
                 </a:extLst>
               </a:tr>
@@ -4560,7 +4560,7 @@
                 </a:tc>
                 <a:extLst>
                   <a:ext uri="{0D108BD9-81ED-4DB2-BD59-A6C34878D82A}">
-                    <a16:rowId xmlns:a16="http://schemas.microsoft.com/office/drawing/2014/main" val="1651040040"/>
+                    <a16:rowId xmlns:a16="http://schemas.microsoft.com/office/drawing/2014/main" val="685016561"/>
                   </a:ext>
                 </a:extLst>
               </a:tr>
@@ -4678,7 +4678,7 @@
                 </a:tc>
                 <a:extLst>
                   <a:ext uri="{0D108BD9-81ED-4DB2-BD59-A6C34878D82A}">
-                    <a16:rowId xmlns:a16="http://schemas.microsoft.com/office/drawing/2014/main" val="1198496485"/>
+                    <a16:rowId xmlns:a16="http://schemas.microsoft.com/office/drawing/2014/main" val="2652205937"/>
                   </a:ext>
                 </a:extLst>
               </a:tr>
@@ -4796,7 +4796,7 @@
                 </a:tc>
                 <a:extLst>
                   <a:ext uri="{0D108BD9-81ED-4DB2-BD59-A6C34878D82A}">
-                    <a16:rowId xmlns:a16="http://schemas.microsoft.com/office/drawing/2014/main" val="2760393165"/>
+                    <a16:rowId xmlns:a16="http://schemas.microsoft.com/office/drawing/2014/main" val="2072663909"/>
                   </a:ext>
                 </a:extLst>
               </a:tr>
@@ -4914,7 +4914,7 @@
                 </a:tc>
                 <a:extLst>
                   <a:ext uri="{0D108BD9-81ED-4DB2-BD59-A6C34878D82A}">
-                    <a16:rowId xmlns:a16="http://schemas.microsoft.com/office/drawing/2014/main" val="2282132374"/>
+                    <a16:rowId xmlns:a16="http://schemas.microsoft.com/office/drawing/2014/main" val="2537321511"/>
                   </a:ext>
                 </a:extLst>
               </a:tr>
@@ -5032,7 +5032,7 @@
                 </a:tc>
                 <a:extLst>
                   <a:ext uri="{0D108BD9-81ED-4DB2-BD59-A6C34878D82A}">
-                    <a16:rowId xmlns:a16="http://schemas.microsoft.com/office/drawing/2014/main" val="2363749546"/>
+                    <a16:rowId xmlns:a16="http://schemas.microsoft.com/office/drawing/2014/main" val="202424109"/>
                   </a:ext>
                 </a:extLst>
               </a:tr>
@@ -5150,7 +5150,7 @@
                 </a:tc>
                 <a:extLst>
                   <a:ext uri="{0D108BD9-81ED-4DB2-BD59-A6C34878D82A}">
-                    <a16:rowId xmlns:a16="http://schemas.microsoft.com/office/drawing/2014/main" val="3767538944"/>
+                    <a16:rowId xmlns:a16="http://schemas.microsoft.com/office/drawing/2014/main" val="336881165"/>
                   </a:ext>
                 </a:extLst>
               </a:tr>
@@ -5268,7 +5268,7 @@
                 </a:tc>
                 <a:extLst>
                   <a:ext uri="{0D108BD9-81ED-4DB2-BD59-A6C34878D82A}">
-                    <a16:rowId xmlns:a16="http://schemas.microsoft.com/office/drawing/2014/main" val="2474892780"/>
+                    <a16:rowId xmlns:a16="http://schemas.microsoft.com/office/drawing/2014/main" val="3358409199"/>
                   </a:ext>
                 </a:extLst>
               </a:tr>
@@ -5386,7 +5386,7 @@
                 </a:tc>
                 <a:extLst>
                   <a:ext uri="{0D108BD9-81ED-4DB2-BD59-A6C34878D82A}">
-                    <a16:rowId xmlns:a16="http://schemas.microsoft.com/office/drawing/2014/main" val="394216620"/>
+                    <a16:rowId xmlns:a16="http://schemas.microsoft.com/office/drawing/2014/main" val="3517194723"/>
                   </a:ext>
                 </a:extLst>
               </a:tr>
@@ -5504,7 +5504,7 @@
                 </a:tc>
                 <a:extLst>
                   <a:ext uri="{0D108BD9-81ED-4DB2-BD59-A6C34878D82A}">
-                    <a16:rowId xmlns:a16="http://schemas.microsoft.com/office/drawing/2014/main" val="116709044"/>
+                    <a16:rowId xmlns:a16="http://schemas.microsoft.com/office/drawing/2014/main" val="1929753176"/>
                   </a:ext>
                 </a:extLst>
               </a:tr>
@@ -5622,7 +5622,7 @@
                 </a:tc>
                 <a:extLst>
                   <a:ext uri="{0D108BD9-81ED-4DB2-BD59-A6C34878D82A}">
-                    <a16:rowId xmlns:a16="http://schemas.microsoft.com/office/drawing/2014/main" val="1357726358"/>
+                    <a16:rowId xmlns:a16="http://schemas.microsoft.com/office/drawing/2014/main" val="2280116358"/>
                   </a:ext>
                 </a:extLst>
               </a:tr>
@@ -5740,7 +5740,7 @@
                 </a:tc>
                 <a:extLst>
                   <a:ext uri="{0D108BD9-81ED-4DB2-BD59-A6C34878D82A}">
-                    <a16:rowId xmlns:a16="http://schemas.microsoft.com/office/drawing/2014/main" val="1195752527"/>
+                    <a16:rowId xmlns:a16="http://schemas.microsoft.com/office/drawing/2014/main" val="4213288737"/>
                   </a:ext>
                 </a:extLst>
               </a:tr>
@@ -5751,7 +5751,7 @@
     </p:spTree>
     <p:extLst>
       <p:ext uri="{BB962C8B-B14F-4D97-AF65-F5344CB8AC3E}">
-        <p14:creationId xmlns:p14="http://schemas.microsoft.com/office/powerpoint/2010/main" val="128016286"/>
+        <p14:creationId xmlns:p14="http://schemas.microsoft.com/office/powerpoint/2010/main" val="2307926333"/>
       </p:ext>
     </p:extLst>
   </p:cSld>
@@ -5791,7 +5791,7 @@
           <p:cNvPr id="2" name="TextBox 1">
             <a:extLst>
               <a:ext uri="{FF2B5EF4-FFF2-40B4-BE49-F238E27FC236}">
-                <a16:creationId xmlns:a16="http://schemas.microsoft.com/office/drawing/2014/main" id="{2E7D5396-C94C-6C80-EAE8-97976B2D9F5D}"/>
+                <a16:creationId xmlns:a16="http://schemas.microsoft.com/office/drawing/2014/main" id="{595F5219-3D39-8ACF-6D04-AC80216F41CE}"/>
               </a:ext>
             </a:extLst>
           </p:cNvPr>
@@ -5827,7 +5827,7 @@
           <p:cNvPr id="3" name="표 2">
             <a:extLst>
               <a:ext uri="{FF2B5EF4-FFF2-40B4-BE49-F238E27FC236}">
-                <a16:creationId xmlns:a16="http://schemas.microsoft.com/office/drawing/2014/main" id="{AE892F5E-007C-CE45-4533-D03F37969329}"/>
+                <a16:creationId xmlns:a16="http://schemas.microsoft.com/office/drawing/2014/main" id="{A6AE9914-46E5-EA69-D9FA-91FB031B4C93}"/>
               </a:ext>
             </a:extLst>
           </p:cNvPr>
@@ -5837,14 +5837,14 @@
           <p:nvPr>
             <p:extLst>
               <p:ext uri="{D42A27DB-BD31-4B8C-83A1-F6EECF244321}">
-                <p14:modId xmlns:p14="http://schemas.microsoft.com/office/powerpoint/2010/main" val="2279115140"/>
+                <p14:modId xmlns:p14="http://schemas.microsoft.com/office/powerpoint/2010/main" val="1515243160"/>
               </p:ext>
             </p:extLst>
           </p:nvPr>
         </p:nvGraphicFramePr>
         <p:xfrm>
           <a:off x="127000" y="635000"/>
-          <a:ext cx="11938001" cy="1412240"/>
+          <a:ext cx="11938000" cy="1270000"/>
         </p:xfrm>
         <a:graphic>
           <a:graphicData uri="http://schemas.openxmlformats.org/drawingml/2006/table">
@@ -5856,56 +5856,56 @@
                 <a:gridCol w="929027">
                   <a:extLst>
                     <a:ext uri="{9D8B030D-6E8A-4147-A177-3AD203B41FA5}">
-                      <a16:colId xmlns:a16="http://schemas.microsoft.com/office/drawing/2014/main" val="3260637203"/>
+                      <a16:colId xmlns:a16="http://schemas.microsoft.com/office/drawing/2014/main" val="2944094171"/>
                     </a:ext>
                   </a:extLst>
                 </a:gridCol>
                 <a:gridCol w="1486444">
                   <a:extLst>
                     <a:ext uri="{9D8B030D-6E8A-4147-A177-3AD203B41FA5}">
-                      <a16:colId xmlns:a16="http://schemas.microsoft.com/office/drawing/2014/main" val="2394872934"/>
+                      <a16:colId xmlns:a16="http://schemas.microsoft.com/office/drawing/2014/main" val="330764809"/>
                     </a:ext>
                   </a:extLst>
                 </a:gridCol>
                 <a:gridCol w="2183214">
                   <a:extLst>
                     <a:ext uri="{9D8B030D-6E8A-4147-A177-3AD203B41FA5}">
-                      <a16:colId xmlns:a16="http://schemas.microsoft.com/office/drawing/2014/main" val="195187888"/>
+                      <a16:colId xmlns:a16="http://schemas.microsoft.com/office/drawing/2014/main" val="2439559271"/>
                     </a:ext>
                   </a:extLst>
                 </a:gridCol>
                 <a:gridCol w="1486444">
                   <a:extLst>
                     <a:ext uri="{9D8B030D-6E8A-4147-A177-3AD203B41FA5}">
-                      <a16:colId xmlns:a16="http://schemas.microsoft.com/office/drawing/2014/main" val="1382705987"/>
+                      <a16:colId xmlns:a16="http://schemas.microsoft.com/office/drawing/2014/main" val="538289666"/>
                     </a:ext>
                   </a:extLst>
                 </a:gridCol>
                 <a:gridCol w="2183214">
                   <a:extLst>
                     <a:ext uri="{9D8B030D-6E8A-4147-A177-3AD203B41FA5}">
-                      <a16:colId xmlns:a16="http://schemas.microsoft.com/office/drawing/2014/main" val="3126313478"/>
+                      <a16:colId xmlns:a16="http://schemas.microsoft.com/office/drawing/2014/main" val="2484664609"/>
                     </a:ext>
                   </a:extLst>
                 </a:gridCol>
                 <a:gridCol w="2183214">
                   <a:extLst>
                     <a:ext uri="{9D8B030D-6E8A-4147-A177-3AD203B41FA5}">
-                      <a16:colId xmlns:a16="http://schemas.microsoft.com/office/drawing/2014/main" val="898318538"/>
+                      <a16:colId xmlns:a16="http://schemas.microsoft.com/office/drawing/2014/main" val="115725444"/>
                     </a:ext>
                   </a:extLst>
                 </a:gridCol>
                 <a:gridCol w="743222">
                   <a:extLst>
                     <a:ext uri="{9D8B030D-6E8A-4147-A177-3AD203B41FA5}">
-                      <a16:colId xmlns:a16="http://schemas.microsoft.com/office/drawing/2014/main" val="869107373"/>
+                      <a16:colId xmlns:a16="http://schemas.microsoft.com/office/drawing/2014/main" val="2906126934"/>
                     </a:ext>
                   </a:extLst>
                 </a:gridCol>
                 <a:gridCol w="743222">
                   <a:extLst>
                     <a:ext uri="{9D8B030D-6E8A-4147-A177-3AD203B41FA5}">
-                      <a16:colId xmlns:a16="http://schemas.microsoft.com/office/drawing/2014/main" val="3421283184"/>
+                      <a16:colId xmlns:a16="http://schemas.microsoft.com/office/drawing/2014/main" val="1165300040"/>
                     </a:ext>
                   </a:extLst>
                 </a:gridCol>
@@ -6036,7 +6036,7 @@
                 </a:tc>
                 <a:extLst>
                   <a:ext uri="{0D108BD9-81ED-4DB2-BD59-A6C34878D82A}">
-                    <a16:rowId xmlns:a16="http://schemas.microsoft.com/office/drawing/2014/main" val="4126950419"/>
+                    <a16:rowId xmlns:a16="http://schemas.microsoft.com/office/drawing/2014/main" val="1567954168"/>
                   </a:ext>
                 </a:extLst>
               </a:tr>
@@ -6154,7 +6154,7 @@
                 </a:tc>
                 <a:extLst>
                   <a:ext uri="{0D108BD9-81ED-4DB2-BD59-A6C34878D82A}">
-                    <a16:rowId xmlns:a16="http://schemas.microsoft.com/office/drawing/2014/main" val="2853887556"/>
+                    <a16:rowId xmlns:a16="http://schemas.microsoft.com/office/drawing/2014/main" val="2254183432"/>
                   </a:ext>
                 </a:extLst>
               </a:tr>
@@ -6272,7 +6272,7 @@
                 </a:tc>
                 <a:extLst>
                   <a:ext uri="{0D108BD9-81ED-4DB2-BD59-A6C34878D82A}">
-                    <a16:rowId xmlns:a16="http://schemas.microsoft.com/office/drawing/2014/main" val="3371962835"/>
+                    <a16:rowId xmlns:a16="http://schemas.microsoft.com/office/drawing/2014/main" val="2402866647"/>
                   </a:ext>
                 </a:extLst>
               </a:tr>
@@ -6390,7 +6390,7 @@
                 </a:tc>
                 <a:extLst>
                   <a:ext uri="{0D108BD9-81ED-4DB2-BD59-A6C34878D82A}">
-                    <a16:rowId xmlns:a16="http://schemas.microsoft.com/office/drawing/2014/main" val="3033578687"/>
+                    <a16:rowId xmlns:a16="http://schemas.microsoft.com/office/drawing/2014/main" val="3716377998"/>
                   </a:ext>
                 </a:extLst>
               </a:tr>
@@ -6504,7 +6504,7 @@
                 </a:tc>
                 <a:extLst>
                   <a:ext uri="{0D108BD9-81ED-4DB2-BD59-A6C34878D82A}">
-                    <a16:rowId xmlns:a16="http://schemas.microsoft.com/office/drawing/2014/main" val="2510182180"/>
+                    <a16:rowId xmlns:a16="http://schemas.microsoft.com/office/drawing/2014/main" val="3993741288"/>
                   </a:ext>
                 </a:extLst>
               </a:tr>
@@ -6515,7 +6515,7 @@
     </p:spTree>
     <p:extLst>
       <p:ext uri="{BB962C8B-B14F-4D97-AF65-F5344CB8AC3E}">
-        <p14:creationId xmlns:p14="http://schemas.microsoft.com/office/powerpoint/2010/main" val="913710528"/>
+        <p14:creationId xmlns:p14="http://schemas.microsoft.com/office/powerpoint/2010/main" val="218988364"/>
       </p:ext>
     </p:extLst>
   </p:cSld>
@@ -7159,10 +7159,10 @@
       </p:pic>
       <p:grpSp>
         <p:nvGrpSpPr>
-          <p:cNvPr id="11" name="그룹 10">
+          <p:cNvPr id="43" name="그룹 42">
             <a:extLst>
               <a:ext uri="{FF2B5EF4-FFF2-40B4-BE49-F238E27FC236}">
-                <a16:creationId xmlns:a16="http://schemas.microsoft.com/office/drawing/2014/main" id="{E9B0CFFA-11E1-7F5C-8F8C-FCB32E630A31}"/>
+                <a16:creationId xmlns:a16="http://schemas.microsoft.com/office/drawing/2014/main" id="{F7291F13-1EC8-AE59-FA40-609753D564C4}"/>
               </a:ext>
             </a:extLst>
           </p:cNvPr>
@@ -7609,10 +7609,10 @@
       </p:sp>
       <p:grpSp>
         <p:nvGrpSpPr>
-          <p:cNvPr id="10" name="그룹 9">
+          <p:cNvPr id="42" name="그룹 41">
             <a:extLst>
               <a:ext uri="{FF2B5EF4-FFF2-40B4-BE49-F238E27FC236}">
-                <a16:creationId xmlns:a16="http://schemas.microsoft.com/office/drawing/2014/main" id="{15ED2F67-BBC1-6B00-1041-7D297AD034C6}"/>
+                <a16:creationId xmlns:a16="http://schemas.microsoft.com/office/drawing/2014/main" id="{1F9CB031-0152-0A17-E0F3-DD4F27B3CA17}"/>
               </a:ext>
             </a:extLst>
           </p:cNvPr>
@@ -7799,10 +7799,10 @@
       </p:grpSp>
       <p:grpSp>
         <p:nvGrpSpPr>
-          <p:cNvPr id="9" name="그룹 8">
+          <p:cNvPr id="41" name="그룹 40">
             <a:extLst>
               <a:ext uri="{FF2B5EF4-FFF2-40B4-BE49-F238E27FC236}">
-                <a16:creationId xmlns:a16="http://schemas.microsoft.com/office/drawing/2014/main" id="{31F3D5F5-1909-F66B-4CF9-5E3FE665EC7B}"/>
+                <a16:creationId xmlns:a16="http://schemas.microsoft.com/office/drawing/2014/main" id="{6225B5D1-2B36-0ABE-789D-A930EC584C89}"/>
               </a:ext>
             </a:extLst>
           </p:cNvPr>
@@ -8337,10 +8337,10 @@
       </p:sp>
       <p:grpSp>
         <p:nvGrpSpPr>
-          <p:cNvPr id="8" name="그룹 7">
+          <p:cNvPr id="35" name="그룹 34">
             <a:extLst>
               <a:ext uri="{FF2B5EF4-FFF2-40B4-BE49-F238E27FC236}">
-                <a16:creationId xmlns:a16="http://schemas.microsoft.com/office/drawing/2014/main" id="{B283631D-B208-80EB-8EE1-834B0A4AD5CD}"/>
+                <a16:creationId xmlns:a16="http://schemas.microsoft.com/office/drawing/2014/main" id="{86C42DC2-7608-0842-8D6C-91E11FE61431}"/>
               </a:ext>
             </a:extLst>
           </p:cNvPr>

--- a/DsDotNet/src/UnitTest/UnitTest.Model/ImportOfficeExample/Sample/Sub/BodyShop.pptx
+++ b/DsDotNet/src/UnitTest/UnitTest.Model/ImportOfficeExample/Sample/Sub/BodyShop.pptx
@@ -220,7 +220,7 @@
           <a:p>
             <a:fld id="{DD503887-5801-43A0-AEF9-041E8DDC2558}" type="datetimeFigureOut">
               <a:rPr lang="ko-KR" altLang="en-US" smtClean="0"/>
-              <a:t>2024-07-14</a:t>
+              <a:t>2024-07-17</a:t>
             </a:fld>
             <a:endParaRPr lang="ko-KR" altLang="en-US"/>
           </a:p>
@@ -397,7 +397,7 @@
           <a:p>
             <a:fld id="{95336A0E-57B1-4D4C-BD9B-2F72B5943464}" type="datetimeFigureOut">
               <a:rPr lang="ko-KR" altLang="en-US" smtClean="0"/>
-              <a:t>2024-07-14</a:t>
+              <a:t>2024-07-17</a:t>
             </a:fld>
             <a:endParaRPr lang="ko-KR" altLang="en-US"/>
           </a:p>
@@ -843,321 +843,228 @@
           </a:p>
         </p:txBody>
       </p:sp>
-      <p:grpSp>
-        <p:nvGrpSpPr>
-          <p:cNvPr id="9" name="그룹 8">
+      <p:sp>
+        <p:nvSpPr>
+          <p:cNvPr id="10" name="자유형: 도형 9">
             <a:extLst>
               <a:ext uri="{FF2B5EF4-FFF2-40B4-BE49-F238E27FC236}">
-                <a16:creationId xmlns:a16="http://schemas.microsoft.com/office/drawing/2014/main" id="{EB6FF8E2-165B-49EB-8120-14190F9491BC}"/>
-              </a:ext>
-              <a:ext uri="{C183D7F6-B498-43B3-948B-1728B52AA6E4}">
-                <adec:decorative xmlns:adec="http://schemas.microsoft.com/office/drawing/2017/decorative" val="1"/>
+                <a16:creationId xmlns:a16="http://schemas.microsoft.com/office/drawing/2014/main" id="{79B763A7-EE7D-4306-8306-01E8C86E6350}"/>
               </a:ext>
             </a:extLst>
           </p:cNvPr>
-          <p:cNvGrpSpPr/>
-          <p:nvPr userDrawn="1"/>
-        </p:nvGrpSpPr>
-        <p:grpSpPr>
-          <a:xfrm rot="5400000">
-            <a:off x="10915300" y="5534727"/>
-            <a:ext cx="667802" cy="631474"/>
-            <a:chOff x="10478914" y="1506691"/>
-            <a:chExt cx="667802" cy="631474"/>
+          <p:cNvSpPr>
+            <a:spLocks noChangeAspect="1"/>
+          </p:cNvSpPr>
+          <p:nvPr/>
+        </p:nvSpPr>
+        <p:spPr>
+          <a:xfrm rot="13500000">
+            <a:off x="10979201" y="5598628"/>
+            <a:ext cx="540001" cy="631474"/>
           </a:xfrm>
-        </p:grpSpPr>
-        <p:sp>
-          <p:nvSpPr>
-            <p:cNvPr id="10" name="자유형: 도형 9">
-              <a:extLst>
-                <a:ext uri="{FF2B5EF4-FFF2-40B4-BE49-F238E27FC236}">
-                  <a16:creationId xmlns:a16="http://schemas.microsoft.com/office/drawing/2014/main" id="{79B763A7-EE7D-4306-8306-01E8C86E6350}"/>
-                </a:ext>
-              </a:extLst>
-            </p:cNvPr>
-            <p:cNvSpPr>
-              <a:spLocks noChangeAspect="1"/>
-            </p:cNvSpPr>
-            <p:nvPr/>
-          </p:nvSpPr>
-          <p:spPr>
-            <a:xfrm rot="8100000">
-              <a:off x="10606715" y="1506691"/>
-              <a:ext cx="540001" cy="631474"/>
-            </a:xfrm>
-            <a:custGeom>
+          <a:custGeom>
+            <a:avLst/>
+            <a:gdLst>
+              <a:gd name="connsiteX0" fmla="*/ 540000 w 1080000"/>
+              <a:gd name="connsiteY0" fmla="*/ 0 h 1262947"/>
+              <a:gd name="connsiteX1" fmla="*/ 1080000 w 1080000"/>
+              <a:gd name="connsiteY1" fmla="*/ 931034 h 1262947"/>
+              <a:gd name="connsiteX2" fmla="*/ 1064374 w 1080000"/>
+              <a:gd name="connsiteY2" fmla="*/ 931034 h 1262947"/>
+              <a:gd name="connsiteX3" fmla="*/ 1069029 w 1080000"/>
+              <a:gd name="connsiteY3" fmla="*/ 938533 h 1262947"/>
+              <a:gd name="connsiteX4" fmla="*/ 1080000 w 1080000"/>
+              <a:gd name="connsiteY4" fmla="*/ 992947 h 1262947"/>
+              <a:gd name="connsiteX5" fmla="*/ 540000 w 1080000"/>
+              <a:gd name="connsiteY5" fmla="*/ 1262947 h 1262947"/>
+              <a:gd name="connsiteX6" fmla="*/ 0 w 1080000"/>
+              <a:gd name="connsiteY6" fmla="*/ 992947 h 1262947"/>
+              <a:gd name="connsiteX7" fmla="*/ 10971 w 1080000"/>
+              <a:gd name="connsiteY7" fmla="*/ 938533 h 1262947"/>
+              <a:gd name="connsiteX8" fmla="*/ 15626 w 1080000"/>
+              <a:gd name="connsiteY8" fmla="*/ 931034 h 1262947"/>
+              <a:gd name="connsiteX9" fmla="*/ 0 w 1080000"/>
+              <a:gd name="connsiteY9" fmla="*/ 931034 h 1262947"/>
+              <a:gd name="connsiteX0" fmla="*/ 540000 w 1080000"/>
+              <a:gd name="connsiteY0" fmla="*/ 0 h 1262947"/>
+              <a:gd name="connsiteX1" fmla="*/ 1080000 w 1080000"/>
+              <a:gd name="connsiteY1" fmla="*/ 931034 h 1262947"/>
+              <a:gd name="connsiteX2" fmla="*/ 1064374 w 1080000"/>
+              <a:gd name="connsiteY2" fmla="*/ 931034 h 1262947"/>
+              <a:gd name="connsiteX3" fmla="*/ 1069029 w 1080000"/>
+              <a:gd name="connsiteY3" fmla="*/ 938533 h 1262947"/>
+              <a:gd name="connsiteX4" fmla="*/ 1080000 w 1080000"/>
+              <a:gd name="connsiteY4" fmla="*/ 992947 h 1262947"/>
+              <a:gd name="connsiteX5" fmla="*/ 540000 w 1080000"/>
+              <a:gd name="connsiteY5" fmla="*/ 1262947 h 1262947"/>
+              <a:gd name="connsiteX6" fmla="*/ 0 w 1080000"/>
+              <a:gd name="connsiteY6" fmla="*/ 992947 h 1262947"/>
+              <a:gd name="connsiteX7" fmla="*/ 10971 w 1080000"/>
+              <a:gd name="connsiteY7" fmla="*/ 938533 h 1262947"/>
+              <a:gd name="connsiteX8" fmla="*/ 15626 w 1080000"/>
+              <a:gd name="connsiteY8" fmla="*/ 931034 h 1262947"/>
+              <a:gd name="connsiteX9" fmla="*/ 540000 w 1080000"/>
+              <a:gd name="connsiteY9" fmla="*/ 0 h 1262947"/>
+              <a:gd name="connsiteX0" fmla="*/ 540000 w 1080000"/>
+              <a:gd name="connsiteY0" fmla="*/ 0 h 1262947"/>
+              <a:gd name="connsiteX1" fmla="*/ 1064374 w 1080000"/>
+              <a:gd name="connsiteY1" fmla="*/ 931034 h 1262947"/>
+              <a:gd name="connsiteX2" fmla="*/ 1069029 w 1080000"/>
+              <a:gd name="connsiteY2" fmla="*/ 938533 h 1262947"/>
+              <a:gd name="connsiteX3" fmla="*/ 1080000 w 1080000"/>
+              <a:gd name="connsiteY3" fmla="*/ 992947 h 1262947"/>
+              <a:gd name="connsiteX4" fmla="*/ 540000 w 1080000"/>
+              <a:gd name="connsiteY4" fmla="*/ 1262947 h 1262947"/>
+              <a:gd name="connsiteX5" fmla="*/ 0 w 1080000"/>
+              <a:gd name="connsiteY5" fmla="*/ 992947 h 1262947"/>
+              <a:gd name="connsiteX6" fmla="*/ 10971 w 1080000"/>
+              <a:gd name="connsiteY6" fmla="*/ 938533 h 1262947"/>
+              <a:gd name="connsiteX7" fmla="*/ 15626 w 1080000"/>
+              <a:gd name="connsiteY7" fmla="*/ 931034 h 1262947"/>
+              <a:gd name="connsiteX8" fmla="*/ 540000 w 1080000"/>
+              <a:gd name="connsiteY8" fmla="*/ 0 h 1262947"/>
+            </a:gdLst>
+            <a:ahLst/>
+            <a:cxnLst>
+              <a:cxn ang="0">
+                <a:pos x="connsiteX0" y="connsiteY0"/>
+              </a:cxn>
+              <a:cxn ang="0">
+                <a:pos x="connsiteX1" y="connsiteY1"/>
+              </a:cxn>
+              <a:cxn ang="0">
+                <a:pos x="connsiteX2" y="connsiteY2"/>
+              </a:cxn>
+              <a:cxn ang="0">
+                <a:pos x="connsiteX3" y="connsiteY3"/>
+              </a:cxn>
+              <a:cxn ang="0">
+                <a:pos x="connsiteX4" y="connsiteY4"/>
+              </a:cxn>
+              <a:cxn ang="0">
+                <a:pos x="connsiteX5" y="connsiteY5"/>
+              </a:cxn>
+              <a:cxn ang="0">
+                <a:pos x="connsiteX6" y="connsiteY6"/>
+              </a:cxn>
+              <a:cxn ang="0">
+                <a:pos x="connsiteX7" y="connsiteY7"/>
+              </a:cxn>
+              <a:cxn ang="0">
+                <a:pos x="connsiteX8" y="connsiteY8"/>
+              </a:cxn>
+            </a:cxnLst>
+            <a:rect l="l" t="t" r="r" b="b"/>
+            <a:pathLst>
+              <a:path w="1080000" h="1262947">
+                <a:moveTo>
+                  <a:pt x="540000" y="0"/>
+                </a:moveTo>
+                <a:lnTo>
+                  <a:pt x="1064374" y="931034"/>
+                </a:lnTo>
+                <a:lnTo>
+                  <a:pt x="1069029" y="938533"/>
+                </a:lnTo>
+                <a:cubicBezTo>
+                  <a:pt x="1076223" y="956109"/>
+                  <a:pt x="1080000" y="974307"/>
+                  <a:pt x="1080000" y="992947"/>
+                </a:cubicBezTo>
+                <a:cubicBezTo>
+                  <a:pt x="1080000" y="1142064"/>
+                  <a:pt x="838234" y="1262947"/>
+                  <a:pt x="540000" y="1262947"/>
+                </a:cubicBezTo>
+                <a:cubicBezTo>
+                  <a:pt x="241766" y="1262947"/>
+                  <a:pt x="0" y="1142064"/>
+                  <a:pt x="0" y="992947"/>
+                </a:cubicBezTo>
+                <a:cubicBezTo>
+                  <a:pt x="0" y="974307"/>
+                  <a:pt x="3778" y="956109"/>
+                  <a:pt x="10971" y="938533"/>
+                </a:cubicBezTo>
+                <a:lnTo>
+                  <a:pt x="15626" y="931034"/>
+                </a:lnTo>
+                <a:lnTo>
+                  <a:pt x="540000" y="0"/>
+                </a:lnTo>
+                <a:close/>
+              </a:path>
+            </a:pathLst>
+          </a:custGeom>
+          <a:gradFill>
+            <a:gsLst>
+              <a:gs pos="60000">
+                <a:schemeClr val="bg2">
+                  <a:lumMod val="90000"/>
+                  <a:lumOff val="10000"/>
+                </a:schemeClr>
+              </a:gs>
+              <a:gs pos="30000">
+                <a:schemeClr val="bg2">
+                  <a:lumMod val="90000"/>
+                  <a:lumOff val="10000"/>
+                </a:schemeClr>
+              </a:gs>
+              <a:gs pos="40000">
+                <a:schemeClr val="bg2">
+                  <a:lumMod val="80000"/>
+                  <a:lumOff val="20000"/>
+                </a:schemeClr>
+              </a:gs>
+              <a:gs pos="100000">
+                <a:schemeClr val="bg2"/>
+              </a:gs>
+            </a:gsLst>
+            <a:lin ang="600000" scaled="0"/>
+          </a:gradFill>
+          <a:ln>
+            <a:noFill/>
+          </a:ln>
+          <a:effectLst>
+            <a:innerShdw blurRad="101600" dist="50800" dir="7320000">
+              <a:schemeClr val="accent1">
+                <a:lumMod val="60000"/>
+                <a:lumOff val="40000"/>
+                <a:alpha val="20000"/>
+              </a:schemeClr>
+            </a:innerShdw>
+          </a:effectLst>
+        </p:spPr>
+        <p:style>
+          <a:lnRef idx="2">
+            <a:schemeClr val="accent1">
+              <a:shade val="50000"/>
+            </a:schemeClr>
+          </a:lnRef>
+          <a:fillRef idx="1">
+            <a:schemeClr val="accent1"/>
+          </a:fillRef>
+          <a:effectRef idx="0">
+            <a:schemeClr val="accent1"/>
+          </a:effectRef>
+          <a:fontRef idx="minor">
+            <a:schemeClr val="lt1"/>
+          </a:fontRef>
+        </p:style>
+        <p:txBody>
+          <a:bodyPr rot="0" spcFirstLastPara="0" vertOverflow="overflow" horzOverflow="overflow" vert="horz" wrap="square" lIns="91440" tIns="45720" rIns="91440" bIns="45720" numCol="1" spcCol="0" rtlCol="0" fromWordArt="0" anchor="ctr" anchorCtr="0" forceAA="0" compatLnSpc="1">
+            <a:prstTxWarp prst="textNoShape">
               <a:avLst/>
-              <a:gdLst>
-                <a:gd name="connsiteX0" fmla="*/ 540000 w 1080000"/>
-                <a:gd name="connsiteY0" fmla="*/ 0 h 1262947"/>
-                <a:gd name="connsiteX1" fmla="*/ 1080000 w 1080000"/>
-                <a:gd name="connsiteY1" fmla="*/ 931034 h 1262947"/>
-                <a:gd name="connsiteX2" fmla="*/ 1064374 w 1080000"/>
-                <a:gd name="connsiteY2" fmla="*/ 931034 h 1262947"/>
-                <a:gd name="connsiteX3" fmla="*/ 1069029 w 1080000"/>
-                <a:gd name="connsiteY3" fmla="*/ 938533 h 1262947"/>
-                <a:gd name="connsiteX4" fmla="*/ 1080000 w 1080000"/>
-                <a:gd name="connsiteY4" fmla="*/ 992947 h 1262947"/>
-                <a:gd name="connsiteX5" fmla="*/ 540000 w 1080000"/>
-                <a:gd name="connsiteY5" fmla="*/ 1262947 h 1262947"/>
-                <a:gd name="connsiteX6" fmla="*/ 0 w 1080000"/>
-                <a:gd name="connsiteY6" fmla="*/ 992947 h 1262947"/>
-                <a:gd name="connsiteX7" fmla="*/ 10971 w 1080000"/>
-                <a:gd name="connsiteY7" fmla="*/ 938533 h 1262947"/>
-                <a:gd name="connsiteX8" fmla="*/ 15626 w 1080000"/>
-                <a:gd name="connsiteY8" fmla="*/ 931034 h 1262947"/>
-                <a:gd name="connsiteX9" fmla="*/ 0 w 1080000"/>
-                <a:gd name="connsiteY9" fmla="*/ 931034 h 1262947"/>
-                <a:gd name="connsiteX0" fmla="*/ 540000 w 1080000"/>
-                <a:gd name="connsiteY0" fmla="*/ 0 h 1262947"/>
-                <a:gd name="connsiteX1" fmla="*/ 1080000 w 1080000"/>
-                <a:gd name="connsiteY1" fmla="*/ 931034 h 1262947"/>
-                <a:gd name="connsiteX2" fmla="*/ 1064374 w 1080000"/>
-                <a:gd name="connsiteY2" fmla="*/ 931034 h 1262947"/>
-                <a:gd name="connsiteX3" fmla="*/ 1069029 w 1080000"/>
-                <a:gd name="connsiteY3" fmla="*/ 938533 h 1262947"/>
-                <a:gd name="connsiteX4" fmla="*/ 1080000 w 1080000"/>
-                <a:gd name="connsiteY4" fmla="*/ 992947 h 1262947"/>
-                <a:gd name="connsiteX5" fmla="*/ 540000 w 1080000"/>
-                <a:gd name="connsiteY5" fmla="*/ 1262947 h 1262947"/>
-                <a:gd name="connsiteX6" fmla="*/ 0 w 1080000"/>
-                <a:gd name="connsiteY6" fmla="*/ 992947 h 1262947"/>
-                <a:gd name="connsiteX7" fmla="*/ 10971 w 1080000"/>
-                <a:gd name="connsiteY7" fmla="*/ 938533 h 1262947"/>
-                <a:gd name="connsiteX8" fmla="*/ 15626 w 1080000"/>
-                <a:gd name="connsiteY8" fmla="*/ 931034 h 1262947"/>
-                <a:gd name="connsiteX9" fmla="*/ 540000 w 1080000"/>
-                <a:gd name="connsiteY9" fmla="*/ 0 h 1262947"/>
-                <a:gd name="connsiteX0" fmla="*/ 540000 w 1080000"/>
-                <a:gd name="connsiteY0" fmla="*/ 0 h 1262947"/>
-                <a:gd name="connsiteX1" fmla="*/ 1064374 w 1080000"/>
-                <a:gd name="connsiteY1" fmla="*/ 931034 h 1262947"/>
-                <a:gd name="connsiteX2" fmla="*/ 1069029 w 1080000"/>
-                <a:gd name="connsiteY2" fmla="*/ 938533 h 1262947"/>
-                <a:gd name="connsiteX3" fmla="*/ 1080000 w 1080000"/>
-                <a:gd name="connsiteY3" fmla="*/ 992947 h 1262947"/>
-                <a:gd name="connsiteX4" fmla="*/ 540000 w 1080000"/>
-                <a:gd name="connsiteY4" fmla="*/ 1262947 h 1262947"/>
-                <a:gd name="connsiteX5" fmla="*/ 0 w 1080000"/>
-                <a:gd name="connsiteY5" fmla="*/ 992947 h 1262947"/>
-                <a:gd name="connsiteX6" fmla="*/ 10971 w 1080000"/>
-                <a:gd name="connsiteY6" fmla="*/ 938533 h 1262947"/>
-                <a:gd name="connsiteX7" fmla="*/ 15626 w 1080000"/>
-                <a:gd name="connsiteY7" fmla="*/ 931034 h 1262947"/>
-                <a:gd name="connsiteX8" fmla="*/ 540000 w 1080000"/>
-                <a:gd name="connsiteY8" fmla="*/ 0 h 1262947"/>
-              </a:gdLst>
-              <a:ahLst/>
-              <a:cxnLst>
-                <a:cxn ang="0">
-                  <a:pos x="connsiteX0" y="connsiteY0"/>
-                </a:cxn>
-                <a:cxn ang="0">
-                  <a:pos x="connsiteX1" y="connsiteY1"/>
-                </a:cxn>
-                <a:cxn ang="0">
-                  <a:pos x="connsiteX2" y="connsiteY2"/>
-                </a:cxn>
-                <a:cxn ang="0">
-                  <a:pos x="connsiteX3" y="connsiteY3"/>
-                </a:cxn>
-                <a:cxn ang="0">
-                  <a:pos x="connsiteX4" y="connsiteY4"/>
-                </a:cxn>
-                <a:cxn ang="0">
-                  <a:pos x="connsiteX5" y="connsiteY5"/>
-                </a:cxn>
-                <a:cxn ang="0">
-                  <a:pos x="connsiteX6" y="connsiteY6"/>
-                </a:cxn>
-                <a:cxn ang="0">
-                  <a:pos x="connsiteX7" y="connsiteY7"/>
-                </a:cxn>
-                <a:cxn ang="0">
-                  <a:pos x="connsiteX8" y="connsiteY8"/>
-                </a:cxn>
-              </a:cxnLst>
-              <a:rect l="l" t="t" r="r" b="b"/>
-              <a:pathLst>
-                <a:path w="1080000" h="1262947">
-                  <a:moveTo>
-                    <a:pt x="540000" y="0"/>
-                  </a:moveTo>
-                  <a:lnTo>
-                    <a:pt x="1064374" y="931034"/>
-                  </a:lnTo>
-                  <a:lnTo>
-                    <a:pt x="1069029" y="938533"/>
-                  </a:lnTo>
-                  <a:cubicBezTo>
-                    <a:pt x="1076223" y="956109"/>
-                    <a:pt x="1080000" y="974307"/>
-                    <a:pt x="1080000" y="992947"/>
-                  </a:cubicBezTo>
-                  <a:cubicBezTo>
-                    <a:pt x="1080000" y="1142064"/>
-                    <a:pt x="838234" y="1262947"/>
-                    <a:pt x="540000" y="1262947"/>
-                  </a:cubicBezTo>
-                  <a:cubicBezTo>
-                    <a:pt x="241766" y="1262947"/>
-                    <a:pt x="0" y="1142064"/>
-                    <a:pt x="0" y="992947"/>
-                  </a:cubicBezTo>
-                  <a:cubicBezTo>
-                    <a:pt x="0" y="974307"/>
-                    <a:pt x="3778" y="956109"/>
-                    <a:pt x="10971" y="938533"/>
-                  </a:cubicBezTo>
-                  <a:lnTo>
-                    <a:pt x="15626" y="931034"/>
-                  </a:lnTo>
-                  <a:lnTo>
-                    <a:pt x="540000" y="0"/>
-                  </a:lnTo>
-                  <a:close/>
-                </a:path>
-              </a:pathLst>
-            </a:custGeom>
-            <a:gradFill>
-              <a:gsLst>
-                <a:gs pos="60000">
-                  <a:schemeClr val="bg2">
-                    <a:lumMod val="90000"/>
-                    <a:lumOff val="10000"/>
-                  </a:schemeClr>
-                </a:gs>
-                <a:gs pos="30000">
-                  <a:schemeClr val="bg2">
-                    <a:lumMod val="90000"/>
-                    <a:lumOff val="10000"/>
-                  </a:schemeClr>
-                </a:gs>
-                <a:gs pos="40000">
-                  <a:schemeClr val="bg2">
-                    <a:lumMod val="80000"/>
-                    <a:lumOff val="20000"/>
-                  </a:schemeClr>
-                </a:gs>
-                <a:gs pos="100000">
-                  <a:schemeClr val="bg2"/>
-                </a:gs>
-              </a:gsLst>
-              <a:lin ang="600000" scaled="0"/>
-            </a:gradFill>
-            <a:ln>
-              <a:noFill/>
-            </a:ln>
-            <a:effectLst>
-              <a:innerShdw blurRad="101600" dist="50800" dir="7320000">
-                <a:schemeClr val="accent1">
-                  <a:lumMod val="60000"/>
-                  <a:lumOff val="40000"/>
-                  <a:alpha val="20000"/>
-                </a:schemeClr>
-              </a:innerShdw>
-            </a:effectLst>
-          </p:spPr>
-          <p:style>
-            <a:lnRef idx="2">
-              <a:schemeClr val="accent1">
-                <a:shade val="50000"/>
-              </a:schemeClr>
-            </a:lnRef>
-            <a:fillRef idx="1">
-              <a:schemeClr val="accent1"/>
-            </a:fillRef>
-            <a:effectRef idx="0">
-              <a:schemeClr val="accent1"/>
-            </a:effectRef>
-            <a:fontRef idx="minor">
-              <a:schemeClr val="lt1"/>
-            </a:fontRef>
-          </p:style>
-          <p:txBody>
-            <a:bodyPr rot="0" spcFirstLastPara="0" vertOverflow="overflow" horzOverflow="overflow" vert="horz" wrap="square" lIns="91440" tIns="45720" rIns="91440" bIns="45720" numCol="1" spcCol="0" rtlCol="0" fromWordArt="0" anchor="ctr" anchorCtr="0" forceAA="0" compatLnSpc="1">
-              <a:prstTxWarp prst="textNoShape">
-                <a:avLst/>
-              </a:prstTxWarp>
-              <a:noAutofit/>
-            </a:bodyPr>
-            <a:lstStyle/>
-            <a:p>
-              <a:pPr algn="ctr" rtl="0"/>
-              <a:endParaRPr lang="ko-KR"/>
-            </a:p>
-          </p:txBody>
-        </p:sp>
-        <p:sp>
-          <p:nvSpPr>
-            <p:cNvPr id="11" name="타원 10">
-              <a:extLst>
-                <a:ext uri="{FF2B5EF4-FFF2-40B4-BE49-F238E27FC236}">
-                  <a16:creationId xmlns:a16="http://schemas.microsoft.com/office/drawing/2014/main" id="{4B3A935F-6844-4FCE-B0AE-5492715A58F1}"/>
-                </a:ext>
-              </a:extLst>
-            </p:cNvPr>
-            <p:cNvSpPr/>
-            <p:nvPr/>
-          </p:nvSpPr>
-          <p:spPr>
-            <a:xfrm rot="13500000">
-              <a:off x="10613915" y="1424627"/>
-              <a:ext cx="270000" cy="540001"/>
-            </a:xfrm>
-            <a:prstGeom prst="ellipse">
-              <a:avLst/>
-            </a:prstGeom>
-            <a:solidFill>
-              <a:schemeClr val="bg2">
-                <a:lumMod val="90000"/>
-                <a:lumOff val="10000"/>
-              </a:schemeClr>
-            </a:solidFill>
-            <a:ln>
-              <a:noFill/>
-            </a:ln>
-            <a:effectLst>
-              <a:innerShdw blurRad="1270000" dist="2540000">
-                <a:schemeClr val="accent1">
-                  <a:lumMod val="60000"/>
-                  <a:lumOff val="40000"/>
-                  <a:alpha val="0"/>
-                </a:schemeClr>
-              </a:innerShdw>
-            </a:effectLst>
-          </p:spPr>
-          <p:style>
-            <a:lnRef idx="2">
-              <a:schemeClr val="accent1">
-                <a:shade val="50000"/>
-              </a:schemeClr>
-            </a:lnRef>
-            <a:fillRef idx="1">
-              <a:schemeClr val="accent1"/>
-            </a:fillRef>
-            <a:effectRef idx="0">
-              <a:schemeClr val="accent1"/>
-            </a:effectRef>
-            <a:fontRef idx="minor">
-              <a:schemeClr val="lt1"/>
-            </a:fontRef>
-          </p:style>
-          <p:txBody>
-            <a:bodyPr rot="0" spcFirstLastPara="0" vertOverflow="overflow" horzOverflow="overflow" vert="horz" wrap="square" lIns="91440" tIns="45720" rIns="91440" bIns="45720" numCol="1" spcCol="0" rtlCol="0" fromWordArt="0" anchor="ctr" anchorCtr="0" forceAA="0" compatLnSpc="1">
-              <a:prstTxWarp prst="textNoShape">
-                <a:avLst/>
-              </a:prstTxWarp>
-              <a:noAutofit/>
-            </a:bodyPr>
-            <a:lstStyle/>
-            <a:p>
-              <a:pPr algn="ctr" rtl="0"/>
-              <a:endParaRPr lang="ko-KR"/>
-            </a:p>
-          </p:txBody>
-        </p:sp>
-      </p:grpSp>
+            </a:prstTxWarp>
+            <a:noAutofit/>
+          </a:bodyPr>
+          <a:lstStyle/>
+          <a:p>
+            <a:pPr algn="ctr" rtl="0"/>
+            <a:endParaRPr lang="ko-KR"/>
+          </a:p>
+        </p:txBody>
+      </p:sp>
       <p:sp>
         <p:nvSpPr>
           <p:cNvPr id="3" name="텍스트 개체 틀 2">

--- a/DsDotNet/src/UnitTest/UnitTest.Model/ImportOfficeExample/Sample/Sub/BodyShop.pptx
+++ b/DsDotNet/src/UnitTest/UnitTest.Model/ImportOfficeExample/Sample/Sub/BodyShop.pptx
@@ -5,18 +5,15 @@
     <p:sldMasterId id="2147483675" r:id="rId1"/>
   </p:sldMasterIdLst>
   <p:notesMasterIdLst>
-    <p:notesMasterId r:id="rId8"/>
+    <p:notesMasterId r:id="rId5"/>
   </p:notesMasterIdLst>
   <p:handoutMasterIdLst>
-    <p:handoutMasterId r:id="rId9"/>
+    <p:handoutMasterId r:id="rId6"/>
   </p:handoutMasterIdLst>
   <p:sldIdLst>
     <p:sldId id="627" r:id="rId2"/>
-    <p:sldId id="630" r:id="rId3"/>
-    <p:sldId id="631" r:id="rId4"/>
-    <p:sldId id="632" r:id="rId5"/>
-    <p:sldId id="628" r:id="rId6"/>
-    <p:sldId id="629" r:id="rId7"/>
+    <p:sldId id="628" r:id="rId3"/>
+    <p:sldId id="629" r:id="rId4"/>
   </p:sldIdLst>
   <p:sldSz cx="12192000" cy="6858000"/>
   <p:notesSz cx="6797675" cy="9926638"/>
@@ -220,7 +217,7 @@
           <a:p>
             <a:fld id="{DD503887-5801-43A0-AEF9-041E8DDC2558}" type="datetimeFigureOut">
               <a:rPr lang="ko-KR" altLang="en-US" smtClean="0"/>
-              <a:t>2024-07-17</a:t>
+              <a:t>2024-07-20</a:t>
             </a:fld>
             <a:endParaRPr lang="ko-KR" altLang="en-US"/>
           </a:p>
@@ -397,7 +394,7 @@
           <a:p>
             <a:fld id="{95336A0E-57B1-4D4C-BD9B-2F72B5943464}" type="datetimeFigureOut">
               <a:rPr lang="ko-KR" altLang="en-US" smtClean="0"/>
-              <a:t>2024-07-17</a:t>
+              <a:t>2024-07-20</a:t>
             </a:fld>
             <a:endParaRPr lang="ko-KR" altLang="en-US"/>
           </a:p>
@@ -2483,3958 +2480,6 @@
 <file path=ppt/slides/slide2.xml><?xml version="1.0" encoding="utf-8"?>
 <p:sld xmlns:a="http://schemas.openxmlformats.org/drawingml/2006/main" xmlns:r="http://schemas.openxmlformats.org/officeDocument/2006/relationships" xmlns:p="http://schemas.openxmlformats.org/presentationml/2006/main">
   <p:cSld>
-    <p:bg>
-      <p:bgPr>
-        <a:solidFill>
-          <a:srgbClr val="D3D3D3"/>
-        </a:solidFill>
-        <a:effectLst/>
-      </p:bgPr>
-    </p:bg>
-    <p:spTree>
-      <p:nvGrpSpPr>
-        <p:cNvPr id="1" name=""/>
-        <p:cNvGrpSpPr/>
-        <p:nvPr/>
-      </p:nvGrpSpPr>
-      <p:grpSpPr>
-        <a:xfrm>
-          <a:off x="0" y="0"/>
-          <a:ext cx="0" cy="0"/>
-          <a:chOff x="0" y="0"/>
-          <a:chExt cx="0" cy="0"/>
-        </a:xfrm>
-      </p:grpSpPr>
-      <p:sp>
-        <p:nvSpPr>
-          <p:cNvPr id="2" name="TextBox 1">
-            <a:extLst>
-              <a:ext uri="{FF2B5EF4-FFF2-40B4-BE49-F238E27FC236}">
-                <a16:creationId xmlns:a16="http://schemas.microsoft.com/office/drawing/2014/main" id="{3B4FC02F-46AC-16C8-B8DC-0ED4792F6A49}"/>
-              </a:ext>
-            </a:extLst>
-          </p:cNvPr>
-          <p:cNvSpPr txBox="1"/>
-          <p:nvPr/>
-        </p:nvSpPr>
-        <p:spPr>
-          <a:xfrm>
-            <a:off x="254000" y="127000"/>
-            <a:ext cx="11430000" cy="381000"/>
-          </a:xfrm>
-          <a:prstGeom prst="rect">
-            <a:avLst/>
-          </a:prstGeom>
-          <a:noFill/>
-        </p:spPr>
-        <p:txBody>
-          <a:bodyPr vert="horz" rtlCol="0">
-            <a:spAutoFit/>
-          </a:bodyPr>
-          <a:lstStyle/>
-          <a:p>
-            <a:r>
-              <a:rPr lang="en-US" altLang="ko-KR"/>
-              <a:t>IO TABLE</a:t>
-            </a:r>
-            <a:endParaRPr lang="ko-KR" altLang="en-US"/>
-          </a:p>
-        </p:txBody>
-      </p:sp>
-      <p:graphicFrame>
-        <p:nvGraphicFramePr>
-          <p:cNvPr id="3" name="표 2">
-            <a:extLst>
-              <a:ext uri="{FF2B5EF4-FFF2-40B4-BE49-F238E27FC236}">
-                <a16:creationId xmlns:a16="http://schemas.microsoft.com/office/drawing/2014/main" id="{4324E999-B0A7-2869-3051-FC4F4C25901A}"/>
-              </a:ext>
-            </a:extLst>
-          </p:cNvPr>
-          <p:cNvGraphicFramePr>
-            <a:graphicFrameLocks noGrp="1"/>
-          </p:cNvGraphicFramePr>
-          <p:nvPr>
-            <p:extLst>
-              <p:ext uri="{D42A27DB-BD31-4B8C-83A1-F6EECF244321}">
-                <p14:modId xmlns:p14="http://schemas.microsoft.com/office/powerpoint/2010/main" val="3643552626"/>
-              </p:ext>
-            </p:extLst>
-          </p:nvPr>
-        </p:nvGraphicFramePr>
-        <p:xfrm>
-          <a:off x="127000" y="634999"/>
-          <a:ext cx="11938001" cy="5461000"/>
-        </p:xfrm>
-        <a:graphic>
-          <a:graphicData uri="http://schemas.openxmlformats.org/drawingml/2006/table">
-            <a:tbl>
-              <a:tblPr firstRow="1" bandRow="1">
-                <a:tableStyleId>{5C22544A-7EE6-4342-B048-85BDC9FD1C3A}</a:tableStyleId>
-              </a:tblPr>
-              <a:tblGrid>
-                <a:gridCol w="929027">
-                  <a:extLst>
-                    <a:ext uri="{9D8B030D-6E8A-4147-A177-3AD203B41FA5}">
-                      <a16:colId xmlns:a16="http://schemas.microsoft.com/office/drawing/2014/main" val="1902618909"/>
-                    </a:ext>
-                  </a:extLst>
-                </a:gridCol>
-                <a:gridCol w="1486444">
-                  <a:extLst>
-                    <a:ext uri="{9D8B030D-6E8A-4147-A177-3AD203B41FA5}">
-                      <a16:colId xmlns:a16="http://schemas.microsoft.com/office/drawing/2014/main" val="2320297353"/>
-                    </a:ext>
-                  </a:extLst>
-                </a:gridCol>
-                <a:gridCol w="2183214">
-                  <a:extLst>
-                    <a:ext uri="{9D8B030D-6E8A-4147-A177-3AD203B41FA5}">
-                      <a16:colId xmlns:a16="http://schemas.microsoft.com/office/drawing/2014/main" val="1854395218"/>
-                    </a:ext>
-                  </a:extLst>
-                </a:gridCol>
-                <a:gridCol w="1486444">
-                  <a:extLst>
-                    <a:ext uri="{9D8B030D-6E8A-4147-A177-3AD203B41FA5}">
-                      <a16:colId xmlns:a16="http://schemas.microsoft.com/office/drawing/2014/main" val="1154814530"/>
-                    </a:ext>
-                  </a:extLst>
-                </a:gridCol>
-                <a:gridCol w="2183214">
-                  <a:extLst>
-                    <a:ext uri="{9D8B030D-6E8A-4147-A177-3AD203B41FA5}">
-                      <a16:colId xmlns:a16="http://schemas.microsoft.com/office/drawing/2014/main" val="3613791781"/>
-                    </a:ext>
-                  </a:extLst>
-                </a:gridCol>
-                <a:gridCol w="2183214">
-                  <a:extLst>
-                    <a:ext uri="{9D8B030D-6E8A-4147-A177-3AD203B41FA5}">
-                      <a16:colId xmlns:a16="http://schemas.microsoft.com/office/drawing/2014/main" val="794241197"/>
-                    </a:ext>
-                  </a:extLst>
-                </a:gridCol>
-                <a:gridCol w="743222">
-                  <a:extLst>
-                    <a:ext uri="{9D8B030D-6E8A-4147-A177-3AD203B41FA5}">
-                      <a16:colId xmlns:a16="http://schemas.microsoft.com/office/drawing/2014/main" val="103464470"/>
-                    </a:ext>
-                  </a:extLst>
-                </a:gridCol>
-                <a:gridCol w="743222">
-                  <a:extLst>
-                    <a:ext uri="{9D8B030D-6E8A-4147-A177-3AD203B41FA5}">
-                      <a16:colId xmlns:a16="http://schemas.microsoft.com/office/drawing/2014/main" val="111823184"/>
-                    </a:ext>
-                  </a:extLst>
-                </a:gridCol>
-              </a:tblGrid>
-              <a:tr h="546100">
-                <a:tc>
-                  <a:txBody>
-                    <a:bodyPr/>
-                    <a:lstStyle/>
-                    <a:p>
-                      <a:pPr algn="ctr" latinLnBrk="1"/>
-                      <a:r>
-                        <a:rPr lang="en-US" altLang="ko-KR" sz="1000"/>
-                        <a:t>Case</a:t>
-                      </a:r>
-                      <a:endParaRPr lang="ko-KR" altLang="en-US" sz="1000"/>
-                    </a:p>
-                  </a:txBody>
-                  <a:tcPr anchor="ctr"/>
-                </a:tc>
-                <a:tc>
-                  <a:txBody>
-                    <a:bodyPr/>
-                    <a:lstStyle/>
-                    <a:p>
-                      <a:pPr algn="ctr" latinLnBrk="1"/>
-                      <a:r>
-                        <a:rPr lang="en-US" altLang="ko-KR" sz="1000"/>
-                        <a:t>Flow</a:t>
-                      </a:r>
-                      <a:endParaRPr lang="ko-KR" altLang="en-US" sz="1000"/>
-                    </a:p>
-                  </a:txBody>
-                  <a:tcPr anchor="ctr"/>
-                </a:tc>
-                <a:tc>
-                  <a:txBody>
-                    <a:bodyPr/>
-                    <a:lstStyle/>
-                    <a:p>
-                      <a:pPr algn="ctr" latinLnBrk="1"/>
-                      <a:r>
-                        <a:rPr lang="en-US" altLang="ko-KR" sz="1000"/>
-                        <a:t>Name</a:t>
-                      </a:r>
-                      <a:endParaRPr lang="ko-KR" altLang="en-US" sz="1000"/>
-                    </a:p>
-                  </a:txBody>
-                  <a:tcPr anchor="ctr"/>
-                </a:tc>
-                <a:tc>
-                  <a:txBody>
-                    <a:bodyPr/>
-                    <a:lstStyle/>
-                    <a:p>
-                      <a:pPr algn="ctr" latinLnBrk="1"/>
-                      <a:r>
-                        <a:rPr lang="en-US" altLang="ko-KR" sz="1000"/>
-                        <a:t>DataType 
-(In:Out)</a:t>
-                      </a:r>
-                      <a:endParaRPr lang="ko-KR" altLang="en-US" sz="1000"/>
-                    </a:p>
-                  </a:txBody>
-                  <a:tcPr anchor="ctr"/>
-                </a:tc>
-                <a:tc>
-                  <a:txBody>
-                    <a:bodyPr/>
-                    <a:lstStyle/>
-                    <a:p>
-                      <a:pPr algn="ctr" latinLnBrk="1"/>
-                      <a:r>
-                        <a:rPr lang="en-US" altLang="ko-KR" sz="1000"/>
-                        <a:t>Input</a:t>
-                      </a:r>
-                      <a:endParaRPr lang="ko-KR" altLang="en-US" sz="1000"/>
-                    </a:p>
-                  </a:txBody>
-                  <a:tcPr anchor="ctr"/>
-                </a:tc>
-                <a:tc>
-                  <a:txBody>
-                    <a:bodyPr/>
-                    <a:lstStyle/>
-                    <a:p>
-                      <a:pPr algn="ctr" latinLnBrk="1"/>
-                      <a:r>
-                        <a:rPr lang="en-US" altLang="ko-KR" sz="1000"/>
-                        <a:t>Output</a:t>
-                      </a:r>
-                      <a:endParaRPr lang="ko-KR" altLang="en-US" sz="1000"/>
-                    </a:p>
-                  </a:txBody>
-                  <a:tcPr anchor="ctr"/>
-                </a:tc>
-                <a:tc>
-                  <a:txBody>
-                    <a:bodyPr/>
-                    <a:lstStyle/>
-                    <a:p>
-                      <a:pPr algn="ctr" latinLnBrk="1"/>
-                      <a:r>
-                        <a:rPr lang="en-US" altLang="ko-KR" sz="1000"/>
-                        <a:t>Symbol
-In</a:t>
-                      </a:r>
-                      <a:endParaRPr lang="ko-KR" altLang="en-US" sz="1000"/>
-                    </a:p>
-                  </a:txBody>
-                  <a:tcPr anchor="ctr"/>
-                </a:tc>
-                <a:tc>
-                  <a:txBody>
-                    <a:bodyPr/>
-                    <a:lstStyle/>
-                    <a:p>
-                      <a:pPr algn="ctr" latinLnBrk="1"/>
-                      <a:r>
-                        <a:rPr lang="en-US" altLang="ko-KR" sz="1000"/>
-                        <a:t>Symbol
-Out</a:t>
-                      </a:r>
-                      <a:endParaRPr lang="ko-KR" altLang="en-US" sz="1000"/>
-                    </a:p>
-                  </a:txBody>
-                  <a:tcPr anchor="ctr"/>
-                </a:tc>
-                <a:extLst>
-                  <a:ext uri="{0D108BD9-81ED-4DB2-BD59-A6C34878D82A}">
-                    <a16:rowId xmlns:a16="http://schemas.microsoft.com/office/drawing/2014/main" val="1484933591"/>
-                  </a:ext>
-                </a:extLst>
-              </a:tr>
-              <a:tr h="546100">
-                <a:tc>
-                  <a:txBody>
-                    <a:bodyPr/>
-                    <a:lstStyle/>
-                    <a:p>
-                      <a:pPr algn="ctr" latinLnBrk="1"/>
-                      <a:r>
-                        <a:rPr lang="ko-KR" altLang="en-US" sz="1000"/>
-                        <a:t>외부주소</a:t>
-                      </a:r>
-                    </a:p>
-                  </a:txBody>
-                  <a:tcPr anchor="ctr"/>
-                </a:tc>
-                <a:tc>
-                  <a:txBody>
-                    <a:bodyPr/>
-                    <a:lstStyle/>
-                    <a:p>
-                      <a:pPr algn="ctr" latinLnBrk="1"/>
-                      <a:r>
-                        <a:rPr lang="en-US" altLang="ko-KR" sz="1000"/>
-                        <a:t>FlowA</a:t>
-                      </a:r>
-                      <a:endParaRPr lang="ko-KR" altLang="en-US" sz="1000"/>
-                    </a:p>
-                  </a:txBody>
-                  <a:tcPr anchor="ctr"/>
-                </a:tc>
-                <a:tc>
-                  <a:txBody>
-                    <a:bodyPr/>
-                    <a:lstStyle/>
-                    <a:p>
-                      <a:pPr algn="ctr" latinLnBrk="1"/>
-                      <a:r>
-                        <a:rPr lang="en-US" altLang="ko-KR" sz="1000"/>
-                        <a:t>Floor.END</a:t>
-                      </a:r>
-                      <a:endParaRPr lang="ko-KR" altLang="en-US" sz="1000"/>
-                    </a:p>
-                  </a:txBody>
-                  <a:tcPr anchor="ctr"/>
-                </a:tc>
-                <a:tc>
-                  <a:txBody>
-                    <a:bodyPr/>
-                    <a:lstStyle/>
-                    <a:p>
-                      <a:pPr algn="ctr" latinLnBrk="1"/>
-                      <a:r>
-                        <a:rPr lang="en-US" altLang="ko-KR" sz="1000"/>
-                        <a:t>bit</a:t>
-                      </a:r>
-                      <a:endParaRPr lang="ko-KR" altLang="en-US" sz="1000"/>
-                    </a:p>
-                  </a:txBody>
-                  <a:tcPr anchor="ctr"/>
-                </a:tc>
-                <a:tc>
-                  <a:txBody>
-                    <a:bodyPr/>
-                    <a:lstStyle/>
-                    <a:p>
-                      <a:pPr algn="ctr" latinLnBrk="1"/>
-                      <a:r>
-                        <a:rPr lang="en-US" altLang="ko-KR" sz="1000"/>
-                        <a:t>%MX0</a:t>
-                      </a:r>
-                      <a:endParaRPr lang="ko-KR" altLang="en-US" sz="1000"/>
-                    </a:p>
-                  </a:txBody>
-                  <a:tcPr anchor="ctr"/>
-                </a:tc>
-                <a:tc>
-                  <a:txBody>
-                    <a:bodyPr/>
-                    <a:lstStyle/>
-                    <a:p>
-                      <a:pPr algn="ctr" latinLnBrk="1"/>
-                      <a:r>
-                        <a:rPr lang="en-US" altLang="ko-KR" sz="1000"/>
-                        <a:t>-</a:t>
-                      </a:r>
-                      <a:endParaRPr lang="ko-KR" altLang="en-US" sz="1000"/>
-                    </a:p>
-                  </a:txBody>
-                  <a:tcPr anchor="ctr"/>
-                </a:tc>
-                <a:tc>
-                  <a:txBody>
-                    <a:bodyPr/>
-                    <a:lstStyle/>
-                    <a:p>
-                      <a:pPr algn="ctr" latinLnBrk="1"/>
-                      <a:endParaRPr lang="ko-KR" altLang="en-US" sz="1000"/>
-                    </a:p>
-                  </a:txBody>
-                  <a:tcPr anchor="ctr"/>
-                </a:tc>
-                <a:tc>
-                  <a:txBody>
-                    <a:bodyPr/>
-                    <a:lstStyle/>
-                    <a:p>
-                      <a:pPr algn="ctr" latinLnBrk="1"/>
-                      <a:endParaRPr lang="ko-KR" altLang="en-US" sz="1000"/>
-                    </a:p>
-                  </a:txBody>
-                  <a:tcPr anchor="ctr"/>
-                </a:tc>
-                <a:extLst>
-                  <a:ext uri="{0D108BD9-81ED-4DB2-BD59-A6C34878D82A}">
-                    <a16:rowId xmlns:a16="http://schemas.microsoft.com/office/drawing/2014/main" val="1488062711"/>
-                  </a:ext>
-                </a:extLst>
-              </a:tr>
-              <a:tr h="546100">
-                <a:tc>
-                  <a:txBody>
-                    <a:bodyPr/>
-                    <a:lstStyle/>
-                    <a:p>
-                      <a:pPr algn="ctr" latinLnBrk="1"/>
-                      <a:r>
-                        <a:rPr lang="ko-KR" altLang="en-US" sz="1000"/>
-                        <a:t>외부주소</a:t>
-                      </a:r>
-                    </a:p>
-                  </a:txBody>
-                  <a:tcPr anchor="ctr"/>
-                </a:tc>
-                <a:tc>
-                  <a:txBody>
-                    <a:bodyPr/>
-                    <a:lstStyle/>
-                    <a:p>
-                      <a:pPr algn="ctr" latinLnBrk="1"/>
-                      <a:r>
-                        <a:rPr lang="en-US" altLang="ko-KR" sz="1000"/>
-                        <a:t>FlowA</a:t>
-                      </a:r>
-                      <a:endParaRPr lang="ko-KR" altLang="en-US" sz="1000"/>
-                    </a:p>
-                  </a:txBody>
-                  <a:tcPr anchor="ctr"/>
-                </a:tc>
-                <a:tc>
-                  <a:txBody>
-                    <a:bodyPr/>
-                    <a:lstStyle/>
-                    <a:p>
-                      <a:pPr algn="ctr" latinLnBrk="1"/>
-                      <a:r>
-                        <a:rPr lang="en-US" altLang="ko-KR" sz="1000"/>
-                        <a:t>Floor.START</a:t>
-                      </a:r>
-                      <a:endParaRPr lang="ko-KR" altLang="en-US" sz="1000"/>
-                    </a:p>
-                  </a:txBody>
-                  <a:tcPr anchor="ctr"/>
-                </a:tc>
-                <a:tc>
-                  <a:txBody>
-                    <a:bodyPr/>
-                    <a:lstStyle/>
-                    <a:p>
-                      <a:pPr algn="ctr" latinLnBrk="1"/>
-                      <a:r>
-                        <a:rPr lang="en-US" altLang="ko-KR" sz="1000"/>
-                        <a:t>bit</a:t>
-                      </a:r>
-                      <a:endParaRPr lang="ko-KR" altLang="en-US" sz="1000"/>
-                    </a:p>
-                  </a:txBody>
-                  <a:tcPr anchor="ctr"/>
-                </a:tc>
-                <a:tc>
-                  <a:txBody>
-                    <a:bodyPr/>
-                    <a:lstStyle/>
-                    <a:p>
-                      <a:pPr algn="ctr" latinLnBrk="1"/>
-                      <a:r>
-                        <a:rPr lang="en-US" altLang="ko-KR" sz="1000"/>
-                        <a:t>%IX0.4.0</a:t>
-                      </a:r>
-                      <a:endParaRPr lang="ko-KR" altLang="en-US" sz="1000"/>
-                    </a:p>
-                  </a:txBody>
-                  <a:tcPr anchor="ctr"/>
-                </a:tc>
-                <a:tc>
-                  <a:txBody>
-                    <a:bodyPr/>
-                    <a:lstStyle/>
-                    <a:p>
-                      <a:pPr algn="ctr" latinLnBrk="1"/>
-                      <a:r>
-                        <a:rPr lang="en-US" altLang="ko-KR" sz="1000"/>
-                        <a:t>%QX0.0.0</a:t>
-                      </a:r>
-                      <a:endParaRPr lang="ko-KR" altLang="en-US" sz="1000"/>
-                    </a:p>
-                  </a:txBody>
-                  <a:tcPr anchor="ctr"/>
-                </a:tc>
-                <a:tc>
-                  <a:txBody>
-                    <a:bodyPr/>
-                    <a:lstStyle/>
-                    <a:p>
-                      <a:pPr algn="ctr" latinLnBrk="1"/>
-                      <a:endParaRPr lang="ko-KR" altLang="en-US" sz="1000"/>
-                    </a:p>
-                  </a:txBody>
-                  <a:tcPr anchor="ctr"/>
-                </a:tc>
-                <a:tc>
-                  <a:txBody>
-                    <a:bodyPr/>
-                    <a:lstStyle/>
-                    <a:p>
-                      <a:pPr algn="ctr" latinLnBrk="1"/>
-                      <a:endParaRPr lang="ko-KR" altLang="en-US" sz="1000"/>
-                    </a:p>
-                  </a:txBody>
-                  <a:tcPr anchor="ctr"/>
-                </a:tc>
-                <a:extLst>
-                  <a:ext uri="{0D108BD9-81ED-4DB2-BD59-A6C34878D82A}">
-                    <a16:rowId xmlns:a16="http://schemas.microsoft.com/office/drawing/2014/main" val="880784010"/>
-                  </a:ext>
-                </a:extLst>
-              </a:tr>
-              <a:tr h="546100">
-                <a:tc>
-                  <a:txBody>
-                    <a:bodyPr/>
-                    <a:lstStyle/>
-                    <a:p>
-                      <a:pPr algn="ctr" latinLnBrk="1"/>
-                      <a:r>
-                        <a:rPr lang="ko-KR" altLang="en-US" sz="1000"/>
-                        <a:t>외부주소</a:t>
-                      </a:r>
-                    </a:p>
-                  </a:txBody>
-                  <a:tcPr anchor="ctr"/>
-                </a:tc>
-                <a:tc>
-                  <a:txBody>
-                    <a:bodyPr/>
-                    <a:lstStyle/>
-                    <a:p>
-                      <a:pPr algn="ctr" latinLnBrk="1"/>
-                      <a:r>
-                        <a:rPr lang="en-US" altLang="ko-KR" sz="1000"/>
-                        <a:t>FlowA</a:t>
-                      </a:r>
-                      <a:endParaRPr lang="ko-KR" altLang="en-US" sz="1000"/>
-                    </a:p>
-                  </a:txBody>
-                  <a:tcPr anchor="ctr"/>
-                </a:tc>
-                <a:tc>
-                  <a:txBody>
-                    <a:bodyPr/>
-                    <a:lstStyle/>
-                    <a:p>
-                      <a:pPr algn="ctr" latinLnBrk="1"/>
-                      <a:r>
-                        <a:rPr lang="en-US" altLang="ko-KR" sz="1000"/>
-                        <a:t>Floor.UNLOAD</a:t>
-                      </a:r>
-                      <a:endParaRPr lang="ko-KR" altLang="en-US" sz="1000"/>
-                    </a:p>
-                  </a:txBody>
-                  <a:tcPr anchor="ctr"/>
-                </a:tc>
-                <a:tc>
-                  <a:txBody>
-                    <a:bodyPr/>
-                    <a:lstStyle/>
-                    <a:p>
-                      <a:pPr algn="ctr" latinLnBrk="1"/>
-                      <a:r>
-                        <a:rPr lang="en-US" altLang="ko-KR" sz="1000"/>
-                        <a:t>bit</a:t>
-                      </a:r>
-                      <a:endParaRPr lang="ko-KR" altLang="en-US" sz="1000"/>
-                    </a:p>
-                  </a:txBody>
-                  <a:tcPr anchor="ctr"/>
-                </a:tc>
-                <a:tc>
-                  <a:txBody>
-                    <a:bodyPr/>
-                    <a:lstStyle/>
-                    <a:p>
-                      <a:pPr algn="ctr" latinLnBrk="1"/>
-                      <a:r>
-                        <a:rPr lang="en-US" altLang="ko-KR" sz="1000"/>
-                        <a:t>%IX0.4.1</a:t>
-                      </a:r>
-                      <a:endParaRPr lang="ko-KR" altLang="en-US" sz="1000"/>
-                    </a:p>
-                  </a:txBody>
-                  <a:tcPr anchor="ctr"/>
-                </a:tc>
-                <a:tc>
-                  <a:txBody>
-                    <a:bodyPr/>
-                    <a:lstStyle/>
-                    <a:p>
-                      <a:pPr algn="ctr" latinLnBrk="1"/>
-                      <a:r>
-                        <a:rPr lang="en-US" altLang="ko-KR" sz="1000"/>
-                        <a:t>%QX0.0.1</a:t>
-                      </a:r>
-                      <a:endParaRPr lang="ko-KR" altLang="en-US" sz="1000"/>
-                    </a:p>
-                  </a:txBody>
-                  <a:tcPr anchor="ctr"/>
-                </a:tc>
-                <a:tc>
-                  <a:txBody>
-                    <a:bodyPr/>
-                    <a:lstStyle/>
-                    <a:p>
-                      <a:pPr algn="ctr" latinLnBrk="1"/>
-                      <a:endParaRPr lang="ko-KR" altLang="en-US" sz="1000"/>
-                    </a:p>
-                  </a:txBody>
-                  <a:tcPr anchor="ctr"/>
-                </a:tc>
-                <a:tc>
-                  <a:txBody>
-                    <a:bodyPr/>
-                    <a:lstStyle/>
-                    <a:p>
-                      <a:pPr algn="ctr" latinLnBrk="1"/>
-                      <a:endParaRPr lang="ko-KR" altLang="en-US" sz="1000"/>
-                    </a:p>
-                  </a:txBody>
-                  <a:tcPr anchor="ctr"/>
-                </a:tc>
-                <a:extLst>
-                  <a:ext uri="{0D108BD9-81ED-4DB2-BD59-A6C34878D82A}">
-                    <a16:rowId xmlns:a16="http://schemas.microsoft.com/office/drawing/2014/main" val="2966256392"/>
-                  </a:ext>
-                </a:extLst>
-              </a:tr>
-              <a:tr h="546100">
-                <a:tc>
-                  <a:txBody>
-                    <a:bodyPr/>
-                    <a:lstStyle/>
-                    <a:p>
-                      <a:pPr algn="ctr" latinLnBrk="1"/>
-                      <a:r>
-                        <a:rPr lang="ko-KR" altLang="en-US" sz="1000"/>
-                        <a:t>외부주소</a:t>
-                      </a:r>
-                    </a:p>
-                  </a:txBody>
-                  <a:tcPr anchor="ctr"/>
-                </a:tc>
-                <a:tc>
-                  <a:txBody>
-                    <a:bodyPr/>
-                    <a:lstStyle/>
-                    <a:p>
-                      <a:pPr algn="ctr" latinLnBrk="1"/>
-                      <a:r>
-                        <a:rPr lang="en-US" altLang="ko-KR" sz="1000"/>
-                        <a:t>FlowA</a:t>
-                      </a:r>
-                      <a:endParaRPr lang="ko-KR" altLang="en-US" sz="1000"/>
-                    </a:p>
-                  </a:txBody>
-                  <a:tcPr anchor="ctr"/>
-                </a:tc>
-                <a:tc>
-                  <a:txBody>
-                    <a:bodyPr/>
-                    <a:lstStyle/>
-                    <a:p>
-                      <a:pPr algn="ctr" latinLnBrk="1"/>
-                      <a:r>
-                        <a:rPr lang="en-US" altLang="ko-KR" sz="1000"/>
-                        <a:t>SIDE_LH.END</a:t>
-                      </a:r>
-                      <a:endParaRPr lang="ko-KR" altLang="en-US" sz="1000"/>
-                    </a:p>
-                  </a:txBody>
-                  <a:tcPr anchor="ctr"/>
-                </a:tc>
-                <a:tc>
-                  <a:txBody>
-                    <a:bodyPr/>
-                    <a:lstStyle/>
-                    <a:p>
-                      <a:pPr algn="ctr" latinLnBrk="1"/>
-                      <a:r>
-                        <a:rPr lang="en-US" altLang="ko-KR" sz="1000"/>
-                        <a:t>bit</a:t>
-                      </a:r>
-                      <a:endParaRPr lang="ko-KR" altLang="en-US" sz="1000"/>
-                    </a:p>
-                  </a:txBody>
-                  <a:tcPr anchor="ctr"/>
-                </a:tc>
-                <a:tc>
-                  <a:txBody>
-                    <a:bodyPr/>
-                    <a:lstStyle/>
-                    <a:p>
-                      <a:pPr algn="ctr" latinLnBrk="1"/>
-                      <a:r>
-                        <a:rPr lang="en-US" altLang="ko-KR" sz="1000"/>
-                        <a:t>%MX1</a:t>
-                      </a:r>
-                      <a:endParaRPr lang="ko-KR" altLang="en-US" sz="1000"/>
-                    </a:p>
-                  </a:txBody>
-                  <a:tcPr anchor="ctr"/>
-                </a:tc>
-                <a:tc>
-                  <a:txBody>
-                    <a:bodyPr/>
-                    <a:lstStyle/>
-                    <a:p>
-                      <a:pPr algn="ctr" latinLnBrk="1"/>
-                      <a:r>
-                        <a:rPr lang="en-US" altLang="ko-KR" sz="1000"/>
-                        <a:t>-</a:t>
-                      </a:r>
-                      <a:endParaRPr lang="ko-KR" altLang="en-US" sz="1000"/>
-                    </a:p>
-                  </a:txBody>
-                  <a:tcPr anchor="ctr"/>
-                </a:tc>
-                <a:tc>
-                  <a:txBody>
-                    <a:bodyPr/>
-                    <a:lstStyle/>
-                    <a:p>
-                      <a:pPr algn="ctr" latinLnBrk="1"/>
-                      <a:endParaRPr lang="ko-KR" altLang="en-US" sz="1000"/>
-                    </a:p>
-                  </a:txBody>
-                  <a:tcPr anchor="ctr"/>
-                </a:tc>
-                <a:tc>
-                  <a:txBody>
-                    <a:bodyPr/>
-                    <a:lstStyle/>
-                    <a:p>
-                      <a:pPr algn="ctr" latinLnBrk="1"/>
-                      <a:endParaRPr lang="ko-KR" altLang="en-US" sz="1000"/>
-                    </a:p>
-                  </a:txBody>
-                  <a:tcPr anchor="ctr"/>
-                </a:tc>
-                <a:extLst>
-                  <a:ext uri="{0D108BD9-81ED-4DB2-BD59-A6C34878D82A}">
-                    <a16:rowId xmlns:a16="http://schemas.microsoft.com/office/drawing/2014/main" val="1956899141"/>
-                  </a:ext>
-                </a:extLst>
-              </a:tr>
-              <a:tr h="546100">
-                <a:tc>
-                  <a:txBody>
-                    <a:bodyPr/>
-                    <a:lstStyle/>
-                    <a:p>
-                      <a:pPr algn="ctr" latinLnBrk="1"/>
-                      <a:r>
-                        <a:rPr lang="ko-KR" altLang="en-US" sz="1000"/>
-                        <a:t>외부주소</a:t>
-                      </a:r>
-                    </a:p>
-                  </a:txBody>
-                  <a:tcPr anchor="ctr"/>
-                </a:tc>
-                <a:tc>
-                  <a:txBody>
-                    <a:bodyPr/>
-                    <a:lstStyle/>
-                    <a:p>
-                      <a:pPr algn="ctr" latinLnBrk="1"/>
-                      <a:r>
-                        <a:rPr lang="en-US" altLang="ko-KR" sz="1000"/>
-                        <a:t>FlowA</a:t>
-                      </a:r>
-                      <a:endParaRPr lang="ko-KR" altLang="en-US" sz="1000"/>
-                    </a:p>
-                  </a:txBody>
-                  <a:tcPr anchor="ctr"/>
-                </a:tc>
-                <a:tc>
-                  <a:txBody>
-                    <a:bodyPr/>
-                    <a:lstStyle/>
-                    <a:p>
-                      <a:pPr algn="ctr" latinLnBrk="1"/>
-                      <a:r>
-                        <a:rPr lang="en-US" altLang="ko-KR" sz="1000"/>
-                        <a:t>SIDE_LH.START</a:t>
-                      </a:r>
-                      <a:endParaRPr lang="ko-KR" altLang="en-US" sz="1000"/>
-                    </a:p>
-                  </a:txBody>
-                  <a:tcPr anchor="ctr"/>
-                </a:tc>
-                <a:tc>
-                  <a:txBody>
-                    <a:bodyPr/>
-                    <a:lstStyle/>
-                    <a:p>
-                      <a:pPr algn="ctr" latinLnBrk="1"/>
-                      <a:r>
-                        <a:rPr lang="en-US" altLang="ko-KR" sz="1000"/>
-                        <a:t>bit</a:t>
-                      </a:r>
-                      <a:endParaRPr lang="ko-KR" altLang="en-US" sz="1000"/>
-                    </a:p>
-                  </a:txBody>
-                  <a:tcPr anchor="ctr"/>
-                </a:tc>
-                <a:tc>
-                  <a:txBody>
-                    <a:bodyPr/>
-                    <a:lstStyle/>
-                    <a:p>
-                      <a:pPr algn="ctr" latinLnBrk="1"/>
-                      <a:r>
-                        <a:rPr lang="en-US" altLang="ko-KR" sz="1000"/>
-                        <a:t>%IX0.4.2</a:t>
-                      </a:r>
-                      <a:endParaRPr lang="ko-KR" altLang="en-US" sz="1000"/>
-                    </a:p>
-                  </a:txBody>
-                  <a:tcPr anchor="ctr"/>
-                </a:tc>
-                <a:tc>
-                  <a:txBody>
-                    <a:bodyPr/>
-                    <a:lstStyle/>
-                    <a:p>
-                      <a:pPr algn="ctr" latinLnBrk="1"/>
-                      <a:r>
-                        <a:rPr lang="en-US" altLang="ko-KR" sz="1000"/>
-                        <a:t>%QX0.0.2</a:t>
-                      </a:r>
-                      <a:endParaRPr lang="ko-KR" altLang="en-US" sz="1000"/>
-                    </a:p>
-                  </a:txBody>
-                  <a:tcPr anchor="ctr"/>
-                </a:tc>
-                <a:tc>
-                  <a:txBody>
-                    <a:bodyPr/>
-                    <a:lstStyle/>
-                    <a:p>
-                      <a:pPr algn="ctr" latinLnBrk="1"/>
-                      <a:endParaRPr lang="ko-KR" altLang="en-US" sz="1000"/>
-                    </a:p>
-                  </a:txBody>
-                  <a:tcPr anchor="ctr"/>
-                </a:tc>
-                <a:tc>
-                  <a:txBody>
-                    <a:bodyPr/>
-                    <a:lstStyle/>
-                    <a:p>
-                      <a:pPr algn="ctr" latinLnBrk="1"/>
-                      <a:endParaRPr lang="ko-KR" altLang="en-US" sz="1000"/>
-                    </a:p>
-                  </a:txBody>
-                  <a:tcPr anchor="ctr"/>
-                </a:tc>
-                <a:extLst>
-                  <a:ext uri="{0D108BD9-81ED-4DB2-BD59-A6C34878D82A}">
-                    <a16:rowId xmlns:a16="http://schemas.microsoft.com/office/drawing/2014/main" val="985056253"/>
-                  </a:ext>
-                </a:extLst>
-              </a:tr>
-              <a:tr h="546100">
-                <a:tc>
-                  <a:txBody>
-                    <a:bodyPr/>
-                    <a:lstStyle/>
-                    <a:p>
-                      <a:pPr algn="ctr" latinLnBrk="1"/>
-                      <a:r>
-                        <a:rPr lang="ko-KR" altLang="en-US" sz="1000"/>
-                        <a:t>외부주소</a:t>
-                      </a:r>
-                    </a:p>
-                  </a:txBody>
-                  <a:tcPr anchor="ctr"/>
-                </a:tc>
-                <a:tc>
-                  <a:txBody>
-                    <a:bodyPr/>
-                    <a:lstStyle/>
-                    <a:p>
-                      <a:pPr algn="ctr" latinLnBrk="1"/>
-                      <a:r>
-                        <a:rPr lang="en-US" altLang="ko-KR" sz="1000"/>
-                        <a:t>FlowA</a:t>
-                      </a:r>
-                      <a:endParaRPr lang="ko-KR" altLang="en-US" sz="1000"/>
-                    </a:p>
-                  </a:txBody>
-                  <a:tcPr anchor="ctr"/>
-                </a:tc>
-                <a:tc>
-                  <a:txBody>
-                    <a:bodyPr/>
-                    <a:lstStyle/>
-                    <a:p>
-                      <a:pPr algn="ctr" latinLnBrk="1"/>
-                      <a:r>
-                        <a:rPr lang="en-US" altLang="ko-KR" sz="1000"/>
-                        <a:t>SIDE_LH.UNLOAD</a:t>
-                      </a:r>
-                      <a:endParaRPr lang="ko-KR" altLang="en-US" sz="1000"/>
-                    </a:p>
-                  </a:txBody>
-                  <a:tcPr anchor="ctr"/>
-                </a:tc>
-                <a:tc>
-                  <a:txBody>
-                    <a:bodyPr/>
-                    <a:lstStyle/>
-                    <a:p>
-                      <a:pPr algn="ctr" latinLnBrk="1"/>
-                      <a:r>
-                        <a:rPr lang="en-US" altLang="ko-KR" sz="1000"/>
-                        <a:t>bit</a:t>
-                      </a:r>
-                      <a:endParaRPr lang="ko-KR" altLang="en-US" sz="1000"/>
-                    </a:p>
-                  </a:txBody>
-                  <a:tcPr anchor="ctr"/>
-                </a:tc>
-                <a:tc>
-                  <a:txBody>
-                    <a:bodyPr/>
-                    <a:lstStyle/>
-                    <a:p>
-                      <a:pPr algn="ctr" latinLnBrk="1"/>
-                      <a:r>
-                        <a:rPr lang="en-US" altLang="ko-KR" sz="1000"/>
-                        <a:t>%IX0.4.3</a:t>
-                      </a:r>
-                      <a:endParaRPr lang="ko-KR" altLang="en-US" sz="1000"/>
-                    </a:p>
-                  </a:txBody>
-                  <a:tcPr anchor="ctr"/>
-                </a:tc>
-                <a:tc>
-                  <a:txBody>
-                    <a:bodyPr/>
-                    <a:lstStyle/>
-                    <a:p>
-                      <a:pPr algn="ctr" latinLnBrk="1"/>
-                      <a:r>
-                        <a:rPr lang="en-US" altLang="ko-KR" sz="1000"/>
-                        <a:t>%QX0.0.3</a:t>
-                      </a:r>
-                      <a:endParaRPr lang="ko-KR" altLang="en-US" sz="1000"/>
-                    </a:p>
-                  </a:txBody>
-                  <a:tcPr anchor="ctr"/>
-                </a:tc>
-                <a:tc>
-                  <a:txBody>
-                    <a:bodyPr/>
-                    <a:lstStyle/>
-                    <a:p>
-                      <a:pPr algn="ctr" latinLnBrk="1"/>
-                      <a:endParaRPr lang="ko-KR" altLang="en-US" sz="1000"/>
-                    </a:p>
-                  </a:txBody>
-                  <a:tcPr anchor="ctr"/>
-                </a:tc>
-                <a:tc>
-                  <a:txBody>
-                    <a:bodyPr/>
-                    <a:lstStyle/>
-                    <a:p>
-                      <a:pPr algn="ctr" latinLnBrk="1"/>
-                      <a:endParaRPr lang="ko-KR" altLang="en-US" sz="1000"/>
-                    </a:p>
-                  </a:txBody>
-                  <a:tcPr anchor="ctr"/>
-                </a:tc>
-                <a:extLst>
-                  <a:ext uri="{0D108BD9-81ED-4DB2-BD59-A6C34878D82A}">
-                    <a16:rowId xmlns:a16="http://schemas.microsoft.com/office/drawing/2014/main" val="3531566678"/>
-                  </a:ext>
-                </a:extLst>
-              </a:tr>
-              <a:tr h="546100">
-                <a:tc>
-                  <a:txBody>
-                    <a:bodyPr/>
-                    <a:lstStyle/>
-                    <a:p>
-                      <a:pPr algn="ctr" latinLnBrk="1"/>
-                      <a:r>
-                        <a:rPr lang="ko-KR" altLang="en-US" sz="1000"/>
-                        <a:t>외부주소</a:t>
-                      </a:r>
-                    </a:p>
-                  </a:txBody>
-                  <a:tcPr anchor="ctr"/>
-                </a:tc>
-                <a:tc>
-                  <a:txBody>
-                    <a:bodyPr/>
-                    <a:lstStyle/>
-                    <a:p>
-                      <a:pPr algn="ctr" latinLnBrk="1"/>
-                      <a:r>
-                        <a:rPr lang="en-US" altLang="ko-KR" sz="1000"/>
-                        <a:t>FlowA</a:t>
-                      </a:r>
-                      <a:endParaRPr lang="ko-KR" altLang="en-US" sz="1000"/>
-                    </a:p>
-                  </a:txBody>
-                  <a:tcPr anchor="ctr"/>
-                </a:tc>
-                <a:tc>
-                  <a:txBody>
-                    <a:bodyPr/>
-                    <a:lstStyle/>
-                    <a:p>
-                      <a:pPr algn="ctr" latinLnBrk="1"/>
-                      <a:r>
-                        <a:rPr lang="en-US" altLang="ko-KR" sz="1000"/>
-                        <a:t>SIDE_RH.END</a:t>
-                      </a:r>
-                      <a:endParaRPr lang="ko-KR" altLang="en-US" sz="1000"/>
-                    </a:p>
-                  </a:txBody>
-                  <a:tcPr anchor="ctr"/>
-                </a:tc>
-                <a:tc>
-                  <a:txBody>
-                    <a:bodyPr/>
-                    <a:lstStyle/>
-                    <a:p>
-                      <a:pPr algn="ctr" latinLnBrk="1"/>
-                      <a:r>
-                        <a:rPr lang="en-US" altLang="ko-KR" sz="1000"/>
-                        <a:t>bit</a:t>
-                      </a:r>
-                      <a:endParaRPr lang="ko-KR" altLang="en-US" sz="1000"/>
-                    </a:p>
-                  </a:txBody>
-                  <a:tcPr anchor="ctr"/>
-                </a:tc>
-                <a:tc>
-                  <a:txBody>
-                    <a:bodyPr/>
-                    <a:lstStyle/>
-                    <a:p>
-                      <a:pPr algn="ctr" latinLnBrk="1"/>
-                      <a:r>
-                        <a:rPr lang="en-US" altLang="ko-KR" sz="1000"/>
-                        <a:t>%MX2</a:t>
-                      </a:r>
-                      <a:endParaRPr lang="ko-KR" altLang="en-US" sz="1000"/>
-                    </a:p>
-                  </a:txBody>
-                  <a:tcPr anchor="ctr"/>
-                </a:tc>
-                <a:tc>
-                  <a:txBody>
-                    <a:bodyPr/>
-                    <a:lstStyle/>
-                    <a:p>
-                      <a:pPr algn="ctr" latinLnBrk="1"/>
-                      <a:r>
-                        <a:rPr lang="en-US" altLang="ko-KR" sz="1000"/>
-                        <a:t>-</a:t>
-                      </a:r>
-                      <a:endParaRPr lang="ko-KR" altLang="en-US" sz="1000"/>
-                    </a:p>
-                  </a:txBody>
-                  <a:tcPr anchor="ctr"/>
-                </a:tc>
-                <a:tc>
-                  <a:txBody>
-                    <a:bodyPr/>
-                    <a:lstStyle/>
-                    <a:p>
-                      <a:pPr algn="ctr" latinLnBrk="1"/>
-                      <a:endParaRPr lang="ko-KR" altLang="en-US" sz="1000"/>
-                    </a:p>
-                  </a:txBody>
-                  <a:tcPr anchor="ctr"/>
-                </a:tc>
-                <a:tc>
-                  <a:txBody>
-                    <a:bodyPr/>
-                    <a:lstStyle/>
-                    <a:p>
-                      <a:pPr algn="ctr" latinLnBrk="1"/>
-                      <a:endParaRPr lang="ko-KR" altLang="en-US" sz="1000"/>
-                    </a:p>
-                  </a:txBody>
-                  <a:tcPr anchor="ctr"/>
-                </a:tc>
-                <a:extLst>
-                  <a:ext uri="{0D108BD9-81ED-4DB2-BD59-A6C34878D82A}">
-                    <a16:rowId xmlns:a16="http://schemas.microsoft.com/office/drawing/2014/main" val="2519851634"/>
-                  </a:ext>
-                </a:extLst>
-              </a:tr>
-              <a:tr h="546100">
-                <a:tc>
-                  <a:txBody>
-                    <a:bodyPr/>
-                    <a:lstStyle/>
-                    <a:p>
-                      <a:pPr algn="ctr" latinLnBrk="1"/>
-                      <a:r>
-                        <a:rPr lang="ko-KR" altLang="en-US" sz="1000"/>
-                        <a:t>외부주소</a:t>
-                      </a:r>
-                    </a:p>
-                  </a:txBody>
-                  <a:tcPr anchor="ctr"/>
-                </a:tc>
-                <a:tc>
-                  <a:txBody>
-                    <a:bodyPr/>
-                    <a:lstStyle/>
-                    <a:p>
-                      <a:pPr algn="ctr" latinLnBrk="1"/>
-                      <a:r>
-                        <a:rPr lang="en-US" altLang="ko-KR" sz="1000"/>
-                        <a:t>FlowA</a:t>
-                      </a:r>
-                      <a:endParaRPr lang="ko-KR" altLang="en-US" sz="1000"/>
-                    </a:p>
-                  </a:txBody>
-                  <a:tcPr anchor="ctr"/>
-                </a:tc>
-                <a:tc>
-                  <a:txBody>
-                    <a:bodyPr/>
-                    <a:lstStyle/>
-                    <a:p>
-                      <a:pPr algn="ctr" latinLnBrk="1"/>
-                      <a:r>
-                        <a:rPr lang="en-US" altLang="ko-KR" sz="1000"/>
-                        <a:t>SIDE_RH.START</a:t>
-                      </a:r>
-                      <a:endParaRPr lang="ko-KR" altLang="en-US" sz="1000"/>
-                    </a:p>
-                  </a:txBody>
-                  <a:tcPr anchor="ctr"/>
-                </a:tc>
-                <a:tc>
-                  <a:txBody>
-                    <a:bodyPr/>
-                    <a:lstStyle/>
-                    <a:p>
-                      <a:pPr algn="ctr" latinLnBrk="1"/>
-                      <a:r>
-                        <a:rPr lang="en-US" altLang="ko-KR" sz="1000"/>
-                        <a:t>bit</a:t>
-                      </a:r>
-                      <a:endParaRPr lang="ko-KR" altLang="en-US" sz="1000"/>
-                    </a:p>
-                  </a:txBody>
-                  <a:tcPr anchor="ctr"/>
-                </a:tc>
-                <a:tc>
-                  <a:txBody>
-                    <a:bodyPr/>
-                    <a:lstStyle/>
-                    <a:p>
-                      <a:pPr algn="ctr" latinLnBrk="1"/>
-                      <a:r>
-                        <a:rPr lang="en-US" altLang="ko-KR" sz="1000"/>
-                        <a:t>%IX0.4.4</a:t>
-                      </a:r>
-                      <a:endParaRPr lang="ko-KR" altLang="en-US" sz="1000"/>
-                    </a:p>
-                  </a:txBody>
-                  <a:tcPr anchor="ctr"/>
-                </a:tc>
-                <a:tc>
-                  <a:txBody>
-                    <a:bodyPr/>
-                    <a:lstStyle/>
-                    <a:p>
-                      <a:pPr algn="ctr" latinLnBrk="1"/>
-                      <a:r>
-                        <a:rPr lang="en-US" altLang="ko-KR" sz="1000"/>
-                        <a:t>%QX0.0.4</a:t>
-                      </a:r>
-                      <a:endParaRPr lang="ko-KR" altLang="en-US" sz="1000"/>
-                    </a:p>
-                  </a:txBody>
-                  <a:tcPr anchor="ctr"/>
-                </a:tc>
-                <a:tc>
-                  <a:txBody>
-                    <a:bodyPr/>
-                    <a:lstStyle/>
-                    <a:p>
-                      <a:pPr algn="ctr" latinLnBrk="1"/>
-                      <a:endParaRPr lang="ko-KR" altLang="en-US" sz="1000"/>
-                    </a:p>
-                  </a:txBody>
-                  <a:tcPr anchor="ctr"/>
-                </a:tc>
-                <a:tc>
-                  <a:txBody>
-                    <a:bodyPr/>
-                    <a:lstStyle/>
-                    <a:p>
-                      <a:pPr algn="ctr" latinLnBrk="1"/>
-                      <a:endParaRPr lang="ko-KR" altLang="en-US" sz="1000"/>
-                    </a:p>
-                  </a:txBody>
-                  <a:tcPr anchor="ctr"/>
-                </a:tc>
-                <a:extLst>
-                  <a:ext uri="{0D108BD9-81ED-4DB2-BD59-A6C34878D82A}">
-                    <a16:rowId xmlns:a16="http://schemas.microsoft.com/office/drawing/2014/main" val="627030734"/>
-                  </a:ext>
-                </a:extLst>
-              </a:tr>
-              <a:tr h="546100">
-                <a:tc>
-                  <a:txBody>
-                    <a:bodyPr/>
-                    <a:lstStyle/>
-                    <a:p>
-                      <a:pPr algn="ctr" latinLnBrk="1"/>
-                      <a:r>
-                        <a:rPr lang="ko-KR" altLang="en-US" sz="1000"/>
-                        <a:t>외부주소</a:t>
-                      </a:r>
-                    </a:p>
-                  </a:txBody>
-                  <a:tcPr anchor="ctr"/>
-                </a:tc>
-                <a:tc>
-                  <a:txBody>
-                    <a:bodyPr/>
-                    <a:lstStyle/>
-                    <a:p>
-                      <a:pPr algn="ctr" latinLnBrk="1"/>
-                      <a:r>
-                        <a:rPr lang="en-US" altLang="ko-KR" sz="1000"/>
-                        <a:t>FlowA</a:t>
-                      </a:r>
-                      <a:endParaRPr lang="ko-KR" altLang="en-US" sz="1000"/>
-                    </a:p>
-                  </a:txBody>
-                  <a:tcPr anchor="ctr"/>
-                </a:tc>
-                <a:tc>
-                  <a:txBody>
-                    <a:bodyPr/>
-                    <a:lstStyle/>
-                    <a:p>
-                      <a:pPr algn="ctr" latinLnBrk="1"/>
-                      <a:r>
-                        <a:rPr lang="en-US" altLang="ko-KR" sz="1000"/>
-                        <a:t>SIDE_RH.UNLOAD</a:t>
-                      </a:r>
-                      <a:endParaRPr lang="ko-KR" altLang="en-US" sz="1000"/>
-                    </a:p>
-                  </a:txBody>
-                  <a:tcPr anchor="ctr"/>
-                </a:tc>
-                <a:tc>
-                  <a:txBody>
-                    <a:bodyPr/>
-                    <a:lstStyle/>
-                    <a:p>
-                      <a:pPr algn="ctr" latinLnBrk="1"/>
-                      <a:r>
-                        <a:rPr lang="en-US" altLang="ko-KR" sz="1000"/>
-                        <a:t>bit</a:t>
-                      </a:r>
-                      <a:endParaRPr lang="ko-KR" altLang="en-US" sz="1000"/>
-                    </a:p>
-                  </a:txBody>
-                  <a:tcPr anchor="ctr"/>
-                </a:tc>
-                <a:tc>
-                  <a:txBody>
-                    <a:bodyPr/>
-                    <a:lstStyle/>
-                    <a:p>
-                      <a:pPr algn="ctr" latinLnBrk="1"/>
-                      <a:r>
-                        <a:rPr lang="en-US" altLang="ko-KR" sz="1000"/>
-                        <a:t>%IX0.4.5</a:t>
-                      </a:r>
-                      <a:endParaRPr lang="ko-KR" altLang="en-US" sz="1000"/>
-                    </a:p>
-                  </a:txBody>
-                  <a:tcPr anchor="ctr"/>
-                </a:tc>
-                <a:tc>
-                  <a:txBody>
-                    <a:bodyPr/>
-                    <a:lstStyle/>
-                    <a:p>
-                      <a:pPr algn="ctr" latinLnBrk="1"/>
-                      <a:r>
-                        <a:rPr lang="en-US" altLang="ko-KR" sz="1000"/>
-                        <a:t>%QX0.0.5</a:t>
-                      </a:r>
-                      <a:endParaRPr lang="ko-KR" altLang="en-US" sz="1000"/>
-                    </a:p>
-                  </a:txBody>
-                  <a:tcPr anchor="ctr"/>
-                </a:tc>
-                <a:tc>
-                  <a:txBody>
-                    <a:bodyPr/>
-                    <a:lstStyle/>
-                    <a:p>
-                      <a:pPr algn="ctr" latinLnBrk="1"/>
-                      <a:endParaRPr lang="ko-KR" altLang="en-US" sz="1000"/>
-                    </a:p>
-                  </a:txBody>
-                  <a:tcPr anchor="ctr"/>
-                </a:tc>
-                <a:tc>
-                  <a:txBody>
-                    <a:bodyPr/>
-                    <a:lstStyle/>
-                    <a:p>
-                      <a:pPr algn="ctr" latinLnBrk="1"/>
-                      <a:endParaRPr lang="ko-KR" altLang="en-US" sz="1000"/>
-                    </a:p>
-                  </a:txBody>
-                  <a:tcPr anchor="ctr"/>
-                </a:tc>
-                <a:extLst>
-                  <a:ext uri="{0D108BD9-81ED-4DB2-BD59-A6C34878D82A}">
-                    <a16:rowId xmlns:a16="http://schemas.microsoft.com/office/drawing/2014/main" val="1028969430"/>
-                  </a:ext>
-                </a:extLst>
-              </a:tr>
-            </a:tbl>
-          </a:graphicData>
-        </a:graphic>
-      </p:graphicFrame>
-    </p:spTree>
-    <p:extLst>
-      <p:ext uri="{BB962C8B-B14F-4D97-AF65-F5344CB8AC3E}">
-        <p14:creationId xmlns:p14="http://schemas.microsoft.com/office/powerpoint/2010/main" val="164689485"/>
-      </p:ext>
-    </p:extLst>
-  </p:cSld>
-  <p:clrMapOvr>
-    <a:masterClrMapping/>
-  </p:clrMapOvr>
-</p:sld>
-</file>
-
-<file path=ppt/slides/slide3.xml><?xml version="1.0" encoding="utf-8"?>
-<p:sld xmlns:a="http://schemas.openxmlformats.org/drawingml/2006/main" xmlns:r="http://schemas.openxmlformats.org/officeDocument/2006/relationships" xmlns:p="http://schemas.openxmlformats.org/presentationml/2006/main">
-  <p:cSld>
-    <p:bg>
-      <p:bgPr>
-        <a:solidFill>
-          <a:srgbClr val="D3D3D3"/>
-        </a:solidFill>
-        <a:effectLst/>
-      </p:bgPr>
-    </p:bg>
-    <p:spTree>
-      <p:nvGrpSpPr>
-        <p:cNvPr id="1" name=""/>
-        <p:cNvGrpSpPr/>
-        <p:nvPr/>
-      </p:nvGrpSpPr>
-      <p:grpSpPr>
-        <a:xfrm>
-          <a:off x="0" y="0"/>
-          <a:ext cx="0" cy="0"/>
-          <a:chOff x="0" y="0"/>
-          <a:chExt cx="0" cy="0"/>
-        </a:xfrm>
-      </p:grpSpPr>
-      <p:sp>
-        <p:nvSpPr>
-          <p:cNvPr id="2" name="TextBox 1">
-            <a:extLst>
-              <a:ext uri="{FF2B5EF4-FFF2-40B4-BE49-F238E27FC236}">
-                <a16:creationId xmlns:a16="http://schemas.microsoft.com/office/drawing/2014/main" id="{98E69619-89C9-DB99-AD17-B98A0030E6A3}"/>
-              </a:ext>
-            </a:extLst>
-          </p:cNvPr>
-          <p:cNvSpPr txBox="1"/>
-          <p:nvPr/>
-        </p:nvSpPr>
-        <p:spPr>
-          <a:xfrm>
-            <a:off x="254000" y="127000"/>
-            <a:ext cx="11430000" cy="381000"/>
-          </a:xfrm>
-          <a:prstGeom prst="rect">
-            <a:avLst/>
-          </a:prstGeom>
-          <a:noFill/>
-        </p:spPr>
-        <p:txBody>
-          <a:bodyPr vert="horz" rtlCol="0">
-            <a:spAutoFit/>
-          </a:bodyPr>
-          <a:lstStyle/>
-          <a:p>
-            <a:r>
-              <a:rPr lang="en-US" altLang="ko-KR"/>
-              <a:t>IO TABLE</a:t>
-            </a:r>
-            <a:endParaRPr lang="ko-KR" altLang="en-US"/>
-          </a:p>
-        </p:txBody>
-      </p:sp>
-      <p:graphicFrame>
-        <p:nvGraphicFramePr>
-          <p:cNvPr id="3" name="표 2">
-            <a:extLst>
-              <a:ext uri="{FF2B5EF4-FFF2-40B4-BE49-F238E27FC236}">
-                <a16:creationId xmlns:a16="http://schemas.microsoft.com/office/drawing/2014/main" id="{5FC55E67-8306-0227-66A5-9E62CF8B35F8}"/>
-              </a:ext>
-            </a:extLst>
-          </p:cNvPr>
-          <p:cNvGraphicFramePr>
-            <a:graphicFrameLocks noGrp="1"/>
-          </p:cNvGraphicFramePr>
-          <p:nvPr>
-            <p:extLst>
-              <p:ext uri="{D42A27DB-BD31-4B8C-83A1-F6EECF244321}">
-                <p14:modId xmlns:p14="http://schemas.microsoft.com/office/powerpoint/2010/main" val="1816756011"/>
-              </p:ext>
-            </p:extLst>
-          </p:nvPr>
-        </p:nvGraphicFramePr>
-        <p:xfrm>
-          <a:off x="127000" y="634999"/>
-          <a:ext cx="11938001" cy="5535022"/>
-        </p:xfrm>
-        <a:graphic>
-          <a:graphicData uri="http://schemas.openxmlformats.org/drawingml/2006/table">
-            <a:tbl>
-              <a:tblPr firstRow="1" bandRow="1">
-                <a:tableStyleId>{5C22544A-7EE6-4342-B048-85BDC9FD1C3A}</a:tableStyleId>
-              </a:tblPr>
-              <a:tblGrid>
-                <a:gridCol w="929027">
-                  <a:extLst>
-                    <a:ext uri="{9D8B030D-6E8A-4147-A177-3AD203B41FA5}">
-                      <a16:colId xmlns:a16="http://schemas.microsoft.com/office/drawing/2014/main" val="3415088154"/>
-                    </a:ext>
-                  </a:extLst>
-                </a:gridCol>
-                <a:gridCol w="1486444">
-                  <a:extLst>
-                    <a:ext uri="{9D8B030D-6E8A-4147-A177-3AD203B41FA5}">
-                      <a16:colId xmlns:a16="http://schemas.microsoft.com/office/drawing/2014/main" val="1251707879"/>
-                    </a:ext>
-                  </a:extLst>
-                </a:gridCol>
-                <a:gridCol w="2183214">
-                  <a:extLst>
-                    <a:ext uri="{9D8B030D-6E8A-4147-A177-3AD203B41FA5}">
-                      <a16:colId xmlns:a16="http://schemas.microsoft.com/office/drawing/2014/main" val="2883219357"/>
-                    </a:ext>
-                  </a:extLst>
-                </a:gridCol>
-                <a:gridCol w="1486444">
-                  <a:extLst>
-                    <a:ext uri="{9D8B030D-6E8A-4147-A177-3AD203B41FA5}">
-                      <a16:colId xmlns:a16="http://schemas.microsoft.com/office/drawing/2014/main" val="973101091"/>
-                    </a:ext>
-                  </a:extLst>
-                </a:gridCol>
-                <a:gridCol w="2183214">
-                  <a:extLst>
-                    <a:ext uri="{9D8B030D-6E8A-4147-A177-3AD203B41FA5}">
-                      <a16:colId xmlns:a16="http://schemas.microsoft.com/office/drawing/2014/main" val="554005465"/>
-                    </a:ext>
-                  </a:extLst>
-                </a:gridCol>
-                <a:gridCol w="2183214">
-                  <a:extLst>
-                    <a:ext uri="{9D8B030D-6E8A-4147-A177-3AD203B41FA5}">
-                      <a16:colId xmlns:a16="http://schemas.microsoft.com/office/drawing/2014/main" val="1879542657"/>
-                    </a:ext>
-                  </a:extLst>
-                </a:gridCol>
-                <a:gridCol w="743222">
-                  <a:extLst>
-                    <a:ext uri="{9D8B030D-6E8A-4147-A177-3AD203B41FA5}">
-                      <a16:colId xmlns:a16="http://schemas.microsoft.com/office/drawing/2014/main" val="2600190131"/>
-                    </a:ext>
-                  </a:extLst>
-                </a:gridCol>
-                <a:gridCol w="743222">
-                  <a:extLst>
-                    <a:ext uri="{9D8B030D-6E8A-4147-A177-3AD203B41FA5}">
-                      <a16:colId xmlns:a16="http://schemas.microsoft.com/office/drawing/2014/main" val="2727624039"/>
-                    </a:ext>
-                  </a:extLst>
-                </a:gridCol>
-              </a:tblGrid>
-              <a:tr h="390071">
-                <a:tc>
-                  <a:txBody>
-                    <a:bodyPr/>
-                    <a:lstStyle/>
-                    <a:p>
-                      <a:pPr algn="ctr" latinLnBrk="1"/>
-                      <a:r>
-                        <a:rPr lang="en-US" altLang="ko-KR" sz="1000"/>
-                        <a:t>Case</a:t>
-                      </a:r>
-                      <a:endParaRPr lang="ko-KR" altLang="en-US" sz="1000"/>
-                    </a:p>
-                  </a:txBody>
-                  <a:tcPr anchor="ctr"/>
-                </a:tc>
-                <a:tc>
-                  <a:txBody>
-                    <a:bodyPr/>
-                    <a:lstStyle/>
-                    <a:p>
-                      <a:pPr algn="ctr" latinLnBrk="1"/>
-                      <a:r>
-                        <a:rPr lang="en-US" altLang="ko-KR" sz="1000"/>
-                        <a:t>Flow</a:t>
-                      </a:r>
-                      <a:endParaRPr lang="ko-KR" altLang="en-US" sz="1000"/>
-                    </a:p>
-                  </a:txBody>
-                  <a:tcPr anchor="ctr"/>
-                </a:tc>
-                <a:tc>
-                  <a:txBody>
-                    <a:bodyPr/>
-                    <a:lstStyle/>
-                    <a:p>
-                      <a:pPr algn="ctr" latinLnBrk="1"/>
-                      <a:r>
-                        <a:rPr lang="en-US" altLang="ko-KR" sz="1000"/>
-                        <a:t>Name</a:t>
-                      </a:r>
-                      <a:endParaRPr lang="ko-KR" altLang="en-US" sz="1000"/>
-                    </a:p>
-                  </a:txBody>
-                  <a:tcPr anchor="ctr"/>
-                </a:tc>
-                <a:tc>
-                  <a:txBody>
-                    <a:bodyPr/>
-                    <a:lstStyle/>
-                    <a:p>
-                      <a:pPr algn="ctr" latinLnBrk="1"/>
-                      <a:r>
-                        <a:rPr lang="en-US" altLang="ko-KR" sz="1000"/>
-                        <a:t>DataType 
-(In:Out)</a:t>
-                      </a:r>
-                      <a:endParaRPr lang="ko-KR" altLang="en-US" sz="1000"/>
-                    </a:p>
-                  </a:txBody>
-                  <a:tcPr anchor="ctr"/>
-                </a:tc>
-                <a:tc>
-                  <a:txBody>
-                    <a:bodyPr/>
-                    <a:lstStyle/>
-                    <a:p>
-                      <a:pPr algn="ctr" latinLnBrk="1"/>
-                      <a:r>
-                        <a:rPr lang="en-US" altLang="ko-KR" sz="1000"/>
-                        <a:t>Input</a:t>
-                      </a:r>
-                      <a:endParaRPr lang="ko-KR" altLang="en-US" sz="1000"/>
-                    </a:p>
-                  </a:txBody>
-                  <a:tcPr anchor="ctr"/>
-                </a:tc>
-                <a:tc>
-                  <a:txBody>
-                    <a:bodyPr/>
-                    <a:lstStyle/>
-                    <a:p>
-                      <a:pPr algn="ctr" latinLnBrk="1"/>
-                      <a:r>
-                        <a:rPr lang="en-US" altLang="ko-KR" sz="1000"/>
-                        <a:t>Output</a:t>
-                      </a:r>
-                      <a:endParaRPr lang="ko-KR" altLang="en-US" sz="1000"/>
-                    </a:p>
-                  </a:txBody>
-                  <a:tcPr anchor="ctr"/>
-                </a:tc>
-                <a:tc>
-                  <a:txBody>
-                    <a:bodyPr/>
-                    <a:lstStyle/>
-                    <a:p>
-                      <a:pPr algn="ctr" latinLnBrk="1"/>
-                      <a:r>
-                        <a:rPr lang="en-US" altLang="ko-KR" sz="1000"/>
-                        <a:t>Symbol
-In</a:t>
-                      </a:r>
-                      <a:endParaRPr lang="ko-KR" altLang="en-US" sz="1000"/>
-                    </a:p>
-                  </a:txBody>
-                  <a:tcPr anchor="ctr"/>
-                </a:tc>
-                <a:tc>
-                  <a:txBody>
-                    <a:bodyPr/>
-                    <a:lstStyle/>
-                    <a:p>
-                      <a:pPr algn="ctr" latinLnBrk="1"/>
-                      <a:r>
-                        <a:rPr lang="en-US" altLang="ko-KR" sz="1000"/>
-                        <a:t>Symbol
-Out</a:t>
-                      </a:r>
-                      <a:endParaRPr lang="ko-KR" altLang="en-US" sz="1000"/>
-                    </a:p>
-                  </a:txBody>
-                  <a:tcPr anchor="ctr"/>
-                </a:tc>
-                <a:extLst>
-                  <a:ext uri="{0D108BD9-81ED-4DB2-BD59-A6C34878D82A}">
-                    <a16:rowId xmlns:a16="http://schemas.microsoft.com/office/drawing/2014/main" val="4179841971"/>
-                  </a:ext>
-                </a:extLst>
-              </a:tr>
-              <a:tr h="390071">
-                <a:tc>
-                  <a:txBody>
-                    <a:bodyPr/>
-                    <a:lstStyle/>
-                    <a:p>
-                      <a:pPr algn="ctr" latinLnBrk="1"/>
-                      <a:r>
-                        <a:rPr lang="ko-KR" altLang="en-US" sz="1000"/>
-                        <a:t>자동셀렉트</a:t>
-                      </a:r>
-                    </a:p>
-                  </a:txBody>
-                  <a:tcPr anchor="ctr"/>
-                </a:tc>
-                <a:tc>
-                  <a:txBody>
-                    <a:bodyPr/>
-                    <a:lstStyle/>
-                    <a:p>
-                      <a:pPr algn="ctr" latinLnBrk="1"/>
-                      <a:r>
-                        <a:rPr lang="en-US" altLang="ko-KR" sz="1000"/>
-                        <a:t>ALL</a:t>
-                      </a:r>
-                      <a:endParaRPr lang="ko-KR" altLang="en-US" sz="1000"/>
-                    </a:p>
-                  </a:txBody>
-                  <a:tcPr anchor="ctr"/>
-                </a:tc>
-                <a:tc>
-                  <a:txBody>
-                    <a:bodyPr/>
-                    <a:lstStyle/>
-                    <a:p>
-                      <a:pPr algn="ctr" latinLnBrk="1"/>
-                      <a:r>
-                        <a:rPr lang="en-US" altLang="ko-KR" sz="1000"/>
-                        <a:t>AutoSelect</a:t>
-                      </a:r>
-                      <a:endParaRPr lang="ko-KR" altLang="en-US" sz="1000"/>
-                    </a:p>
-                  </a:txBody>
-                  <a:tcPr anchor="ctr"/>
-                </a:tc>
-                <a:tc>
-                  <a:txBody>
-                    <a:bodyPr/>
-                    <a:lstStyle/>
-                    <a:p>
-                      <a:pPr algn="ctr" latinLnBrk="1"/>
-                      <a:r>
-                        <a:rPr lang="en-US" altLang="ko-KR" sz="1000"/>
-                        <a:t>bit</a:t>
-                      </a:r>
-                      <a:endParaRPr lang="ko-KR" altLang="en-US" sz="1000"/>
-                    </a:p>
-                  </a:txBody>
-                  <a:tcPr anchor="ctr"/>
-                </a:tc>
-                <a:tc>
-                  <a:txBody>
-                    <a:bodyPr/>
-                    <a:lstStyle/>
-                    <a:p>
-                      <a:pPr algn="ctr" latinLnBrk="1"/>
-                      <a:r>
-                        <a:rPr lang="en-US" altLang="ko-KR" sz="1000"/>
-                        <a:t>%MX1000</a:t>
-                      </a:r>
-                      <a:endParaRPr lang="ko-KR" altLang="en-US" sz="1000"/>
-                    </a:p>
-                  </a:txBody>
-                  <a:tcPr anchor="ctr"/>
-                </a:tc>
-                <a:tc>
-                  <a:txBody>
-                    <a:bodyPr/>
-                    <a:lstStyle/>
-                    <a:p>
-                      <a:pPr algn="ctr" latinLnBrk="1"/>
-                      <a:r>
-                        <a:rPr lang="en-US" altLang="ko-KR" sz="1000"/>
-                        <a:t>-</a:t>
-                      </a:r>
-                      <a:endParaRPr lang="ko-KR" altLang="en-US" sz="1000"/>
-                    </a:p>
-                  </a:txBody>
-                  <a:tcPr anchor="ctr"/>
-                </a:tc>
-                <a:tc>
-                  <a:txBody>
-                    <a:bodyPr/>
-                    <a:lstStyle/>
-                    <a:p>
-                      <a:pPr algn="ctr" latinLnBrk="1"/>
-                      <a:endParaRPr lang="ko-KR" altLang="en-US" sz="1000"/>
-                    </a:p>
-                  </a:txBody>
-                  <a:tcPr anchor="ctr"/>
-                </a:tc>
-                <a:tc>
-                  <a:txBody>
-                    <a:bodyPr/>
-                    <a:lstStyle/>
-                    <a:p>
-                      <a:pPr algn="ctr" latinLnBrk="1"/>
-                      <a:endParaRPr lang="ko-KR" altLang="en-US" sz="1000"/>
-                    </a:p>
-                  </a:txBody>
-                  <a:tcPr anchor="ctr"/>
-                </a:tc>
-                <a:extLst>
-                  <a:ext uri="{0D108BD9-81ED-4DB2-BD59-A6C34878D82A}">
-                    <a16:rowId xmlns:a16="http://schemas.microsoft.com/office/drawing/2014/main" val="855863822"/>
-                  </a:ext>
-                </a:extLst>
-              </a:tr>
-              <a:tr h="390071">
-                <a:tc>
-                  <a:txBody>
-                    <a:bodyPr/>
-                    <a:lstStyle/>
-                    <a:p>
-                      <a:pPr algn="ctr" latinLnBrk="1"/>
-                      <a:r>
-                        <a:rPr lang="ko-KR" altLang="en-US" sz="1000"/>
-                        <a:t>수동셀렉트</a:t>
-                      </a:r>
-                    </a:p>
-                  </a:txBody>
-                  <a:tcPr anchor="ctr"/>
-                </a:tc>
-                <a:tc>
-                  <a:txBody>
-                    <a:bodyPr/>
-                    <a:lstStyle/>
-                    <a:p>
-                      <a:pPr algn="ctr" latinLnBrk="1"/>
-                      <a:r>
-                        <a:rPr lang="en-US" altLang="ko-KR" sz="1000"/>
-                        <a:t>ALL</a:t>
-                      </a:r>
-                      <a:endParaRPr lang="ko-KR" altLang="en-US" sz="1000"/>
-                    </a:p>
-                  </a:txBody>
-                  <a:tcPr anchor="ctr"/>
-                </a:tc>
-                <a:tc>
-                  <a:txBody>
-                    <a:bodyPr/>
-                    <a:lstStyle/>
-                    <a:p>
-                      <a:pPr algn="ctr" latinLnBrk="1"/>
-                      <a:r>
-                        <a:rPr lang="en-US" altLang="ko-KR" sz="1000"/>
-                        <a:t>ManualSelect</a:t>
-                      </a:r>
-                      <a:endParaRPr lang="ko-KR" altLang="en-US" sz="1000"/>
-                    </a:p>
-                  </a:txBody>
-                  <a:tcPr anchor="ctr"/>
-                </a:tc>
-                <a:tc>
-                  <a:txBody>
-                    <a:bodyPr/>
-                    <a:lstStyle/>
-                    <a:p>
-                      <a:pPr algn="ctr" latinLnBrk="1"/>
-                      <a:r>
-                        <a:rPr lang="en-US" altLang="ko-KR" sz="1000"/>
-                        <a:t>bit</a:t>
-                      </a:r>
-                      <a:endParaRPr lang="ko-KR" altLang="en-US" sz="1000"/>
-                    </a:p>
-                  </a:txBody>
-                  <a:tcPr anchor="ctr"/>
-                </a:tc>
-                <a:tc>
-                  <a:txBody>
-                    <a:bodyPr/>
-                    <a:lstStyle/>
-                    <a:p>
-                      <a:pPr algn="ctr" latinLnBrk="1"/>
-                      <a:r>
-                        <a:rPr lang="en-US" altLang="ko-KR" sz="1000"/>
-                        <a:t>%MX1001</a:t>
-                      </a:r>
-                      <a:endParaRPr lang="ko-KR" altLang="en-US" sz="1000"/>
-                    </a:p>
-                  </a:txBody>
-                  <a:tcPr anchor="ctr"/>
-                </a:tc>
-                <a:tc>
-                  <a:txBody>
-                    <a:bodyPr/>
-                    <a:lstStyle/>
-                    <a:p>
-                      <a:pPr algn="ctr" latinLnBrk="1"/>
-                      <a:r>
-                        <a:rPr lang="en-US" altLang="ko-KR" sz="1000"/>
-                        <a:t>-</a:t>
-                      </a:r>
-                      <a:endParaRPr lang="ko-KR" altLang="en-US" sz="1000"/>
-                    </a:p>
-                  </a:txBody>
-                  <a:tcPr anchor="ctr"/>
-                </a:tc>
-                <a:tc>
-                  <a:txBody>
-                    <a:bodyPr/>
-                    <a:lstStyle/>
-                    <a:p>
-                      <a:pPr algn="ctr" latinLnBrk="1"/>
-                      <a:endParaRPr lang="ko-KR" altLang="en-US" sz="1000"/>
-                    </a:p>
-                  </a:txBody>
-                  <a:tcPr anchor="ctr"/>
-                </a:tc>
-                <a:tc>
-                  <a:txBody>
-                    <a:bodyPr/>
-                    <a:lstStyle/>
-                    <a:p>
-                      <a:pPr algn="ctr" latinLnBrk="1"/>
-                      <a:endParaRPr lang="ko-KR" altLang="en-US" sz="1000"/>
-                    </a:p>
-                  </a:txBody>
-                  <a:tcPr anchor="ctr"/>
-                </a:tc>
-                <a:extLst>
-                  <a:ext uri="{0D108BD9-81ED-4DB2-BD59-A6C34878D82A}">
-                    <a16:rowId xmlns:a16="http://schemas.microsoft.com/office/drawing/2014/main" val="1853384718"/>
-                  </a:ext>
-                </a:extLst>
-              </a:tr>
-              <a:tr h="390071">
-                <a:tc>
-                  <a:txBody>
-                    <a:bodyPr/>
-                    <a:lstStyle/>
-                    <a:p>
-                      <a:pPr algn="ctr" latinLnBrk="1"/>
-                      <a:r>
-                        <a:rPr lang="ko-KR" altLang="en-US" sz="1000"/>
-                        <a:t>운전푸쉬버튼</a:t>
-                      </a:r>
-                    </a:p>
-                  </a:txBody>
-                  <a:tcPr anchor="ctr"/>
-                </a:tc>
-                <a:tc>
-                  <a:txBody>
-                    <a:bodyPr/>
-                    <a:lstStyle/>
-                    <a:p>
-                      <a:pPr algn="ctr" latinLnBrk="1"/>
-                      <a:r>
-                        <a:rPr lang="en-US" altLang="ko-KR" sz="1000"/>
-                        <a:t>ALL</a:t>
-                      </a:r>
-                      <a:endParaRPr lang="ko-KR" altLang="en-US" sz="1000"/>
-                    </a:p>
-                  </a:txBody>
-                  <a:tcPr anchor="ctr"/>
-                </a:tc>
-                <a:tc>
-                  <a:txBody>
-                    <a:bodyPr/>
-                    <a:lstStyle/>
-                    <a:p>
-                      <a:pPr algn="ctr" latinLnBrk="1"/>
-                      <a:r>
-                        <a:rPr lang="en-US" altLang="ko-KR" sz="1000"/>
-                        <a:t>DrivePushBtn</a:t>
-                      </a:r>
-                      <a:endParaRPr lang="ko-KR" altLang="en-US" sz="1000"/>
-                    </a:p>
-                  </a:txBody>
-                  <a:tcPr anchor="ctr"/>
-                </a:tc>
-                <a:tc>
-                  <a:txBody>
-                    <a:bodyPr/>
-                    <a:lstStyle/>
-                    <a:p>
-                      <a:pPr algn="ctr" latinLnBrk="1"/>
-                      <a:r>
-                        <a:rPr lang="en-US" altLang="ko-KR" sz="1000"/>
-                        <a:t>bit</a:t>
-                      </a:r>
-                      <a:endParaRPr lang="ko-KR" altLang="en-US" sz="1000"/>
-                    </a:p>
-                  </a:txBody>
-                  <a:tcPr anchor="ctr"/>
-                </a:tc>
-                <a:tc>
-                  <a:txBody>
-                    <a:bodyPr/>
-                    <a:lstStyle/>
-                    <a:p>
-                      <a:pPr algn="ctr" latinLnBrk="1"/>
-                      <a:r>
-                        <a:rPr lang="en-US" altLang="ko-KR" sz="1000"/>
-                        <a:t>%MX1002</a:t>
-                      </a:r>
-                      <a:endParaRPr lang="ko-KR" altLang="en-US" sz="1000"/>
-                    </a:p>
-                  </a:txBody>
-                  <a:tcPr anchor="ctr"/>
-                </a:tc>
-                <a:tc>
-                  <a:txBody>
-                    <a:bodyPr/>
-                    <a:lstStyle/>
-                    <a:p>
-                      <a:pPr algn="ctr" latinLnBrk="1"/>
-                      <a:r>
-                        <a:rPr lang="en-US" altLang="ko-KR" sz="1000"/>
-                        <a:t>-</a:t>
-                      </a:r>
-                      <a:endParaRPr lang="ko-KR" altLang="en-US" sz="1000"/>
-                    </a:p>
-                  </a:txBody>
-                  <a:tcPr anchor="ctr"/>
-                </a:tc>
-                <a:tc>
-                  <a:txBody>
-                    <a:bodyPr/>
-                    <a:lstStyle/>
-                    <a:p>
-                      <a:pPr algn="ctr" latinLnBrk="1"/>
-                      <a:endParaRPr lang="ko-KR" altLang="en-US" sz="1000"/>
-                    </a:p>
-                  </a:txBody>
-                  <a:tcPr anchor="ctr"/>
-                </a:tc>
-                <a:tc>
-                  <a:txBody>
-                    <a:bodyPr/>
-                    <a:lstStyle/>
-                    <a:p>
-                      <a:pPr algn="ctr" latinLnBrk="1"/>
-                      <a:endParaRPr lang="ko-KR" altLang="en-US" sz="1000"/>
-                    </a:p>
-                  </a:txBody>
-                  <a:tcPr anchor="ctr"/>
-                </a:tc>
-                <a:extLst>
-                  <a:ext uri="{0D108BD9-81ED-4DB2-BD59-A6C34878D82A}">
-                    <a16:rowId xmlns:a16="http://schemas.microsoft.com/office/drawing/2014/main" val="685016561"/>
-                  </a:ext>
-                </a:extLst>
-              </a:tr>
-              <a:tr h="390071">
-                <a:tc>
-                  <a:txBody>
-                    <a:bodyPr/>
-                    <a:lstStyle/>
-                    <a:p>
-                      <a:pPr algn="ctr" latinLnBrk="1"/>
-                      <a:r>
-                        <a:rPr lang="ko-KR" altLang="en-US" sz="1000"/>
-                        <a:t>정지푸쉬버튼</a:t>
-                      </a:r>
-                    </a:p>
-                  </a:txBody>
-                  <a:tcPr anchor="ctr"/>
-                </a:tc>
-                <a:tc>
-                  <a:txBody>
-                    <a:bodyPr/>
-                    <a:lstStyle/>
-                    <a:p>
-                      <a:pPr algn="ctr" latinLnBrk="1"/>
-                      <a:r>
-                        <a:rPr lang="en-US" altLang="ko-KR" sz="1000"/>
-                        <a:t>ALL</a:t>
-                      </a:r>
-                      <a:endParaRPr lang="ko-KR" altLang="en-US" sz="1000"/>
-                    </a:p>
-                  </a:txBody>
-                  <a:tcPr anchor="ctr"/>
-                </a:tc>
-                <a:tc>
-                  <a:txBody>
-                    <a:bodyPr/>
-                    <a:lstStyle/>
-                    <a:p>
-                      <a:pPr algn="ctr" latinLnBrk="1"/>
-                      <a:r>
-                        <a:rPr lang="en-US" altLang="ko-KR" sz="1000"/>
-                        <a:t>PausePushBtn</a:t>
-                      </a:r>
-                      <a:endParaRPr lang="ko-KR" altLang="en-US" sz="1000"/>
-                    </a:p>
-                  </a:txBody>
-                  <a:tcPr anchor="ctr"/>
-                </a:tc>
-                <a:tc>
-                  <a:txBody>
-                    <a:bodyPr/>
-                    <a:lstStyle/>
-                    <a:p>
-                      <a:pPr algn="ctr" latinLnBrk="1"/>
-                      <a:r>
-                        <a:rPr lang="en-US" altLang="ko-KR" sz="1000"/>
-                        <a:t>bit</a:t>
-                      </a:r>
-                      <a:endParaRPr lang="ko-KR" altLang="en-US" sz="1000"/>
-                    </a:p>
-                  </a:txBody>
-                  <a:tcPr anchor="ctr"/>
-                </a:tc>
-                <a:tc>
-                  <a:txBody>
-                    <a:bodyPr/>
-                    <a:lstStyle/>
-                    <a:p>
-                      <a:pPr algn="ctr" latinLnBrk="1"/>
-                      <a:r>
-                        <a:rPr lang="en-US" altLang="ko-KR" sz="1000"/>
-                        <a:t>%MX1003</a:t>
-                      </a:r>
-                      <a:endParaRPr lang="ko-KR" altLang="en-US" sz="1000"/>
-                    </a:p>
-                  </a:txBody>
-                  <a:tcPr anchor="ctr"/>
-                </a:tc>
-                <a:tc>
-                  <a:txBody>
-                    <a:bodyPr/>
-                    <a:lstStyle/>
-                    <a:p>
-                      <a:pPr algn="ctr" latinLnBrk="1"/>
-                      <a:r>
-                        <a:rPr lang="en-US" altLang="ko-KR" sz="1000"/>
-                        <a:t>-</a:t>
-                      </a:r>
-                      <a:endParaRPr lang="ko-KR" altLang="en-US" sz="1000"/>
-                    </a:p>
-                  </a:txBody>
-                  <a:tcPr anchor="ctr"/>
-                </a:tc>
-                <a:tc>
-                  <a:txBody>
-                    <a:bodyPr/>
-                    <a:lstStyle/>
-                    <a:p>
-                      <a:pPr algn="ctr" latinLnBrk="1"/>
-                      <a:endParaRPr lang="ko-KR" altLang="en-US" sz="1000"/>
-                    </a:p>
-                  </a:txBody>
-                  <a:tcPr anchor="ctr"/>
-                </a:tc>
-                <a:tc>
-                  <a:txBody>
-                    <a:bodyPr/>
-                    <a:lstStyle/>
-                    <a:p>
-                      <a:pPr algn="ctr" latinLnBrk="1"/>
-                      <a:endParaRPr lang="ko-KR" altLang="en-US" sz="1000"/>
-                    </a:p>
-                  </a:txBody>
-                  <a:tcPr anchor="ctr"/>
-                </a:tc>
-                <a:extLst>
-                  <a:ext uri="{0D108BD9-81ED-4DB2-BD59-A6C34878D82A}">
-                    <a16:rowId xmlns:a16="http://schemas.microsoft.com/office/drawing/2014/main" val="2652205937"/>
-                  </a:ext>
-                </a:extLst>
-              </a:tr>
-              <a:tr h="390071">
-                <a:tc>
-                  <a:txBody>
-                    <a:bodyPr/>
-                    <a:lstStyle/>
-                    <a:p>
-                      <a:pPr algn="ctr" latinLnBrk="1"/>
-                      <a:r>
-                        <a:rPr lang="ko-KR" altLang="en-US" sz="1000"/>
-                        <a:t>해지푸쉬버튼</a:t>
-                      </a:r>
-                    </a:p>
-                  </a:txBody>
-                  <a:tcPr anchor="ctr"/>
-                </a:tc>
-                <a:tc>
-                  <a:txBody>
-                    <a:bodyPr/>
-                    <a:lstStyle/>
-                    <a:p>
-                      <a:pPr algn="ctr" latinLnBrk="1"/>
-                      <a:r>
-                        <a:rPr lang="en-US" altLang="ko-KR" sz="1000"/>
-                        <a:t>ALL</a:t>
-                      </a:r>
-                      <a:endParaRPr lang="ko-KR" altLang="en-US" sz="1000"/>
-                    </a:p>
-                  </a:txBody>
-                  <a:tcPr anchor="ctr"/>
-                </a:tc>
-                <a:tc>
-                  <a:txBody>
-                    <a:bodyPr/>
-                    <a:lstStyle/>
-                    <a:p>
-                      <a:pPr algn="ctr" latinLnBrk="1"/>
-                      <a:r>
-                        <a:rPr lang="en-US" altLang="ko-KR" sz="1000"/>
-                        <a:t>ClearPushBtn</a:t>
-                      </a:r>
-                      <a:endParaRPr lang="ko-KR" altLang="en-US" sz="1000"/>
-                    </a:p>
-                  </a:txBody>
-                  <a:tcPr anchor="ctr"/>
-                </a:tc>
-                <a:tc>
-                  <a:txBody>
-                    <a:bodyPr/>
-                    <a:lstStyle/>
-                    <a:p>
-                      <a:pPr algn="ctr" latinLnBrk="1"/>
-                      <a:r>
-                        <a:rPr lang="en-US" altLang="ko-KR" sz="1000"/>
-                        <a:t>bit</a:t>
-                      </a:r>
-                      <a:endParaRPr lang="ko-KR" altLang="en-US" sz="1000"/>
-                    </a:p>
-                  </a:txBody>
-                  <a:tcPr anchor="ctr"/>
-                </a:tc>
-                <a:tc>
-                  <a:txBody>
-                    <a:bodyPr/>
-                    <a:lstStyle/>
-                    <a:p>
-                      <a:pPr algn="ctr" latinLnBrk="1"/>
-                      <a:r>
-                        <a:rPr lang="en-US" altLang="ko-KR" sz="1000"/>
-                        <a:t>%MX1004</a:t>
-                      </a:r>
-                      <a:endParaRPr lang="ko-KR" altLang="en-US" sz="1000"/>
-                    </a:p>
-                  </a:txBody>
-                  <a:tcPr anchor="ctr"/>
-                </a:tc>
-                <a:tc>
-                  <a:txBody>
-                    <a:bodyPr/>
-                    <a:lstStyle/>
-                    <a:p>
-                      <a:pPr algn="ctr" latinLnBrk="1"/>
-                      <a:r>
-                        <a:rPr lang="en-US" altLang="ko-KR" sz="1000"/>
-                        <a:t>-</a:t>
-                      </a:r>
-                      <a:endParaRPr lang="ko-KR" altLang="en-US" sz="1000"/>
-                    </a:p>
-                  </a:txBody>
-                  <a:tcPr anchor="ctr"/>
-                </a:tc>
-                <a:tc>
-                  <a:txBody>
-                    <a:bodyPr/>
-                    <a:lstStyle/>
-                    <a:p>
-                      <a:pPr algn="ctr" latinLnBrk="1"/>
-                      <a:endParaRPr lang="ko-KR" altLang="en-US" sz="1000"/>
-                    </a:p>
-                  </a:txBody>
-                  <a:tcPr anchor="ctr"/>
-                </a:tc>
-                <a:tc>
-                  <a:txBody>
-                    <a:bodyPr/>
-                    <a:lstStyle/>
-                    <a:p>
-                      <a:pPr algn="ctr" latinLnBrk="1"/>
-                      <a:endParaRPr lang="ko-KR" altLang="en-US" sz="1000"/>
-                    </a:p>
-                  </a:txBody>
-                  <a:tcPr anchor="ctr"/>
-                </a:tc>
-                <a:extLst>
-                  <a:ext uri="{0D108BD9-81ED-4DB2-BD59-A6C34878D82A}">
-                    <a16:rowId xmlns:a16="http://schemas.microsoft.com/office/drawing/2014/main" val="2072663909"/>
-                  </a:ext>
-                </a:extLst>
-              </a:tr>
-              <a:tr h="390071">
-                <a:tc>
-                  <a:txBody>
-                    <a:bodyPr/>
-                    <a:lstStyle/>
-                    <a:p>
-                      <a:pPr algn="ctr" latinLnBrk="1"/>
-                      <a:r>
-                        <a:rPr lang="ko-KR" altLang="en-US" sz="1000"/>
-                        <a:t>비상푸쉬버튼</a:t>
-                      </a:r>
-                    </a:p>
-                  </a:txBody>
-                  <a:tcPr anchor="ctr"/>
-                </a:tc>
-                <a:tc>
-                  <a:txBody>
-                    <a:bodyPr/>
-                    <a:lstStyle/>
-                    <a:p>
-                      <a:pPr algn="ctr" latinLnBrk="1"/>
-                      <a:r>
-                        <a:rPr lang="en-US" altLang="ko-KR" sz="1000"/>
-                        <a:t>ALL</a:t>
-                      </a:r>
-                      <a:endParaRPr lang="ko-KR" altLang="en-US" sz="1000"/>
-                    </a:p>
-                  </a:txBody>
-                  <a:tcPr anchor="ctr"/>
-                </a:tc>
-                <a:tc>
-                  <a:txBody>
-                    <a:bodyPr/>
-                    <a:lstStyle/>
-                    <a:p>
-                      <a:pPr algn="ctr" latinLnBrk="1"/>
-                      <a:r>
-                        <a:rPr lang="en-US" altLang="ko-KR" sz="1000"/>
-                        <a:t>EmergencyBtn</a:t>
-                      </a:r>
-                      <a:endParaRPr lang="ko-KR" altLang="en-US" sz="1000"/>
-                    </a:p>
-                  </a:txBody>
-                  <a:tcPr anchor="ctr"/>
-                </a:tc>
-                <a:tc>
-                  <a:txBody>
-                    <a:bodyPr/>
-                    <a:lstStyle/>
-                    <a:p>
-                      <a:pPr algn="ctr" latinLnBrk="1"/>
-                      <a:r>
-                        <a:rPr lang="en-US" altLang="ko-KR" sz="1000"/>
-                        <a:t>bit</a:t>
-                      </a:r>
-                      <a:endParaRPr lang="ko-KR" altLang="en-US" sz="1000"/>
-                    </a:p>
-                  </a:txBody>
-                  <a:tcPr anchor="ctr"/>
-                </a:tc>
-                <a:tc>
-                  <a:txBody>
-                    <a:bodyPr/>
-                    <a:lstStyle/>
-                    <a:p>
-                      <a:pPr algn="ctr" latinLnBrk="1"/>
-                      <a:r>
-                        <a:rPr lang="en-US" altLang="ko-KR" sz="1000"/>
-                        <a:t>%MX1005</a:t>
-                      </a:r>
-                      <a:endParaRPr lang="ko-KR" altLang="en-US" sz="1000"/>
-                    </a:p>
-                  </a:txBody>
-                  <a:tcPr anchor="ctr"/>
-                </a:tc>
-                <a:tc>
-                  <a:txBody>
-                    <a:bodyPr/>
-                    <a:lstStyle/>
-                    <a:p>
-                      <a:pPr algn="ctr" latinLnBrk="1"/>
-                      <a:r>
-                        <a:rPr lang="en-US" altLang="ko-KR" sz="1000"/>
-                        <a:t>-</a:t>
-                      </a:r>
-                      <a:endParaRPr lang="ko-KR" altLang="en-US" sz="1000"/>
-                    </a:p>
-                  </a:txBody>
-                  <a:tcPr anchor="ctr"/>
-                </a:tc>
-                <a:tc>
-                  <a:txBody>
-                    <a:bodyPr/>
-                    <a:lstStyle/>
-                    <a:p>
-                      <a:pPr algn="ctr" latinLnBrk="1"/>
-                      <a:endParaRPr lang="ko-KR" altLang="en-US" sz="1000"/>
-                    </a:p>
-                  </a:txBody>
-                  <a:tcPr anchor="ctr"/>
-                </a:tc>
-                <a:tc>
-                  <a:txBody>
-                    <a:bodyPr/>
-                    <a:lstStyle/>
-                    <a:p>
-                      <a:pPr algn="ctr" latinLnBrk="1"/>
-                      <a:endParaRPr lang="ko-KR" altLang="en-US" sz="1000"/>
-                    </a:p>
-                  </a:txBody>
-                  <a:tcPr anchor="ctr"/>
-                </a:tc>
-                <a:extLst>
-                  <a:ext uri="{0D108BD9-81ED-4DB2-BD59-A6C34878D82A}">
-                    <a16:rowId xmlns:a16="http://schemas.microsoft.com/office/drawing/2014/main" val="2537321511"/>
-                  </a:ext>
-                </a:extLst>
-              </a:tr>
-              <a:tr h="390071">
-                <a:tc>
-                  <a:txBody>
-                    <a:bodyPr/>
-                    <a:lstStyle/>
-                    <a:p>
-                      <a:pPr algn="ctr" latinLnBrk="1"/>
-                      <a:r>
-                        <a:rPr lang="ko-KR" altLang="en-US" sz="1000"/>
-                        <a:t>자동모드램프</a:t>
-                      </a:r>
-                    </a:p>
-                  </a:txBody>
-                  <a:tcPr anchor="ctr"/>
-                </a:tc>
-                <a:tc>
-                  <a:txBody>
-                    <a:bodyPr/>
-                    <a:lstStyle/>
-                    <a:p>
-                      <a:pPr algn="ctr" latinLnBrk="1"/>
-                      <a:r>
-                        <a:rPr lang="en-US" altLang="ko-KR" sz="1000"/>
-                        <a:t>ALL</a:t>
-                      </a:r>
-                      <a:endParaRPr lang="ko-KR" altLang="en-US" sz="1000"/>
-                    </a:p>
-                  </a:txBody>
-                  <a:tcPr anchor="ctr"/>
-                </a:tc>
-                <a:tc>
-                  <a:txBody>
-                    <a:bodyPr/>
-                    <a:lstStyle/>
-                    <a:p>
-                      <a:pPr algn="ctr" latinLnBrk="1"/>
-                      <a:r>
-                        <a:rPr lang="en-US" altLang="ko-KR" sz="1000"/>
-                        <a:t>AutoModeLamp</a:t>
-                      </a:r>
-                      <a:endParaRPr lang="ko-KR" altLang="en-US" sz="1000"/>
-                    </a:p>
-                  </a:txBody>
-                  <a:tcPr anchor="ctr"/>
-                </a:tc>
-                <a:tc>
-                  <a:txBody>
-                    <a:bodyPr/>
-                    <a:lstStyle/>
-                    <a:p>
-                      <a:pPr algn="ctr" latinLnBrk="1"/>
-                      <a:r>
-                        <a:rPr lang="en-US" altLang="ko-KR" sz="1000"/>
-                        <a:t>bit</a:t>
-                      </a:r>
-                      <a:endParaRPr lang="ko-KR" altLang="en-US" sz="1000"/>
-                    </a:p>
-                  </a:txBody>
-                  <a:tcPr anchor="ctr"/>
-                </a:tc>
-                <a:tc>
-                  <a:txBody>
-                    <a:bodyPr/>
-                    <a:lstStyle/>
-                    <a:p>
-                      <a:pPr algn="ctr" latinLnBrk="1"/>
-                      <a:r>
-                        <a:rPr lang="en-US" altLang="ko-KR" sz="1000"/>
-                        <a:t>-</a:t>
-                      </a:r>
-                      <a:endParaRPr lang="ko-KR" altLang="en-US" sz="1000"/>
-                    </a:p>
-                  </a:txBody>
-                  <a:tcPr anchor="ctr"/>
-                </a:tc>
-                <a:tc>
-                  <a:txBody>
-                    <a:bodyPr/>
-                    <a:lstStyle/>
-                    <a:p>
-                      <a:pPr algn="ctr" latinLnBrk="1"/>
-                      <a:r>
-                        <a:rPr lang="en-US" altLang="ko-KR" sz="1000"/>
-                        <a:t>%MX1006</a:t>
-                      </a:r>
-                      <a:endParaRPr lang="ko-KR" altLang="en-US" sz="1000"/>
-                    </a:p>
-                  </a:txBody>
-                  <a:tcPr anchor="ctr"/>
-                </a:tc>
-                <a:tc>
-                  <a:txBody>
-                    <a:bodyPr/>
-                    <a:lstStyle/>
-                    <a:p>
-                      <a:pPr algn="ctr" latinLnBrk="1"/>
-                      <a:endParaRPr lang="ko-KR" altLang="en-US" sz="1000"/>
-                    </a:p>
-                  </a:txBody>
-                  <a:tcPr anchor="ctr"/>
-                </a:tc>
-                <a:tc>
-                  <a:txBody>
-                    <a:bodyPr/>
-                    <a:lstStyle/>
-                    <a:p>
-                      <a:pPr algn="ctr" latinLnBrk="1"/>
-                      <a:endParaRPr lang="ko-KR" altLang="en-US" sz="1000"/>
-                    </a:p>
-                  </a:txBody>
-                  <a:tcPr anchor="ctr"/>
-                </a:tc>
-                <a:extLst>
-                  <a:ext uri="{0D108BD9-81ED-4DB2-BD59-A6C34878D82A}">
-                    <a16:rowId xmlns:a16="http://schemas.microsoft.com/office/drawing/2014/main" val="202424109"/>
-                  </a:ext>
-                </a:extLst>
-              </a:tr>
-              <a:tr h="390071">
-                <a:tc>
-                  <a:txBody>
-                    <a:bodyPr/>
-                    <a:lstStyle/>
-                    <a:p>
-                      <a:pPr algn="ctr" latinLnBrk="1"/>
-                      <a:r>
-                        <a:rPr lang="ko-KR" altLang="en-US" sz="1000"/>
-                        <a:t>수동모드램프</a:t>
-                      </a:r>
-                    </a:p>
-                  </a:txBody>
-                  <a:tcPr anchor="ctr"/>
-                </a:tc>
-                <a:tc>
-                  <a:txBody>
-                    <a:bodyPr/>
-                    <a:lstStyle/>
-                    <a:p>
-                      <a:pPr algn="ctr" latinLnBrk="1"/>
-                      <a:r>
-                        <a:rPr lang="en-US" altLang="ko-KR" sz="1000"/>
-                        <a:t>ALL</a:t>
-                      </a:r>
-                      <a:endParaRPr lang="ko-KR" altLang="en-US" sz="1000"/>
-                    </a:p>
-                  </a:txBody>
-                  <a:tcPr anchor="ctr"/>
-                </a:tc>
-                <a:tc>
-                  <a:txBody>
-                    <a:bodyPr/>
-                    <a:lstStyle/>
-                    <a:p>
-                      <a:pPr algn="ctr" latinLnBrk="1"/>
-                      <a:r>
-                        <a:rPr lang="en-US" altLang="ko-KR" sz="1000"/>
-                        <a:t>ManualModeLamp</a:t>
-                      </a:r>
-                      <a:endParaRPr lang="ko-KR" altLang="en-US" sz="1000"/>
-                    </a:p>
-                  </a:txBody>
-                  <a:tcPr anchor="ctr"/>
-                </a:tc>
-                <a:tc>
-                  <a:txBody>
-                    <a:bodyPr/>
-                    <a:lstStyle/>
-                    <a:p>
-                      <a:pPr algn="ctr" latinLnBrk="1"/>
-                      <a:r>
-                        <a:rPr lang="en-US" altLang="ko-KR" sz="1000"/>
-                        <a:t>bit</a:t>
-                      </a:r>
-                      <a:endParaRPr lang="ko-KR" altLang="en-US" sz="1000"/>
-                    </a:p>
-                  </a:txBody>
-                  <a:tcPr anchor="ctr"/>
-                </a:tc>
-                <a:tc>
-                  <a:txBody>
-                    <a:bodyPr/>
-                    <a:lstStyle/>
-                    <a:p>
-                      <a:pPr algn="ctr" latinLnBrk="1"/>
-                      <a:r>
-                        <a:rPr lang="en-US" altLang="ko-KR" sz="1000"/>
-                        <a:t>-</a:t>
-                      </a:r>
-                      <a:endParaRPr lang="ko-KR" altLang="en-US" sz="1000"/>
-                    </a:p>
-                  </a:txBody>
-                  <a:tcPr anchor="ctr"/>
-                </a:tc>
-                <a:tc>
-                  <a:txBody>
-                    <a:bodyPr/>
-                    <a:lstStyle/>
-                    <a:p>
-                      <a:pPr algn="ctr" latinLnBrk="1"/>
-                      <a:r>
-                        <a:rPr lang="en-US" altLang="ko-KR" sz="1000"/>
-                        <a:t>%MX1007</a:t>
-                      </a:r>
-                      <a:endParaRPr lang="ko-KR" altLang="en-US" sz="1000"/>
-                    </a:p>
-                  </a:txBody>
-                  <a:tcPr anchor="ctr"/>
-                </a:tc>
-                <a:tc>
-                  <a:txBody>
-                    <a:bodyPr/>
-                    <a:lstStyle/>
-                    <a:p>
-                      <a:pPr algn="ctr" latinLnBrk="1"/>
-                      <a:endParaRPr lang="ko-KR" altLang="en-US" sz="1000"/>
-                    </a:p>
-                  </a:txBody>
-                  <a:tcPr anchor="ctr"/>
-                </a:tc>
-                <a:tc>
-                  <a:txBody>
-                    <a:bodyPr/>
-                    <a:lstStyle/>
-                    <a:p>
-                      <a:pPr algn="ctr" latinLnBrk="1"/>
-                      <a:endParaRPr lang="ko-KR" altLang="en-US" sz="1000"/>
-                    </a:p>
-                  </a:txBody>
-                  <a:tcPr anchor="ctr"/>
-                </a:tc>
-                <a:extLst>
-                  <a:ext uri="{0D108BD9-81ED-4DB2-BD59-A6C34878D82A}">
-                    <a16:rowId xmlns:a16="http://schemas.microsoft.com/office/drawing/2014/main" val="336881165"/>
-                  </a:ext>
-                </a:extLst>
-              </a:tr>
-              <a:tr h="390071">
-                <a:tc>
-                  <a:txBody>
-                    <a:bodyPr/>
-                    <a:lstStyle/>
-                    <a:p>
-                      <a:pPr algn="ctr" latinLnBrk="1"/>
-                      <a:r>
-                        <a:rPr lang="ko-KR" altLang="en-US" sz="1000"/>
-                        <a:t>대기모드램프</a:t>
-                      </a:r>
-                    </a:p>
-                  </a:txBody>
-                  <a:tcPr anchor="ctr"/>
-                </a:tc>
-                <a:tc>
-                  <a:txBody>
-                    <a:bodyPr/>
-                    <a:lstStyle/>
-                    <a:p>
-                      <a:pPr algn="ctr" latinLnBrk="1"/>
-                      <a:r>
-                        <a:rPr lang="en-US" altLang="ko-KR" sz="1000"/>
-                        <a:t>ALL</a:t>
-                      </a:r>
-                      <a:endParaRPr lang="ko-KR" altLang="en-US" sz="1000"/>
-                    </a:p>
-                  </a:txBody>
-                  <a:tcPr anchor="ctr"/>
-                </a:tc>
-                <a:tc>
-                  <a:txBody>
-                    <a:bodyPr/>
-                    <a:lstStyle/>
-                    <a:p>
-                      <a:pPr algn="ctr" latinLnBrk="1"/>
-                      <a:r>
-                        <a:rPr lang="en-US" altLang="ko-KR" sz="1000"/>
-                        <a:t>IdleModeLamp</a:t>
-                      </a:r>
-                      <a:endParaRPr lang="ko-KR" altLang="en-US" sz="1000"/>
-                    </a:p>
-                  </a:txBody>
-                  <a:tcPr anchor="ctr"/>
-                </a:tc>
-                <a:tc>
-                  <a:txBody>
-                    <a:bodyPr/>
-                    <a:lstStyle/>
-                    <a:p>
-                      <a:pPr algn="ctr" latinLnBrk="1"/>
-                      <a:r>
-                        <a:rPr lang="en-US" altLang="ko-KR" sz="1000"/>
-                        <a:t>bit</a:t>
-                      </a:r>
-                      <a:endParaRPr lang="ko-KR" altLang="en-US" sz="1000"/>
-                    </a:p>
-                  </a:txBody>
-                  <a:tcPr anchor="ctr"/>
-                </a:tc>
-                <a:tc>
-                  <a:txBody>
-                    <a:bodyPr/>
-                    <a:lstStyle/>
-                    <a:p>
-                      <a:pPr algn="ctr" latinLnBrk="1"/>
-                      <a:r>
-                        <a:rPr lang="en-US" altLang="ko-KR" sz="1000"/>
-                        <a:t>-</a:t>
-                      </a:r>
-                      <a:endParaRPr lang="ko-KR" altLang="en-US" sz="1000"/>
-                    </a:p>
-                  </a:txBody>
-                  <a:tcPr anchor="ctr"/>
-                </a:tc>
-                <a:tc>
-                  <a:txBody>
-                    <a:bodyPr/>
-                    <a:lstStyle/>
-                    <a:p>
-                      <a:pPr algn="ctr" latinLnBrk="1"/>
-                      <a:r>
-                        <a:rPr lang="en-US" altLang="ko-KR" sz="1000"/>
-                        <a:t>%MX1008</a:t>
-                      </a:r>
-                      <a:endParaRPr lang="ko-KR" altLang="en-US" sz="1000"/>
-                    </a:p>
-                  </a:txBody>
-                  <a:tcPr anchor="ctr"/>
-                </a:tc>
-                <a:tc>
-                  <a:txBody>
-                    <a:bodyPr/>
-                    <a:lstStyle/>
-                    <a:p>
-                      <a:pPr algn="ctr" latinLnBrk="1"/>
-                      <a:endParaRPr lang="ko-KR" altLang="en-US" sz="1000"/>
-                    </a:p>
-                  </a:txBody>
-                  <a:tcPr anchor="ctr"/>
-                </a:tc>
-                <a:tc>
-                  <a:txBody>
-                    <a:bodyPr/>
-                    <a:lstStyle/>
-                    <a:p>
-                      <a:pPr algn="ctr" latinLnBrk="1"/>
-                      <a:endParaRPr lang="ko-KR" altLang="en-US" sz="1000"/>
-                    </a:p>
-                  </a:txBody>
-                  <a:tcPr anchor="ctr"/>
-                </a:tc>
-                <a:extLst>
-                  <a:ext uri="{0D108BD9-81ED-4DB2-BD59-A6C34878D82A}">
-                    <a16:rowId xmlns:a16="http://schemas.microsoft.com/office/drawing/2014/main" val="3358409199"/>
-                  </a:ext>
-                </a:extLst>
-              </a:tr>
-              <a:tr h="390071">
-                <a:tc>
-                  <a:txBody>
-                    <a:bodyPr/>
-                    <a:lstStyle/>
-                    <a:p>
-                      <a:pPr algn="ctr" latinLnBrk="1"/>
-                      <a:r>
-                        <a:rPr lang="ko-KR" altLang="en-US" sz="1000"/>
-                        <a:t>이상모드램프</a:t>
-                      </a:r>
-                    </a:p>
-                  </a:txBody>
-                  <a:tcPr anchor="ctr"/>
-                </a:tc>
-                <a:tc>
-                  <a:txBody>
-                    <a:bodyPr/>
-                    <a:lstStyle/>
-                    <a:p>
-                      <a:pPr algn="ctr" latinLnBrk="1"/>
-                      <a:r>
-                        <a:rPr lang="en-US" altLang="ko-KR" sz="1000"/>
-                        <a:t>ALL</a:t>
-                      </a:r>
-                      <a:endParaRPr lang="ko-KR" altLang="en-US" sz="1000"/>
-                    </a:p>
-                  </a:txBody>
-                  <a:tcPr anchor="ctr"/>
-                </a:tc>
-                <a:tc>
-                  <a:txBody>
-                    <a:bodyPr/>
-                    <a:lstStyle/>
-                    <a:p>
-                      <a:pPr algn="ctr" latinLnBrk="1"/>
-                      <a:r>
-                        <a:rPr lang="en-US" altLang="ko-KR" sz="1000"/>
-                        <a:t>ErrorLamp</a:t>
-                      </a:r>
-                      <a:endParaRPr lang="ko-KR" altLang="en-US" sz="1000"/>
-                    </a:p>
-                  </a:txBody>
-                  <a:tcPr anchor="ctr"/>
-                </a:tc>
-                <a:tc>
-                  <a:txBody>
-                    <a:bodyPr/>
-                    <a:lstStyle/>
-                    <a:p>
-                      <a:pPr algn="ctr" latinLnBrk="1"/>
-                      <a:r>
-                        <a:rPr lang="en-US" altLang="ko-KR" sz="1000"/>
-                        <a:t>bit</a:t>
-                      </a:r>
-                      <a:endParaRPr lang="ko-KR" altLang="en-US" sz="1000"/>
-                    </a:p>
-                  </a:txBody>
-                  <a:tcPr anchor="ctr"/>
-                </a:tc>
-                <a:tc>
-                  <a:txBody>
-                    <a:bodyPr/>
-                    <a:lstStyle/>
-                    <a:p>
-                      <a:pPr algn="ctr" latinLnBrk="1"/>
-                      <a:r>
-                        <a:rPr lang="en-US" altLang="ko-KR" sz="1000"/>
-                        <a:t>-</a:t>
-                      </a:r>
-                      <a:endParaRPr lang="ko-KR" altLang="en-US" sz="1000"/>
-                    </a:p>
-                  </a:txBody>
-                  <a:tcPr anchor="ctr"/>
-                </a:tc>
-                <a:tc>
-                  <a:txBody>
-                    <a:bodyPr/>
-                    <a:lstStyle/>
-                    <a:p>
-                      <a:pPr algn="ctr" latinLnBrk="1"/>
-                      <a:r>
-                        <a:rPr lang="en-US" altLang="ko-KR" sz="1000"/>
-                        <a:t>%MX1009</a:t>
-                      </a:r>
-                      <a:endParaRPr lang="ko-KR" altLang="en-US" sz="1000"/>
-                    </a:p>
-                  </a:txBody>
-                  <a:tcPr anchor="ctr"/>
-                </a:tc>
-                <a:tc>
-                  <a:txBody>
-                    <a:bodyPr/>
-                    <a:lstStyle/>
-                    <a:p>
-                      <a:pPr algn="ctr" latinLnBrk="1"/>
-                      <a:endParaRPr lang="ko-KR" altLang="en-US" sz="1000"/>
-                    </a:p>
-                  </a:txBody>
-                  <a:tcPr anchor="ctr"/>
-                </a:tc>
-                <a:tc>
-                  <a:txBody>
-                    <a:bodyPr/>
-                    <a:lstStyle/>
-                    <a:p>
-                      <a:pPr algn="ctr" latinLnBrk="1"/>
-                      <a:endParaRPr lang="ko-KR" altLang="en-US" sz="1000"/>
-                    </a:p>
-                  </a:txBody>
-                  <a:tcPr anchor="ctr"/>
-                </a:tc>
-                <a:extLst>
-                  <a:ext uri="{0D108BD9-81ED-4DB2-BD59-A6C34878D82A}">
-                    <a16:rowId xmlns:a16="http://schemas.microsoft.com/office/drawing/2014/main" val="3517194723"/>
-                  </a:ext>
-                </a:extLst>
-              </a:tr>
-              <a:tr h="390071">
-                <a:tc>
-                  <a:txBody>
-                    <a:bodyPr/>
-                    <a:lstStyle/>
-                    <a:p>
-                      <a:pPr algn="ctr" latinLnBrk="1"/>
-                      <a:r>
-                        <a:rPr lang="ko-KR" altLang="en-US" sz="1000"/>
-                        <a:t>원위치중램프</a:t>
-                      </a:r>
-                    </a:p>
-                  </a:txBody>
-                  <a:tcPr anchor="ctr"/>
-                </a:tc>
-                <a:tc>
-                  <a:txBody>
-                    <a:bodyPr/>
-                    <a:lstStyle/>
-                    <a:p>
-                      <a:pPr algn="ctr" latinLnBrk="1"/>
-                      <a:r>
-                        <a:rPr lang="en-US" altLang="ko-KR" sz="1000"/>
-                        <a:t>ALL</a:t>
-                      </a:r>
-                      <a:endParaRPr lang="ko-KR" altLang="en-US" sz="1000"/>
-                    </a:p>
-                  </a:txBody>
-                  <a:tcPr anchor="ctr"/>
-                </a:tc>
-                <a:tc>
-                  <a:txBody>
-                    <a:bodyPr/>
-                    <a:lstStyle/>
-                    <a:p>
-                      <a:pPr algn="ctr" latinLnBrk="1"/>
-                      <a:r>
-                        <a:rPr lang="en-US" altLang="ko-KR" sz="1000"/>
-                        <a:t>OriginStateLamp</a:t>
-                      </a:r>
-                      <a:endParaRPr lang="ko-KR" altLang="en-US" sz="1000"/>
-                    </a:p>
-                  </a:txBody>
-                  <a:tcPr anchor="ctr"/>
-                </a:tc>
-                <a:tc>
-                  <a:txBody>
-                    <a:bodyPr/>
-                    <a:lstStyle/>
-                    <a:p>
-                      <a:pPr algn="ctr" latinLnBrk="1"/>
-                      <a:r>
-                        <a:rPr lang="en-US" altLang="ko-KR" sz="1000"/>
-                        <a:t>bit</a:t>
-                      </a:r>
-                      <a:endParaRPr lang="ko-KR" altLang="en-US" sz="1000"/>
-                    </a:p>
-                  </a:txBody>
-                  <a:tcPr anchor="ctr"/>
-                </a:tc>
-                <a:tc>
-                  <a:txBody>
-                    <a:bodyPr/>
-                    <a:lstStyle/>
-                    <a:p>
-                      <a:pPr algn="ctr" latinLnBrk="1"/>
-                      <a:r>
-                        <a:rPr lang="en-US" altLang="ko-KR" sz="1000"/>
-                        <a:t>-</a:t>
-                      </a:r>
-                      <a:endParaRPr lang="ko-KR" altLang="en-US" sz="1000"/>
-                    </a:p>
-                  </a:txBody>
-                  <a:tcPr anchor="ctr"/>
-                </a:tc>
-                <a:tc>
-                  <a:txBody>
-                    <a:bodyPr/>
-                    <a:lstStyle/>
-                    <a:p>
-                      <a:pPr algn="ctr" latinLnBrk="1"/>
-                      <a:r>
-                        <a:rPr lang="en-US" altLang="ko-KR" sz="1000"/>
-                        <a:t>%MX1010</a:t>
-                      </a:r>
-                      <a:endParaRPr lang="ko-KR" altLang="en-US" sz="1000"/>
-                    </a:p>
-                  </a:txBody>
-                  <a:tcPr anchor="ctr"/>
-                </a:tc>
-                <a:tc>
-                  <a:txBody>
-                    <a:bodyPr/>
-                    <a:lstStyle/>
-                    <a:p>
-                      <a:pPr algn="ctr" latinLnBrk="1"/>
-                      <a:endParaRPr lang="ko-KR" altLang="en-US" sz="1000"/>
-                    </a:p>
-                  </a:txBody>
-                  <a:tcPr anchor="ctr"/>
-                </a:tc>
-                <a:tc>
-                  <a:txBody>
-                    <a:bodyPr/>
-                    <a:lstStyle/>
-                    <a:p>
-                      <a:pPr algn="ctr" latinLnBrk="1"/>
-                      <a:endParaRPr lang="ko-KR" altLang="en-US" sz="1000"/>
-                    </a:p>
-                  </a:txBody>
-                  <a:tcPr anchor="ctr"/>
-                </a:tc>
-                <a:extLst>
-                  <a:ext uri="{0D108BD9-81ED-4DB2-BD59-A6C34878D82A}">
-                    <a16:rowId xmlns:a16="http://schemas.microsoft.com/office/drawing/2014/main" val="1929753176"/>
-                  </a:ext>
-                </a:extLst>
-              </a:tr>
-              <a:tr h="390071">
-                <a:tc>
-                  <a:txBody>
-                    <a:bodyPr/>
-                    <a:lstStyle/>
-                    <a:p>
-                      <a:pPr algn="ctr" latinLnBrk="1"/>
-                      <a:r>
-                        <a:rPr lang="ko-KR" altLang="en-US" sz="1000"/>
-                        <a:t>준비모드램프</a:t>
-                      </a:r>
-                    </a:p>
-                  </a:txBody>
-                  <a:tcPr anchor="ctr"/>
-                </a:tc>
-                <a:tc>
-                  <a:txBody>
-                    <a:bodyPr/>
-                    <a:lstStyle/>
-                    <a:p>
-                      <a:pPr algn="ctr" latinLnBrk="1"/>
-                      <a:r>
-                        <a:rPr lang="en-US" altLang="ko-KR" sz="1000"/>
-                        <a:t>ALL</a:t>
-                      </a:r>
-                      <a:endParaRPr lang="ko-KR" altLang="en-US" sz="1000"/>
-                    </a:p>
-                  </a:txBody>
-                  <a:tcPr anchor="ctr"/>
-                </a:tc>
-                <a:tc>
-                  <a:txBody>
-                    <a:bodyPr/>
-                    <a:lstStyle/>
-                    <a:p>
-                      <a:pPr algn="ctr" latinLnBrk="1"/>
-                      <a:r>
-                        <a:rPr lang="en-US" altLang="ko-KR" sz="1000"/>
-                        <a:t>ReadyStateLamp</a:t>
-                      </a:r>
-                      <a:endParaRPr lang="ko-KR" altLang="en-US" sz="1000"/>
-                    </a:p>
-                  </a:txBody>
-                  <a:tcPr anchor="ctr"/>
-                </a:tc>
-                <a:tc>
-                  <a:txBody>
-                    <a:bodyPr/>
-                    <a:lstStyle/>
-                    <a:p>
-                      <a:pPr algn="ctr" latinLnBrk="1"/>
-                      <a:r>
-                        <a:rPr lang="en-US" altLang="ko-KR" sz="1000"/>
-                        <a:t>bit</a:t>
-                      </a:r>
-                      <a:endParaRPr lang="ko-KR" altLang="en-US" sz="1000"/>
-                    </a:p>
-                  </a:txBody>
-                  <a:tcPr anchor="ctr"/>
-                </a:tc>
-                <a:tc>
-                  <a:txBody>
-                    <a:bodyPr/>
-                    <a:lstStyle/>
-                    <a:p>
-                      <a:pPr algn="ctr" latinLnBrk="1"/>
-                      <a:r>
-                        <a:rPr lang="en-US" altLang="ko-KR" sz="1000"/>
-                        <a:t>-</a:t>
-                      </a:r>
-                      <a:endParaRPr lang="ko-KR" altLang="en-US" sz="1000"/>
-                    </a:p>
-                  </a:txBody>
-                  <a:tcPr anchor="ctr"/>
-                </a:tc>
-                <a:tc>
-                  <a:txBody>
-                    <a:bodyPr/>
-                    <a:lstStyle/>
-                    <a:p>
-                      <a:pPr algn="ctr" latinLnBrk="1"/>
-                      <a:r>
-                        <a:rPr lang="en-US" altLang="ko-KR" sz="1000"/>
-                        <a:t>%MX1011</a:t>
-                      </a:r>
-                      <a:endParaRPr lang="ko-KR" altLang="en-US" sz="1000"/>
-                    </a:p>
-                  </a:txBody>
-                  <a:tcPr anchor="ctr"/>
-                </a:tc>
-                <a:tc>
-                  <a:txBody>
-                    <a:bodyPr/>
-                    <a:lstStyle/>
-                    <a:p>
-                      <a:pPr algn="ctr" latinLnBrk="1"/>
-                      <a:endParaRPr lang="ko-KR" altLang="en-US" sz="1000"/>
-                    </a:p>
-                  </a:txBody>
-                  <a:tcPr anchor="ctr"/>
-                </a:tc>
-                <a:tc>
-                  <a:txBody>
-                    <a:bodyPr/>
-                    <a:lstStyle/>
-                    <a:p>
-                      <a:pPr algn="ctr" latinLnBrk="1"/>
-                      <a:endParaRPr lang="ko-KR" altLang="en-US" sz="1000"/>
-                    </a:p>
-                  </a:txBody>
-                  <a:tcPr anchor="ctr"/>
-                </a:tc>
-                <a:extLst>
-                  <a:ext uri="{0D108BD9-81ED-4DB2-BD59-A6C34878D82A}">
-                    <a16:rowId xmlns:a16="http://schemas.microsoft.com/office/drawing/2014/main" val="2280116358"/>
-                  </a:ext>
-                </a:extLst>
-              </a:tr>
-              <a:tr h="390071">
-                <a:tc>
-                  <a:txBody>
-                    <a:bodyPr/>
-                    <a:lstStyle/>
-                    <a:p>
-                      <a:pPr algn="ctr" latinLnBrk="1"/>
-                      <a:r>
-                        <a:rPr lang="ko-KR" altLang="en-US" sz="1000"/>
-                        <a:t>운전모드램프</a:t>
-                      </a:r>
-                    </a:p>
-                  </a:txBody>
-                  <a:tcPr anchor="ctr"/>
-                </a:tc>
-                <a:tc>
-                  <a:txBody>
-                    <a:bodyPr/>
-                    <a:lstStyle/>
-                    <a:p>
-                      <a:pPr algn="ctr" latinLnBrk="1"/>
-                      <a:r>
-                        <a:rPr lang="en-US" altLang="ko-KR" sz="1000"/>
-                        <a:t>ALL</a:t>
-                      </a:r>
-                      <a:endParaRPr lang="ko-KR" altLang="en-US" sz="1000"/>
-                    </a:p>
-                  </a:txBody>
-                  <a:tcPr anchor="ctr"/>
-                </a:tc>
-                <a:tc>
-                  <a:txBody>
-                    <a:bodyPr/>
-                    <a:lstStyle/>
-                    <a:p>
-                      <a:pPr algn="ctr" latinLnBrk="1"/>
-                      <a:r>
-                        <a:rPr lang="en-US" altLang="ko-KR" sz="1000"/>
-                        <a:t>DriveLamp</a:t>
-                      </a:r>
-                      <a:endParaRPr lang="ko-KR" altLang="en-US" sz="1000"/>
-                    </a:p>
-                  </a:txBody>
-                  <a:tcPr anchor="ctr"/>
-                </a:tc>
-                <a:tc>
-                  <a:txBody>
-                    <a:bodyPr/>
-                    <a:lstStyle/>
-                    <a:p>
-                      <a:pPr algn="ctr" latinLnBrk="1"/>
-                      <a:r>
-                        <a:rPr lang="en-US" altLang="ko-KR" sz="1000"/>
-                        <a:t>bit</a:t>
-                      </a:r>
-                      <a:endParaRPr lang="ko-KR" altLang="en-US" sz="1000"/>
-                    </a:p>
-                  </a:txBody>
-                  <a:tcPr anchor="ctr"/>
-                </a:tc>
-                <a:tc>
-                  <a:txBody>
-                    <a:bodyPr/>
-                    <a:lstStyle/>
-                    <a:p>
-                      <a:pPr algn="ctr" latinLnBrk="1"/>
-                      <a:r>
-                        <a:rPr lang="en-US" altLang="ko-KR" sz="1000"/>
-                        <a:t>-</a:t>
-                      </a:r>
-                      <a:endParaRPr lang="ko-KR" altLang="en-US" sz="1000"/>
-                    </a:p>
-                  </a:txBody>
-                  <a:tcPr anchor="ctr"/>
-                </a:tc>
-                <a:tc>
-                  <a:txBody>
-                    <a:bodyPr/>
-                    <a:lstStyle/>
-                    <a:p>
-                      <a:pPr algn="ctr" latinLnBrk="1"/>
-                      <a:r>
-                        <a:rPr lang="en-US" altLang="ko-KR" sz="1000"/>
-                        <a:t>%MX1012</a:t>
-                      </a:r>
-                      <a:endParaRPr lang="ko-KR" altLang="en-US" sz="1000"/>
-                    </a:p>
-                  </a:txBody>
-                  <a:tcPr anchor="ctr"/>
-                </a:tc>
-                <a:tc>
-                  <a:txBody>
-                    <a:bodyPr/>
-                    <a:lstStyle/>
-                    <a:p>
-                      <a:pPr algn="ctr" latinLnBrk="1"/>
-                      <a:endParaRPr lang="ko-KR" altLang="en-US" sz="1000"/>
-                    </a:p>
-                  </a:txBody>
-                  <a:tcPr anchor="ctr"/>
-                </a:tc>
-                <a:tc>
-                  <a:txBody>
-                    <a:bodyPr/>
-                    <a:lstStyle/>
-                    <a:p>
-                      <a:pPr algn="ctr" latinLnBrk="1"/>
-                      <a:endParaRPr lang="ko-KR" altLang="en-US" sz="1000"/>
-                    </a:p>
-                  </a:txBody>
-                  <a:tcPr anchor="ctr"/>
-                </a:tc>
-                <a:extLst>
-                  <a:ext uri="{0D108BD9-81ED-4DB2-BD59-A6C34878D82A}">
-                    <a16:rowId xmlns:a16="http://schemas.microsoft.com/office/drawing/2014/main" val="4213288737"/>
-                  </a:ext>
-                </a:extLst>
-              </a:tr>
-            </a:tbl>
-          </a:graphicData>
-        </a:graphic>
-      </p:graphicFrame>
-    </p:spTree>
-    <p:extLst>
-      <p:ext uri="{BB962C8B-B14F-4D97-AF65-F5344CB8AC3E}">
-        <p14:creationId xmlns:p14="http://schemas.microsoft.com/office/powerpoint/2010/main" val="2307926333"/>
-      </p:ext>
-    </p:extLst>
-  </p:cSld>
-  <p:clrMapOvr>
-    <a:masterClrMapping/>
-  </p:clrMapOvr>
-</p:sld>
-</file>
-
-<file path=ppt/slides/slide4.xml><?xml version="1.0" encoding="utf-8"?>
-<p:sld xmlns:a="http://schemas.openxmlformats.org/drawingml/2006/main" xmlns:r="http://schemas.openxmlformats.org/officeDocument/2006/relationships" xmlns:p="http://schemas.openxmlformats.org/presentationml/2006/main">
-  <p:cSld>
-    <p:bg>
-      <p:bgPr>
-        <a:solidFill>
-          <a:srgbClr val="D3D3D3"/>
-        </a:solidFill>
-        <a:effectLst/>
-      </p:bgPr>
-    </p:bg>
-    <p:spTree>
-      <p:nvGrpSpPr>
-        <p:cNvPr id="1" name=""/>
-        <p:cNvGrpSpPr/>
-        <p:nvPr/>
-      </p:nvGrpSpPr>
-      <p:grpSpPr>
-        <a:xfrm>
-          <a:off x="0" y="0"/>
-          <a:ext cx="0" cy="0"/>
-          <a:chOff x="0" y="0"/>
-          <a:chExt cx="0" cy="0"/>
-        </a:xfrm>
-      </p:grpSpPr>
-      <p:sp>
-        <p:nvSpPr>
-          <p:cNvPr id="2" name="TextBox 1">
-            <a:extLst>
-              <a:ext uri="{FF2B5EF4-FFF2-40B4-BE49-F238E27FC236}">
-                <a16:creationId xmlns:a16="http://schemas.microsoft.com/office/drawing/2014/main" id="{595F5219-3D39-8ACF-6D04-AC80216F41CE}"/>
-              </a:ext>
-            </a:extLst>
-          </p:cNvPr>
-          <p:cNvSpPr txBox="1"/>
-          <p:nvPr/>
-        </p:nvSpPr>
-        <p:spPr>
-          <a:xfrm>
-            <a:off x="254000" y="127000"/>
-            <a:ext cx="11430000" cy="381000"/>
-          </a:xfrm>
-          <a:prstGeom prst="rect">
-            <a:avLst/>
-          </a:prstGeom>
-          <a:noFill/>
-        </p:spPr>
-        <p:txBody>
-          <a:bodyPr vert="horz" rtlCol="0">
-            <a:spAutoFit/>
-          </a:bodyPr>
-          <a:lstStyle/>
-          <a:p>
-            <a:r>
-              <a:rPr lang="en-US" altLang="ko-KR"/>
-              <a:t>IO TABLE</a:t>
-            </a:r>
-            <a:endParaRPr lang="ko-KR" altLang="en-US"/>
-          </a:p>
-        </p:txBody>
-      </p:sp>
-      <p:graphicFrame>
-        <p:nvGraphicFramePr>
-          <p:cNvPr id="3" name="표 2">
-            <a:extLst>
-              <a:ext uri="{FF2B5EF4-FFF2-40B4-BE49-F238E27FC236}">
-                <a16:creationId xmlns:a16="http://schemas.microsoft.com/office/drawing/2014/main" id="{A6AE9914-46E5-EA69-D9FA-91FB031B4C93}"/>
-              </a:ext>
-            </a:extLst>
-          </p:cNvPr>
-          <p:cNvGraphicFramePr>
-            <a:graphicFrameLocks noGrp="1"/>
-          </p:cNvGraphicFramePr>
-          <p:nvPr>
-            <p:extLst>
-              <p:ext uri="{D42A27DB-BD31-4B8C-83A1-F6EECF244321}">
-                <p14:modId xmlns:p14="http://schemas.microsoft.com/office/powerpoint/2010/main" val="1515243160"/>
-              </p:ext>
-            </p:extLst>
-          </p:nvPr>
-        </p:nvGraphicFramePr>
-        <p:xfrm>
-          <a:off x="127000" y="635000"/>
-          <a:ext cx="11938000" cy="1270000"/>
-        </p:xfrm>
-        <a:graphic>
-          <a:graphicData uri="http://schemas.openxmlformats.org/drawingml/2006/table">
-            <a:tbl>
-              <a:tblPr firstRow="1" bandRow="1">
-                <a:tableStyleId>{5C22544A-7EE6-4342-B048-85BDC9FD1C3A}</a:tableStyleId>
-              </a:tblPr>
-              <a:tblGrid>
-                <a:gridCol w="929027">
-                  <a:extLst>
-                    <a:ext uri="{9D8B030D-6E8A-4147-A177-3AD203B41FA5}">
-                      <a16:colId xmlns:a16="http://schemas.microsoft.com/office/drawing/2014/main" val="2944094171"/>
-                    </a:ext>
-                  </a:extLst>
-                </a:gridCol>
-                <a:gridCol w="1486444">
-                  <a:extLst>
-                    <a:ext uri="{9D8B030D-6E8A-4147-A177-3AD203B41FA5}">
-                      <a16:colId xmlns:a16="http://schemas.microsoft.com/office/drawing/2014/main" val="330764809"/>
-                    </a:ext>
-                  </a:extLst>
-                </a:gridCol>
-                <a:gridCol w="2183214">
-                  <a:extLst>
-                    <a:ext uri="{9D8B030D-6E8A-4147-A177-3AD203B41FA5}">
-                      <a16:colId xmlns:a16="http://schemas.microsoft.com/office/drawing/2014/main" val="2439559271"/>
-                    </a:ext>
-                  </a:extLst>
-                </a:gridCol>
-                <a:gridCol w="1486444">
-                  <a:extLst>
-                    <a:ext uri="{9D8B030D-6E8A-4147-A177-3AD203B41FA5}">
-                      <a16:colId xmlns:a16="http://schemas.microsoft.com/office/drawing/2014/main" val="538289666"/>
-                    </a:ext>
-                  </a:extLst>
-                </a:gridCol>
-                <a:gridCol w="2183214">
-                  <a:extLst>
-                    <a:ext uri="{9D8B030D-6E8A-4147-A177-3AD203B41FA5}">
-                      <a16:colId xmlns:a16="http://schemas.microsoft.com/office/drawing/2014/main" val="2484664609"/>
-                    </a:ext>
-                  </a:extLst>
-                </a:gridCol>
-                <a:gridCol w="2183214">
-                  <a:extLst>
-                    <a:ext uri="{9D8B030D-6E8A-4147-A177-3AD203B41FA5}">
-                      <a16:colId xmlns:a16="http://schemas.microsoft.com/office/drawing/2014/main" val="115725444"/>
-                    </a:ext>
-                  </a:extLst>
-                </a:gridCol>
-                <a:gridCol w="743222">
-                  <a:extLst>
-                    <a:ext uri="{9D8B030D-6E8A-4147-A177-3AD203B41FA5}">
-                      <a16:colId xmlns:a16="http://schemas.microsoft.com/office/drawing/2014/main" val="2906126934"/>
-                    </a:ext>
-                  </a:extLst>
-                </a:gridCol>
-                <a:gridCol w="743222">
-                  <a:extLst>
-                    <a:ext uri="{9D8B030D-6E8A-4147-A177-3AD203B41FA5}">
-                      <a16:colId xmlns:a16="http://schemas.microsoft.com/office/drawing/2014/main" val="1165300040"/>
-                    </a:ext>
-                  </a:extLst>
-                </a:gridCol>
-              </a:tblGrid>
-              <a:tr h="254000">
-                <a:tc>
-                  <a:txBody>
-                    <a:bodyPr/>
-                    <a:lstStyle/>
-                    <a:p>
-                      <a:pPr algn="ctr" latinLnBrk="1"/>
-                      <a:r>
-                        <a:rPr lang="en-US" altLang="ko-KR" sz="1000"/>
-                        <a:t>Case</a:t>
-                      </a:r>
-                      <a:endParaRPr lang="ko-KR" altLang="en-US" sz="1000"/>
-                    </a:p>
-                  </a:txBody>
-                  <a:tcPr anchor="ctr"/>
-                </a:tc>
-                <a:tc>
-                  <a:txBody>
-                    <a:bodyPr/>
-                    <a:lstStyle/>
-                    <a:p>
-                      <a:pPr algn="ctr" latinLnBrk="1"/>
-                      <a:r>
-                        <a:rPr lang="en-US" altLang="ko-KR" sz="1000"/>
-                        <a:t>Flow</a:t>
-                      </a:r>
-                      <a:endParaRPr lang="ko-KR" altLang="en-US" sz="1000"/>
-                    </a:p>
-                  </a:txBody>
-                  <a:tcPr anchor="ctr"/>
-                </a:tc>
-                <a:tc>
-                  <a:txBody>
-                    <a:bodyPr/>
-                    <a:lstStyle/>
-                    <a:p>
-                      <a:pPr algn="ctr" latinLnBrk="1"/>
-                      <a:r>
-                        <a:rPr lang="en-US" altLang="ko-KR" sz="1000"/>
-                        <a:t>Name</a:t>
-                      </a:r>
-                      <a:endParaRPr lang="ko-KR" altLang="en-US" sz="1000"/>
-                    </a:p>
-                  </a:txBody>
-                  <a:tcPr anchor="ctr"/>
-                </a:tc>
-                <a:tc>
-                  <a:txBody>
-                    <a:bodyPr/>
-                    <a:lstStyle/>
-                    <a:p>
-                      <a:pPr algn="ctr" latinLnBrk="1"/>
-                      <a:r>
-                        <a:rPr lang="en-US" altLang="ko-KR" sz="1000"/>
-                        <a:t>DataType 
-(In:Out)</a:t>
-                      </a:r>
-                      <a:endParaRPr lang="ko-KR" altLang="en-US" sz="1000"/>
-                    </a:p>
-                  </a:txBody>
-                  <a:tcPr anchor="ctr"/>
-                </a:tc>
-                <a:tc>
-                  <a:txBody>
-                    <a:bodyPr/>
-                    <a:lstStyle/>
-                    <a:p>
-                      <a:pPr algn="ctr" latinLnBrk="1"/>
-                      <a:r>
-                        <a:rPr lang="en-US" altLang="ko-KR" sz="1000"/>
-                        <a:t>Input</a:t>
-                      </a:r>
-                      <a:endParaRPr lang="ko-KR" altLang="en-US" sz="1000"/>
-                    </a:p>
-                  </a:txBody>
-                  <a:tcPr anchor="ctr"/>
-                </a:tc>
-                <a:tc>
-                  <a:txBody>
-                    <a:bodyPr/>
-                    <a:lstStyle/>
-                    <a:p>
-                      <a:pPr algn="ctr" latinLnBrk="1"/>
-                      <a:r>
-                        <a:rPr lang="en-US" altLang="ko-KR" sz="1000"/>
-                        <a:t>Output</a:t>
-                      </a:r>
-                      <a:endParaRPr lang="ko-KR" altLang="en-US" sz="1000"/>
-                    </a:p>
-                  </a:txBody>
-                  <a:tcPr anchor="ctr"/>
-                </a:tc>
-                <a:tc>
-                  <a:txBody>
-                    <a:bodyPr/>
-                    <a:lstStyle/>
-                    <a:p>
-                      <a:pPr algn="ctr" latinLnBrk="1"/>
-                      <a:r>
-                        <a:rPr lang="en-US" altLang="ko-KR" sz="1000"/>
-                        <a:t>Symbol
-In</a:t>
-                      </a:r>
-                      <a:endParaRPr lang="ko-KR" altLang="en-US" sz="1000"/>
-                    </a:p>
-                  </a:txBody>
-                  <a:tcPr anchor="ctr"/>
-                </a:tc>
-                <a:tc>
-                  <a:txBody>
-                    <a:bodyPr/>
-                    <a:lstStyle/>
-                    <a:p>
-                      <a:pPr algn="ctr" latinLnBrk="1"/>
-                      <a:r>
-                        <a:rPr lang="en-US" altLang="ko-KR" sz="1000"/>
-                        <a:t>Symbol
-Out</a:t>
-                      </a:r>
-                      <a:endParaRPr lang="ko-KR" altLang="en-US" sz="1000"/>
-                    </a:p>
-                  </a:txBody>
-                  <a:tcPr anchor="ctr"/>
-                </a:tc>
-                <a:extLst>
-                  <a:ext uri="{0D108BD9-81ED-4DB2-BD59-A6C34878D82A}">
-                    <a16:rowId xmlns:a16="http://schemas.microsoft.com/office/drawing/2014/main" val="1567954168"/>
-                  </a:ext>
-                </a:extLst>
-              </a:tr>
-              <a:tr h="254000">
-                <a:tc>
-                  <a:txBody>
-                    <a:bodyPr/>
-                    <a:lstStyle/>
-                    <a:p>
-                      <a:pPr algn="ctr" latinLnBrk="1"/>
-                      <a:r>
-                        <a:rPr lang="ko-KR" altLang="en-US" sz="1000"/>
-                        <a:t>연산</a:t>
-                      </a:r>
-                    </a:p>
-                  </a:txBody>
-                  <a:tcPr anchor="ctr"/>
-                </a:tc>
-                <a:tc>
-                  <a:txBody>
-                    <a:bodyPr/>
-                    <a:lstStyle/>
-                    <a:p>
-                      <a:pPr algn="ctr" latinLnBrk="1"/>
-                      <a:r>
-                        <a:rPr lang="en-US" altLang="ko-KR" sz="1000"/>
-                        <a:t>-</a:t>
-                      </a:r>
-                      <a:endParaRPr lang="ko-KR" altLang="en-US" sz="1000"/>
-                    </a:p>
-                  </a:txBody>
-                  <a:tcPr anchor="ctr"/>
-                </a:tc>
-                <a:tc>
-                  <a:txBody>
-                    <a:bodyPr/>
-                    <a:lstStyle/>
-                    <a:p>
-                      <a:pPr algn="ctr" latinLnBrk="1"/>
-                      <a:endParaRPr lang="ko-KR" altLang="en-US" sz="1000"/>
-                    </a:p>
-                  </a:txBody>
-                  <a:tcPr anchor="ctr"/>
-                </a:tc>
-                <a:tc>
-                  <a:txBody>
-                    <a:bodyPr/>
-                    <a:lstStyle/>
-                    <a:p>
-                      <a:pPr algn="ctr" latinLnBrk="1"/>
-                      <a:r>
-                        <a:rPr lang="en-US" altLang="ko-KR" sz="1000"/>
-                        <a:t>-</a:t>
-                      </a:r>
-                      <a:endParaRPr lang="ko-KR" altLang="en-US" sz="1000"/>
-                    </a:p>
-                  </a:txBody>
-                  <a:tcPr anchor="ctr"/>
-                </a:tc>
-                <a:tc>
-                  <a:txBody>
-                    <a:bodyPr/>
-                    <a:lstStyle/>
-                    <a:p>
-                      <a:pPr algn="ctr" latinLnBrk="1"/>
-                      <a:endParaRPr lang="ko-KR" altLang="en-US" sz="1000"/>
-                    </a:p>
-                  </a:txBody>
-                  <a:tcPr anchor="ctr"/>
-                </a:tc>
-                <a:tc>
-                  <a:txBody>
-                    <a:bodyPr/>
-                    <a:lstStyle/>
-                    <a:p>
-                      <a:pPr algn="ctr" latinLnBrk="1"/>
-                      <a:r>
-                        <a:rPr lang="en-US" altLang="ko-KR" sz="1000"/>
-                        <a:t>-</a:t>
-                      </a:r>
-                      <a:endParaRPr lang="ko-KR" altLang="en-US" sz="1000"/>
-                    </a:p>
-                  </a:txBody>
-                  <a:tcPr anchor="ctr"/>
-                </a:tc>
-                <a:tc>
-                  <a:txBody>
-                    <a:bodyPr/>
-                    <a:lstStyle/>
-                    <a:p>
-                      <a:pPr algn="ctr" latinLnBrk="1"/>
-                      <a:r>
-                        <a:rPr lang="en-US" altLang="ko-KR" sz="1000"/>
-                        <a:t>-</a:t>
-                      </a:r>
-                      <a:endParaRPr lang="ko-KR" altLang="en-US" sz="1000"/>
-                    </a:p>
-                  </a:txBody>
-                  <a:tcPr anchor="ctr"/>
-                </a:tc>
-                <a:tc>
-                  <a:txBody>
-                    <a:bodyPr/>
-                    <a:lstStyle/>
-                    <a:p>
-                      <a:pPr algn="ctr" latinLnBrk="1"/>
-                      <a:r>
-                        <a:rPr lang="en-US" altLang="ko-KR" sz="1000"/>
-                        <a:t>-</a:t>
-                      </a:r>
-                      <a:endParaRPr lang="ko-KR" altLang="en-US" sz="1000"/>
-                    </a:p>
-                  </a:txBody>
-                  <a:tcPr anchor="ctr"/>
-                </a:tc>
-                <a:extLst>
-                  <a:ext uri="{0D108BD9-81ED-4DB2-BD59-A6C34878D82A}">
-                    <a16:rowId xmlns:a16="http://schemas.microsoft.com/office/drawing/2014/main" val="2254183432"/>
-                  </a:ext>
-                </a:extLst>
-              </a:tr>
-              <a:tr h="254000">
-                <a:tc>
-                  <a:txBody>
-                    <a:bodyPr/>
-                    <a:lstStyle/>
-                    <a:p>
-                      <a:pPr algn="ctr" latinLnBrk="1"/>
-                      <a:r>
-                        <a:rPr lang="ko-KR" altLang="en-US" sz="1000"/>
-                        <a:t>명령</a:t>
-                      </a:r>
-                    </a:p>
-                  </a:txBody>
-                  <a:tcPr anchor="ctr"/>
-                </a:tc>
-                <a:tc>
-                  <a:txBody>
-                    <a:bodyPr/>
-                    <a:lstStyle/>
-                    <a:p>
-                      <a:pPr algn="ctr" latinLnBrk="1"/>
-                      <a:r>
-                        <a:rPr lang="en-US" altLang="ko-KR" sz="1000"/>
-                        <a:t>-</a:t>
-                      </a:r>
-                      <a:endParaRPr lang="ko-KR" altLang="en-US" sz="1000"/>
-                    </a:p>
-                  </a:txBody>
-                  <a:tcPr anchor="ctr"/>
-                </a:tc>
-                <a:tc>
-                  <a:txBody>
-                    <a:bodyPr/>
-                    <a:lstStyle/>
-                    <a:p>
-                      <a:pPr algn="ctr" latinLnBrk="1"/>
-                      <a:endParaRPr lang="ko-KR" altLang="en-US" sz="1000"/>
-                    </a:p>
-                  </a:txBody>
-                  <a:tcPr anchor="ctr"/>
-                </a:tc>
-                <a:tc>
-                  <a:txBody>
-                    <a:bodyPr/>
-                    <a:lstStyle/>
-                    <a:p>
-                      <a:pPr algn="ctr" latinLnBrk="1"/>
-                      <a:r>
-                        <a:rPr lang="en-US" altLang="ko-KR" sz="1000"/>
-                        <a:t>-</a:t>
-                      </a:r>
-                      <a:endParaRPr lang="ko-KR" altLang="en-US" sz="1000"/>
-                    </a:p>
-                  </a:txBody>
-                  <a:tcPr anchor="ctr"/>
-                </a:tc>
-                <a:tc>
-                  <a:txBody>
-                    <a:bodyPr/>
-                    <a:lstStyle/>
-                    <a:p>
-                      <a:pPr algn="ctr" latinLnBrk="1"/>
-                      <a:r>
-                        <a:rPr lang="en-US" altLang="ko-KR" sz="1000"/>
-                        <a:t>-</a:t>
-                      </a:r>
-                      <a:endParaRPr lang="ko-KR" altLang="en-US" sz="1000"/>
-                    </a:p>
-                  </a:txBody>
-                  <a:tcPr anchor="ctr"/>
-                </a:tc>
-                <a:tc>
-                  <a:txBody>
-                    <a:bodyPr/>
-                    <a:lstStyle/>
-                    <a:p>
-                      <a:pPr algn="ctr" latinLnBrk="1"/>
-                      <a:endParaRPr lang="ko-KR" altLang="en-US" sz="1000"/>
-                    </a:p>
-                  </a:txBody>
-                  <a:tcPr anchor="ctr"/>
-                </a:tc>
-                <a:tc>
-                  <a:txBody>
-                    <a:bodyPr/>
-                    <a:lstStyle/>
-                    <a:p>
-                      <a:pPr algn="ctr" latinLnBrk="1"/>
-                      <a:r>
-                        <a:rPr lang="en-US" altLang="ko-KR" sz="1000"/>
-                        <a:t>-</a:t>
-                      </a:r>
-                      <a:endParaRPr lang="ko-KR" altLang="en-US" sz="1000"/>
-                    </a:p>
-                  </a:txBody>
-                  <a:tcPr anchor="ctr"/>
-                </a:tc>
-                <a:tc>
-                  <a:txBody>
-                    <a:bodyPr/>
-                    <a:lstStyle/>
-                    <a:p>
-                      <a:pPr algn="ctr" latinLnBrk="1"/>
-                      <a:r>
-                        <a:rPr lang="en-US" altLang="ko-KR" sz="1000"/>
-                        <a:t>-</a:t>
-                      </a:r>
-                      <a:endParaRPr lang="ko-KR" altLang="en-US" sz="1000"/>
-                    </a:p>
-                  </a:txBody>
-                  <a:tcPr anchor="ctr"/>
-                </a:tc>
-                <a:extLst>
-                  <a:ext uri="{0D108BD9-81ED-4DB2-BD59-A6C34878D82A}">
-                    <a16:rowId xmlns:a16="http://schemas.microsoft.com/office/drawing/2014/main" val="2402866647"/>
-                  </a:ext>
-                </a:extLst>
-              </a:tr>
-              <a:tr h="254000">
-                <a:tc>
-                  <a:txBody>
-                    <a:bodyPr/>
-                    <a:lstStyle/>
-                    <a:p>
-                      <a:pPr algn="ctr" latinLnBrk="1"/>
-                      <a:r>
-                        <a:rPr lang="ko-KR" altLang="en-US" sz="1000"/>
-                        <a:t>변수</a:t>
-                      </a:r>
-                    </a:p>
-                  </a:txBody>
-                  <a:tcPr anchor="ctr"/>
-                </a:tc>
-                <a:tc>
-                  <a:txBody>
-                    <a:bodyPr/>
-                    <a:lstStyle/>
-                    <a:p>
-                      <a:pPr algn="ctr" latinLnBrk="1"/>
-                      <a:r>
-                        <a:rPr lang="en-US" altLang="ko-KR" sz="1000"/>
-                        <a:t>-</a:t>
-                      </a:r>
-                      <a:endParaRPr lang="ko-KR" altLang="en-US" sz="1000"/>
-                    </a:p>
-                  </a:txBody>
-                  <a:tcPr anchor="ctr"/>
-                </a:tc>
-                <a:tc>
-                  <a:txBody>
-                    <a:bodyPr/>
-                    <a:lstStyle/>
-                    <a:p>
-                      <a:pPr algn="ctr" latinLnBrk="1"/>
-                      <a:endParaRPr lang="ko-KR" altLang="en-US" sz="1000"/>
-                    </a:p>
-                  </a:txBody>
-                  <a:tcPr anchor="ctr"/>
-                </a:tc>
-                <a:tc>
-                  <a:txBody>
-                    <a:bodyPr/>
-                    <a:lstStyle/>
-                    <a:p>
-                      <a:pPr algn="ctr" latinLnBrk="1"/>
-                      <a:endParaRPr lang="ko-KR" altLang="en-US" sz="1000"/>
-                    </a:p>
-                  </a:txBody>
-                  <a:tcPr anchor="ctr"/>
-                </a:tc>
-                <a:tc>
-                  <a:txBody>
-                    <a:bodyPr/>
-                    <a:lstStyle/>
-                    <a:p>
-                      <a:pPr algn="ctr" latinLnBrk="1"/>
-                      <a:r>
-                        <a:rPr lang="en-US" altLang="ko-KR" sz="1000"/>
-                        <a:t>-</a:t>
-                      </a:r>
-                      <a:endParaRPr lang="ko-KR" altLang="en-US" sz="1000"/>
-                    </a:p>
-                  </a:txBody>
-                  <a:tcPr anchor="ctr"/>
-                </a:tc>
-                <a:tc>
-                  <a:txBody>
-                    <a:bodyPr/>
-                    <a:lstStyle/>
-                    <a:p>
-                      <a:pPr algn="ctr" latinLnBrk="1"/>
-                      <a:r>
-                        <a:rPr lang="en-US" altLang="ko-KR" sz="1000"/>
-                        <a:t>-</a:t>
-                      </a:r>
-                      <a:endParaRPr lang="ko-KR" altLang="en-US" sz="1000"/>
-                    </a:p>
-                  </a:txBody>
-                  <a:tcPr anchor="ctr"/>
-                </a:tc>
-                <a:tc>
-                  <a:txBody>
-                    <a:bodyPr/>
-                    <a:lstStyle/>
-                    <a:p>
-                      <a:pPr algn="ctr" latinLnBrk="1"/>
-                      <a:r>
-                        <a:rPr lang="en-US" altLang="ko-KR" sz="1000"/>
-                        <a:t>-</a:t>
-                      </a:r>
-                      <a:endParaRPr lang="ko-KR" altLang="en-US" sz="1000"/>
-                    </a:p>
-                  </a:txBody>
-                  <a:tcPr anchor="ctr"/>
-                </a:tc>
-                <a:tc>
-                  <a:txBody>
-                    <a:bodyPr/>
-                    <a:lstStyle/>
-                    <a:p>
-                      <a:pPr algn="ctr" latinLnBrk="1"/>
-                      <a:r>
-                        <a:rPr lang="en-US" altLang="ko-KR" sz="1000"/>
-                        <a:t>-</a:t>
-                      </a:r>
-                      <a:endParaRPr lang="ko-KR" altLang="en-US" sz="1000"/>
-                    </a:p>
-                  </a:txBody>
-                  <a:tcPr anchor="ctr"/>
-                </a:tc>
-                <a:extLst>
-                  <a:ext uri="{0D108BD9-81ED-4DB2-BD59-A6C34878D82A}">
-                    <a16:rowId xmlns:a16="http://schemas.microsoft.com/office/drawing/2014/main" val="3716377998"/>
-                  </a:ext>
-                </a:extLst>
-              </a:tr>
-              <a:tr h="254000">
-                <a:tc>
-                  <a:txBody>
-                    <a:bodyPr/>
-                    <a:lstStyle/>
-                    <a:p>
-                      <a:pPr algn="ctr" latinLnBrk="1"/>
-                      <a:r>
-                        <a:rPr lang="ko-KR" altLang="en-US" sz="1000"/>
-                        <a:t>상수</a:t>
-                      </a:r>
-                    </a:p>
-                  </a:txBody>
-                  <a:tcPr anchor="ctr"/>
-                </a:tc>
-                <a:tc>
-                  <a:txBody>
-                    <a:bodyPr/>
-                    <a:lstStyle/>
-                    <a:p>
-                      <a:pPr algn="ctr" latinLnBrk="1"/>
-                      <a:r>
-                        <a:rPr lang="en-US" altLang="ko-KR" sz="1000"/>
-                        <a:t>-</a:t>
-                      </a:r>
-                      <a:endParaRPr lang="ko-KR" altLang="en-US" sz="1000"/>
-                    </a:p>
-                  </a:txBody>
-                  <a:tcPr anchor="ctr"/>
-                </a:tc>
-                <a:tc>
-                  <a:txBody>
-                    <a:bodyPr/>
-                    <a:lstStyle/>
-                    <a:p>
-                      <a:pPr algn="ctr" latinLnBrk="1"/>
-                      <a:endParaRPr lang="ko-KR" altLang="en-US" sz="1000"/>
-                    </a:p>
-                  </a:txBody>
-                  <a:tcPr anchor="ctr"/>
-                </a:tc>
-                <a:tc>
-                  <a:txBody>
-                    <a:bodyPr/>
-                    <a:lstStyle/>
-                    <a:p>
-                      <a:pPr algn="ctr" latinLnBrk="1"/>
-                      <a:endParaRPr lang="ko-KR" altLang="en-US" sz="1000"/>
-                    </a:p>
-                  </a:txBody>
-                  <a:tcPr anchor="ctr"/>
-                </a:tc>
-                <a:tc>
-                  <a:txBody>
-                    <a:bodyPr/>
-                    <a:lstStyle/>
-                    <a:p>
-                      <a:pPr algn="ctr" latinLnBrk="1"/>
-                      <a:endParaRPr lang="ko-KR" altLang="en-US" sz="1000"/>
-                    </a:p>
-                  </a:txBody>
-                  <a:tcPr anchor="ctr"/>
-                </a:tc>
-                <a:tc>
-                  <a:txBody>
-                    <a:bodyPr/>
-                    <a:lstStyle/>
-                    <a:p>
-                      <a:pPr algn="ctr" latinLnBrk="1"/>
-                      <a:r>
-                        <a:rPr lang="en-US" altLang="ko-KR" sz="1000"/>
-                        <a:t>-</a:t>
-                      </a:r>
-                      <a:endParaRPr lang="ko-KR" altLang="en-US" sz="1000"/>
-                    </a:p>
-                  </a:txBody>
-                  <a:tcPr anchor="ctr"/>
-                </a:tc>
-                <a:tc>
-                  <a:txBody>
-                    <a:bodyPr/>
-                    <a:lstStyle/>
-                    <a:p>
-                      <a:pPr algn="ctr" latinLnBrk="1"/>
-                      <a:r>
-                        <a:rPr lang="en-US" altLang="ko-KR" sz="1000"/>
-                        <a:t>-</a:t>
-                      </a:r>
-                      <a:endParaRPr lang="ko-KR" altLang="en-US" sz="1000"/>
-                    </a:p>
-                  </a:txBody>
-                  <a:tcPr anchor="ctr"/>
-                </a:tc>
-                <a:tc>
-                  <a:txBody>
-                    <a:bodyPr/>
-                    <a:lstStyle/>
-                    <a:p>
-                      <a:pPr algn="ctr" latinLnBrk="1"/>
-                      <a:r>
-                        <a:rPr lang="en-US" altLang="ko-KR" sz="1000"/>
-                        <a:t>-</a:t>
-                      </a:r>
-                      <a:endParaRPr lang="ko-KR" altLang="en-US" sz="1000"/>
-                    </a:p>
-                  </a:txBody>
-                  <a:tcPr anchor="ctr"/>
-                </a:tc>
-                <a:extLst>
-                  <a:ext uri="{0D108BD9-81ED-4DB2-BD59-A6C34878D82A}">
-                    <a16:rowId xmlns:a16="http://schemas.microsoft.com/office/drawing/2014/main" val="3993741288"/>
-                  </a:ext>
-                </a:extLst>
-              </a:tr>
-            </a:tbl>
-          </a:graphicData>
-        </a:graphic>
-      </p:graphicFrame>
-    </p:spTree>
-    <p:extLst>
-      <p:ext uri="{BB962C8B-B14F-4D97-AF65-F5344CB8AC3E}">
-        <p14:creationId xmlns:p14="http://schemas.microsoft.com/office/powerpoint/2010/main" val="218988364"/>
-      </p:ext>
-    </p:extLst>
-  </p:cSld>
-  <p:clrMapOvr>
-    <a:masterClrMapping/>
-  </p:clrMapOvr>
-</p:sld>
-</file>
-
-<file path=ppt/slides/slide5.xml><?xml version="1.0" encoding="utf-8"?>
-<p:sld xmlns:a="http://schemas.openxmlformats.org/drawingml/2006/main" xmlns:r="http://schemas.openxmlformats.org/officeDocument/2006/relationships" xmlns:p="http://schemas.openxmlformats.org/presentationml/2006/main">
-  <p:cSld>
     <p:spTree>
       <p:nvGrpSpPr>
         <p:cNvPr id="1" name=""/>
@@ -7066,10 +3111,10 @@
       </p:pic>
       <p:grpSp>
         <p:nvGrpSpPr>
-          <p:cNvPr id="43" name="그룹 42">
-            <a:extLst>
-              <a:ext uri="{FF2B5EF4-FFF2-40B4-BE49-F238E27FC236}">
-                <a16:creationId xmlns:a16="http://schemas.microsoft.com/office/drawing/2014/main" id="{F7291F13-1EC8-AE59-FA40-609753D564C4}"/>
+          <p:cNvPr id="17" name="그룹 16">
+            <a:extLst>
+              <a:ext uri="{FF2B5EF4-FFF2-40B4-BE49-F238E27FC236}">
+                <a16:creationId xmlns:a16="http://schemas.microsoft.com/office/drawing/2014/main" id="{17349C2E-1F68-DD88-38E0-53032F29374C}"/>
               </a:ext>
             </a:extLst>
           </p:cNvPr>
@@ -7516,10 +3561,10 @@
       </p:sp>
       <p:grpSp>
         <p:nvGrpSpPr>
-          <p:cNvPr id="42" name="그룹 41">
-            <a:extLst>
-              <a:ext uri="{FF2B5EF4-FFF2-40B4-BE49-F238E27FC236}">
-                <a16:creationId xmlns:a16="http://schemas.microsoft.com/office/drawing/2014/main" id="{1F9CB031-0152-0A17-E0F3-DD4F27B3CA17}"/>
+          <p:cNvPr id="16" name="그룹 15">
+            <a:extLst>
+              <a:ext uri="{FF2B5EF4-FFF2-40B4-BE49-F238E27FC236}">
+                <a16:creationId xmlns:a16="http://schemas.microsoft.com/office/drawing/2014/main" id="{65552AE8-C106-E824-FA0C-9C0E344754BB}"/>
               </a:ext>
             </a:extLst>
           </p:cNvPr>
@@ -7706,10 +3751,10 @@
       </p:grpSp>
       <p:grpSp>
         <p:nvGrpSpPr>
-          <p:cNvPr id="41" name="그룹 40">
-            <a:extLst>
-              <a:ext uri="{FF2B5EF4-FFF2-40B4-BE49-F238E27FC236}">
-                <a16:creationId xmlns:a16="http://schemas.microsoft.com/office/drawing/2014/main" id="{6225B5D1-2B36-0ABE-789D-A930EC584C89}"/>
+          <p:cNvPr id="13" name="그룹 12">
+            <a:extLst>
+              <a:ext uri="{FF2B5EF4-FFF2-40B4-BE49-F238E27FC236}">
+                <a16:creationId xmlns:a16="http://schemas.microsoft.com/office/drawing/2014/main" id="{1F577468-21EA-45B7-38A9-97CAA945EDB8}"/>
               </a:ext>
             </a:extLst>
           </p:cNvPr>
@@ -8244,10 +4289,10 @@
       </p:sp>
       <p:grpSp>
         <p:nvGrpSpPr>
-          <p:cNvPr id="35" name="그룹 34">
-            <a:extLst>
-              <a:ext uri="{FF2B5EF4-FFF2-40B4-BE49-F238E27FC236}">
-                <a16:creationId xmlns:a16="http://schemas.microsoft.com/office/drawing/2014/main" id="{86C42DC2-7608-0842-8D6C-91E11FE61431}"/>
+          <p:cNvPr id="12" name="그룹 11">
+            <a:extLst>
+              <a:ext uri="{FF2B5EF4-FFF2-40B4-BE49-F238E27FC236}">
+                <a16:creationId xmlns:a16="http://schemas.microsoft.com/office/drawing/2014/main" id="{034C791E-E31D-2084-C085-CC0379DA337A}"/>
               </a:ext>
             </a:extLst>
           </p:cNvPr>
@@ -8959,7 +5004,7 @@
 </p:sld>
 </file>
 
-<file path=ppt/slides/slide6.xml><?xml version="1.0" encoding="utf-8"?>
+<file path=ppt/slides/slide3.xml><?xml version="1.0" encoding="utf-8"?>
 <p:sld xmlns:a="http://schemas.openxmlformats.org/drawingml/2006/main" xmlns:r="http://schemas.openxmlformats.org/officeDocument/2006/relationships" xmlns:p="http://schemas.openxmlformats.org/presentationml/2006/main">
   <p:cSld>
     <p:spTree>
